--- a/images/asthma-map-logo-videos.pptx
+++ b/images/asthma-map-logo-videos.pptx
@@ -4,14 +4,27 @@
   <p:sldMasterIdLst>
     <p:sldMasterId id="2147483648" r:id="rId1"/>
   </p:sldMasterIdLst>
+  <p:notesMasterIdLst>
+    <p:notesMasterId r:id="rId19"/>
+  </p:notesMasterIdLst>
   <p:sldIdLst>
-    <p:sldId id="318" r:id="rId2"/>
-    <p:sldId id="319" r:id="rId3"/>
-    <p:sldId id="314" r:id="rId4"/>
-    <p:sldId id="315" r:id="rId5"/>
-    <p:sldId id="316" r:id="rId6"/>
-    <p:sldId id="317" r:id="rId7"/>
-    <p:sldId id="310" r:id="rId8"/>
+    <p:sldId id="324" r:id="rId2"/>
+    <p:sldId id="321" r:id="rId3"/>
+    <p:sldId id="318" r:id="rId4"/>
+    <p:sldId id="320" r:id="rId5"/>
+    <p:sldId id="319" r:id="rId6"/>
+    <p:sldId id="327" r:id="rId7"/>
+    <p:sldId id="328" r:id="rId8"/>
+    <p:sldId id="314" r:id="rId9"/>
+    <p:sldId id="330" r:id="rId10"/>
+    <p:sldId id="329" r:id="rId11"/>
+    <p:sldId id="331" r:id="rId12"/>
+    <p:sldId id="325" r:id="rId13"/>
+    <p:sldId id="315" r:id="rId14"/>
+    <p:sldId id="326" r:id="rId15"/>
+    <p:sldId id="316" r:id="rId16"/>
+    <p:sldId id="317" r:id="rId17"/>
+    <p:sldId id="310" r:id="rId18"/>
   </p:sldIdLst>
   <p:sldSz cx="12192000" cy="6858000"/>
   <p:notesSz cx="6858000" cy="9144000"/>
@@ -116,6 +129,439 @@
     </p:ext>
   </p:extLst>
 </p:presentation>
+</file>
+
+<file path=ppt/notesMasters/notesMaster1.xml><?xml version="1.0" encoding="utf-8"?>
+<p:notesMaster xmlns:a="http://schemas.openxmlformats.org/drawingml/2006/main" xmlns:r="http://schemas.openxmlformats.org/officeDocument/2006/relationships" xmlns:p="http://schemas.openxmlformats.org/presentationml/2006/main">
+  <p:cSld>
+    <p:bg>
+      <p:bgRef idx="1001">
+        <a:schemeClr val="bg1"/>
+      </p:bgRef>
+    </p:bg>
+    <p:spTree>
+      <p:nvGrpSpPr>
+        <p:cNvPr id="1" name=""/>
+        <p:cNvGrpSpPr/>
+        <p:nvPr/>
+      </p:nvGrpSpPr>
+      <p:grpSpPr>
+        <a:xfrm>
+          <a:off x="0" y="0"/>
+          <a:ext cx="0" cy="0"/>
+          <a:chOff x="0" y="0"/>
+          <a:chExt cx="0" cy="0"/>
+        </a:xfrm>
+      </p:grpSpPr>
+      <p:sp>
+        <p:nvSpPr>
+          <p:cNvPr id="2" name="Header Placeholder 1"/>
+          <p:cNvSpPr>
+            <a:spLocks noGrp="1"/>
+          </p:cNvSpPr>
+          <p:nvPr>
+            <p:ph type="hdr" sz="quarter"/>
+          </p:nvPr>
+        </p:nvSpPr>
+        <p:spPr>
+          <a:xfrm>
+            <a:off x="0" y="0"/>
+            <a:ext cx="2971800" cy="458788"/>
+          </a:xfrm>
+          <a:prstGeom prst="rect">
+            <a:avLst/>
+          </a:prstGeom>
+        </p:spPr>
+        <p:txBody>
+          <a:bodyPr vert="horz" lIns="91440" tIns="45720" rIns="91440" bIns="45720" rtlCol="0"/>
+          <a:lstStyle>
+            <a:lvl1pPr algn="l">
+              <a:defRPr sz="1200"/>
+            </a:lvl1pPr>
+          </a:lstStyle>
+          <a:p>
+            <a:endParaRPr lang="en-GB"/>
+          </a:p>
+        </p:txBody>
+      </p:sp>
+      <p:sp>
+        <p:nvSpPr>
+          <p:cNvPr id="3" name="Date Placeholder 2"/>
+          <p:cNvSpPr>
+            <a:spLocks noGrp="1"/>
+          </p:cNvSpPr>
+          <p:nvPr>
+            <p:ph type="dt" idx="1"/>
+          </p:nvPr>
+        </p:nvSpPr>
+        <p:spPr>
+          <a:xfrm>
+            <a:off x="3884613" y="0"/>
+            <a:ext cx="2971800" cy="458788"/>
+          </a:xfrm>
+          <a:prstGeom prst="rect">
+            <a:avLst/>
+          </a:prstGeom>
+        </p:spPr>
+        <p:txBody>
+          <a:bodyPr vert="horz" lIns="91440" tIns="45720" rIns="91440" bIns="45720" rtlCol="0"/>
+          <a:lstStyle>
+            <a:lvl1pPr algn="r">
+              <a:defRPr sz="1200"/>
+            </a:lvl1pPr>
+          </a:lstStyle>
+          <a:p>
+            <a:fld id="{C64C3431-50F1-5F46-8250-57B010CD8BAA}" type="datetimeFigureOut">
+              <a:rPr lang="en-GB" smtClean="0"/>
+              <a:t>11/06/2020</a:t>
+            </a:fld>
+            <a:endParaRPr lang="en-GB"/>
+          </a:p>
+        </p:txBody>
+      </p:sp>
+      <p:sp>
+        <p:nvSpPr>
+          <p:cNvPr id="4" name="Slide Image Placeholder 3"/>
+          <p:cNvSpPr>
+            <a:spLocks noGrp="1" noRot="1" noChangeAspect="1"/>
+          </p:cNvSpPr>
+          <p:nvPr>
+            <p:ph type="sldImg" idx="2"/>
+          </p:nvPr>
+        </p:nvSpPr>
+        <p:spPr>
+          <a:xfrm>
+            <a:off x="685800" y="1143000"/>
+            <a:ext cx="5486400" cy="3086100"/>
+          </a:xfrm>
+          <a:prstGeom prst="rect">
+            <a:avLst/>
+          </a:prstGeom>
+          <a:noFill/>
+          <a:ln w="12700">
+            <a:solidFill>
+              <a:prstClr val="black"/>
+            </a:solidFill>
+          </a:ln>
+        </p:spPr>
+        <p:txBody>
+          <a:bodyPr vert="horz" lIns="91440" tIns="45720" rIns="91440" bIns="45720" rtlCol="0" anchor="ctr"/>
+          <a:lstStyle/>
+          <a:p>
+            <a:endParaRPr lang="en-GB"/>
+          </a:p>
+        </p:txBody>
+      </p:sp>
+      <p:sp>
+        <p:nvSpPr>
+          <p:cNvPr id="5" name="Notes Placeholder 4"/>
+          <p:cNvSpPr>
+            <a:spLocks noGrp="1"/>
+          </p:cNvSpPr>
+          <p:nvPr>
+            <p:ph type="body" sz="quarter" idx="3"/>
+          </p:nvPr>
+        </p:nvSpPr>
+        <p:spPr>
+          <a:xfrm>
+            <a:off x="685800" y="4400550"/>
+            <a:ext cx="5486400" cy="3600450"/>
+          </a:xfrm>
+          <a:prstGeom prst="rect">
+            <a:avLst/>
+          </a:prstGeom>
+        </p:spPr>
+        <p:txBody>
+          <a:bodyPr vert="horz" lIns="91440" tIns="45720" rIns="91440" bIns="45720" rtlCol="0"/>
+          <a:lstStyle/>
+          <a:p>
+            <a:pPr lvl="0"/>
+            <a:r>
+              <a:rPr lang="en-GB"/>
+              <a:t>Click to edit Master text styles</a:t>
+            </a:r>
+          </a:p>
+          <a:p>
+            <a:pPr lvl="1"/>
+            <a:r>
+              <a:rPr lang="en-GB"/>
+              <a:t>Second level</a:t>
+            </a:r>
+          </a:p>
+          <a:p>
+            <a:pPr lvl="2"/>
+            <a:r>
+              <a:rPr lang="en-GB"/>
+              <a:t>Third level</a:t>
+            </a:r>
+          </a:p>
+          <a:p>
+            <a:pPr lvl="3"/>
+            <a:r>
+              <a:rPr lang="en-GB"/>
+              <a:t>Fourth level</a:t>
+            </a:r>
+          </a:p>
+          <a:p>
+            <a:pPr lvl="4"/>
+            <a:r>
+              <a:rPr lang="en-GB"/>
+              <a:t>Fifth level</a:t>
+            </a:r>
+          </a:p>
+        </p:txBody>
+      </p:sp>
+      <p:sp>
+        <p:nvSpPr>
+          <p:cNvPr id="6" name="Footer Placeholder 5"/>
+          <p:cNvSpPr>
+            <a:spLocks noGrp="1"/>
+          </p:cNvSpPr>
+          <p:nvPr>
+            <p:ph type="ftr" sz="quarter" idx="4"/>
+          </p:nvPr>
+        </p:nvSpPr>
+        <p:spPr>
+          <a:xfrm>
+            <a:off x="0" y="8685213"/>
+            <a:ext cx="2971800" cy="458787"/>
+          </a:xfrm>
+          <a:prstGeom prst="rect">
+            <a:avLst/>
+          </a:prstGeom>
+        </p:spPr>
+        <p:txBody>
+          <a:bodyPr vert="horz" lIns="91440" tIns="45720" rIns="91440" bIns="45720" rtlCol="0" anchor="b"/>
+          <a:lstStyle>
+            <a:lvl1pPr algn="l">
+              <a:defRPr sz="1200"/>
+            </a:lvl1pPr>
+          </a:lstStyle>
+          <a:p>
+            <a:endParaRPr lang="en-GB"/>
+          </a:p>
+        </p:txBody>
+      </p:sp>
+      <p:sp>
+        <p:nvSpPr>
+          <p:cNvPr id="7" name="Slide Number Placeholder 6"/>
+          <p:cNvSpPr>
+            <a:spLocks noGrp="1"/>
+          </p:cNvSpPr>
+          <p:nvPr>
+            <p:ph type="sldNum" sz="quarter" idx="5"/>
+          </p:nvPr>
+        </p:nvSpPr>
+        <p:spPr>
+          <a:xfrm>
+            <a:off x="3884613" y="8685213"/>
+            <a:ext cx="2971800" cy="458787"/>
+          </a:xfrm>
+          <a:prstGeom prst="rect">
+            <a:avLst/>
+          </a:prstGeom>
+        </p:spPr>
+        <p:txBody>
+          <a:bodyPr vert="horz" lIns="91440" tIns="45720" rIns="91440" bIns="45720" rtlCol="0" anchor="b"/>
+          <a:lstStyle>
+            <a:lvl1pPr algn="r">
+              <a:defRPr sz="1200"/>
+            </a:lvl1pPr>
+          </a:lstStyle>
+          <a:p>
+            <a:fld id="{294EB2F7-7ED7-8040-86AF-017AB9D5EAC3}" type="slidenum">
+              <a:rPr lang="en-GB" smtClean="0"/>
+              <a:t>‹#›</a:t>
+            </a:fld>
+            <a:endParaRPr lang="en-GB"/>
+          </a:p>
+        </p:txBody>
+      </p:sp>
+    </p:spTree>
+    <p:extLst>
+      <p:ext uri="{BB962C8B-B14F-4D97-AF65-F5344CB8AC3E}">
+        <p14:creationId xmlns:p14="http://schemas.microsoft.com/office/powerpoint/2010/main" val="380869493"/>
+      </p:ext>
+    </p:extLst>
+  </p:cSld>
+  <p:clrMap bg1="lt1" tx1="dk1" bg2="lt2" tx2="dk2" accent1="accent1" accent2="accent2" accent3="accent3" accent4="accent4" accent5="accent5" accent6="accent6" hlink="hlink" folHlink="folHlink"/>
+  <p:notesStyle>
+    <a:lvl1pPr marL="0" algn="l" defTabSz="914400" rtl="0" eaLnBrk="1" latinLnBrk="0" hangingPunct="1">
+      <a:defRPr sz="1200" kern="1200">
+        <a:solidFill>
+          <a:schemeClr val="tx1"/>
+        </a:solidFill>
+        <a:latin typeface="+mn-lt"/>
+        <a:ea typeface="+mn-ea"/>
+        <a:cs typeface="+mn-cs"/>
+      </a:defRPr>
+    </a:lvl1pPr>
+    <a:lvl2pPr marL="457200" algn="l" defTabSz="914400" rtl="0" eaLnBrk="1" latinLnBrk="0" hangingPunct="1">
+      <a:defRPr sz="1200" kern="1200">
+        <a:solidFill>
+          <a:schemeClr val="tx1"/>
+        </a:solidFill>
+        <a:latin typeface="+mn-lt"/>
+        <a:ea typeface="+mn-ea"/>
+        <a:cs typeface="+mn-cs"/>
+      </a:defRPr>
+    </a:lvl2pPr>
+    <a:lvl3pPr marL="914400" algn="l" defTabSz="914400" rtl="0" eaLnBrk="1" latinLnBrk="0" hangingPunct="1">
+      <a:defRPr sz="1200" kern="1200">
+        <a:solidFill>
+          <a:schemeClr val="tx1"/>
+        </a:solidFill>
+        <a:latin typeface="+mn-lt"/>
+        <a:ea typeface="+mn-ea"/>
+        <a:cs typeface="+mn-cs"/>
+      </a:defRPr>
+    </a:lvl3pPr>
+    <a:lvl4pPr marL="1371600" algn="l" defTabSz="914400" rtl="0" eaLnBrk="1" latinLnBrk="0" hangingPunct="1">
+      <a:defRPr sz="1200" kern="1200">
+        <a:solidFill>
+          <a:schemeClr val="tx1"/>
+        </a:solidFill>
+        <a:latin typeface="+mn-lt"/>
+        <a:ea typeface="+mn-ea"/>
+        <a:cs typeface="+mn-cs"/>
+      </a:defRPr>
+    </a:lvl4pPr>
+    <a:lvl5pPr marL="1828800" algn="l" defTabSz="914400" rtl="0" eaLnBrk="1" latinLnBrk="0" hangingPunct="1">
+      <a:defRPr sz="1200" kern="1200">
+        <a:solidFill>
+          <a:schemeClr val="tx1"/>
+        </a:solidFill>
+        <a:latin typeface="+mn-lt"/>
+        <a:ea typeface="+mn-ea"/>
+        <a:cs typeface="+mn-cs"/>
+      </a:defRPr>
+    </a:lvl5pPr>
+    <a:lvl6pPr marL="2286000" algn="l" defTabSz="914400" rtl="0" eaLnBrk="1" latinLnBrk="0" hangingPunct="1">
+      <a:defRPr sz="1200" kern="1200">
+        <a:solidFill>
+          <a:schemeClr val="tx1"/>
+        </a:solidFill>
+        <a:latin typeface="+mn-lt"/>
+        <a:ea typeface="+mn-ea"/>
+        <a:cs typeface="+mn-cs"/>
+      </a:defRPr>
+    </a:lvl6pPr>
+    <a:lvl7pPr marL="2743200" algn="l" defTabSz="914400" rtl="0" eaLnBrk="1" latinLnBrk="0" hangingPunct="1">
+      <a:defRPr sz="1200" kern="1200">
+        <a:solidFill>
+          <a:schemeClr val="tx1"/>
+        </a:solidFill>
+        <a:latin typeface="+mn-lt"/>
+        <a:ea typeface="+mn-ea"/>
+        <a:cs typeface="+mn-cs"/>
+      </a:defRPr>
+    </a:lvl7pPr>
+    <a:lvl8pPr marL="3200400" algn="l" defTabSz="914400" rtl="0" eaLnBrk="1" latinLnBrk="0" hangingPunct="1">
+      <a:defRPr sz="1200" kern="1200">
+        <a:solidFill>
+          <a:schemeClr val="tx1"/>
+        </a:solidFill>
+        <a:latin typeface="+mn-lt"/>
+        <a:ea typeface="+mn-ea"/>
+        <a:cs typeface="+mn-cs"/>
+      </a:defRPr>
+    </a:lvl8pPr>
+    <a:lvl9pPr marL="3657600" algn="l" defTabSz="914400" rtl="0" eaLnBrk="1" latinLnBrk="0" hangingPunct="1">
+      <a:defRPr sz="1200" kern="1200">
+        <a:solidFill>
+          <a:schemeClr val="tx1"/>
+        </a:solidFill>
+        <a:latin typeface="+mn-lt"/>
+        <a:ea typeface="+mn-ea"/>
+        <a:cs typeface="+mn-cs"/>
+      </a:defRPr>
+    </a:lvl9pPr>
+  </p:notesStyle>
+</p:notesMaster>
+</file>
+
+<file path=ppt/notesSlides/notesSlide1.xml><?xml version="1.0" encoding="utf-8"?>
+<p:notes xmlns:a="http://schemas.openxmlformats.org/drawingml/2006/main" xmlns:r="http://schemas.openxmlformats.org/officeDocument/2006/relationships" xmlns:p="http://schemas.openxmlformats.org/presentationml/2006/main">
+  <p:cSld>
+    <p:spTree>
+      <p:nvGrpSpPr>
+        <p:cNvPr id="1" name=""/>
+        <p:cNvGrpSpPr/>
+        <p:nvPr/>
+      </p:nvGrpSpPr>
+      <p:grpSpPr>
+        <a:xfrm>
+          <a:off x="0" y="0"/>
+          <a:ext cx="0" cy="0"/>
+          <a:chOff x="0" y="0"/>
+          <a:chExt cx="0" cy="0"/>
+        </a:xfrm>
+      </p:grpSpPr>
+      <p:sp>
+        <p:nvSpPr>
+          <p:cNvPr id="2" name="Slide Image Placeholder 1"/>
+          <p:cNvSpPr>
+            <a:spLocks noGrp="1" noRot="1" noChangeAspect="1"/>
+          </p:cNvSpPr>
+          <p:nvPr>
+            <p:ph type="sldImg"/>
+          </p:nvPr>
+        </p:nvSpPr>
+        <p:spPr/>
+      </p:sp>
+      <p:sp>
+        <p:nvSpPr>
+          <p:cNvPr id="3" name="Notes Placeholder 2"/>
+          <p:cNvSpPr>
+            <a:spLocks noGrp="1"/>
+          </p:cNvSpPr>
+          <p:nvPr>
+            <p:ph type="body" idx="1"/>
+          </p:nvPr>
+        </p:nvSpPr>
+        <p:spPr/>
+        <p:txBody>
+          <a:bodyPr/>
+          <a:lstStyle/>
+          <a:p>
+            <a:endParaRPr lang="en-GB" dirty="0"/>
+          </a:p>
+        </p:txBody>
+      </p:sp>
+      <p:sp>
+        <p:nvSpPr>
+          <p:cNvPr id="4" name="Slide Number Placeholder 3"/>
+          <p:cNvSpPr>
+            <a:spLocks noGrp="1"/>
+          </p:cNvSpPr>
+          <p:nvPr>
+            <p:ph type="sldNum" sz="quarter" idx="5"/>
+          </p:nvPr>
+        </p:nvSpPr>
+        <p:spPr/>
+        <p:txBody>
+          <a:bodyPr/>
+          <a:lstStyle/>
+          <a:p>
+            <a:fld id="{294EB2F7-7ED7-8040-86AF-017AB9D5EAC3}" type="slidenum">
+              <a:rPr lang="en-GB" smtClean="0"/>
+              <a:t>1</a:t>
+            </a:fld>
+            <a:endParaRPr lang="en-GB"/>
+          </a:p>
+        </p:txBody>
+      </p:sp>
+    </p:spTree>
+    <p:extLst>
+      <p:ext uri="{BB962C8B-B14F-4D97-AF65-F5344CB8AC3E}">
+        <p14:creationId xmlns:p14="http://schemas.microsoft.com/office/powerpoint/2010/main" val="1946868592"/>
+      </p:ext>
+    </p:extLst>
+  </p:cSld>
+  <p:clrMapOvr>
+    <a:masterClrMapping/>
+  </p:clrMapOvr>
+</p:notes>
 </file>
 
 <file path=ppt/slideLayouts/slideLayout1.xml><?xml version="1.0" encoding="utf-8"?>
@@ -4338,12 +4784,42 @@
           <a:chExt cx="0" cy="0"/>
         </a:xfrm>
       </p:grpSpPr>
+      <p:pic>
+        <p:nvPicPr>
+          <p:cNvPr id="4" name="Picture 3">
+            <a:extLst>
+              <a:ext uri="{FF2B5EF4-FFF2-40B4-BE49-F238E27FC236}">
+                <a16:creationId xmlns:a16="http://schemas.microsoft.com/office/drawing/2014/main" id="{5ECEFF7C-DDA4-3940-945A-D2F875F97B2E}"/>
+              </a:ext>
+            </a:extLst>
+          </p:cNvPr>
+          <p:cNvPicPr>
+            <a:picLocks noChangeAspect="1"/>
+          </p:cNvPicPr>
+          <p:nvPr/>
+        </p:nvPicPr>
+        <p:blipFill>
+          <a:blip r:embed="rId3"/>
+          <a:stretch>
+            <a:fillRect/>
+          </a:stretch>
+        </p:blipFill>
+        <p:spPr>
+          <a:xfrm>
+            <a:off x="0" y="0"/>
+            <a:ext cx="12192000" cy="6858000"/>
+          </a:xfrm>
+          <a:prstGeom prst="rect">
+            <a:avLst/>
+          </a:prstGeom>
+        </p:spPr>
+      </p:pic>
       <p:sp>
         <p:nvSpPr>
-          <p:cNvPr id="2" name="Rectangle 1">
+          <p:cNvPr id="6" name="Rectangle 5">
             <a:extLst>
               <a:ext uri="{FF2B5EF4-FFF2-40B4-BE49-F238E27FC236}">
-                <a16:creationId xmlns:a16="http://schemas.microsoft.com/office/drawing/2014/main" id="{7F5D3B9B-FCB9-974F-9972-DD237E4D88E9}"/>
+                <a16:creationId xmlns:a16="http://schemas.microsoft.com/office/drawing/2014/main" id="{26134405-6251-7644-8C36-E47E24DA7038}"/>
               </a:ext>
             </a:extLst>
           </p:cNvPr>
@@ -4352,14 +4828,16 @@
         </p:nvSpPr>
         <p:spPr>
           <a:xfrm>
-            <a:off x="0" y="0"/>
+            <a:off x="0" y="-1"/>
             <a:ext cx="12192000" cy="6858000"/>
           </a:xfrm>
           <a:prstGeom prst="rect">
             <a:avLst/>
           </a:prstGeom>
           <a:solidFill>
-            <a:srgbClr val="7792B0"/>
+            <a:srgbClr val="60758D">
+              <a:alpha val="50196"/>
+            </a:srgbClr>
           </a:solidFill>
           <a:ln>
             <a:noFill/>
@@ -4422,24 +4900,13 @@
             <a:r>
               <a:rPr lang="en-US" sz="7200" b="1" dirty="0">
                 <a:solidFill>
-                  <a:srgbClr val="C7D2E0"/>
-                </a:solidFill>
-                <a:latin typeface="Georgia" charset="0"/>
-                <a:ea typeface="Georgia" charset="0"/>
-                <a:cs typeface="Georgia" charset="0"/>
-              </a:rPr>
-              <a:t>Adding </a:t>
-            </a:r>
-            <a:r>
-              <a:rPr lang="en-US" sz="7200" b="1" dirty="0">
-                <a:solidFill>
                   <a:schemeClr val="bg1"/>
                 </a:solidFill>
                 <a:latin typeface="Georgia" charset="0"/>
                 <a:ea typeface="Georgia" charset="0"/>
                 <a:cs typeface="Georgia" charset="0"/>
               </a:rPr>
-              <a:t>comments</a:t>
+              <a:t>Adding comments</a:t>
             </a:r>
           </a:p>
         </p:txBody>
@@ -4447,7 +4914,7 @@
     </p:spTree>
     <p:extLst>
       <p:ext uri="{BB962C8B-B14F-4D97-AF65-F5344CB8AC3E}">
-        <p14:creationId xmlns:p14="http://schemas.microsoft.com/office/powerpoint/2010/main" val="860297010"/>
+        <p14:creationId xmlns:p14="http://schemas.microsoft.com/office/powerpoint/2010/main" val="1920831918"/>
       </p:ext>
     </p:extLst>
   </p:cSld>
@@ -4457,143 +4924,7 @@
 </p:sld>
 </file>
 
-<file path=ppt/slides/slide2.xml><?xml version="1.0" encoding="utf-8"?>
-<p:sld xmlns:a="http://schemas.openxmlformats.org/drawingml/2006/main" xmlns:r="http://schemas.openxmlformats.org/officeDocument/2006/relationships" xmlns:p="http://schemas.openxmlformats.org/presentationml/2006/main">
-  <p:cSld>
-    <p:spTree>
-      <p:nvGrpSpPr>
-        <p:cNvPr id="1" name=""/>
-        <p:cNvGrpSpPr/>
-        <p:nvPr/>
-      </p:nvGrpSpPr>
-      <p:grpSpPr>
-        <a:xfrm>
-          <a:off x="0" y="0"/>
-          <a:ext cx="0" cy="0"/>
-          <a:chOff x="0" y="0"/>
-          <a:chExt cx="0" cy="0"/>
-        </a:xfrm>
-      </p:grpSpPr>
-      <p:sp>
-        <p:nvSpPr>
-          <p:cNvPr id="2" name="Rectangle 1">
-            <a:extLst>
-              <a:ext uri="{FF2B5EF4-FFF2-40B4-BE49-F238E27FC236}">
-                <a16:creationId xmlns:a16="http://schemas.microsoft.com/office/drawing/2014/main" id="{7F5D3B9B-FCB9-974F-9972-DD237E4D88E9}"/>
-              </a:ext>
-            </a:extLst>
-          </p:cNvPr>
-          <p:cNvSpPr/>
-          <p:nvPr/>
-        </p:nvSpPr>
-        <p:spPr>
-          <a:xfrm>
-            <a:off x="0" y="0"/>
-            <a:ext cx="12192000" cy="6858000"/>
-          </a:xfrm>
-          <a:prstGeom prst="rect">
-            <a:avLst/>
-          </a:prstGeom>
-          <a:solidFill>
-            <a:srgbClr val="7792B0"/>
-          </a:solidFill>
-          <a:ln>
-            <a:noFill/>
-          </a:ln>
-        </p:spPr>
-        <p:style>
-          <a:lnRef idx="2">
-            <a:schemeClr val="accent1">
-              <a:shade val="50000"/>
-            </a:schemeClr>
-          </a:lnRef>
-          <a:fillRef idx="1">
-            <a:schemeClr val="accent1"/>
-          </a:fillRef>
-          <a:effectRef idx="0">
-            <a:schemeClr val="accent1"/>
-          </a:effectRef>
-          <a:fontRef idx="minor">
-            <a:schemeClr val="lt1"/>
-          </a:fontRef>
-        </p:style>
-        <p:txBody>
-          <a:bodyPr rtlCol="0" anchor="ctr"/>
-          <a:lstStyle/>
-          <a:p>
-            <a:pPr algn="ctr"/>
-            <a:endParaRPr lang="en-GB"/>
-          </a:p>
-        </p:txBody>
-      </p:sp>
-      <p:sp>
-        <p:nvSpPr>
-          <p:cNvPr id="23" name="TextBox 22">
-            <a:extLst>
-              <a:ext uri="{FF2B5EF4-FFF2-40B4-BE49-F238E27FC236}">
-                <a16:creationId xmlns:a16="http://schemas.microsoft.com/office/drawing/2014/main" id="{A36453A2-7193-784D-8062-CF2650A8C149}"/>
-              </a:ext>
-            </a:extLst>
-          </p:cNvPr>
-          <p:cNvSpPr txBox="1"/>
-          <p:nvPr/>
-        </p:nvSpPr>
-        <p:spPr>
-          <a:xfrm>
-            <a:off x="1698001" y="2828835"/>
-            <a:ext cx="8795998" cy="1200329"/>
-          </a:xfrm>
-          <a:prstGeom prst="rect">
-            <a:avLst/>
-          </a:prstGeom>
-          <a:noFill/>
-        </p:spPr>
-        <p:txBody>
-          <a:bodyPr wrap="none" rtlCol="0">
-            <a:spAutoFit/>
-          </a:bodyPr>
-          <a:lstStyle/>
-          <a:p>
-            <a:pPr algn="ctr"/>
-            <a:r>
-              <a:rPr lang="en-US" sz="7200" b="1" dirty="0">
-                <a:solidFill>
-                  <a:srgbClr val="C7D2E0"/>
-                </a:solidFill>
-                <a:latin typeface="Georgia" charset="0"/>
-                <a:ea typeface="Georgia" charset="0"/>
-                <a:cs typeface="Georgia" charset="0"/>
-              </a:rPr>
-              <a:t>Adding </a:t>
-            </a:r>
-            <a:r>
-              <a:rPr lang="en-US" sz="7200" b="1" dirty="0">
-                <a:solidFill>
-                  <a:schemeClr val="bg1"/>
-                </a:solidFill>
-                <a:latin typeface="Georgia" charset="0"/>
-                <a:ea typeface="Georgia" charset="0"/>
-                <a:cs typeface="Georgia" charset="0"/>
-              </a:rPr>
-              <a:t>comments</a:t>
-            </a:r>
-          </a:p>
-        </p:txBody>
-      </p:sp>
-    </p:spTree>
-    <p:extLst>
-      <p:ext uri="{BB962C8B-B14F-4D97-AF65-F5344CB8AC3E}">
-        <p14:creationId xmlns:p14="http://schemas.microsoft.com/office/powerpoint/2010/main" val="1197186908"/>
-      </p:ext>
-    </p:extLst>
-  </p:cSld>
-  <p:clrMapOvr>
-    <a:masterClrMapping/>
-  </p:clrMapOvr>
-</p:sld>
-</file>
-
-<file path=ppt/slides/slide3.xml><?xml version="1.0" encoding="utf-8"?>
+<file path=ppt/slides/slide10.xml><?xml version="1.0" encoding="utf-8"?>
 <p:sld xmlns:a="http://schemas.openxmlformats.org/drawingml/2006/main" xmlns:r="http://schemas.openxmlformats.org/officeDocument/2006/relationships" xmlns:p="http://schemas.openxmlformats.org/presentationml/2006/main">
   <p:cSld>
     <p:spTree>
@@ -4657,7 +4988,7 @@
             <a:solidFill>
               <a:schemeClr val="bg1"/>
             </a:solidFill>
-            <a:ln>
+            <a:ln w="38100">
               <a:solidFill>
                 <a:srgbClr val="8C9EBF"/>
               </a:solidFill>
@@ -5400,7 +5731,7 @@
     </p:spTree>
     <p:extLst>
       <p:ext uri="{BB962C8B-B14F-4D97-AF65-F5344CB8AC3E}">
-        <p14:creationId xmlns:p14="http://schemas.microsoft.com/office/powerpoint/2010/main" val="1748658339"/>
+        <p14:creationId xmlns:p14="http://schemas.microsoft.com/office/powerpoint/2010/main" val="2684532912"/>
       </p:ext>
     </p:extLst>
   </p:cSld>
@@ -5410,7 +5741,1641 @@
 </p:sld>
 </file>
 
-<file path=ppt/slides/slide4.xml><?xml version="1.0" encoding="utf-8"?>
+<file path=ppt/slides/slide11.xml><?xml version="1.0" encoding="utf-8"?>
+<p:sld xmlns:a="http://schemas.openxmlformats.org/drawingml/2006/main" xmlns:r="http://schemas.openxmlformats.org/officeDocument/2006/relationships" xmlns:p="http://schemas.openxmlformats.org/presentationml/2006/main">
+  <p:cSld>
+    <p:spTree>
+      <p:nvGrpSpPr>
+        <p:cNvPr id="1" name=""/>
+        <p:cNvGrpSpPr/>
+        <p:nvPr/>
+      </p:nvGrpSpPr>
+      <p:grpSpPr>
+        <a:xfrm>
+          <a:off x="0" y="0"/>
+          <a:ext cx="0" cy="0"/>
+          <a:chOff x="0" y="0"/>
+          <a:chExt cx="0" cy="0"/>
+        </a:xfrm>
+      </p:grpSpPr>
+      <p:grpSp>
+        <p:nvGrpSpPr>
+          <p:cNvPr id="18" name="Group 17">
+            <a:extLst>
+              <a:ext uri="{FF2B5EF4-FFF2-40B4-BE49-F238E27FC236}">
+                <a16:creationId xmlns:a16="http://schemas.microsoft.com/office/drawing/2014/main" id="{40CAE8A6-E783-0B4C-A7D0-764F23765FE7}"/>
+              </a:ext>
+            </a:extLst>
+          </p:cNvPr>
+          <p:cNvGrpSpPr>
+            <a:grpSpLocks noChangeAspect="1"/>
+          </p:cNvGrpSpPr>
+          <p:nvPr/>
+        </p:nvGrpSpPr>
+        <p:grpSpPr>
+          <a:xfrm>
+            <a:off x="1197829" y="1916412"/>
+            <a:ext cx="2803569" cy="2803662"/>
+            <a:chOff x="8330814" y="407432"/>
+            <a:chExt cx="2803569" cy="2803662"/>
+          </a:xfrm>
+        </p:grpSpPr>
+        <p:sp>
+          <p:nvSpPr>
+            <p:cNvPr id="19" name="Oval 18">
+              <a:extLst>
+                <a:ext uri="{FF2B5EF4-FFF2-40B4-BE49-F238E27FC236}">
+                  <a16:creationId xmlns:a16="http://schemas.microsoft.com/office/drawing/2014/main" id="{04D0373E-9A38-504E-9703-8928BE4B4A12}"/>
+                </a:ext>
+              </a:extLst>
+            </p:cNvPr>
+            <p:cNvSpPr>
+              <a:spLocks noChangeAspect="1"/>
+            </p:cNvSpPr>
+            <p:nvPr/>
+          </p:nvSpPr>
+          <p:spPr>
+            <a:xfrm>
+              <a:off x="8330814" y="407432"/>
+              <a:ext cx="2803569" cy="2803662"/>
+            </a:xfrm>
+            <a:prstGeom prst="ellipse">
+              <a:avLst/>
+            </a:prstGeom>
+            <a:solidFill>
+              <a:schemeClr val="bg1"/>
+            </a:solidFill>
+            <a:ln w="38100">
+              <a:solidFill>
+                <a:srgbClr val="8C9EBF"/>
+              </a:solidFill>
+            </a:ln>
+          </p:spPr>
+          <p:style>
+            <a:lnRef idx="2">
+              <a:schemeClr val="accent1">
+                <a:shade val="50000"/>
+              </a:schemeClr>
+            </a:lnRef>
+            <a:fillRef idx="1">
+              <a:schemeClr val="accent1"/>
+            </a:fillRef>
+            <a:effectRef idx="0">
+              <a:schemeClr val="accent1"/>
+            </a:effectRef>
+            <a:fontRef idx="minor">
+              <a:schemeClr val="lt1"/>
+            </a:fontRef>
+          </p:style>
+          <p:txBody>
+            <a:bodyPr rtlCol="0" anchor="ctr"/>
+            <a:lstStyle/>
+            <a:p>
+              <a:pPr algn="ctr"/>
+              <a:endParaRPr lang="en-GB">
+                <a:solidFill>
+                  <a:srgbClr val="8C9EBF"/>
+                </a:solidFill>
+              </a:endParaRPr>
+            </a:p>
+          </p:txBody>
+        </p:sp>
+        <p:grpSp>
+          <p:nvGrpSpPr>
+            <p:cNvPr id="20" name="Group 19">
+              <a:extLst>
+                <a:ext uri="{FF2B5EF4-FFF2-40B4-BE49-F238E27FC236}">
+                  <a16:creationId xmlns:a16="http://schemas.microsoft.com/office/drawing/2014/main" id="{532D35FC-C13F-4040-9D3A-4ACDD922CADF}"/>
+                </a:ext>
+              </a:extLst>
+            </p:cNvPr>
+            <p:cNvGrpSpPr/>
+            <p:nvPr/>
+          </p:nvGrpSpPr>
+          <p:grpSpPr>
+            <a:xfrm>
+              <a:off x="8616673" y="478224"/>
+              <a:ext cx="2279791" cy="2420611"/>
+              <a:chOff x="321532" y="1366602"/>
+              <a:chExt cx="2279791" cy="2420611"/>
+            </a:xfrm>
+          </p:grpSpPr>
+          <p:sp>
+            <p:nvSpPr>
+              <p:cNvPr id="21" name="TextBox 20">
+                <a:extLst>
+                  <a:ext uri="{FF2B5EF4-FFF2-40B4-BE49-F238E27FC236}">
+                    <a16:creationId xmlns:a16="http://schemas.microsoft.com/office/drawing/2014/main" id="{6E67064F-3FBD-1945-8CEA-746ED06B0827}"/>
+                  </a:ext>
+                </a:extLst>
+              </p:cNvPr>
+              <p:cNvSpPr txBox="1"/>
+              <p:nvPr/>
+            </p:nvSpPr>
+            <p:spPr>
+              <a:xfrm>
+                <a:off x="321532" y="1366602"/>
+                <a:ext cx="2202847" cy="1200329"/>
+              </a:xfrm>
+              <a:prstGeom prst="rect">
+                <a:avLst/>
+              </a:prstGeom>
+              <a:noFill/>
+            </p:spPr>
+            <p:txBody>
+              <a:bodyPr wrap="none" rtlCol="0">
+                <a:spAutoFit/>
+              </a:bodyPr>
+              <a:lstStyle/>
+              <a:p>
+                <a:r>
+                  <a:rPr lang="en-US" sz="7200" b="1" dirty="0" err="1">
+                    <a:solidFill>
+                      <a:srgbClr val="8C9EBF"/>
+                    </a:solidFill>
+                    <a:latin typeface="Georgia" charset="0"/>
+                    <a:ea typeface="Georgia" charset="0"/>
+                    <a:cs typeface="Georgia" charset="0"/>
+                  </a:rPr>
+                  <a:t>asth</a:t>
+                </a:r>
+                <a:endParaRPr lang="en-US" sz="7200" b="1" dirty="0">
+                  <a:solidFill>
+                    <a:srgbClr val="8C9EBF"/>
+                  </a:solidFill>
+                  <a:latin typeface="Georgia" charset="0"/>
+                  <a:ea typeface="Georgia" charset="0"/>
+                  <a:cs typeface="Georgia" charset="0"/>
+                </a:endParaRPr>
+              </a:p>
+            </p:txBody>
+          </p:sp>
+          <p:sp>
+            <p:nvSpPr>
+              <p:cNvPr id="22" name="TextBox 21">
+                <a:extLst>
+                  <a:ext uri="{FF2B5EF4-FFF2-40B4-BE49-F238E27FC236}">
+                    <a16:creationId xmlns:a16="http://schemas.microsoft.com/office/drawing/2014/main" id="{5698AC2B-169B-3248-A3D3-FA82C6D3EF3D}"/>
+                  </a:ext>
+                </a:extLst>
+              </p:cNvPr>
+              <p:cNvSpPr txBox="1"/>
+              <p:nvPr/>
+            </p:nvSpPr>
+            <p:spPr>
+              <a:xfrm>
+                <a:off x="321532" y="1976743"/>
+                <a:ext cx="1672253" cy="1200329"/>
+              </a:xfrm>
+              <a:prstGeom prst="rect">
+                <a:avLst/>
+              </a:prstGeom>
+              <a:noFill/>
+            </p:spPr>
+            <p:txBody>
+              <a:bodyPr wrap="none" rtlCol="0">
+                <a:spAutoFit/>
+              </a:bodyPr>
+              <a:lstStyle/>
+              <a:p>
+                <a:r>
+                  <a:rPr lang="en-US" sz="7200" b="1" dirty="0">
+                    <a:solidFill>
+                      <a:srgbClr val="8C9EBF"/>
+                    </a:solidFill>
+                    <a:latin typeface="Georgia" charset="0"/>
+                    <a:ea typeface="Georgia" charset="0"/>
+                    <a:cs typeface="Georgia" charset="0"/>
+                  </a:rPr>
+                  <a:t>ma</a:t>
+                </a:r>
+              </a:p>
+            </p:txBody>
+          </p:sp>
+          <p:sp>
+            <p:nvSpPr>
+              <p:cNvPr id="23" name="TextBox 22">
+                <a:extLst>
+                  <a:ext uri="{FF2B5EF4-FFF2-40B4-BE49-F238E27FC236}">
+                    <a16:creationId xmlns:a16="http://schemas.microsoft.com/office/drawing/2014/main" id="{B470AD9B-FA81-264D-A5F1-223DC8265A22}"/>
+                  </a:ext>
+                </a:extLst>
+              </p:cNvPr>
+              <p:cNvSpPr txBox="1"/>
+              <p:nvPr/>
+            </p:nvSpPr>
+            <p:spPr>
+              <a:xfrm>
+                <a:off x="321532" y="2586884"/>
+                <a:ext cx="2279791" cy="1200329"/>
+              </a:xfrm>
+              <a:prstGeom prst="rect">
+                <a:avLst/>
+              </a:prstGeom>
+              <a:noFill/>
+            </p:spPr>
+            <p:txBody>
+              <a:bodyPr wrap="none" rtlCol="0">
+                <a:spAutoFit/>
+              </a:bodyPr>
+              <a:lstStyle/>
+              <a:p>
+                <a:r>
+                  <a:rPr lang="en-US" sz="7200" b="1" dirty="0">
+                    <a:solidFill>
+                      <a:srgbClr val="2E5287"/>
+                    </a:solidFill>
+                    <a:latin typeface="Georgia" charset="0"/>
+                    <a:ea typeface="Georgia" charset="0"/>
+                    <a:cs typeface="Georgia" charset="0"/>
+                  </a:rPr>
+                  <a:t>map</a:t>
+                </a:r>
+              </a:p>
+            </p:txBody>
+          </p:sp>
+        </p:grpSp>
+      </p:grpSp>
+      <p:grpSp>
+        <p:nvGrpSpPr>
+          <p:cNvPr id="24" name="Group 23">
+            <a:extLst>
+              <a:ext uri="{FF2B5EF4-FFF2-40B4-BE49-F238E27FC236}">
+                <a16:creationId xmlns:a16="http://schemas.microsoft.com/office/drawing/2014/main" id="{C653B9FF-ED75-C749-AF92-FDFA99EE0D95}"/>
+              </a:ext>
+            </a:extLst>
+          </p:cNvPr>
+          <p:cNvGrpSpPr>
+            <a:grpSpLocks noChangeAspect="1"/>
+          </p:cNvGrpSpPr>
+          <p:nvPr/>
+        </p:nvGrpSpPr>
+        <p:grpSpPr>
+          <a:xfrm>
+            <a:off x="4694215" y="2027169"/>
+            <a:ext cx="2803569" cy="2803662"/>
+            <a:chOff x="4441182" y="1729701"/>
+            <a:chExt cx="2803569" cy="2803662"/>
+          </a:xfrm>
+        </p:grpSpPr>
+        <p:sp>
+          <p:nvSpPr>
+            <p:cNvPr id="25" name="Oval 24">
+              <a:extLst>
+                <a:ext uri="{FF2B5EF4-FFF2-40B4-BE49-F238E27FC236}">
+                  <a16:creationId xmlns:a16="http://schemas.microsoft.com/office/drawing/2014/main" id="{AE068E1E-CFD5-054E-A9AF-F92AF924963A}"/>
+                </a:ext>
+              </a:extLst>
+            </p:cNvPr>
+            <p:cNvSpPr>
+              <a:spLocks noChangeAspect="1"/>
+            </p:cNvSpPr>
+            <p:nvPr/>
+          </p:nvSpPr>
+          <p:spPr>
+            <a:xfrm>
+              <a:off x="4441182" y="1729701"/>
+              <a:ext cx="2803569" cy="2803662"/>
+            </a:xfrm>
+            <a:prstGeom prst="ellipse">
+              <a:avLst/>
+            </a:prstGeom>
+            <a:solidFill>
+              <a:srgbClr val="7792B0"/>
+            </a:solidFill>
+            <a:ln>
+              <a:solidFill>
+                <a:srgbClr val="8C9EBF"/>
+              </a:solidFill>
+            </a:ln>
+          </p:spPr>
+          <p:style>
+            <a:lnRef idx="2">
+              <a:schemeClr val="accent1">
+                <a:shade val="50000"/>
+              </a:schemeClr>
+            </a:lnRef>
+            <a:fillRef idx="1">
+              <a:schemeClr val="accent1"/>
+            </a:fillRef>
+            <a:effectRef idx="0">
+              <a:schemeClr val="accent1"/>
+            </a:effectRef>
+            <a:fontRef idx="minor">
+              <a:schemeClr val="lt1"/>
+            </a:fontRef>
+          </p:style>
+          <p:txBody>
+            <a:bodyPr rtlCol="0" anchor="ctr"/>
+            <a:lstStyle/>
+            <a:p>
+              <a:pPr algn="ctr"/>
+              <a:endParaRPr lang="en-GB">
+                <a:solidFill>
+                  <a:srgbClr val="8C9EBF"/>
+                </a:solidFill>
+              </a:endParaRPr>
+            </a:p>
+          </p:txBody>
+        </p:sp>
+        <p:grpSp>
+          <p:nvGrpSpPr>
+            <p:cNvPr id="26" name="Group 25">
+              <a:extLst>
+                <a:ext uri="{FF2B5EF4-FFF2-40B4-BE49-F238E27FC236}">
+                  <a16:creationId xmlns:a16="http://schemas.microsoft.com/office/drawing/2014/main" id="{A853B6F5-8E78-1A4D-9114-FE06B398B963}"/>
+                </a:ext>
+              </a:extLst>
+            </p:cNvPr>
+            <p:cNvGrpSpPr/>
+            <p:nvPr/>
+          </p:nvGrpSpPr>
+          <p:grpSpPr>
+            <a:xfrm>
+              <a:off x="4727041" y="1839130"/>
+              <a:ext cx="2279791" cy="2420611"/>
+              <a:chOff x="321532" y="1366602"/>
+              <a:chExt cx="2279791" cy="2420611"/>
+            </a:xfrm>
+          </p:grpSpPr>
+          <p:sp>
+            <p:nvSpPr>
+              <p:cNvPr id="27" name="TextBox 26">
+                <a:extLst>
+                  <a:ext uri="{FF2B5EF4-FFF2-40B4-BE49-F238E27FC236}">
+                    <a16:creationId xmlns:a16="http://schemas.microsoft.com/office/drawing/2014/main" id="{348D90F7-2F4B-014A-96C9-9D7B58B849F1}"/>
+                  </a:ext>
+                </a:extLst>
+              </p:cNvPr>
+              <p:cNvSpPr txBox="1"/>
+              <p:nvPr/>
+            </p:nvSpPr>
+            <p:spPr>
+              <a:xfrm>
+                <a:off x="321532" y="1366602"/>
+                <a:ext cx="2202847" cy="1200329"/>
+              </a:xfrm>
+              <a:prstGeom prst="rect">
+                <a:avLst/>
+              </a:prstGeom>
+              <a:noFill/>
+            </p:spPr>
+            <p:txBody>
+              <a:bodyPr wrap="none" rtlCol="0">
+                <a:spAutoFit/>
+              </a:bodyPr>
+              <a:lstStyle/>
+              <a:p>
+                <a:r>
+                  <a:rPr lang="en-US" sz="7200" b="1" dirty="0" err="1">
+                    <a:solidFill>
+                      <a:schemeClr val="bg1"/>
+                    </a:solidFill>
+                    <a:latin typeface="Georgia" charset="0"/>
+                    <a:ea typeface="Georgia" charset="0"/>
+                    <a:cs typeface="Georgia" charset="0"/>
+                  </a:rPr>
+                  <a:t>asth</a:t>
+                </a:r>
+                <a:endParaRPr lang="en-US" sz="7200" b="1" dirty="0">
+                  <a:solidFill>
+                    <a:schemeClr val="bg1"/>
+                  </a:solidFill>
+                  <a:latin typeface="Georgia" charset="0"/>
+                  <a:ea typeface="Georgia" charset="0"/>
+                  <a:cs typeface="Georgia" charset="0"/>
+                </a:endParaRPr>
+              </a:p>
+            </p:txBody>
+          </p:sp>
+          <p:sp>
+            <p:nvSpPr>
+              <p:cNvPr id="28" name="TextBox 27">
+                <a:extLst>
+                  <a:ext uri="{FF2B5EF4-FFF2-40B4-BE49-F238E27FC236}">
+                    <a16:creationId xmlns:a16="http://schemas.microsoft.com/office/drawing/2014/main" id="{FBABAA33-8C85-B44A-AFB7-52A055ECBB18}"/>
+                  </a:ext>
+                </a:extLst>
+              </p:cNvPr>
+              <p:cNvSpPr txBox="1"/>
+              <p:nvPr/>
+            </p:nvSpPr>
+            <p:spPr>
+              <a:xfrm>
+                <a:off x="321532" y="1976743"/>
+                <a:ext cx="1672253" cy="1200329"/>
+              </a:xfrm>
+              <a:prstGeom prst="rect">
+                <a:avLst/>
+              </a:prstGeom>
+              <a:noFill/>
+            </p:spPr>
+            <p:txBody>
+              <a:bodyPr wrap="none" rtlCol="0">
+                <a:spAutoFit/>
+              </a:bodyPr>
+              <a:lstStyle/>
+              <a:p>
+                <a:r>
+                  <a:rPr lang="en-US" sz="7200" b="1" dirty="0">
+                    <a:solidFill>
+                      <a:schemeClr val="bg1"/>
+                    </a:solidFill>
+                    <a:latin typeface="Georgia" charset="0"/>
+                    <a:ea typeface="Georgia" charset="0"/>
+                    <a:cs typeface="Georgia" charset="0"/>
+                  </a:rPr>
+                  <a:t>ma</a:t>
+                </a:r>
+              </a:p>
+            </p:txBody>
+          </p:sp>
+          <p:sp>
+            <p:nvSpPr>
+              <p:cNvPr id="29" name="TextBox 28">
+                <a:extLst>
+                  <a:ext uri="{FF2B5EF4-FFF2-40B4-BE49-F238E27FC236}">
+                    <a16:creationId xmlns:a16="http://schemas.microsoft.com/office/drawing/2014/main" id="{9DD38060-B64F-5645-9020-C5DA28F392A4}"/>
+                  </a:ext>
+                </a:extLst>
+              </p:cNvPr>
+              <p:cNvSpPr txBox="1"/>
+              <p:nvPr/>
+            </p:nvSpPr>
+            <p:spPr>
+              <a:xfrm>
+                <a:off x="321532" y="2586884"/>
+                <a:ext cx="2279791" cy="1200329"/>
+              </a:xfrm>
+              <a:prstGeom prst="rect">
+                <a:avLst/>
+              </a:prstGeom>
+              <a:noFill/>
+            </p:spPr>
+            <p:txBody>
+              <a:bodyPr wrap="none" rtlCol="0">
+                <a:spAutoFit/>
+              </a:bodyPr>
+              <a:lstStyle/>
+              <a:p>
+                <a:r>
+                  <a:rPr lang="en-US" sz="7200" b="1" dirty="0">
+                    <a:solidFill>
+                      <a:srgbClr val="C7D2E0"/>
+                    </a:solidFill>
+                    <a:latin typeface="Georgia" charset="0"/>
+                    <a:ea typeface="Georgia" charset="0"/>
+                    <a:cs typeface="Georgia" charset="0"/>
+                  </a:rPr>
+                  <a:t>map</a:t>
+                </a:r>
+              </a:p>
+            </p:txBody>
+          </p:sp>
+        </p:grpSp>
+      </p:grpSp>
+      <p:grpSp>
+        <p:nvGrpSpPr>
+          <p:cNvPr id="30" name="Group 29">
+            <a:extLst>
+              <a:ext uri="{FF2B5EF4-FFF2-40B4-BE49-F238E27FC236}">
+                <a16:creationId xmlns:a16="http://schemas.microsoft.com/office/drawing/2014/main" id="{3CFCC824-7F2A-0F4D-B521-B69E0AEDFEE7}"/>
+              </a:ext>
+            </a:extLst>
+          </p:cNvPr>
+          <p:cNvGrpSpPr>
+            <a:grpSpLocks noChangeAspect="1"/>
+          </p:cNvGrpSpPr>
+          <p:nvPr/>
+        </p:nvGrpSpPr>
+        <p:grpSpPr>
+          <a:xfrm>
+            <a:off x="8190601" y="2027169"/>
+            <a:ext cx="2803570" cy="2803662"/>
+            <a:chOff x="6328386" y="2360548"/>
+            <a:chExt cx="2803570" cy="2803662"/>
+          </a:xfrm>
+        </p:grpSpPr>
+        <p:sp>
+          <p:nvSpPr>
+            <p:cNvPr id="31" name="Rectangle 30">
+              <a:extLst>
+                <a:ext uri="{FF2B5EF4-FFF2-40B4-BE49-F238E27FC236}">
+                  <a16:creationId xmlns:a16="http://schemas.microsoft.com/office/drawing/2014/main" id="{57314173-71C1-364F-A7D2-EEBCF78F7517}"/>
+                </a:ext>
+              </a:extLst>
+            </p:cNvPr>
+            <p:cNvSpPr/>
+            <p:nvPr/>
+          </p:nvSpPr>
+          <p:spPr>
+            <a:xfrm>
+              <a:off x="6328386" y="2360548"/>
+              <a:ext cx="2803569" cy="2803662"/>
+            </a:xfrm>
+            <a:prstGeom prst="rect">
+              <a:avLst/>
+            </a:prstGeom>
+            <a:solidFill>
+              <a:srgbClr val="7792B0"/>
+            </a:solidFill>
+            <a:ln>
+              <a:noFill/>
+            </a:ln>
+          </p:spPr>
+          <p:style>
+            <a:lnRef idx="2">
+              <a:schemeClr val="accent1">
+                <a:shade val="50000"/>
+              </a:schemeClr>
+            </a:lnRef>
+            <a:fillRef idx="1">
+              <a:schemeClr val="accent1"/>
+            </a:fillRef>
+            <a:effectRef idx="0">
+              <a:schemeClr val="accent1"/>
+            </a:effectRef>
+            <a:fontRef idx="minor">
+              <a:schemeClr val="lt1"/>
+            </a:fontRef>
+          </p:style>
+          <p:txBody>
+            <a:bodyPr rtlCol="0" anchor="ctr"/>
+            <a:lstStyle/>
+            <a:p>
+              <a:pPr algn="ctr"/>
+              <a:endParaRPr lang="en-GB"/>
+            </a:p>
+          </p:txBody>
+        </p:sp>
+        <p:grpSp>
+          <p:nvGrpSpPr>
+            <p:cNvPr id="32" name="Group 31">
+              <a:extLst>
+                <a:ext uri="{FF2B5EF4-FFF2-40B4-BE49-F238E27FC236}">
+                  <a16:creationId xmlns:a16="http://schemas.microsoft.com/office/drawing/2014/main" id="{3AE07933-0CCF-604B-8554-2599A1162695}"/>
+                </a:ext>
+              </a:extLst>
+            </p:cNvPr>
+            <p:cNvGrpSpPr>
+              <a:grpSpLocks noChangeAspect="1"/>
+            </p:cNvGrpSpPr>
+            <p:nvPr/>
+          </p:nvGrpSpPr>
+          <p:grpSpPr>
+            <a:xfrm>
+              <a:off x="6328387" y="2360548"/>
+              <a:ext cx="2803569" cy="2803662"/>
+              <a:chOff x="4441182" y="1768338"/>
+              <a:chExt cx="2803569" cy="2803662"/>
+            </a:xfrm>
+          </p:grpSpPr>
+          <p:sp>
+            <p:nvSpPr>
+              <p:cNvPr id="33" name="Oval 32">
+                <a:extLst>
+                  <a:ext uri="{FF2B5EF4-FFF2-40B4-BE49-F238E27FC236}">
+                    <a16:creationId xmlns:a16="http://schemas.microsoft.com/office/drawing/2014/main" id="{375038AC-B43D-AA47-B39B-C31DC57F0964}"/>
+                  </a:ext>
+                </a:extLst>
+              </p:cNvPr>
+              <p:cNvSpPr>
+                <a:spLocks noChangeAspect="1"/>
+              </p:cNvSpPr>
+              <p:nvPr/>
+            </p:nvSpPr>
+            <p:spPr>
+              <a:xfrm>
+                <a:off x="4441182" y="1768338"/>
+                <a:ext cx="2803569" cy="2803662"/>
+              </a:xfrm>
+              <a:prstGeom prst="ellipse">
+                <a:avLst/>
+              </a:prstGeom>
+              <a:solidFill>
+                <a:srgbClr val="7792B0"/>
+              </a:solidFill>
+              <a:ln>
+                <a:noFill/>
+              </a:ln>
+            </p:spPr>
+            <p:style>
+              <a:lnRef idx="2">
+                <a:schemeClr val="accent1">
+                  <a:shade val="50000"/>
+                </a:schemeClr>
+              </a:lnRef>
+              <a:fillRef idx="1">
+                <a:schemeClr val="accent1"/>
+              </a:fillRef>
+              <a:effectRef idx="0">
+                <a:schemeClr val="accent1"/>
+              </a:effectRef>
+              <a:fontRef idx="minor">
+                <a:schemeClr val="lt1"/>
+              </a:fontRef>
+            </p:style>
+            <p:txBody>
+              <a:bodyPr rtlCol="0" anchor="ctr"/>
+              <a:lstStyle/>
+              <a:p>
+                <a:pPr algn="ctr"/>
+                <a:endParaRPr lang="en-GB">
+                  <a:solidFill>
+                    <a:srgbClr val="8C9EBF"/>
+                  </a:solidFill>
+                </a:endParaRPr>
+              </a:p>
+            </p:txBody>
+          </p:sp>
+          <p:grpSp>
+            <p:nvGrpSpPr>
+              <p:cNvPr id="34" name="Group 33">
+                <a:extLst>
+                  <a:ext uri="{FF2B5EF4-FFF2-40B4-BE49-F238E27FC236}">
+                    <a16:creationId xmlns:a16="http://schemas.microsoft.com/office/drawing/2014/main" id="{485DF5FA-FDF3-CB42-A47F-2507DBEDB922}"/>
+                  </a:ext>
+                </a:extLst>
+              </p:cNvPr>
+              <p:cNvGrpSpPr/>
+              <p:nvPr/>
+            </p:nvGrpSpPr>
+            <p:grpSpPr>
+              <a:xfrm>
+                <a:off x="4727041" y="1839130"/>
+                <a:ext cx="2279791" cy="2420611"/>
+                <a:chOff x="321532" y="1366602"/>
+                <a:chExt cx="2279791" cy="2420611"/>
+              </a:xfrm>
+            </p:grpSpPr>
+            <p:sp>
+              <p:nvSpPr>
+                <p:cNvPr id="35" name="TextBox 34">
+                  <a:extLst>
+                    <a:ext uri="{FF2B5EF4-FFF2-40B4-BE49-F238E27FC236}">
+                      <a16:creationId xmlns:a16="http://schemas.microsoft.com/office/drawing/2014/main" id="{96E31222-9025-544C-838F-64C9661CA9B1}"/>
+                    </a:ext>
+                  </a:extLst>
+                </p:cNvPr>
+                <p:cNvSpPr txBox="1"/>
+                <p:nvPr/>
+              </p:nvSpPr>
+              <p:spPr>
+                <a:xfrm>
+                  <a:off x="321532" y="1366602"/>
+                  <a:ext cx="2202847" cy="1200329"/>
+                </a:xfrm>
+                <a:prstGeom prst="rect">
+                  <a:avLst/>
+                </a:prstGeom>
+                <a:noFill/>
+              </p:spPr>
+              <p:txBody>
+                <a:bodyPr wrap="none" rtlCol="0">
+                  <a:spAutoFit/>
+                </a:bodyPr>
+                <a:lstStyle/>
+                <a:p>
+                  <a:r>
+                    <a:rPr lang="en-US" sz="7200" b="1" dirty="0" err="1">
+                      <a:solidFill>
+                        <a:schemeClr val="bg1"/>
+                      </a:solidFill>
+                      <a:latin typeface="Georgia" charset="0"/>
+                      <a:ea typeface="Georgia" charset="0"/>
+                      <a:cs typeface="Georgia" charset="0"/>
+                    </a:rPr>
+                    <a:t>asth</a:t>
+                  </a:r>
+                  <a:endParaRPr lang="en-US" sz="7200" b="1" dirty="0">
+                    <a:solidFill>
+                      <a:schemeClr val="bg1"/>
+                    </a:solidFill>
+                    <a:latin typeface="Georgia" charset="0"/>
+                    <a:ea typeface="Georgia" charset="0"/>
+                    <a:cs typeface="Georgia" charset="0"/>
+                  </a:endParaRPr>
+                </a:p>
+              </p:txBody>
+            </p:sp>
+            <p:sp>
+              <p:nvSpPr>
+                <p:cNvPr id="36" name="TextBox 35">
+                  <a:extLst>
+                    <a:ext uri="{FF2B5EF4-FFF2-40B4-BE49-F238E27FC236}">
+                      <a16:creationId xmlns:a16="http://schemas.microsoft.com/office/drawing/2014/main" id="{1ED0BABF-3E22-264B-8860-68594822682F}"/>
+                    </a:ext>
+                  </a:extLst>
+                </p:cNvPr>
+                <p:cNvSpPr txBox="1"/>
+                <p:nvPr/>
+              </p:nvSpPr>
+              <p:spPr>
+                <a:xfrm>
+                  <a:off x="321532" y="1976743"/>
+                  <a:ext cx="1672253" cy="1200329"/>
+                </a:xfrm>
+                <a:prstGeom prst="rect">
+                  <a:avLst/>
+                </a:prstGeom>
+                <a:noFill/>
+              </p:spPr>
+              <p:txBody>
+                <a:bodyPr wrap="none" rtlCol="0">
+                  <a:spAutoFit/>
+                </a:bodyPr>
+                <a:lstStyle/>
+                <a:p>
+                  <a:r>
+                    <a:rPr lang="en-US" sz="7200" b="1" dirty="0">
+                      <a:solidFill>
+                        <a:schemeClr val="bg1"/>
+                      </a:solidFill>
+                      <a:latin typeface="Georgia" charset="0"/>
+                      <a:ea typeface="Georgia" charset="0"/>
+                      <a:cs typeface="Georgia" charset="0"/>
+                    </a:rPr>
+                    <a:t>ma</a:t>
+                  </a:r>
+                </a:p>
+              </p:txBody>
+            </p:sp>
+            <p:sp>
+              <p:nvSpPr>
+                <p:cNvPr id="37" name="TextBox 36">
+                  <a:extLst>
+                    <a:ext uri="{FF2B5EF4-FFF2-40B4-BE49-F238E27FC236}">
+                      <a16:creationId xmlns:a16="http://schemas.microsoft.com/office/drawing/2014/main" id="{95F1923D-69EA-4C4F-B2EB-F5933FF2D968}"/>
+                    </a:ext>
+                  </a:extLst>
+                </p:cNvPr>
+                <p:cNvSpPr txBox="1"/>
+                <p:nvPr/>
+              </p:nvSpPr>
+              <p:spPr>
+                <a:xfrm>
+                  <a:off x="321532" y="2586884"/>
+                  <a:ext cx="2279791" cy="1200329"/>
+                </a:xfrm>
+                <a:prstGeom prst="rect">
+                  <a:avLst/>
+                </a:prstGeom>
+                <a:noFill/>
+              </p:spPr>
+              <p:txBody>
+                <a:bodyPr wrap="none" rtlCol="0">
+                  <a:spAutoFit/>
+                </a:bodyPr>
+                <a:lstStyle/>
+                <a:p>
+                  <a:r>
+                    <a:rPr lang="en-US" sz="7200" b="1" dirty="0">
+                      <a:solidFill>
+                        <a:srgbClr val="C7D2E0"/>
+                      </a:solidFill>
+                      <a:latin typeface="Georgia" charset="0"/>
+                      <a:ea typeface="Georgia" charset="0"/>
+                      <a:cs typeface="Georgia" charset="0"/>
+                    </a:rPr>
+                    <a:t>map</a:t>
+                  </a:r>
+                </a:p>
+              </p:txBody>
+            </p:sp>
+          </p:grpSp>
+        </p:grpSp>
+      </p:grpSp>
+    </p:spTree>
+    <p:extLst>
+      <p:ext uri="{BB962C8B-B14F-4D97-AF65-F5344CB8AC3E}">
+        <p14:creationId xmlns:p14="http://schemas.microsoft.com/office/powerpoint/2010/main" val="3390291273"/>
+      </p:ext>
+    </p:extLst>
+  </p:cSld>
+  <p:clrMapOvr>
+    <a:masterClrMapping/>
+  </p:clrMapOvr>
+</p:sld>
+</file>
+
+<file path=ppt/slides/slide12.xml><?xml version="1.0" encoding="utf-8"?>
+<p:sld xmlns:a="http://schemas.openxmlformats.org/drawingml/2006/main" xmlns:r="http://schemas.openxmlformats.org/officeDocument/2006/relationships" xmlns:p="http://schemas.openxmlformats.org/presentationml/2006/main">
+  <p:cSld>
+    <p:spTree>
+      <p:nvGrpSpPr>
+        <p:cNvPr id="1" name=""/>
+        <p:cNvGrpSpPr/>
+        <p:nvPr/>
+      </p:nvGrpSpPr>
+      <p:grpSpPr>
+        <a:xfrm>
+          <a:off x="0" y="0"/>
+          <a:ext cx="0" cy="0"/>
+          <a:chOff x="0" y="0"/>
+          <a:chExt cx="0" cy="0"/>
+        </a:xfrm>
+      </p:grpSpPr>
+      <p:grpSp>
+        <p:nvGrpSpPr>
+          <p:cNvPr id="18" name="Group 17">
+            <a:extLst>
+              <a:ext uri="{FF2B5EF4-FFF2-40B4-BE49-F238E27FC236}">
+                <a16:creationId xmlns:a16="http://schemas.microsoft.com/office/drawing/2014/main" id="{40CAE8A6-E783-0B4C-A7D0-764F23765FE7}"/>
+              </a:ext>
+            </a:extLst>
+          </p:cNvPr>
+          <p:cNvGrpSpPr>
+            <a:grpSpLocks noChangeAspect="1"/>
+          </p:cNvGrpSpPr>
+          <p:nvPr/>
+        </p:nvGrpSpPr>
+        <p:grpSpPr>
+          <a:xfrm>
+            <a:off x="1197829" y="1916412"/>
+            <a:ext cx="2803569" cy="2803662"/>
+            <a:chOff x="8330814" y="407432"/>
+            <a:chExt cx="2803569" cy="2803662"/>
+          </a:xfrm>
+        </p:grpSpPr>
+        <p:sp>
+          <p:nvSpPr>
+            <p:cNvPr id="19" name="Oval 18">
+              <a:extLst>
+                <a:ext uri="{FF2B5EF4-FFF2-40B4-BE49-F238E27FC236}">
+                  <a16:creationId xmlns:a16="http://schemas.microsoft.com/office/drawing/2014/main" id="{04D0373E-9A38-504E-9703-8928BE4B4A12}"/>
+                </a:ext>
+              </a:extLst>
+            </p:cNvPr>
+            <p:cNvSpPr>
+              <a:spLocks noChangeAspect="1"/>
+            </p:cNvSpPr>
+            <p:nvPr/>
+          </p:nvSpPr>
+          <p:spPr>
+            <a:xfrm>
+              <a:off x="8330814" y="407432"/>
+              <a:ext cx="2803569" cy="2803662"/>
+            </a:xfrm>
+            <a:prstGeom prst="ellipse">
+              <a:avLst/>
+            </a:prstGeom>
+            <a:solidFill>
+              <a:schemeClr val="bg1"/>
+            </a:solidFill>
+            <a:ln w="38100">
+              <a:solidFill>
+                <a:srgbClr val="A7BED2"/>
+              </a:solidFill>
+            </a:ln>
+          </p:spPr>
+          <p:style>
+            <a:lnRef idx="2">
+              <a:schemeClr val="accent1">
+                <a:shade val="50000"/>
+              </a:schemeClr>
+            </a:lnRef>
+            <a:fillRef idx="1">
+              <a:schemeClr val="accent1"/>
+            </a:fillRef>
+            <a:effectRef idx="0">
+              <a:schemeClr val="accent1"/>
+            </a:effectRef>
+            <a:fontRef idx="minor">
+              <a:schemeClr val="lt1"/>
+            </a:fontRef>
+          </p:style>
+          <p:txBody>
+            <a:bodyPr rtlCol="0" anchor="ctr"/>
+            <a:lstStyle/>
+            <a:p>
+              <a:pPr algn="ctr"/>
+              <a:endParaRPr lang="en-GB">
+                <a:solidFill>
+                  <a:srgbClr val="8C9EBF"/>
+                </a:solidFill>
+              </a:endParaRPr>
+            </a:p>
+          </p:txBody>
+        </p:sp>
+        <p:grpSp>
+          <p:nvGrpSpPr>
+            <p:cNvPr id="20" name="Group 19">
+              <a:extLst>
+                <a:ext uri="{FF2B5EF4-FFF2-40B4-BE49-F238E27FC236}">
+                  <a16:creationId xmlns:a16="http://schemas.microsoft.com/office/drawing/2014/main" id="{532D35FC-C13F-4040-9D3A-4ACDD922CADF}"/>
+                </a:ext>
+              </a:extLst>
+            </p:cNvPr>
+            <p:cNvGrpSpPr/>
+            <p:nvPr/>
+          </p:nvGrpSpPr>
+          <p:grpSpPr>
+            <a:xfrm>
+              <a:off x="8616673" y="478224"/>
+              <a:ext cx="2279791" cy="2420611"/>
+              <a:chOff x="321532" y="1366602"/>
+              <a:chExt cx="2279791" cy="2420611"/>
+            </a:xfrm>
+          </p:grpSpPr>
+          <p:sp>
+            <p:nvSpPr>
+              <p:cNvPr id="21" name="TextBox 20">
+                <a:extLst>
+                  <a:ext uri="{FF2B5EF4-FFF2-40B4-BE49-F238E27FC236}">
+                    <a16:creationId xmlns:a16="http://schemas.microsoft.com/office/drawing/2014/main" id="{6E67064F-3FBD-1945-8CEA-746ED06B0827}"/>
+                  </a:ext>
+                </a:extLst>
+              </p:cNvPr>
+              <p:cNvSpPr txBox="1"/>
+              <p:nvPr/>
+            </p:nvSpPr>
+            <p:spPr>
+              <a:xfrm>
+                <a:off x="321532" y="1366602"/>
+                <a:ext cx="2202847" cy="1200329"/>
+              </a:xfrm>
+              <a:prstGeom prst="rect">
+                <a:avLst/>
+              </a:prstGeom>
+              <a:noFill/>
+            </p:spPr>
+            <p:txBody>
+              <a:bodyPr wrap="none" rtlCol="0">
+                <a:spAutoFit/>
+              </a:bodyPr>
+              <a:lstStyle/>
+              <a:p>
+                <a:r>
+                  <a:rPr lang="en-US" sz="7200" b="1" dirty="0" err="1">
+                    <a:solidFill>
+                      <a:srgbClr val="A7BED2"/>
+                    </a:solidFill>
+                    <a:latin typeface="Georgia" charset="0"/>
+                    <a:ea typeface="Georgia" charset="0"/>
+                    <a:cs typeface="Georgia" charset="0"/>
+                  </a:rPr>
+                  <a:t>asth</a:t>
+                </a:r>
+                <a:endParaRPr lang="en-US" sz="7200" b="1" dirty="0">
+                  <a:solidFill>
+                    <a:srgbClr val="A7BED2"/>
+                  </a:solidFill>
+                  <a:latin typeface="Georgia" charset="0"/>
+                  <a:ea typeface="Georgia" charset="0"/>
+                  <a:cs typeface="Georgia" charset="0"/>
+                </a:endParaRPr>
+              </a:p>
+            </p:txBody>
+          </p:sp>
+          <p:sp>
+            <p:nvSpPr>
+              <p:cNvPr id="22" name="TextBox 21">
+                <a:extLst>
+                  <a:ext uri="{FF2B5EF4-FFF2-40B4-BE49-F238E27FC236}">
+                    <a16:creationId xmlns:a16="http://schemas.microsoft.com/office/drawing/2014/main" id="{5698AC2B-169B-3248-A3D3-FA82C6D3EF3D}"/>
+                  </a:ext>
+                </a:extLst>
+              </p:cNvPr>
+              <p:cNvSpPr txBox="1"/>
+              <p:nvPr/>
+            </p:nvSpPr>
+            <p:spPr>
+              <a:xfrm>
+                <a:off x="321532" y="1976743"/>
+                <a:ext cx="1672253" cy="1200329"/>
+              </a:xfrm>
+              <a:prstGeom prst="rect">
+                <a:avLst/>
+              </a:prstGeom>
+              <a:noFill/>
+            </p:spPr>
+            <p:txBody>
+              <a:bodyPr wrap="none" rtlCol="0">
+                <a:spAutoFit/>
+              </a:bodyPr>
+              <a:lstStyle/>
+              <a:p>
+                <a:r>
+                  <a:rPr lang="en-US" sz="7200" b="1" dirty="0">
+                    <a:solidFill>
+                      <a:srgbClr val="A7BED2"/>
+                    </a:solidFill>
+                    <a:latin typeface="Georgia" charset="0"/>
+                    <a:ea typeface="Georgia" charset="0"/>
+                    <a:cs typeface="Georgia" charset="0"/>
+                  </a:rPr>
+                  <a:t>ma</a:t>
+                </a:r>
+              </a:p>
+            </p:txBody>
+          </p:sp>
+          <p:sp>
+            <p:nvSpPr>
+              <p:cNvPr id="23" name="TextBox 22">
+                <a:extLst>
+                  <a:ext uri="{FF2B5EF4-FFF2-40B4-BE49-F238E27FC236}">
+                    <a16:creationId xmlns:a16="http://schemas.microsoft.com/office/drawing/2014/main" id="{B470AD9B-FA81-264D-A5F1-223DC8265A22}"/>
+                  </a:ext>
+                </a:extLst>
+              </p:cNvPr>
+              <p:cNvSpPr txBox="1"/>
+              <p:nvPr/>
+            </p:nvSpPr>
+            <p:spPr>
+              <a:xfrm>
+                <a:off x="321532" y="2586884"/>
+                <a:ext cx="2279791" cy="1200329"/>
+              </a:xfrm>
+              <a:prstGeom prst="rect">
+                <a:avLst/>
+              </a:prstGeom>
+              <a:noFill/>
+            </p:spPr>
+            <p:txBody>
+              <a:bodyPr wrap="none" rtlCol="0">
+                <a:spAutoFit/>
+              </a:bodyPr>
+              <a:lstStyle/>
+              <a:p>
+                <a:r>
+                  <a:rPr lang="en-US" sz="7200" b="1" dirty="0">
+                    <a:solidFill>
+                      <a:srgbClr val="2F5389"/>
+                    </a:solidFill>
+                    <a:latin typeface="Georgia" charset="0"/>
+                    <a:ea typeface="Georgia" charset="0"/>
+                    <a:cs typeface="Georgia" charset="0"/>
+                  </a:rPr>
+                  <a:t>map</a:t>
+                </a:r>
+              </a:p>
+            </p:txBody>
+          </p:sp>
+        </p:grpSp>
+      </p:grpSp>
+      <p:grpSp>
+        <p:nvGrpSpPr>
+          <p:cNvPr id="24" name="Group 23">
+            <a:extLst>
+              <a:ext uri="{FF2B5EF4-FFF2-40B4-BE49-F238E27FC236}">
+                <a16:creationId xmlns:a16="http://schemas.microsoft.com/office/drawing/2014/main" id="{C653B9FF-ED75-C749-AF92-FDFA99EE0D95}"/>
+              </a:ext>
+            </a:extLst>
+          </p:cNvPr>
+          <p:cNvGrpSpPr>
+            <a:grpSpLocks noChangeAspect="1"/>
+          </p:cNvGrpSpPr>
+          <p:nvPr/>
+        </p:nvGrpSpPr>
+        <p:grpSpPr>
+          <a:xfrm>
+            <a:off x="4694215" y="2027169"/>
+            <a:ext cx="2803569" cy="2803662"/>
+            <a:chOff x="4441182" y="1768338"/>
+            <a:chExt cx="2803569" cy="2803662"/>
+          </a:xfrm>
+        </p:grpSpPr>
+        <p:sp>
+          <p:nvSpPr>
+            <p:cNvPr id="25" name="Oval 24">
+              <a:extLst>
+                <a:ext uri="{FF2B5EF4-FFF2-40B4-BE49-F238E27FC236}">
+                  <a16:creationId xmlns:a16="http://schemas.microsoft.com/office/drawing/2014/main" id="{AE068E1E-CFD5-054E-A9AF-F92AF924963A}"/>
+                </a:ext>
+              </a:extLst>
+            </p:cNvPr>
+            <p:cNvSpPr>
+              <a:spLocks noChangeAspect="1"/>
+            </p:cNvSpPr>
+            <p:nvPr/>
+          </p:nvSpPr>
+          <p:spPr>
+            <a:xfrm>
+              <a:off x="4441182" y="1768338"/>
+              <a:ext cx="2803569" cy="2803662"/>
+            </a:xfrm>
+            <a:prstGeom prst="ellipse">
+              <a:avLst/>
+            </a:prstGeom>
+            <a:solidFill>
+              <a:srgbClr val="2F5389"/>
+            </a:solidFill>
+            <a:ln>
+              <a:solidFill>
+                <a:srgbClr val="8C9EBF"/>
+              </a:solidFill>
+            </a:ln>
+          </p:spPr>
+          <p:style>
+            <a:lnRef idx="2">
+              <a:schemeClr val="accent1">
+                <a:shade val="50000"/>
+              </a:schemeClr>
+            </a:lnRef>
+            <a:fillRef idx="1">
+              <a:schemeClr val="accent1"/>
+            </a:fillRef>
+            <a:effectRef idx="0">
+              <a:schemeClr val="accent1"/>
+            </a:effectRef>
+            <a:fontRef idx="minor">
+              <a:schemeClr val="lt1"/>
+            </a:fontRef>
+          </p:style>
+          <p:txBody>
+            <a:bodyPr rtlCol="0" anchor="ctr"/>
+            <a:lstStyle/>
+            <a:p>
+              <a:pPr algn="ctr"/>
+              <a:endParaRPr lang="en-GB">
+                <a:solidFill>
+                  <a:srgbClr val="8C9EBF"/>
+                </a:solidFill>
+              </a:endParaRPr>
+            </a:p>
+          </p:txBody>
+        </p:sp>
+        <p:grpSp>
+          <p:nvGrpSpPr>
+            <p:cNvPr id="26" name="Group 25">
+              <a:extLst>
+                <a:ext uri="{FF2B5EF4-FFF2-40B4-BE49-F238E27FC236}">
+                  <a16:creationId xmlns:a16="http://schemas.microsoft.com/office/drawing/2014/main" id="{A853B6F5-8E78-1A4D-9114-FE06B398B963}"/>
+                </a:ext>
+              </a:extLst>
+            </p:cNvPr>
+            <p:cNvGrpSpPr/>
+            <p:nvPr/>
+          </p:nvGrpSpPr>
+          <p:grpSpPr>
+            <a:xfrm>
+              <a:off x="4727041" y="1839130"/>
+              <a:ext cx="2279791" cy="2420611"/>
+              <a:chOff x="321532" y="1366602"/>
+              <a:chExt cx="2279791" cy="2420611"/>
+            </a:xfrm>
+          </p:grpSpPr>
+          <p:sp>
+            <p:nvSpPr>
+              <p:cNvPr id="27" name="TextBox 26">
+                <a:extLst>
+                  <a:ext uri="{FF2B5EF4-FFF2-40B4-BE49-F238E27FC236}">
+                    <a16:creationId xmlns:a16="http://schemas.microsoft.com/office/drawing/2014/main" id="{348D90F7-2F4B-014A-96C9-9D7B58B849F1}"/>
+                  </a:ext>
+                </a:extLst>
+              </p:cNvPr>
+              <p:cNvSpPr txBox="1"/>
+              <p:nvPr/>
+            </p:nvSpPr>
+            <p:spPr>
+              <a:xfrm>
+                <a:off x="321532" y="1366602"/>
+                <a:ext cx="2202847" cy="1200329"/>
+              </a:xfrm>
+              <a:prstGeom prst="rect">
+                <a:avLst/>
+              </a:prstGeom>
+              <a:noFill/>
+            </p:spPr>
+            <p:txBody>
+              <a:bodyPr wrap="none" rtlCol="0">
+                <a:spAutoFit/>
+              </a:bodyPr>
+              <a:lstStyle/>
+              <a:p>
+                <a:r>
+                  <a:rPr lang="en-US" sz="7200" b="1" dirty="0" err="1">
+                    <a:solidFill>
+                      <a:schemeClr val="bg1"/>
+                    </a:solidFill>
+                    <a:latin typeface="Georgia" charset="0"/>
+                    <a:ea typeface="Georgia" charset="0"/>
+                    <a:cs typeface="Georgia" charset="0"/>
+                  </a:rPr>
+                  <a:t>asth</a:t>
+                </a:r>
+                <a:endParaRPr lang="en-US" sz="7200" b="1" dirty="0">
+                  <a:solidFill>
+                    <a:schemeClr val="bg1"/>
+                  </a:solidFill>
+                  <a:latin typeface="Georgia" charset="0"/>
+                  <a:ea typeface="Georgia" charset="0"/>
+                  <a:cs typeface="Georgia" charset="0"/>
+                </a:endParaRPr>
+              </a:p>
+            </p:txBody>
+          </p:sp>
+          <p:sp>
+            <p:nvSpPr>
+              <p:cNvPr id="28" name="TextBox 27">
+                <a:extLst>
+                  <a:ext uri="{FF2B5EF4-FFF2-40B4-BE49-F238E27FC236}">
+                    <a16:creationId xmlns:a16="http://schemas.microsoft.com/office/drawing/2014/main" id="{FBABAA33-8C85-B44A-AFB7-52A055ECBB18}"/>
+                  </a:ext>
+                </a:extLst>
+              </p:cNvPr>
+              <p:cNvSpPr txBox="1"/>
+              <p:nvPr/>
+            </p:nvSpPr>
+            <p:spPr>
+              <a:xfrm>
+                <a:off x="321532" y="1976743"/>
+                <a:ext cx="1672253" cy="1200329"/>
+              </a:xfrm>
+              <a:prstGeom prst="rect">
+                <a:avLst/>
+              </a:prstGeom>
+              <a:noFill/>
+            </p:spPr>
+            <p:txBody>
+              <a:bodyPr wrap="none" rtlCol="0">
+                <a:spAutoFit/>
+              </a:bodyPr>
+              <a:lstStyle/>
+              <a:p>
+                <a:r>
+                  <a:rPr lang="en-US" sz="7200" b="1" dirty="0">
+                    <a:solidFill>
+                      <a:schemeClr val="bg1"/>
+                    </a:solidFill>
+                    <a:latin typeface="Georgia" charset="0"/>
+                    <a:ea typeface="Georgia" charset="0"/>
+                    <a:cs typeface="Georgia" charset="0"/>
+                  </a:rPr>
+                  <a:t>ma</a:t>
+                </a:r>
+              </a:p>
+            </p:txBody>
+          </p:sp>
+          <p:sp>
+            <p:nvSpPr>
+              <p:cNvPr id="29" name="TextBox 28">
+                <a:extLst>
+                  <a:ext uri="{FF2B5EF4-FFF2-40B4-BE49-F238E27FC236}">
+                    <a16:creationId xmlns:a16="http://schemas.microsoft.com/office/drawing/2014/main" id="{9DD38060-B64F-5645-9020-C5DA28F392A4}"/>
+                  </a:ext>
+                </a:extLst>
+              </p:cNvPr>
+              <p:cNvSpPr txBox="1"/>
+              <p:nvPr/>
+            </p:nvSpPr>
+            <p:spPr>
+              <a:xfrm>
+                <a:off x="321532" y="2586884"/>
+                <a:ext cx="2279791" cy="1200329"/>
+              </a:xfrm>
+              <a:prstGeom prst="rect">
+                <a:avLst/>
+              </a:prstGeom>
+              <a:noFill/>
+            </p:spPr>
+            <p:txBody>
+              <a:bodyPr wrap="none" rtlCol="0">
+                <a:spAutoFit/>
+              </a:bodyPr>
+              <a:lstStyle/>
+              <a:p>
+                <a:r>
+                  <a:rPr lang="en-US" sz="7200" b="1" dirty="0">
+                    <a:solidFill>
+                      <a:srgbClr val="A7BED2"/>
+                    </a:solidFill>
+                    <a:latin typeface="Georgia" charset="0"/>
+                    <a:ea typeface="Georgia" charset="0"/>
+                    <a:cs typeface="Georgia" charset="0"/>
+                  </a:rPr>
+                  <a:t>map</a:t>
+                </a:r>
+              </a:p>
+            </p:txBody>
+          </p:sp>
+        </p:grpSp>
+      </p:grpSp>
+      <p:grpSp>
+        <p:nvGrpSpPr>
+          <p:cNvPr id="30" name="Group 29">
+            <a:extLst>
+              <a:ext uri="{FF2B5EF4-FFF2-40B4-BE49-F238E27FC236}">
+                <a16:creationId xmlns:a16="http://schemas.microsoft.com/office/drawing/2014/main" id="{3CFCC824-7F2A-0F4D-B521-B69E0AEDFEE7}"/>
+              </a:ext>
+            </a:extLst>
+          </p:cNvPr>
+          <p:cNvGrpSpPr>
+            <a:grpSpLocks noChangeAspect="1"/>
+          </p:cNvGrpSpPr>
+          <p:nvPr/>
+        </p:nvGrpSpPr>
+        <p:grpSpPr>
+          <a:xfrm>
+            <a:off x="8190601" y="2027169"/>
+            <a:ext cx="2803570" cy="2803662"/>
+            <a:chOff x="6328386" y="2360548"/>
+            <a:chExt cx="2803570" cy="2803662"/>
+          </a:xfrm>
+        </p:grpSpPr>
+        <p:sp>
+          <p:nvSpPr>
+            <p:cNvPr id="31" name="Rectangle 30">
+              <a:extLst>
+                <a:ext uri="{FF2B5EF4-FFF2-40B4-BE49-F238E27FC236}">
+                  <a16:creationId xmlns:a16="http://schemas.microsoft.com/office/drawing/2014/main" id="{57314173-71C1-364F-A7D2-EEBCF78F7517}"/>
+                </a:ext>
+              </a:extLst>
+            </p:cNvPr>
+            <p:cNvSpPr/>
+            <p:nvPr/>
+          </p:nvSpPr>
+          <p:spPr>
+            <a:xfrm>
+              <a:off x="6328386" y="2360548"/>
+              <a:ext cx="2803569" cy="2803662"/>
+            </a:xfrm>
+            <a:prstGeom prst="rect">
+              <a:avLst/>
+            </a:prstGeom>
+            <a:solidFill>
+              <a:srgbClr val="2F5389"/>
+            </a:solidFill>
+            <a:ln>
+              <a:noFill/>
+            </a:ln>
+          </p:spPr>
+          <p:style>
+            <a:lnRef idx="2">
+              <a:schemeClr val="accent1">
+                <a:shade val="50000"/>
+              </a:schemeClr>
+            </a:lnRef>
+            <a:fillRef idx="1">
+              <a:schemeClr val="accent1"/>
+            </a:fillRef>
+            <a:effectRef idx="0">
+              <a:schemeClr val="accent1"/>
+            </a:effectRef>
+            <a:fontRef idx="minor">
+              <a:schemeClr val="lt1"/>
+            </a:fontRef>
+          </p:style>
+          <p:txBody>
+            <a:bodyPr rtlCol="0" anchor="ctr"/>
+            <a:lstStyle/>
+            <a:p>
+              <a:pPr algn="ctr"/>
+              <a:endParaRPr lang="en-GB"/>
+            </a:p>
+          </p:txBody>
+        </p:sp>
+        <p:grpSp>
+          <p:nvGrpSpPr>
+            <p:cNvPr id="32" name="Group 31">
+              <a:extLst>
+                <a:ext uri="{FF2B5EF4-FFF2-40B4-BE49-F238E27FC236}">
+                  <a16:creationId xmlns:a16="http://schemas.microsoft.com/office/drawing/2014/main" id="{3AE07933-0CCF-604B-8554-2599A1162695}"/>
+                </a:ext>
+              </a:extLst>
+            </p:cNvPr>
+            <p:cNvGrpSpPr>
+              <a:grpSpLocks noChangeAspect="1"/>
+            </p:cNvGrpSpPr>
+            <p:nvPr/>
+          </p:nvGrpSpPr>
+          <p:grpSpPr>
+            <a:xfrm>
+              <a:off x="6328387" y="2360548"/>
+              <a:ext cx="2803569" cy="2803662"/>
+              <a:chOff x="4441182" y="1768338"/>
+              <a:chExt cx="2803569" cy="2803662"/>
+            </a:xfrm>
+          </p:grpSpPr>
+          <p:sp>
+            <p:nvSpPr>
+              <p:cNvPr id="33" name="Oval 32">
+                <a:extLst>
+                  <a:ext uri="{FF2B5EF4-FFF2-40B4-BE49-F238E27FC236}">
+                    <a16:creationId xmlns:a16="http://schemas.microsoft.com/office/drawing/2014/main" id="{375038AC-B43D-AA47-B39B-C31DC57F0964}"/>
+                  </a:ext>
+                </a:extLst>
+              </p:cNvPr>
+              <p:cNvSpPr>
+                <a:spLocks noChangeAspect="1"/>
+              </p:cNvSpPr>
+              <p:nvPr/>
+            </p:nvSpPr>
+            <p:spPr>
+              <a:xfrm>
+                <a:off x="4441182" y="1768338"/>
+                <a:ext cx="2803569" cy="2803662"/>
+              </a:xfrm>
+              <a:prstGeom prst="ellipse">
+                <a:avLst/>
+              </a:prstGeom>
+              <a:solidFill>
+                <a:srgbClr val="2F5389"/>
+              </a:solidFill>
+              <a:ln>
+                <a:noFill/>
+              </a:ln>
+            </p:spPr>
+            <p:style>
+              <a:lnRef idx="2">
+                <a:schemeClr val="accent1">
+                  <a:shade val="50000"/>
+                </a:schemeClr>
+              </a:lnRef>
+              <a:fillRef idx="1">
+                <a:schemeClr val="accent1"/>
+              </a:fillRef>
+              <a:effectRef idx="0">
+                <a:schemeClr val="accent1"/>
+              </a:effectRef>
+              <a:fontRef idx="minor">
+                <a:schemeClr val="lt1"/>
+              </a:fontRef>
+            </p:style>
+            <p:txBody>
+              <a:bodyPr rtlCol="0" anchor="ctr"/>
+              <a:lstStyle/>
+              <a:p>
+                <a:pPr algn="ctr"/>
+                <a:endParaRPr lang="en-GB">
+                  <a:solidFill>
+                    <a:srgbClr val="8C9EBF"/>
+                  </a:solidFill>
+                </a:endParaRPr>
+              </a:p>
+            </p:txBody>
+          </p:sp>
+          <p:grpSp>
+            <p:nvGrpSpPr>
+              <p:cNvPr id="34" name="Group 33">
+                <a:extLst>
+                  <a:ext uri="{FF2B5EF4-FFF2-40B4-BE49-F238E27FC236}">
+                    <a16:creationId xmlns:a16="http://schemas.microsoft.com/office/drawing/2014/main" id="{485DF5FA-FDF3-CB42-A47F-2507DBEDB922}"/>
+                  </a:ext>
+                </a:extLst>
+              </p:cNvPr>
+              <p:cNvGrpSpPr/>
+              <p:nvPr/>
+            </p:nvGrpSpPr>
+            <p:grpSpPr>
+              <a:xfrm>
+                <a:off x="4727041" y="1839130"/>
+                <a:ext cx="2279791" cy="2420611"/>
+                <a:chOff x="321532" y="1366602"/>
+                <a:chExt cx="2279791" cy="2420611"/>
+              </a:xfrm>
+            </p:grpSpPr>
+            <p:sp>
+              <p:nvSpPr>
+                <p:cNvPr id="35" name="TextBox 34">
+                  <a:extLst>
+                    <a:ext uri="{FF2B5EF4-FFF2-40B4-BE49-F238E27FC236}">
+                      <a16:creationId xmlns:a16="http://schemas.microsoft.com/office/drawing/2014/main" id="{96E31222-9025-544C-838F-64C9661CA9B1}"/>
+                    </a:ext>
+                  </a:extLst>
+                </p:cNvPr>
+                <p:cNvSpPr txBox="1"/>
+                <p:nvPr/>
+              </p:nvSpPr>
+              <p:spPr>
+                <a:xfrm>
+                  <a:off x="321532" y="1366602"/>
+                  <a:ext cx="2202847" cy="1200329"/>
+                </a:xfrm>
+                <a:prstGeom prst="rect">
+                  <a:avLst/>
+                </a:prstGeom>
+                <a:noFill/>
+              </p:spPr>
+              <p:txBody>
+                <a:bodyPr wrap="none" rtlCol="0">
+                  <a:spAutoFit/>
+                </a:bodyPr>
+                <a:lstStyle/>
+                <a:p>
+                  <a:r>
+                    <a:rPr lang="en-US" sz="7200" b="1" dirty="0" err="1">
+                      <a:solidFill>
+                        <a:schemeClr val="bg1"/>
+                      </a:solidFill>
+                      <a:latin typeface="Georgia" charset="0"/>
+                      <a:ea typeface="Georgia" charset="0"/>
+                      <a:cs typeface="Georgia" charset="0"/>
+                    </a:rPr>
+                    <a:t>asth</a:t>
+                  </a:r>
+                  <a:endParaRPr lang="en-US" sz="7200" b="1" dirty="0">
+                    <a:solidFill>
+                      <a:schemeClr val="bg1"/>
+                    </a:solidFill>
+                    <a:latin typeface="Georgia" charset="0"/>
+                    <a:ea typeface="Georgia" charset="0"/>
+                    <a:cs typeface="Georgia" charset="0"/>
+                  </a:endParaRPr>
+                </a:p>
+              </p:txBody>
+            </p:sp>
+            <p:sp>
+              <p:nvSpPr>
+                <p:cNvPr id="36" name="TextBox 35">
+                  <a:extLst>
+                    <a:ext uri="{FF2B5EF4-FFF2-40B4-BE49-F238E27FC236}">
+                      <a16:creationId xmlns:a16="http://schemas.microsoft.com/office/drawing/2014/main" id="{1ED0BABF-3E22-264B-8860-68594822682F}"/>
+                    </a:ext>
+                  </a:extLst>
+                </p:cNvPr>
+                <p:cNvSpPr txBox="1"/>
+                <p:nvPr/>
+              </p:nvSpPr>
+              <p:spPr>
+                <a:xfrm>
+                  <a:off x="321532" y="1976743"/>
+                  <a:ext cx="1672253" cy="1200329"/>
+                </a:xfrm>
+                <a:prstGeom prst="rect">
+                  <a:avLst/>
+                </a:prstGeom>
+                <a:noFill/>
+              </p:spPr>
+              <p:txBody>
+                <a:bodyPr wrap="none" rtlCol="0">
+                  <a:spAutoFit/>
+                </a:bodyPr>
+                <a:lstStyle/>
+                <a:p>
+                  <a:r>
+                    <a:rPr lang="en-US" sz="7200" b="1" dirty="0">
+                      <a:solidFill>
+                        <a:schemeClr val="bg1"/>
+                      </a:solidFill>
+                      <a:latin typeface="Georgia" charset="0"/>
+                      <a:ea typeface="Georgia" charset="0"/>
+                      <a:cs typeface="Georgia" charset="0"/>
+                    </a:rPr>
+                    <a:t>ma</a:t>
+                  </a:r>
+                </a:p>
+              </p:txBody>
+            </p:sp>
+            <p:sp>
+              <p:nvSpPr>
+                <p:cNvPr id="37" name="TextBox 36">
+                  <a:extLst>
+                    <a:ext uri="{FF2B5EF4-FFF2-40B4-BE49-F238E27FC236}">
+                      <a16:creationId xmlns:a16="http://schemas.microsoft.com/office/drawing/2014/main" id="{95F1923D-69EA-4C4F-B2EB-F5933FF2D968}"/>
+                    </a:ext>
+                  </a:extLst>
+                </p:cNvPr>
+                <p:cNvSpPr txBox="1"/>
+                <p:nvPr/>
+              </p:nvSpPr>
+              <p:spPr>
+                <a:xfrm>
+                  <a:off x="321532" y="2586884"/>
+                  <a:ext cx="2279791" cy="1200329"/>
+                </a:xfrm>
+                <a:prstGeom prst="rect">
+                  <a:avLst/>
+                </a:prstGeom>
+                <a:noFill/>
+              </p:spPr>
+              <p:txBody>
+                <a:bodyPr wrap="none" rtlCol="0">
+                  <a:spAutoFit/>
+                </a:bodyPr>
+                <a:lstStyle/>
+                <a:p>
+                  <a:r>
+                    <a:rPr lang="en-US" sz="7200" b="1" dirty="0">
+                      <a:solidFill>
+                        <a:srgbClr val="A7BED2"/>
+                      </a:solidFill>
+                      <a:latin typeface="Georgia" charset="0"/>
+                      <a:ea typeface="Georgia" charset="0"/>
+                      <a:cs typeface="Georgia" charset="0"/>
+                    </a:rPr>
+                    <a:t>map</a:t>
+                  </a:r>
+                </a:p>
+              </p:txBody>
+            </p:sp>
+          </p:grpSp>
+        </p:grpSp>
+      </p:grpSp>
+    </p:spTree>
+    <p:extLst>
+      <p:ext uri="{BB962C8B-B14F-4D97-AF65-F5344CB8AC3E}">
+        <p14:creationId xmlns:p14="http://schemas.microsoft.com/office/powerpoint/2010/main" val="1712741160"/>
+      </p:ext>
+    </p:extLst>
+  </p:cSld>
+  <p:clrMapOvr>
+    <a:masterClrMapping/>
+  </p:clrMapOvr>
+</p:sld>
+</file>
+
+<file path=ppt/slides/slide13.xml><?xml version="1.0" encoding="utf-8"?>
 <p:sld xmlns:a="http://schemas.openxmlformats.org/drawingml/2006/main" xmlns:r="http://schemas.openxmlformats.org/officeDocument/2006/relationships" xmlns:p="http://schemas.openxmlformats.org/presentationml/2006/main">
   <p:cSld>
     <p:spTree>
@@ -5765,9 +7730,7 @@
               <a:srgbClr val="7792B0"/>
             </a:solidFill>
             <a:ln>
-              <a:solidFill>
-                <a:srgbClr val="8C9EBF"/>
-              </a:solidFill>
+              <a:noFill/>
             </a:ln>
           </p:spPr>
           <p:style>
@@ -6279,7 +8242,881 @@
 </p:sld>
 </file>
 
-<file path=ppt/slides/slide5.xml><?xml version="1.0" encoding="utf-8"?>
+<file path=ppt/slides/slide14.xml><?xml version="1.0" encoding="utf-8"?>
+<p:sld xmlns:a="http://schemas.openxmlformats.org/drawingml/2006/main" xmlns:r="http://schemas.openxmlformats.org/officeDocument/2006/relationships" xmlns:p="http://schemas.openxmlformats.org/presentationml/2006/main">
+  <p:cSld>
+    <p:spTree>
+      <p:nvGrpSpPr>
+        <p:cNvPr id="1" name=""/>
+        <p:cNvGrpSpPr/>
+        <p:nvPr/>
+      </p:nvGrpSpPr>
+      <p:grpSpPr>
+        <a:xfrm>
+          <a:off x="0" y="0"/>
+          <a:ext cx="0" cy="0"/>
+          <a:chOff x="0" y="0"/>
+          <a:chExt cx="0" cy="0"/>
+        </a:xfrm>
+      </p:grpSpPr>
+      <p:sp>
+        <p:nvSpPr>
+          <p:cNvPr id="2" name="Rectangle 1">
+            <a:extLst>
+              <a:ext uri="{FF2B5EF4-FFF2-40B4-BE49-F238E27FC236}">
+                <a16:creationId xmlns:a16="http://schemas.microsoft.com/office/drawing/2014/main" id="{7F5D3B9B-FCB9-974F-9972-DD237E4D88E9}"/>
+              </a:ext>
+            </a:extLst>
+          </p:cNvPr>
+          <p:cNvSpPr/>
+          <p:nvPr/>
+        </p:nvSpPr>
+        <p:spPr>
+          <a:xfrm>
+            <a:off x="0" y="0"/>
+            <a:ext cx="12192000" cy="6858000"/>
+          </a:xfrm>
+          <a:prstGeom prst="rect">
+            <a:avLst/>
+          </a:prstGeom>
+          <a:solidFill>
+            <a:srgbClr val="38393D"/>
+          </a:solidFill>
+          <a:ln>
+            <a:noFill/>
+          </a:ln>
+        </p:spPr>
+        <p:style>
+          <a:lnRef idx="2">
+            <a:schemeClr val="accent1">
+              <a:shade val="50000"/>
+            </a:schemeClr>
+          </a:lnRef>
+          <a:fillRef idx="1">
+            <a:schemeClr val="accent1"/>
+          </a:fillRef>
+          <a:effectRef idx="0">
+            <a:schemeClr val="accent1"/>
+          </a:effectRef>
+          <a:fontRef idx="minor">
+            <a:schemeClr val="lt1"/>
+          </a:fontRef>
+        </p:style>
+        <p:txBody>
+          <a:bodyPr rtlCol="0" anchor="ctr"/>
+          <a:lstStyle/>
+          <a:p>
+            <a:pPr algn="ctr"/>
+            <a:endParaRPr lang="en-GB"/>
+          </a:p>
+        </p:txBody>
+      </p:sp>
+      <p:grpSp>
+        <p:nvGrpSpPr>
+          <p:cNvPr id="23" name="Group 22">
+            <a:extLst>
+              <a:ext uri="{FF2B5EF4-FFF2-40B4-BE49-F238E27FC236}">
+                <a16:creationId xmlns:a16="http://schemas.microsoft.com/office/drawing/2014/main" id="{20F01626-81D9-764C-AE81-6597A327D1EF}"/>
+              </a:ext>
+            </a:extLst>
+          </p:cNvPr>
+          <p:cNvGrpSpPr>
+            <a:grpSpLocks noChangeAspect="1"/>
+          </p:cNvGrpSpPr>
+          <p:nvPr/>
+        </p:nvGrpSpPr>
+        <p:grpSpPr>
+          <a:xfrm>
+            <a:off x="1197829" y="1916412"/>
+            <a:ext cx="2803569" cy="2803662"/>
+            <a:chOff x="8330814" y="407432"/>
+            <a:chExt cx="2803569" cy="2803662"/>
+          </a:xfrm>
+        </p:grpSpPr>
+        <p:sp>
+          <p:nvSpPr>
+            <p:cNvPr id="24" name="Oval 23">
+              <a:extLst>
+                <a:ext uri="{FF2B5EF4-FFF2-40B4-BE49-F238E27FC236}">
+                  <a16:creationId xmlns:a16="http://schemas.microsoft.com/office/drawing/2014/main" id="{AE046898-E777-734E-9126-DEA08BD97282}"/>
+                </a:ext>
+              </a:extLst>
+            </p:cNvPr>
+            <p:cNvSpPr>
+              <a:spLocks noChangeAspect="1"/>
+            </p:cNvSpPr>
+            <p:nvPr/>
+          </p:nvSpPr>
+          <p:spPr>
+            <a:xfrm>
+              <a:off x="8330814" y="407432"/>
+              <a:ext cx="2803569" cy="2803662"/>
+            </a:xfrm>
+            <a:prstGeom prst="ellipse">
+              <a:avLst/>
+            </a:prstGeom>
+            <a:solidFill>
+              <a:schemeClr val="bg1"/>
+            </a:solidFill>
+            <a:ln w="38100">
+              <a:noFill/>
+            </a:ln>
+          </p:spPr>
+          <p:style>
+            <a:lnRef idx="2">
+              <a:schemeClr val="accent1">
+                <a:shade val="50000"/>
+              </a:schemeClr>
+            </a:lnRef>
+            <a:fillRef idx="1">
+              <a:schemeClr val="accent1"/>
+            </a:fillRef>
+            <a:effectRef idx="0">
+              <a:schemeClr val="accent1"/>
+            </a:effectRef>
+            <a:fontRef idx="minor">
+              <a:schemeClr val="lt1"/>
+            </a:fontRef>
+          </p:style>
+          <p:txBody>
+            <a:bodyPr rtlCol="0" anchor="ctr"/>
+            <a:lstStyle/>
+            <a:p>
+              <a:pPr algn="ctr"/>
+              <a:endParaRPr lang="en-GB">
+                <a:solidFill>
+                  <a:srgbClr val="8C9EBF"/>
+                </a:solidFill>
+              </a:endParaRPr>
+            </a:p>
+          </p:txBody>
+        </p:sp>
+        <p:grpSp>
+          <p:nvGrpSpPr>
+            <p:cNvPr id="31" name="Group 30">
+              <a:extLst>
+                <a:ext uri="{FF2B5EF4-FFF2-40B4-BE49-F238E27FC236}">
+                  <a16:creationId xmlns:a16="http://schemas.microsoft.com/office/drawing/2014/main" id="{9115A22C-630E-5C49-85E7-B966F432C469}"/>
+                </a:ext>
+              </a:extLst>
+            </p:cNvPr>
+            <p:cNvGrpSpPr/>
+            <p:nvPr/>
+          </p:nvGrpSpPr>
+          <p:grpSpPr>
+            <a:xfrm>
+              <a:off x="8616673" y="478224"/>
+              <a:ext cx="2279791" cy="2420611"/>
+              <a:chOff x="321532" y="1366602"/>
+              <a:chExt cx="2279791" cy="2420611"/>
+            </a:xfrm>
+          </p:grpSpPr>
+          <p:sp>
+            <p:nvSpPr>
+              <p:cNvPr id="32" name="TextBox 31">
+                <a:extLst>
+                  <a:ext uri="{FF2B5EF4-FFF2-40B4-BE49-F238E27FC236}">
+                    <a16:creationId xmlns:a16="http://schemas.microsoft.com/office/drawing/2014/main" id="{011D4C11-D2C1-8648-A043-B7A55BB77152}"/>
+                  </a:ext>
+                </a:extLst>
+              </p:cNvPr>
+              <p:cNvSpPr txBox="1"/>
+              <p:nvPr/>
+            </p:nvSpPr>
+            <p:spPr>
+              <a:xfrm>
+                <a:off x="321532" y="1366602"/>
+                <a:ext cx="2202847" cy="1200329"/>
+              </a:xfrm>
+              <a:prstGeom prst="rect">
+                <a:avLst/>
+              </a:prstGeom>
+              <a:noFill/>
+            </p:spPr>
+            <p:txBody>
+              <a:bodyPr wrap="none" rtlCol="0">
+                <a:spAutoFit/>
+              </a:bodyPr>
+              <a:lstStyle/>
+              <a:p>
+                <a:r>
+                  <a:rPr lang="en-US" sz="7200" b="1" dirty="0" err="1">
+                    <a:solidFill>
+                      <a:srgbClr val="A7BED2"/>
+                    </a:solidFill>
+                    <a:latin typeface="Georgia" charset="0"/>
+                    <a:ea typeface="Georgia" charset="0"/>
+                    <a:cs typeface="Georgia" charset="0"/>
+                  </a:rPr>
+                  <a:t>asth</a:t>
+                </a:r>
+                <a:endParaRPr lang="en-US" sz="7200" b="1" dirty="0">
+                  <a:solidFill>
+                    <a:srgbClr val="A7BED2"/>
+                  </a:solidFill>
+                  <a:latin typeface="Georgia" charset="0"/>
+                  <a:ea typeface="Georgia" charset="0"/>
+                  <a:cs typeface="Georgia" charset="0"/>
+                </a:endParaRPr>
+              </a:p>
+            </p:txBody>
+          </p:sp>
+          <p:sp>
+            <p:nvSpPr>
+              <p:cNvPr id="33" name="TextBox 32">
+                <a:extLst>
+                  <a:ext uri="{FF2B5EF4-FFF2-40B4-BE49-F238E27FC236}">
+                    <a16:creationId xmlns:a16="http://schemas.microsoft.com/office/drawing/2014/main" id="{97588750-BAEF-FF4C-AC8B-3CE7CCE519FC}"/>
+                  </a:ext>
+                </a:extLst>
+              </p:cNvPr>
+              <p:cNvSpPr txBox="1"/>
+              <p:nvPr/>
+            </p:nvSpPr>
+            <p:spPr>
+              <a:xfrm>
+                <a:off x="321532" y="1976743"/>
+                <a:ext cx="1672253" cy="1200329"/>
+              </a:xfrm>
+              <a:prstGeom prst="rect">
+                <a:avLst/>
+              </a:prstGeom>
+              <a:noFill/>
+            </p:spPr>
+            <p:txBody>
+              <a:bodyPr wrap="none" rtlCol="0">
+                <a:spAutoFit/>
+              </a:bodyPr>
+              <a:lstStyle/>
+              <a:p>
+                <a:r>
+                  <a:rPr lang="en-US" sz="7200" b="1" dirty="0">
+                    <a:solidFill>
+                      <a:srgbClr val="A7BED2"/>
+                    </a:solidFill>
+                    <a:latin typeface="Georgia" charset="0"/>
+                    <a:ea typeface="Georgia" charset="0"/>
+                    <a:cs typeface="Georgia" charset="0"/>
+                  </a:rPr>
+                  <a:t>ma</a:t>
+                </a:r>
+              </a:p>
+            </p:txBody>
+          </p:sp>
+          <p:sp>
+            <p:nvSpPr>
+              <p:cNvPr id="34" name="TextBox 33">
+                <a:extLst>
+                  <a:ext uri="{FF2B5EF4-FFF2-40B4-BE49-F238E27FC236}">
+                    <a16:creationId xmlns:a16="http://schemas.microsoft.com/office/drawing/2014/main" id="{2F581E71-EB39-AD45-BA9D-C4F1AF9E961D}"/>
+                  </a:ext>
+                </a:extLst>
+              </p:cNvPr>
+              <p:cNvSpPr txBox="1"/>
+              <p:nvPr/>
+            </p:nvSpPr>
+            <p:spPr>
+              <a:xfrm>
+                <a:off x="321532" y="2586884"/>
+                <a:ext cx="2279791" cy="1200329"/>
+              </a:xfrm>
+              <a:prstGeom prst="rect">
+                <a:avLst/>
+              </a:prstGeom>
+              <a:noFill/>
+            </p:spPr>
+            <p:txBody>
+              <a:bodyPr wrap="none" rtlCol="0">
+                <a:spAutoFit/>
+              </a:bodyPr>
+              <a:lstStyle/>
+              <a:p>
+                <a:r>
+                  <a:rPr lang="en-US" sz="7200" b="1" dirty="0">
+                    <a:solidFill>
+                      <a:srgbClr val="2F5389"/>
+                    </a:solidFill>
+                    <a:latin typeface="Georgia" charset="0"/>
+                    <a:ea typeface="Georgia" charset="0"/>
+                    <a:cs typeface="Georgia" charset="0"/>
+                  </a:rPr>
+                  <a:t>map</a:t>
+                </a:r>
+              </a:p>
+            </p:txBody>
+          </p:sp>
+        </p:grpSp>
+      </p:grpSp>
+      <p:grpSp>
+        <p:nvGrpSpPr>
+          <p:cNvPr id="35" name="Group 34">
+            <a:extLst>
+              <a:ext uri="{FF2B5EF4-FFF2-40B4-BE49-F238E27FC236}">
+                <a16:creationId xmlns:a16="http://schemas.microsoft.com/office/drawing/2014/main" id="{DA7EE92F-A569-494D-8E50-B16A7870EC94}"/>
+              </a:ext>
+            </a:extLst>
+          </p:cNvPr>
+          <p:cNvGrpSpPr>
+            <a:grpSpLocks noChangeAspect="1"/>
+          </p:cNvGrpSpPr>
+          <p:nvPr/>
+        </p:nvGrpSpPr>
+        <p:grpSpPr>
+          <a:xfrm>
+            <a:off x="4694215" y="2027169"/>
+            <a:ext cx="2803569" cy="2803662"/>
+            <a:chOff x="4441182" y="1768338"/>
+            <a:chExt cx="2803569" cy="2803662"/>
+          </a:xfrm>
+        </p:grpSpPr>
+        <p:sp>
+          <p:nvSpPr>
+            <p:cNvPr id="36" name="Oval 35">
+              <a:extLst>
+                <a:ext uri="{FF2B5EF4-FFF2-40B4-BE49-F238E27FC236}">
+                  <a16:creationId xmlns:a16="http://schemas.microsoft.com/office/drawing/2014/main" id="{183B2479-798E-6D46-9F36-EBC10346A0C6}"/>
+                </a:ext>
+              </a:extLst>
+            </p:cNvPr>
+            <p:cNvSpPr>
+              <a:spLocks noChangeAspect="1"/>
+            </p:cNvSpPr>
+            <p:nvPr/>
+          </p:nvSpPr>
+          <p:spPr>
+            <a:xfrm>
+              <a:off x="4441182" y="1768338"/>
+              <a:ext cx="2803569" cy="2803662"/>
+            </a:xfrm>
+            <a:prstGeom prst="ellipse">
+              <a:avLst/>
+            </a:prstGeom>
+            <a:solidFill>
+              <a:srgbClr val="2F5389"/>
+            </a:solidFill>
+            <a:ln>
+              <a:noFill/>
+            </a:ln>
+          </p:spPr>
+          <p:style>
+            <a:lnRef idx="2">
+              <a:schemeClr val="accent1">
+                <a:shade val="50000"/>
+              </a:schemeClr>
+            </a:lnRef>
+            <a:fillRef idx="1">
+              <a:schemeClr val="accent1"/>
+            </a:fillRef>
+            <a:effectRef idx="0">
+              <a:schemeClr val="accent1"/>
+            </a:effectRef>
+            <a:fontRef idx="minor">
+              <a:schemeClr val="lt1"/>
+            </a:fontRef>
+          </p:style>
+          <p:txBody>
+            <a:bodyPr rtlCol="0" anchor="ctr"/>
+            <a:lstStyle/>
+            <a:p>
+              <a:pPr algn="ctr"/>
+              <a:endParaRPr lang="en-GB">
+                <a:solidFill>
+                  <a:srgbClr val="8C9EBF"/>
+                </a:solidFill>
+              </a:endParaRPr>
+            </a:p>
+          </p:txBody>
+        </p:sp>
+        <p:grpSp>
+          <p:nvGrpSpPr>
+            <p:cNvPr id="37" name="Group 36">
+              <a:extLst>
+                <a:ext uri="{FF2B5EF4-FFF2-40B4-BE49-F238E27FC236}">
+                  <a16:creationId xmlns:a16="http://schemas.microsoft.com/office/drawing/2014/main" id="{EEE1763F-88B7-624E-8763-6D4B727DF6AF}"/>
+                </a:ext>
+              </a:extLst>
+            </p:cNvPr>
+            <p:cNvGrpSpPr/>
+            <p:nvPr/>
+          </p:nvGrpSpPr>
+          <p:grpSpPr>
+            <a:xfrm>
+              <a:off x="4727041" y="1839130"/>
+              <a:ext cx="2279791" cy="2420611"/>
+              <a:chOff x="321532" y="1366602"/>
+              <a:chExt cx="2279791" cy="2420611"/>
+            </a:xfrm>
+          </p:grpSpPr>
+          <p:sp>
+            <p:nvSpPr>
+              <p:cNvPr id="38" name="TextBox 37">
+                <a:extLst>
+                  <a:ext uri="{FF2B5EF4-FFF2-40B4-BE49-F238E27FC236}">
+                    <a16:creationId xmlns:a16="http://schemas.microsoft.com/office/drawing/2014/main" id="{41D6DE70-4C86-424E-825E-40D94DDE5688}"/>
+                  </a:ext>
+                </a:extLst>
+              </p:cNvPr>
+              <p:cNvSpPr txBox="1"/>
+              <p:nvPr/>
+            </p:nvSpPr>
+            <p:spPr>
+              <a:xfrm>
+                <a:off x="321532" y="1366602"/>
+                <a:ext cx="2202847" cy="1200329"/>
+              </a:xfrm>
+              <a:prstGeom prst="rect">
+                <a:avLst/>
+              </a:prstGeom>
+              <a:noFill/>
+              <a:ln>
+                <a:noFill/>
+              </a:ln>
+            </p:spPr>
+            <p:txBody>
+              <a:bodyPr wrap="none" rtlCol="0">
+                <a:spAutoFit/>
+              </a:bodyPr>
+              <a:lstStyle/>
+              <a:p>
+                <a:r>
+                  <a:rPr lang="en-US" sz="7200" b="1" dirty="0" err="1">
+                    <a:solidFill>
+                      <a:schemeClr val="bg1"/>
+                    </a:solidFill>
+                    <a:latin typeface="Georgia" charset="0"/>
+                    <a:ea typeface="Georgia" charset="0"/>
+                    <a:cs typeface="Georgia" charset="0"/>
+                  </a:rPr>
+                  <a:t>asth</a:t>
+                </a:r>
+                <a:endParaRPr lang="en-US" sz="7200" b="1" dirty="0">
+                  <a:solidFill>
+                    <a:schemeClr val="bg1"/>
+                  </a:solidFill>
+                  <a:latin typeface="Georgia" charset="0"/>
+                  <a:ea typeface="Georgia" charset="0"/>
+                  <a:cs typeface="Georgia" charset="0"/>
+                </a:endParaRPr>
+              </a:p>
+            </p:txBody>
+          </p:sp>
+          <p:sp>
+            <p:nvSpPr>
+              <p:cNvPr id="39" name="TextBox 38">
+                <a:extLst>
+                  <a:ext uri="{FF2B5EF4-FFF2-40B4-BE49-F238E27FC236}">
+                    <a16:creationId xmlns:a16="http://schemas.microsoft.com/office/drawing/2014/main" id="{F9E33799-9D6F-9748-B71A-2558398E8977}"/>
+                  </a:ext>
+                </a:extLst>
+              </p:cNvPr>
+              <p:cNvSpPr txBox="1"/>
+              <p:nvPr/>
+            </p:nvSpPr>
+            <p:spPr>
+              <a:xfrm>
+                <a:off x="321532" y="1976743"/>
+                <a:ext cx="1672253" cy="1200329"/>
+              </a:xfrm>
+              <a:prstGeom prst="rect">
+                <a:avLst/>
+              </a:prstGeom>
+              <a:noFill/>
+              <a:ln>
+                <a:noFill/>
+              </a:ln>
+            </p:spPr>
+            <p:txBody>
+              <a:bodyPr wrap="none" rtlCol="0">
+                <a:spAutoFit/>
+              </a:bodyPr>
+              <a:lstStyle/>
+              <a:p>
+                <a:r>
+                  <a:rPr lang="en-US" sz="7200" b="1" dirty="0">
+                    <a:solidFill>
+                      <a:schemeClr val="bg1"/>
+                    </a:solidFill>
+                    <a:latin typeface="Georgia" charset="0"/>
+                    <a:ea typeface="Georgia" charset="0"/>
+                    <a:cs typeface="Georgia" charset="0"/>
+                  </a:rPr>
+                  <a:t>ma</a:t>
+                </a:r>
+              </a:p>
+            </p:txBody>
+          </p:sp>
+          <p:sp>
+            <p:nvSpPr>
+              <p:cNvPr id="40" name="TextBox 39">
+                <a:extLst>
+                  <a:ext uri="{FF2B5EF4-FFF2-40B4-BE49-F238E27FC236}">
+                    <a16:creationId xmlns:a16="http://schemas.microsoft.com/office/drawing/2014/main" id="{6936E076-AE6D-3C40-9617-3D88CEAE7185}"/>
+                  </a:ext>
+                </a:extLst>
+              </p:cNvPr>
+              <p:cNvSpPr txBox="1"/>
+              <p:nvPr/>
+            </p:nvSpPr>
+            <p:spPr>
+              <a:xfrm>
+                <a:off x="321532" y="2586884"/>
+                <a:ext cx="2279791" cy="1200329"/>
+              </a:xfrm>
+              <a:prstGeom prst="rect">
+                <a:avLst/>
+              </a:prstGeom>
+              <a:noFill/>
+              <a:ln>
+                <a:noFill/>
+              </a:ln>
+            </p:spPr>
+            <p:txBody>
+              <a:bodyPr wrap="none" rtlCol="0">
+                <a:spAutoFit/>
+              </a:bodyPr>
+              <a:lstStyle/>
+              <a:p>
+                <a:r>
+                  <a:rPr lang="en-US" sz="7200" b="1" dirty="0">
+                    <a:solidFill>
+                      <a:srgbClr val="A7BED2"/>
+                    </a:solidFill>
+                    <a:latin typeface="Georgia" charset="0"/>
+                    <a:ea typeface="Georgia" charset="0"/>
+                    <a:cs typeface="Georgia" charset="0"/>
+                  </a:rPr>
+                  <a:t>map</a:t>
+                </a:r>
+              </a:p>
+            </p:txBody>
+          </p:sp>
+        </p:grpSp>
+      </p:grpSp>
+      <p:grpSp>
+        <p:nvGrpSpPr>
+          <p:cNvPr id="41" name="Group 40">
+            <a:extLst>
+              <a:ext uri="{FF2B5EF4-FFF2-40B4-BE49-F238E27FC236}">
+                <a16:creationId xmlns:a16="http://schemas.microsoft.com/office/drawing/2014/main" id="{86F210D4-0DC5-2E4B-B53C-C68184B19F06}"/>
+              </a:ext>
+            </a:extLst>
+          </p:cNvPr>
+          <p:cNvGrpSpPr>
+            <a:grpSpLocks noChangeAspect="1"/>
+          </p:cNvGrpSpPr>
+          <p:nvPr/>
+        </p:nvGrpSpPr>
+        <p:grpSpPr>
+          <a:xfrm>
+            <a:off x="8190601" y="2027169"/>
+            <a:ext cx="2803570" cy="2803662"/>
+            <a:chOff x="6328386" y="2360548"/>
+            <a:chExt cx="2803570" cy="2803662"/>
+          </a:xfrm>
+        </p:grpSpPr>
+        <p:sp>
+          <p:nvSpPr>
+            <p:cNvPr id="42" name="Rectangle 41">
+              <a:extLst>
+                <a:ext uri="{FF2B5EF4-FFF2-40B4-BE49-F238E27FC236}">
+                  <a16:creationId xmlns:a16="http://schemas.microsoft.com/office/drawing/2014/main" id="{F561A50E-CB81-9D4C-A662-387B15563FF4}"/>
+                </a:ext>
+              </a:extLst>
+            </p:cNvPr>
+            <p:cNvSpPr/>
+            <p:nvPr/>
+          </p:nvSpPr>
+          <p:spPr>
+            <a:xfrm>
+              <a:off x="6328386" y="2360548"/>
+              <a:ext cx="2803569" cy="2803662"/>
+            </a:xfrm>
+            <a:prstGeom prst="rect">
+              <a:avLst/>
+            </a:prstGeom>
+            <a:solidFill>
+              <a:srgbClr val="2F5389"/>
+            </a:solidFill>
+            <a:ln>
+              <a:noFill/>
+            </a:ln>
+          </p:spPr>
+          <p:style>
+            <a:lnRef idx="2">
+              <a:schemeClr val="accent1">
+                <a:shade val="50000"/>
+              </a:schemeClr>
+            </a:lnRef>
+            <a:fillRef idx="1">
+              <a:schemeClr val="accent1"/>
+            </a:fillRef>
+            <a:effectRef idx="0">
+              <a:schemeClr val="accent1"/>
+            </a:effectRef>
+            <a:fontRef idx="minor">
+              <a:schemeClr val="lt1"/>
+            </a:fontRef>
+          </p:style>
+          <p:txBody>
+            <a:bodyPr rtlCol="0" anchor="ctr"/>
+            <a:lstStyle/>
+            <a:p>
+              <a:pPr algn="ctr"/>
+              <a:endParaRPr lang="en-GB"/>
+            </a:p>
+          </p:txBody>
+        </p:sp>
+        <p:grpSp>
+          <p:nvGrpSpPr>
+            <p:cNvPr id="43" name="Group 42">
+              <a:extLst>
+                <a:ext uri="{FF2B5EF4-FFF2-40B4-BE49-F238E27FC236}">
+                  <a16:creationId xmlns:a16="http://schemas.microsoft.com/office/drawing/2014/main" id="{1FD46838-838C-C24D-8E9C-3329660CD443}"/>
+                </a:ext>
+              </a:extLst>
+            </p:cNvPr>
+            <p:cNvGrpSpPr>
+              <a:grpSpLocks noChangeAspect="1"/>
+            </p:cNvGrpSpPr>
+            <p:nvPr/>
+          </p:nvGrpSpPr>
+          <p:grpSpPr>
+            <a:xfrm>
+              <a:off x="6328387" y="2360548"/>
+              <a:ext cx="2803569" cy="2803662"/>
+              <a:chOff x="4441182" y="1768338"/>
+              <a:chExt cx="2803569" cy="2803662"/>
+            </a:xfrm>
+          </p:grpSpPr>
+          <p:sp>
+            <p:nvSpPr>
+              <p:cNvPr id="44" name="Oval 43">
+                <a:extLst>
+                  <a:ext uri="{FF2B5EF4-FFF2-40B4-BE49-F238E27FC236}">
+                    <a16:creationId xmlns:a16="http://schemas.microsoft.com/office/drawing/2014/main" id="{2ABCA59C-4507-5D46-B85B-0F3F14947D50}"/>
+                  </a:ext>
+                </a:extLst>
+              </p:cNvPr>
+              <p:cNvSpPr>
+                <a:spLocks noChangeAspect="1"/>
+              </p:cNvSpPr>
+              <p:nvPr/>
+            </p:nvSpPr>
+            <p:spPr>
+              <a:xfrm>
+                <a:off x="4441182" y="1768338"/>
+                <a:ext cx="2803569" cy="2803662"/>
+              </a:xfrm>
+              <a:prstGeom prst="ellipse">
+                <a:avLst/>
+              </a:prstGeom>
+              <a:solidFill>
+                <a:srgbClr val="2F5389"/>
+              </a:solidFill>
+              <a:ln>
+                <a:noFill/>
+              </a:ln>
+            </p:spPr>
+            <p:style>
+              <a:lnRef idx="2">
+                <a:schemeClr val="accent1">
+                  <a:shade val="50000"/>
+                </a:schemeClr>
+              </a:lnRef>
+              <a:fillRef idx="1">
+                <a:schemeClr val="accent1"/>
+              </a:fillRef>
+              <a:effectRef idx="0">
+                <a:schemeClr val="accent1"/>
+              </a:effectRef>
+              <a:fontRef idx="minor">
+                <a:schemeClr val="lt1"/>
+              </a:fontRef>
+            </p:style>
+            <p:txBody>
+              <a:bodyPr rtlCol="0" anchor="ctr"/>
+              <a:lstStyle/>
+              <a:p>
+                <a:pPr algn="ctr"/>
+                <a:endParaRPr lang="en-GB">
+                  <a:solidFill>
+                    <a:srgbClr val="8C9EBF"/>
+                  </a:solidFill>
+                </a:endParaRPr>
+              </a:p>
+            </p:txBody>
+          </p:sp>
+          <p:grpSp>
+            <p:nvGrpSpPr>
+              <p:cNvPr id="45" name="Group 44">
+                <a:extLst>
+                  <a:ext uri="{FF2B5EF4-FFF2-40B4-BE49-F238E27FC236}">
+                    <a16:creationId xmlns:a16="http://schemas.microsoft.com/office/drawing/2014/main" id="{3C8CFB57-5B0A-2A44-ADD6-5F3985A28D10}"/>
+                  </a:ext>
+                </a:extLst>
+              </p:cNvPr>
+              <p:cNvGrpSpPr/>
+              <p:nvPr/>
+            </p:nvGrpSpPr>
+            <p:grpSpPr>
+              <a:xfrm>
+                <a:off x="4727041" y="1839130"/>
+                <a:ext cx="2279791" cy="2420611"/>
+                <a:chOff x="321532" y="1366602"/>
+                <a:chExt cx="2279791" cy="2420611"/>
+              </a:xfrm>
+            </p:grpSpPr>
+            <p:sp>
+              <p:nvSpPr>
+                <p:cNvPr id="46" name="TextBox 45">
+                  <a:extLst>
+                    <a:ext uri="{FF2B5EF4-FFF2-40B4-BE49-F238E27FC236}">
+                      <a16:creationId xmlns:a16="http://schemas.microsoft.com/office/drawing/2014/main" id="{45E5216C-6556-404E-AF1C-8FBBDB4C1381}"/>
+                    </a:ext>
+                  </a:extLst>
+                </p:cNvPr>
+                <p:cNvSpPr txBox="1"/>
+                <p:nvPr/>
+              </p:nvSpPr>
+              <p:spPr>
+                <a:xfrm>
+                  <a:off x="321532" y="1366602"/>
+                  <a:ext cx="2202847" cy="1200329"/>
+                </a:xfrm>
+                <a:prstGeom prst="rect">
+                  <a:avLst/>
+                </a:prstGeom>
+                <a:noFill/>
+              </p:spPr>
+              <p:txBody>
+                <a:bodyPr wrap="none" rtlCol="0">
+                  <a:spAutoFit/>
+                </a:bodyPr>
+                <a:lstStyle/>
+                <a:p>
+                  <a:r>
+                    <a:rPr lang="en-US" sz="7200" b="1" dirty="0" err="1">
+                      <a:solidFill>
+                        <a:schemeClr val="bg1"/>
+                      </a:solidFill>
+                      <a:latin typeface="Georgia" charset="0"/>
+                      <a:ea typeface="Georgia" charset="0"/>
+                      <a:cs typeface="Georgia" charset="0"/>
+                    </a:rPr>
+                    <a:t>asth</a:t>
+                  </a:r>
+                  <a:endParaRPr lang="en-US" sz="7200" b="1" dirty="0">
+                    <a:solidFill>
+                      <a:schemeClr val="bg1"/>
+                    </a:solidFill>
+                    <a:latin typeface="Georgia" charset="0"/>
+                    <a:ea typeface="Georgia" charset="0"/>
+                    <a:cs typeface="Georgia" charset="0"/>
+                  </a:endParaRPr>
+                </a:p>
+              </p:txBody>
+            </p:sp>
+            <p:sp>
+              <p:nvSpPr>
+                <p:cNvPr id="47" name="TextBox 46">
+                  <a:extLst>
+                    <a:ext uri="{FF2B5EF4-FFF2-40B4-BE49-F238E27FC236}">
+                      <a16:creationId xmlns:a16="http://schemas.microsoft.com/office/drawing/2014/main" id="{CC8CC926-91EF-1A44-B227-CB9E72764761}"/>
+                    </a:ext>
+                  </a:extLst>
+                </p:cNvPr>
+                <p:cNvSpPr txBox="1"/>
+                <p:nvPr/>
+              </p:nvSpPr>
+              <p:spPr>
+                <a:xfrm>
+                  <a:off x="321532" y="1976743"/>
+                  <a:ext cx="1672253" cy="1200329"/>
+                </a:xfrm>
+                <a:prstGeom prst="rect">
+                  <a:avLst/>
+                </a:prstGeom>
+                <a:noFill/>
+              </p:spPr>
+              <p:txBody>
+                <a:bodyPr wrap="none" rtlCol="0">
+                  <a:spAutoFit/>
+                </a:bodyPr>
+                <a:lstStyle/>
+                <a:p>
+                  <a:r>
+                    <a:rPr lang="en-US" sz="7200" b="1" dirty="0">
+                      <a:solidFill>
+                        <a:schemeClr val="bg1"/>
+                      </a:solidFill>
+                      <a:latin typeface="Georgia" charset="0"/>
+                      <a:ea typeface="Georgia" charset="0"/>
+                      <a:cs typeface="Georgia" charset="0"/>
+                    </a:rPr>
+                    <a:t>ma</a:t>
+                  </a:r>
+                </a:p>
+              </p:txBody>
+            </p:sp>
+            <p:sp>
+              <p:nvSpPr>
+                <p:cNvPr id="48" name="TextBox 47">
+                  <a:extLst>
+                    <a:ext uri="{FF2B5EF4-FFF2-40B4-BE49-F238E27FC236}">
+                      <a16:creationId xmlns:a16="http://schemas.microsoft.com/office/drawing/2014/main" id="{A588C67C-F5EB-CA4F-9AB8-D3511ED6BBBC}"/>
+                    </a:ext>
+                  </a:extLst>
+                </p:cNvPr>
+                <p:cNvSpPr txBox="1"/>
+                <p:nvPr/>
+              </p:nvSpPr>
+              <p:spPr>
+                <a:xfrm>
+                  <a:off x="321532" y="2586884"/>
+                  <a:ext cx="2279791" cy="1200329"/>
+                </a:xfrm>
+                <a:prstGeom prst="rect">
+                  <a:avLst/>
+                </a:prstGeom>
+                <a:noFill/>
+              </p:spPr>
+              <p:txBody>
+                <a:bodyPr wrap="none" rtlCol="0">
+                  <a:spAutoFit/>
+                </a:bodyPr>
+                <a:lstStyle/>
+                <a:p>
+                  <a:r>
+                    <a:rPr lang="en-US" sz="7200" b="1" dirty="0">
+                      <a:solidFill>
+                        <a:srgbClr val="A7BED2"/>
+                      </a:solidFill>
+                      <a:latin typeface="Georgia" charset="0"/>
+                      <a:ea typeface="Georgia" charset="0"/>
+                      <a:cs typeface="Georgia" charset="0"/>
+                    </a:rPr>
+                    <a:t>map</a:t>
+                  </a:r>
+                </a:p>
+              </p:txBody>
+            </p:sp>
+          </p:grpSp>
+        </p:grpSp>
+      </p:grpSp>
+    </p:spTree>
+    <p:extLst>
+      <p:ext uri="{BB962C8B-B14F-4D97-AF65-F5344CB8AC3E}">
+        <p14:creationId xmlns:p14="http://schemas.microsoft.com/office/powerpoint/2010/main" val="2532924153"/>
+      </p:ext>
+    </p:extLst>
+  </p:cSld>
+  <p:clrMapOvr>
+    <a:masterClrMapping/>
+  </p:clrMapOvr>
+</p:sld>
+</file>
+
+<file path=ppt/slides/slide15.xml><?xml version="1.0" encoding="utf-8"?>
 <p:sld xmlns:a="http://schemas.openxmlformats.org/drawingml/2006/main" xmlns:r="http://schemas.openxmlformats.org/officeDocument/2006/relationships" xmlns:p="http://schemas.openxmlformats.org/presentationml/2006/main">
   <p:cSld>
     <p:spTree>
@@ -7148,7 +9985,7 @@
 </p:sld>
 </file>
 
-<file path=ppt/slides/slide6.xml><?xml version="1.0" encoding="utf-8"?>
+<file path=ppt/slides/slide16.xml><?xml version="1.0" encoding="utf-8"?>
 <p:sld xmlns:a="http://schemas.openxmlformats.org/drawingml/2006/main" xmlns:r="http://schemas.openxmlformats.org/officeDocument/2006/relationships" xmlns:p="http://schemas.openxmlformats.org/presentationml/2006/main">
   <p:cSld>
     <p:spTree>
@@ -8017,7 +10854,7 @@
 </p:sld>
 </file>
 
-<file path=ppt/slides/slide7.xml><?xml version="1.0" encoding="utf-8"?>
+<file path=ppt/slides/slide17.xml><?xml version="1.0" encoding="utf-8"?>
 <p:sld xmlns:a="http://schemas.openxmlformats.org/drawingml/2006/main" xmlns:r="http://schemas.openxmlformats.org/officeDocument/2006/relationships" xmlns:p="http://schemas.openxmlformats.org/presentationml/2006/main">
   <p:cSld>
     <p:spTree>
@@ -8324,6 +11161,1404 @@
 </p:sld>
 </file>
 
+<file path=ppt/slides/slide2.xml><?xml version="1.0" encoding="utf-8"?>
+<p:sld xmlns:a="http://schemas.openxmlformats.org/drawingml/2006/main" xmlns:r="http://schemas.openxmlformats.org/officeDocument/2006/relationships" xmlns:p="http://schemas.openxmlformats.org/presentationml/2006/main">
+  <p:cSld>
+    <p:spTree>
+      <p:nvGrpSpPr>
+        <p:cNvPr id="1" name=""/>
+        <p:cNvGrpSpPr/>
+        <p:nvPr/>
+      </p:nvGrpSpPr>
+      <p:grpSpPr>
+        <a:xfrm>
+          <a:off x="0" y="0"/>
+          <a:ext cx="0" cy="0"/>
+          <a:chOff x="0" y="0"/>
+          <a:chExt cx="0" cy="0"/>
+        </a:xfrm>
+      </p:grpSpPr>
+      <p:pic>
+        <p:nvPicPr>
+          <p:cNvPr id="4" name="Picture 3">
+            <a:extLst>
+              <a:ext uri="{FF2B5EF4-FFF2-40B4-BE49-F238E27FC236}">
+                <a16:creationId xmlns:a16="http://schemas.microsoft.com/office/drawing/2014/main" id="{5ECEFF7C-DDA4-3940-945A-D2F875F97B2E}"/>
+              </a:ext>
+            </a:extLst>
+          </p:cNvPr>
+          <p:cNvPicPr>
+            <a:picLocks noChangeAspect="1"/>
+          </p:cNvPicPr>
+          <p:nvPr/>
+        </p:nvPicPr>
+        <p:blipFill>
+          <a:blip r:embed="rId2"/>
+          <a:stretch>
+            <a:fillRect/>
+          </a:stretch>
+        </p:blipFill>
+        <p:spPr>
+          <a:xfrm>
+            <a:off x="0" y="0"/>
+            <a:ext cx="12192000" cy="6858000"/>
+          </a:xfrm>
+          <a:prstGeom prst="rect">
+            <a:avLst/>
+          </a:prstGeom>
+        </p:spPr>
+      </p:pic>
+      <p:sp>
+        <p:nvSpPr>
+          <p:cNvPr id="6" name="Rectangle 5">
+            <a:extLst>
+              <a:ext uri="{FF2B5EF4-FFF2-40B4-BE49-F238E27FC236}">
+                <a16:creationId xmlns:a16="http://schemas.microsoft.com/office/drawing/2014/main" id="{26134405-6251-7644-8C36-E47E24DA7038}"/>
+              </a:ext>
+            </a:extLst>
+          </p:cNvPr>
+          <p:cNvSpPr/>
+          <p:nvPr/>
+        </p:nvSpPr>
+        <p:spPr>
+          <a:xfrm>
+            <a:off x="0" y="-1"/>
+            <a:ext cx="12192000" cy="6858000"/>
+          </a:xfrm>
+          <a:prstGeom prst="rect">
+            <a:avLst/>
+          </a:prstGeom>
+          <a:solidFill>
+            <a:srgbClr val="7792B0">
+              <a:alpha val="50196"/>
+            </a:srgbClr>
+          </a:solidFill>
+          <a:ln>
+            <a:noFill/>
+          </a:ln>
+        </p:spPr>
+        <p:style>
+          <a:lnRef idx="2">
+            <a:schemeClr val="accent1">
+              <a:shade val="50000"/>
+            </a:schemeClr>
+          </a:lnRef>
+          <a:fillRef idx="1">
+            <a:schemeClr val="accent1"/>
+          </a:fillRef>
+          <a:effectRef idx="0">
+            <a:schemeClr val="accent1"/>
+          </a:effectRef>
+          <a:fontRef idx="minor">
+            <a:schemeClr val="lt1"/>
+          </a:fontRef>
+        </p:style>
+        <p:txBody>
+          <a:bodyPr rtlCol="0" anchor="ctr"/>
+          <a:lstStyle/>
+          <a:p>
+            <a:pPr algn="ctr"/>
+            <a:endParaRPr lang="en-GB"/>
+          </a:p>
+        </p:txBody>
+      </p:sp>
+      <p:sp>
+        <p:nvSpPr>
+          <p:cNvPr id="23" name="TextBox 22">
+            <a:extLst>
+              <a:ext uri="{FF2B5EF4-FFF2-40B4-BE49-F238E27FC236}">
+                <a16:creationId xmlns:a16="http://schemas.microsoft.com/office/drawing/2014/main" id="{A36453A2-7193-784D-8062-CF2650A8C149}"/>
+              </a:ext>
+            </a:extLst>
+          </p:cNvPr>
+          <p:cNvSpPr txBox="1"/>
+          <p:nvPr/>
+        </p:nvSpPr>
+        <p:spPr>
+          <a:xfrm>
+            <a:off x="1698001" y="2828835"/>
+            <a:ext cx="8795998" cy="1200329"/>
+          </a:xfrm>
+          <a:prstGeom prst="rect">
+            <a:avLst/>
+          </a:prstGeom>
+          <a:noFill/>
+        </p:spPr>
+        <p:txBody>
+          <a:bodyPr wrap="none" rtlCol="0">
+            <a:spAutoFit/>
+          </a:bodyPr>
+          <a:lstStyle/>
+          <a:p>
+            <a:pPr algn="ctr"/>
+            <a:r>
+              <a:rPr lang="en-US" sz="7200" b="1" dirty="0">
+                <a:solidFill>
+                  <a:schemeClr val="bg1"/>
+                </a:solidFill>
+                <a:latin typeface="Georgia" charset="0"/>
+                <a:ea typeface="Georgia" charset="0"/>
+                <a:cs typeface="Georgia" charset="0"/>
+              </a:rPr>
+              <a:t>Adding comments</a:t>
+            </a:r>
+          </a:p>
+        </p:txBody>
+      </p:sp>
+    </p:spTree>
+    <p:extLst>
+      <p:ext uri="{BB962C8B-B14F-4D97-AF65-F5344CB8AC3E}">
+        <p14:creationId xmlns:p14="http://schemas.microsoft.com/office/powerpoint/2010/main" val="1890602793"/>
+      </p:ext>
+    </p:extLst>
+  </p:cSld>
+  <p:clrMapOvr>
+    <a:masterClrMapping/>
+  </p:clrMapOvr>
+</p:sld>
+</file>
+
+<file path=ppt/slides/slide3.xml><?xml version="1.0" encoding="utf-8"?>
+<p:sld xmlns:a="http://schemas.openxmlformats.org/drawingml/2006/main" xmlns:r="http://schemas.openxmlformats.org/officeDocument/2006/relationships" xmlns:p="http://schemas.openxmlformats.org/presentationml/2006/main">
+  <p:cSld>
+    <p:spTree>
+      <p:nvGrpSpPr>
+        <p:cNvPr id="1" name=""/>
+        <p:cNvGrpSpPr/>
+        <p:nvPr/>
+      </p:nvGrpSpPr>
+      <p:grpSpPr>
+        <a:xfrm>
+          <a:off x="0" y="0"/>
+          <a:ext cx="0" cy="0"/>
+          <a:chOff x="0" y="0"/>
+          <a:chExt cx="0" cy="0"/>
+        </a:xfrm>
+      </p:grpSpPr>
+      <p:sp>
+        <p:nvSpPr>
+          <p:cNvPr id="2" name="Rectangle 1">
+            <a:extLst>
+              <a:ext uri="{FF2B5EF4-FFF2-40B4-BE49-F238E27FC236}">
+                <a16:creationId xmlns:a16="http://schemas.microsoft.com/office/drawing/2014/main" id="{7F5D3B9B-FCB9-974F-9972-DD237E4D88E9}"/>
+              </a:ext>
+            </a:extLst>
+          </p:cNvPr>
+          <p:cNvSpPr/>
+          <p:nvPr/>
+        </p:nvSpPr>
+        <p:spPr>
+          <a:xfrm>
+            <a:off x="0" y="0"/>
+            <a:ext cx="12192000" cy="6858000"/>
+          </a:xfrm>
+          <a:prstGeom prst="rect">
+            <a:avLst/>
+          </a:prstGeom>
+          <a:solidFill>
+            <a:srgbClr val="7792B0"/>
+          </a:solidFill>
+          <a:ln>
+            <a:noFill/>
+          </a:ln>
+        </p:spPr>
+        <p:style>
+          <a:lnRef idx="2">
+            <a:schemeClr val="accent1">
+              <a:shade val="50000"/>
+            </a:schemeClr>
+          </a:lnRef>
+          <a:fillRef idx="1">
+            <a:schemeClr val="accent1"/>
+          </a:fillRef>
+          <a:effectRef idx="0">
+            <a:schemeClr val="accent1"/>
+          </a:effectRef>
+          <a:fontRef idx="minor">
+            <a:schemeClr val="lt1"/>
+          </a:fontRef>
+        </p:style>
+        <p:txBody>
+          <a:bodyPr rtlCol="0" anchor="ctr"/>
+          <a:lstStyle/>
+          <a:p>
+            <a:pPr algn="ctr"/>
+            <a:endParaRPr lang="en-GB"/>
+          </a:p>
+        </p:txBody>
+      </p:sp>
+      <p:sp>
+        <p:nvSpPr>
+          <p:cNvPr id="23" name="TextBox 22">
+            <a:extLst>
+              <a:ext uri="{FF2B5EF4-FFF2-40B4-BE49-F238E27FC236}">
+                <a16:creationId xmlns:a16="http://schemas.microsoft.com/office/drawing/2014/main" id="{A36453A2-7193-784D-8062-CF2650A8C149}"/>
+              </a:ext>
+            </a:extLst>
+          </p:cNvPr>
+          <p:cNvSpPr txBox="1"/>
+          <p:nvPr/>
+        </p:nvSpPr>
+        <p:spPr>
+          <a:xfrm>
+            <a:off x="1698001" y="2828835"/>
+            <a:ext cx="8795998" cy="1200329"/>
+          </a:xfrm>
+          <a:prstGeom prst="rect">
+            <a:avLst/>
+          </a:prstGeom>
+          <a:noFill/>
+        </p:spPr>
+        <p:txBody>
+          <a:bodyPr wrap="none" rtlCol="0">
+            <a:spAutoFit/>
+          </a:bodyPr>
+          <a:lstStyle/>
+          <a:p>
+            <a:pPr algn="ctr"/>
+            <a:r>
+              <a:rPr lang="en-US" sz="7200" b="1" dirty="0">
+                <a:solidFill>
+                  <a:srgbClr val="C7D2E0"/>
+                </a:solidFill>
+                <a:latin typeface="Georgia" charset="0"/>
+                <a:ea typeface="Georgia" charset="0"/>
+                <a:cs typeface="Georgia" charset="0"/>
+              </a:rPr>
+              <a:t>Adding </a:t>
+            </a:r>
+            <a:r>
+              <a:rPr lang="en-US" sz="7200" b="1" dirty="0">
+                <a:solidFill>
+                  <a:schemeClr val="bg1"/>
+                </a:solidFill>
+                <a:latin typeface="Georgia" charset="0"/>
+                <a:ea typeface="Georgia" charset="0"/>
+                <a:cs typeface="Georgia" charset="0"/>
+              </a:rPr>
+              <a:t>comments</a:t>
+            </a:r>
+          </a:p>
+        </p:txBody>
+      </p:sp>
+    </p:spTree>
+    <p:extLst>
+      <p:ext uri="{BB962C8B-B14F-4D97-AF65-F5344CB8AC3E}">
+        <p14:creationId xmlns:p14="http://schemas.microsoft.com/office/powerpoint/2010/main" val="860297010"/>
+      </p:ext>
+    </p:extLst>
+  </p:cSld>
+  <p:clrMapOvr>
+    <a:masterClrMapping/>
+  </p:clrMapOvr>
+</p:sld>
+</file>
+
+<file path=ppt/slides/slide4.xml><?xml version="1.0" encoding="utf-8"?>
+<p:sld xmlns:a="http://schemas.openxmlformats.org/drawingml/2006/main" xmlns:r="http://schemas.openxmlformats.org/officeDocument/2006/relationships" xmlns:p="http://schemas.openxmlformats.org/presentationml/2006/main">
+  <p:cSld>
+    <p:spTree>
+      <p:nvGrpSpPr>
+        <p:cNvPr id="1" name=""/>
+        <p:cNvGrpSpPr/>
+        <p:nvPr/>
+      </p:nvGrpSpPr>
+      <p:grpSpPr>
+        <a:xfrm>
+          <a:off x="0" y="0"/>
+          <a:ext cx="0" cy="0"/>
+          <a:chOff x="0" y="0"/>
+          <a:chExt cx="0" cy="0"/>
+        </a:xfrm>
+      </p:grpSpPr>
+      <p:sp>
+        <p:nvSpPr>
+          <p:cNvPr id="2" name="Rectangle 1">
+            <a:extLst>
+              <a:ext uri="{FF2B5EF4-FFF2-40B4-BE49-F238E27FC236}">
+                <a16:creationId xmlns:a16="http://schemas.microsoft.com/office/drawing/2014/main" id="{7F5D3B9B-FCB9-974F-9972-DD237E4D88E9}"/>
+              </a:ext>
+            </a:extLst>
+          </p:cNvPr>
+          <p:cNvSpPr/>
+          <p:nvPr/>
+        </p:nvSpPr>
+        <p:spPr>
+          <a:xfrm>
+            <a:off x="0" y="0"/>
+            <a:ext cx="12192000" cy="6858000"/>
+          </a:xfrm>
+          <a:prstGeom prst="rect">
+            <a:avLst/>
+          </a:prstGeom>
+          <a:solidFill>
+            <a:srgbClr val="7792B0"/>
+          </a:solidFill>
+          <a:ln>
+            <a:noFill/>
+          </a:ln>
+        </p:spPr>
+        <p:style>
+          <a:lnRef idx="2">
+            <a:schemeClr val="accent1">
+              <a:shade val="50000"/>
+            </a:schemeClr>
+          </a:lnRef>
+          <a:fillRef idx="1">
+            <a:schemeClr val="accent1"/>
+          </a:fillRef>
+          <a:effectRef idx="0">
+            <a:schemeClr val="accent1"/>
+          </a:effectRef>
+          <a:fontRef idx="minor">
+            <a:schemeClr val="lt1"/>
+          </a:fontRef>
+        </p:style>
+        <p:txBody>
+          <a:bodyPr rtlCol="0" anchor="ctr"/>
+          <a:lstStyle/>
+          <a:p>
+            <a:pPr algn="ctr"/>
+            <a:endParaRPr lang="en-GB"/>
+          </a:p>
+        </p:txBody>
+      </p:sp>
+      <p:sp>
+        <p:nvSpPr>
+          <p:cNvPr id="23" name="TextBox 22">
+            <a:extLst>
+              <a:ext uri="{FF2B5EF4-FFF2-40B4-BE49-F238E27FC236}">
+                <a16:creationId xmlns:a16="http://schemas.microsoft.com/office/drawing/2014/main" id="{A36453A2-7193-784D-8062-CF2650A8C149}"/>
+              </a:ext>
+            </a:extLst>
+          </p:cNvPr>
+          <p:cNvSpPr txBox="1"/>
+          <p:nvPr/>
+        </p:nvSpPr>
+        <p:spPr>
+          <a:xfrm>
+            <a:off x="2929110" y="2828835"/>
+            <a:ext cx="6333785" cy="1200329"/>
+          </a:xfrm>
+          <a:prstGeom prst="rect">
+            <a:avLst/>
+          </a:prstGeom>
+          <a:noFill/>
+        </p:spPr>
+        <p:txBody>
+          <a:bodyPr wrap="none" rtlCol="0">
+            <a:spAutoFit/>
+          </a:bodyPr>
+          <a:lstStyle/>
+          <a:p>
+            <a:pPr algn="ctr"/>
+            <a:r>
+              <a:rPr lang="en-US" sz="7200" b="1" dirty="0">
+                <a:solidFill>
+                  <a:schemeClr val="bg1"/>
+                </a:solidFill>
+                <a:latin typeface="Georgia" charset="0"/>
+                <a:ea typeface="Georgia" charset="0"/>
+                <a:cs typeface="Georgia" charset="0"/>
+              </a:rPr>
+              <a:t>Commenting</a:t>
+            </a:r>
+            <a:endParaRPr lang="en-US" sz="7200" b="1" dirty="0">
+              <a:solidFill>
+                <a:srgbClr val="C7D2E0"/>
+              </a:solidFill>
+              <a:latin typeface="Georgia" charset="0"/>
+              <a:ea typeface="Georgia" charset="0"/>
+              <a:cs typeface="Georgia" charset="0"/>
+            </a:endParaRPr>
+          </a:p>
+        </p:txBody>
+      </p:sp>
+    </p:spTree>
+    <p:extLst>
+      <p:ext uri="{BB962C8B-B14F-4D97-AF65-F5344CB8AC3E}">
+        <p14:creationId xmlns:p14="http://schemas.microsoft.com/office/powerpoint/2010/main" val="250217037"/>
+      </p:ext>
+    </p:extLst>
+  </p:cSld>
+  <p:clrMapOvr>
+    <a:masterClrMapping/>
+  </p:clrMapOvr>
+</p:sld>
+</file>
+
+<file path=ppt/slides/slide5.xml><?xml version="1.0" encoding="utf-8"?>
+<p:sld xmlns:a="http://schemas.openxmlformats.org/drawingml/2006/main" xmlns:r="http://schemas.openxmlformats.org/officeDocument/2006/relationships" xmlns:p="http://schemas.openxmlformats.org/presentationml/2006/main">
+  <p:cSld>
+    <p:spTree>
+      <p:nvGrpSpPr>
+        <p:cNvPr id="1" name=""/>
+        <p:cNvGrpSpPr/>
+        <p:nvPr/>
+      </p:nvGrpSpPr>
+      <p:grpSpPr>
+        <a:xfrm>
+          <a:off x="0" y="0"/>
+          <a:ext cx="0" cy="0"/>
+          <a:chOff x="0" y="0"/>
+          <a:chExt cx="0" cy="0"/>
+        </a:xfrm>
+      </p:grpSpPr>
+      <p:sp>
+        <p:nvSpPr>
+          <p:cNvPr id="2" name="Rectangle 1">
+            <a:extLst>
+              <a:ext uri="{FF2B5EF4-FFF2-40B4-BE49-F238E27FC236}">
+                <a16:creationId xmlns:a16="http://schemas.microsoft.com/office/drawing/2014/main" id="{7F5D3B9B-FCB9-974F-9972-DD237E4D88E9}"/>
+              </a:ext>
+            </a:extLst>
+          </p:cNvPr>
+          <p:cNvSpPr/>
+          <p:nvPr/>
+        </p:nvSpPr>
+        <p:spPr>
+          <a:xfrm>
+            <a:off x="0" y="0"/>
+            <a:ext cx="12192000" cy="6858000"/>
+          </a:xfrm>
+          <a:prstGeom prst="rect">
+            <a:avLst/>
+          </a:prstGeom>
+          <a:solidFill>
+            <a:srgbClr val="7792B0"/>
+          </a:solidFill>
+          <a:ln>
+            <a:noFill/>
+          </a:ln>
+        </p:spPr>
+        <p:style>
+          <a:lnRef idx="2">
+            <a:schemeClr val="accent1">
+              <a:shade val="50000"/>
+            </a:schemeClr>
+          </a:lnRef>
+          <a:fillRef idx="1">
+            <a:schemeClr val="accent1"/>
+          </a:fillRef>
+          <a:effectRef idx="0">
+            <a:schemeClr val="accent1"/>
+          </a:effectRef>
+          <a:fontRef idx="minor">
+            <a:schemeClr val="lt1"/>
+          </a:fontRef>
+        </p:style>
+        <p:txBody>
+          <a:bodyPr rtlCol="0" anchor="ctr"/>
+          <a:lstStyle/>
+          <a:p>
+            <a:pPr algn="ctr"/>
+            <a:endParaRPr lang="en-GB"/>
+          </a:p>
+        </p:txBody>
+      </p:sp>
+      <p:sp>
+        <p:nvSpPr>
+          <p:cNvPr id="23" name="TextBox 22">
+            <a:extLst>
+              <a:ext uri="{FF2B5EF4-FFF2-40B4-BE49-F238E27FC236}">
+                <a16:creationId xmlns:a16="http://schemas.microsoft.com/office/drawing/2014/main" id="{A36453A2-7193-784D-8062-CF2650A8C149}"/>
+              </a:ext>
+            </a:extLst>
+          </p:cNvPr>
+          <p:cNvSpPr txBox="1"/>
+          <p:nvPr/>
+        </p:nvSpPr>
+        <p:spPr>
+          <a:xfrm>
+            <a:off x="1698001" y="2828835"/>
+            <a:ext cx="8795998" cy="1200329"/>
+          </a:xfrm>
+          <a:prstGeom prst="rect">
+            <a:avLst/>
+          </a:prstGeom>
+          <a:noFill/>
+        </p:spPr>
+        <p:txBody>
+          <a:bodyPr wrap="none" rtlCol="0">
+            <a:spAutoFit/>
+          </a:bodyPr>
+          <a:lstStyle/>
+          <a:p>
+            <a:pPr algn="ctr"/>
+            <a:r>
+              <a:rPr lang="en-US" sz="7200" b="1" dirty="0">
+                <a:solidFill>
+                  <a:schemeClr val="bg1"/>
+                </a:solidFill>
+                <a:latin typeface="Georgia" charset="0"/>
+                <a:ea typeface="Georgia" charset="0"/>
+                <a:cs typeface="Georgia" charset="0"/>
+              </a:rPr>
+              <a:t>Adding comments</a:t>
+            </a:r>
+          </a:p>
+        </p:txBody>
+      </p:sp>
+    </p:spTree>
+    <p:extLst>
+      <p:ext uri="{BB962C8B-B14F-4D97-AF65-F5344CB8AC3E}">
+        <p14:creationId xmlns:p14="http://schemas.microsoft.com/office/powerpoint/2010/main" val="1197186908"/>
+      </p:ext>
+    </p:extLst>
+  </p:cSld>
+  <p:clrMapOvr>
+    <a:masterClrMapping/>
+  </p:clrMapOvr>
+</p:sld>
+</file>
+
+<file path=ppt/slides/slide6.xml><?xml version="1.0" encoding="utf-8"?>
+<p:sld xmlns:a="http://schemas.openxmlformats.org/drawingml/2006/main" xmlns:r="http://schemas.openxmlformats.org/officeDocument/2006/relationships" xmlns:p="http://schemas.openxmlformats.org/presentationml/2006/main">
+  <p:cSld>
+    <p:spTree>
+      <p:nvGrpSpPr>
+        <p:cNvPr id="1" name=""/>
+        <p:cNvGrpSpPr/>
+        <p:nvPr/>
+      </p:nvGrpSpPr>
+      <p:grpSpPr>
+        <a:xfrm>
+          <a:off x="0" y="0"/>
+          <a:ext cx="0" cy="0"/>
+          <a:chOff x="0" y="0"/>
+          <a:chExt cx="0" cy="0"/>
+        </a:xfrm>
+      </p:grpSpPr>
+      <p:sp>
+        <p:nvSpPr>
+          <p:cNvPr id="2" name="Rectangle 1">
+            <a:extLst>
+              <a:ext uri="{FF2B5EF4-FFF2-40B4-BE49-F238E27FC236}">
+                <a16:creationId xmlns:a16="http://schemas.microsoft.com/office/drawing/2014/main" id="{7F5D3B9B-FCB9-974F-9972-DD237E4D88E9}"/>
+              </a:ext>
+            </a:extLst>
+          </p:cNvPr>
+          <p:cNvSpPr/>
+          <p:nvPr/>
+        </p:nvSpPr>
+        <p:spPr>
+          <a:xfrm>
+            <a:off x="0" y="0"/>
+            <a:ext cx="12192000" cy="6858000"/>
+          </a:xfrm>
+          <a:prstGeom prst="rect">
+            <a:avLst/>
+          </a:prstGeom>
+          <a:solidFill>
+            <a:srgbClr val="2F5389"/>
+          </a:solidFill>
+          <a:ln>
+            <a:noFill/>
+          </a:ln>
+        </p:spPr>
+        <p:style>
+          <a:lnRef idx="2">
+            <a:schemeClr val="accent1">
+              <a:shade val="50000"/>
+            </a:schemeClr>
+          </a:lnRef>
+          <a:fillRef idx="1">
+            <a:schemeClr val="accent1"/>
+          </a:fillRef>
+          <a:effectRef idx="0">
+            <a:schemeClr val="accent1"/>
+          </a:effectRef>
+          <a:fontRef idx="minor">
+            <a:schemeClr val="lt1"/>
+          </a:fontRef>
+        </p:style>
+        <p:txBody>
+          <a:bodyPr rtlCol="0" anchor="ctr"/>
+          <a:lstStyle/>
+          <a:p>
+            <a:pPr algn="ctr"/>
+            <a:endParaRPr lang="en-GB"/>
+          </a:p>
+        </p:txBody>
+      </p:sp>
+      <p:sp>
+        <p:nvSpPr>
+          <p:cNvPr id="23" name="TextBox 22">
+            <a:extLst>
+              <a:ext uri="{FF2B5EF4-FFF2-40B4-BE49-F238E27FC236}">
+                <a16:creationId xmlns:a16="http://schemas.microsoft.com/office/drawing/2014/main" id="{A36453A2-7193-784D-8062-CF2650A8C149}"/>
+              </a:ext>
+            </a:extLst>
+          </p:cNvPr>
+          <p:cNvSpPr txBox="1"/>
+          <p:nvPr/>
+        </p:nvSpPr>
+        <p:spPr>
+          <a:xfrm>
+            <a:off x="1698001" y="2828835"/>
+            <a:ext cx="8795998" cy="1200329"/>
+          </a:xfrm>
+          <a:prstGeom prst="rect">
+            <a:avLst/>
+          </a:prstGeom>
+          <a:noFill/>
+        </p:spPr>
+        <p:txBody>
+          <a:bodyPr wrap="none" rtlCol="0">
+            <a:spAutoFit/>
+          </a:bodyPr>
+          <a:lstStyle/>
+          <a:p>
+            <a:pPr algn="ctr"/>
+            <a:r>
+              <a:rPr lang="en-US" sz="7200" b="1" dirty="0">
+                <a:solidFill>
+                  <a:srgbClr val="A7BED2"/>
+                </a:solidFill>
+                <a:latin typeface="Georgia" charset="0"/>
+                <a:ea typeface="Georgia" charset="0"/>
+                <a:cs typeface="Georgia" charset="0"/>
+              </a:rPr>
+              <a:t>Adding</a:t>
+            </a:r>
+            <a:r>
+              <a:rPr lang="en-US" sz="7200" b="1" dirty="0">
+                <a:solidFill>
+                  <a:schemeClr val="bg1"/>
+                </a:solidFill>
+                <a:latin typeface="Georgia" charset="0"/>
+                <a:ea typeface="Georgia" charset="0"/>
+                <a:cs typeface="Georgia" charset="0"/>
+              </a:rPr>
+              <a:t> comments</a:t>
+            </a:r>
+          </a:p>
+        </p:txBody>
+      </p:sp>
+    </p:spTree>
+    <p:extLst>
+      <p:ext uri="{BB962C8B-B14F-4D97-AF65-F5344CB8AC3E}">
+        <p14:creationId xmlns:p14="http://schemas.microsoft.com/office/powerpoint/2010/main" val="3427087899"/>
+      </p:ext>
+    </p:extLst>
+  </p:cSld>
+  <p:clrMapOvr>
+    <a:masterClrMapping/>
+  </p:clrMapOvr>
+</p:sld>
+</file>
+
+<file path=ppt/slides/slide7.xml><?xml version="1.0" encoding="utf-8"?>
+<p:sld xmlns:a="http://schemas.openxmlformats.org/drawingml/2006/main" xmlns:r="http://schemas.openxmlformats.org/officeDocument/2006/relationships" xmlns:p="http://schemas.openxmlformats.org/presentationml/2006/main">
+  <p:cSld>
+    <p:spTree>
+      <p:nvGrpSpPr>
+        <p:cNvPr id="1" name=""/>
+        <p:cNvGrpSpPr/>
+        <p:nvPr/>
+      </p:nvGrpSpPr>
+      <p:grpSpPr>
+        <a:xfrm>
+          <a:off x="0" y="0"/>
+          <a:ext cx="0" cy="0"/>
+          <a:chOff x="0" y="0"/>
+          <a:chExt cx="0" cy="0"/>
+        </a:xfrm>
+      </p:grpSpPr>
+      <p:sp>
+        <p:nvSpPr>
+          <p:cNvPr id="2" name="Rectangle 1">
+            <a:extLst>
+              <a:ext uri="{FF2B5EF4-FFF2-40B4-BE49-F238E27FC236}">
+                <a16:creationId xmlns:a16="http://schemas.microsoft.com/office/drawing/2014/main" id="{7F5D3B9B-FCB9-974F-9972-DD237E4D88E9}"/>
+              </a:ext>
+            </a:extLst>
+          </p:cNvPr>
+          <p:cNvSpPr/>
+          <p:nvPr/>
+        </p:nvSpPr>
+        <p:spPr>
+          <a:xfrm>
+            <a:off x="0" y="0"/>
+            <a:ext cx="12192000" cy="6858000"/>
+          </a:xfrm>
+          <a:prstGeom prst="rect">
+            <a:avLst/>
+          </a:prstGeom>
+          <a:solidFill>
+            <a:srgbClr val="2F5389"/>
+          </a:solidFill>
+          <a:ln>
+            <a:noFill/>
+          </a:ln>
+        </p:spPr>
+        <p:style>
+          <a:lnRef idx="2">
+            <a:schemeClr val="accent1">
+              <a:shade val="50000"/>
+            </a:schemeClr>
+          </a:lnRef>
+          <a:fillRef idx="1">
+            <a:schemeClr val="accent1"/>
+          </a:fillRef>
+          <a:effectRef idx="0">
+            <a:schemeClr val="accent1"/>
+          </a:effectRef>
+          <a:fontRef idx="minor">
+            <a:schemeClr val="lt1"/>
+          </a:fontRef>
+        </p:style>
+        <p:txBody>
+          <a:bodyPr rtlCol="0" anchor="ctr"/>
+          <a:lstStyle/>
+          <a:p>
+            <a:pPr algn="ctr"/>
+            <a:endParaRPr lang="en-GB"/>
+          </a:p>
+        </p:txBody>
+      </p:sp>
+      <p:sp>
+        <p:nvSpPr>
+          <p:cNvPr id="23" name="TextBox 22">
+            <a:extLst>
+              <a:ext uri="{FF2B5EF4-FFF2-40B4-BE49-F238E27FC236}">
+                <a16:creationId xmlns:a16="http://schemas.microsoft.com/office/drawing/2014/main" id="{A36453A2-7193-784D-8062-CF2650A8C149}"/>
+              </a:ext>
+            </a:extLst>
+          </p:cNvPr>
+          <p:cNvSpPr txBox="1"/>
+          <p:nvPr/>
+        </p:nvSpPr>
+        <p:spPr>
+          <a:xfrm>
+            <a:off x="1698001" y="2828835"/>
+            <a:ext cx="8795998" cy="1200329"/>
+          </a:xfrm>
+          <a:prstGeom prst="rect">
+            <a:avLst/>
+          </a:prstGeom>
+          <a:noFill/>
+        </p:spPr>
+        <p:txBody>
+          <a:bodyPr wrap="none" rtlCol="0">
+            <a:spAutoFit/>
+          </a:bodyPr>
+          <a:lstStyle/>
+          <a:p>
+            <a:pPr algn="ctr"/>
+            <a:r>
+              <a:rPr lang="en-US" sz="7200" b="1" dirty="0">
+                <a:solidFill>
+                  <a:srgbClr val="A7BED2"/>
+                </a:solidFill>
+                <a:latin typeface="Georgia" charset="0"/>
+                <a:ea typeface="Georgia" charset="0"/>
+                <a:cs typeface="Georgia" charset="0"/>
+              </a:rPr>
+              <a:t>Adding comments</a:t>
+            </a:r>
+          </a:p>
+        </p:txBody>
+      </p:sp>
+    </p:spTree>
+    <p:extLst>
+      <p:ext uri="{BB962C8B-B14F-4D97-AF65-F5344CB8AC3E}">
+        <p14:creationId xmlns:p14="http://schemas.microsoft.com/office/powerpoint/2010/main" val="2026358648"/>
+      </p:ext>
+    </p:extLst>
+  </p:cSld>
+  <p:clrMapOvr>
+    <a:masterClrMapping/>
+  </p:clrMapOvr>
+</p:sld>
+</file>
+
+<file path=ppt/slides/slide8.xml><?xml version="1.0" encoding="utf-8"?>
+<p:sld xmlns:a="http://schemas.openxmlformats.org/drawingml/2006/main" xmlns:r="http://schemas.openxmlformats.org/officeDocument/2006/relationships" xmlns:p="http://schemas.openxmlformats.org/presentationml/2006/main">
+  <p:cSld>
+    <p:spTree>
+      <p:nvGrpSpPr>
+        <p:cNvPr id="1" name=""/>
+        <p:cNvGrpSpPr/>
+        <p:nvPr/>
+      </p:nvGrpSpPr>
+      <p:grpSpPr>
+        <a:xfrm>
+          <a:off x="0" y="0"/>
+          <a:ext cx="0" cy="0"/>
+          <a:chOff x="0" y="0"/>
+          <a:chExt cx="0" cy="0"/>
+        </a:xfrm>
+      </p:grpSpPr>
+      <p:grpSp>
+        <p:nvGrpSpPr>
+          <p:cNvPr id="24" name="Group 23">
+            <a:extLst>
+              <a:ext uri="{FF2B5EF4-FFF2-40B4-BE49-F238E27FC236}">
+                <a16:creationId xmlns:a16="http://schemas.microsoft.com/office/drawing/2014/main" id="{C653B9FF-ED75-C749-AF92-FDFA99EE0D95}"/>
+              </a:ext>
+            </a:extLst>
+          </p:cNvPr>
+          <p:cNvGrpSpPr>
+            <a:grpSpLocks noChangeAspect="1"/>
+          </p:cNvGrpSpPr>
+          <p:nvPr/>
+        </p:nvGrpSpPr>
+        <p:grpSpPr>
+          <a:xfrm>
+            <a:off x="4694215" y="2027169"/>
+            <a:ext cx="2803569" cy="2803662"/>
+            <a:chOff x="4441182" y="1768338"/>
+            <a:chExt cx="2803569" cy="2803662"/>
+          </a:xfrm>
+        </p:grpSpPr>
+        <p:sp>
+          <p:nvSpPr>
+            <p:cNvPr id="25" name="Oval 24">
+              <a:extLst>
+                <a:ext uri="{FF2B5EF4-FFF2-40B4-BE49-F238E27FC236}">
+                  <a16:creationId xmlns:a16="http://schemas.microsoft.com/office/drawing/2014/main" id="{AE068E1E-CFD5-054E-A9AF-F92AF924963A}"/>
+                </a:ext>
+              </a:extLst>
+            </p:cNvPr>
+            <p:cNvSpPr>
+              <a:spLocks noChangeAspect="1"/>
+            </p:cNvSpPr>
+            <p:nvPr/>
+          </p:nvSpPr>
+          <p:spPr>
+            <a:xfrm>
+              <a:off x="4441182" y="1768338"/>
+              <a:ext cx="2803569" cy="2803662"/>
+            </a:xfrm>
+            <a:prstGeom prst="ellipse">
+              <a:avLst/>
+            </a:prstGeom>
+            <a:solidFill>
+              <a:srgbClr val="7792B0"/>
+            </a:solidFill>
+            <a:ln>
+              <a:solidFill>
+                <a:srgbClr val="8C9EBF"/>
+              </a:solidFill>
+            </a:ln>
+          </p:spPr>
+          <p:style>
+            <a:lnRef idx="2">
+              <a:schemeClr val="accent1">
+                <a:shade val="50000"/>
+              </a:schemeClr>
+            </a:lnRef>
+            <a:fillRef idx="1">
+              <a:schemeClr val="accent1"/>
+            </a:fillRef>
+            <a:effectRef idx="0">
+              <a:schemeClr val="accent1"/>
+            </a:effectRef>
+            <a:fontRef idx="minor">
+              <a:schemeClr val="lt1"/>
+            </a:fontRef>
+          </p:style>
+          <p:txBody>
+            <a:bodyPr rtlCol="0" anchor="ctr"/>
+            <a:lstStyle/>
+            <a:p>
+              <a:pPr algn="ctr"/>
+              <a:endParaRPr lang="en-GB">
+                <a:solidFill>
+                  <a:srgbClr val="8C9EBF"/>
+                </a:solidFill>
+              </a:endParaRPr>
+            </a:p>
+          </p:txBody>
+        </p:sp>
+        <p:grpSp>
+          <p:nvGrpSpPr>
+            <p:cNvPr id="26" name="Group 25">
+              <a:extLst>
+                <a:ext uri="{FF2B5EF4-FFF2-40B4-BE49-F238E27FC236}">
+                  <a16:creationId xmlns:a16="http://schemas.microsoft.com/office/drawing/2014/main" id="{A853B6F5-8E78-1A4D-9114-FE06B398B963}"/>
+                </a:ext>
+              </a:extLst>
+            </p:cNvPr>
+            <p:cNvGrpSpPr/>
+            <p:nvPr/>
+          </p:nvGrpSpPr>
+          <p:grpSpPr>
+            <a:xfrm>
+              <a:off x="4727041" y="1839130"/>
+              <a:ext cx="2279791" cy="2420611"/>
+              <a:chOff x="321532" y="1366602"/>
+              <a:chExt cx="2279791" cy="2420611"/>
+            </a:xfrm>
+          </p:grpSpPr>
+          <p:sp>
+            <p:nvSpPr>
+              <p:cNvPr id="27" name="TextBox 26">
+                <a:extLst>
+                  <a:ext uri="{FF2B5EF4-FFF2-40B4-BE49-F238E27FC236}">
+                    <a16:creationId xmlns:a16="http://schemas.microsoft.com/office/drawing/2014/main" id="{348D90F7-2F4B-014A-96C9-9D7B58B849F1}"/>
+                  </a:ext>
+                </a:extLst>
+              </p:cNvPr>
+              <p:cNvSpPr txBox="1"/>
+              <p:nvPr/>
+            </p:nvSpPr>
+            <p:spPr>
+              <a:xfrm>
+                <a:off x="321532" y="1366602"/>
+                <a:ext cx="2202847" cy="1200329"/>
+              </a:xfrm>
+              <a:prstGeom prst="rect">
+                <a:avLst/>
+              </a:prstGeom>
+              <a:noFill/>
+            </p:spPr>
+            <p:txBody>
+              <a:bodyPr wrap="none" rtlCol="0">
+                <a:spAutoFit/>
+              </a:bodyPr>
+              <a:lstStyle/>
+              <a:p>
+                <a:r>
+                  <a:rPr lang="en-US" sz="7200" b="1" dirty="0" err="1">
+                    <a:solidFill>
+                      <a:schemeClr val="bg1"/>
+                    </a:solidFill>
+                    <a:latin typeface="Georgia" charset="0"/>
+                    <a:ea typeface="Georgia" charset="0"/>
+                    <a:cs typeface="Georgia" charset="0"/>
+                  </a:rPr>
+                  <a:t>asth</a:t>
+                </a:r>
+                <a:endParaRPr lang="en-US" sz="7200" b="1" dirty="0">
+                  <a:solidFill>
+                    <a:schemeClr val="bg1"/>
+                  </a:solidFill>
+                  <a:latin typeface="Georgia" charset="0"/>
+                  <a:ea typeface="Georgia" charset="0"/>
+                  <a:cs typeface="Georgia" charset="0"/>
+                </a:endParaRPr>
+              </a:p>
+            </p:txBody>
+          </p:sp>
+          <p:sp>
+            <p:nvSpPr>
+              <p:cNvPr id="28" name="TextBox 27">
+                <a:extLst>
+                  <a:ext uri="{FF2B5EF4-FFF2-40B4-BE49-F238E27FC236}">
+                    <a16:creationId xmlns:a16="http://schemas.microsoft.com/office/drawing/2014/main" id="{FBABAA33-8C85-B44A-AFB7-52A055ECBB18}"/>
+                  </a:ext>
+                </a:extLst>
+              </p:cNvPr>
+              <p:cNvSpPr txBox="1"/>
+              <p:nvPr/>
+            </p:nvSpPr>
+            <p:spPr>
+              <a:xfrm>
+                <a:off x="321532" y="1976743"/>
+                <a:ext cx="1672253" cy="1200329"/>
+              </a:xfrm>
+              <a:prstGeom prst="rect">
+                <a:avLst/>
+              </a:prstGeom>
+              <a:noFill/>
+            </p:spPr>
+            <p:txBody>
+              <a:bodyPr wrap="none" rtlCol="0">
+                <a:spAutoFit/>
+              </a:bodyPr>
+              <a:lstStyle/>
+              <a:p>
+                <a:r>
+                  <a:rPr lang="en-US" sz="7200" b="1" dirty="0">
+                    <a:solidFill>
+                      <a:schemeClr val="bg1"/>
+                    </a:solidFill>
+                    <a:latin typeface="Georgia" charset="0"/>
+                    <a:ea typeface="Georgia" charset="0"/>
+                    <a:cs typeface="Georgia" charset="0"/>
+                  </a:rPr>
+                  <a:t>ma</a:t>
+                </a:r>
+              </a:p>
+            </p:txBody>
+          </p:sp>
+          <p:sp>
+            <p:nvSpPr>
+              <p:cNvPr id="29" name="TextBox 28">
+                <a:extLst>
+                  <a:ext uri="{FF2B5EF4-FFF2-40B4-BE49-F238E27FC236}">
+                    <a16:creationId xmlns:a16="http://schemas.microsoft.com/office/drawing/2014/main" id="{9DD38060-B64F-5645-9020-C5DA28F392A4}"/>
+                  </a:ext>
+                </a:extLst>
+              </p:cNvPr>
+              <p:cNvSpPr txBox="1"/>
+              <p:nvPr/>
+            </p:nvSpPr>
+            <p:spPr>
+              <a:xfrm>
+                <a:off x="321532" y="2586884"/>
+                <a:ext cx="2279791" cy="1200329"/>
+              </a:xfrm>
+              <a:prstGeom prst="rect">
+                <a:avLst/>
+              </a:prstGeom>
+              <a:noFill/>
+            </p:spPr>
+            <p:txBody>
+              <a:bodyPr wrap="none" rtlCol="0">
+                <a:spAutoFit/>
+              </a:bodyPr>
+              <a:lstStyle/>
+              <a:p>
+                <a:r>
+                  <a:rPr lang="en-US" sz="7200" b="1" dirty="0">
+                    <a:solidFill>
+                      <a:srgbClr val="C7D2E0"/>
+                    </a:solidFill>
+                    <a:latin typeface="Georgia" charset="0"/>
+                    <a:ea typeface="Georgia" charset="0"/>
+                    <a:cs typeface="Georgia" charset="0"/>
+                  </a:rPr>
+                  <a:t>map</a:t>
+                </a:r>
+              </a:p>
+            </p:txBody>
+          </p:sp>
+        </p:grpSp>
+      </p:grpSp>
+    </p:spTree>
+    <p:extLst>
+      <p:ext uri="{BB962C8B-B14F-4D97-AF65-F5344CB8AC3E}">
+        <p14:creationId xmlns:p14="http://schemas.microsoft.com/office/powerpoint/2010/main" val="1748658339"/>
+      </p:ext>
+    </p:extLst>
+  </p:cSld>
+  <p:clrMapOvr>
+    <a:masterClrMapping/>
+  </p:clrMapOvr>
+</p:sld>
+</file>
+
+<file path=ppt/slides/slide9.xml><?xml version="1.0" encoding="utf-8"?>
+<p:sld xmlns:a="http://schemas.openxmlformats.org/drawingml/2006/main" xmlns:r="http://schemas.openxmlformats.org/officeDocument/2006/relationships" xmlns:p="http://schemas.openxmlformats.org/presentationml/2006/main">
+  <p:cSld>
+    <p:spTree>
+      <p:nvGrpSpPr>
+        <p:cNvPr id="1" name=""/>
+        <p:cNvGrpSpPr/>
+        <p:nvPr/>
+      </p:nvGrpSpPr>
+      <p:grpSpPr>
+        <a:xfrm>
+          <a:off x="0" y="0"/>
+          <a:ext cx="0" cy="0"/>
+          <a:chOff x="0" y="0"/>
+          <a:chExt cx="0" cy="0"/>
+        </a:xfrm>
+      </p:grpSpPr>
+      <p:sp>
+        <p:nvSpPr>
+          <p:cNvPr id="2" name="Rectangle 1">
+            <a:extLst>
+              <a:ext uri="{FF2B5EF4-FFF2-40B4-BE49-F238E27FC236}">
+                <a16:creationId xmlns:a16="http://schemas.microsoft.com/office/drawing/2014/main" id="{7F5D3B9B-FCB9-974F-9972-DD237E4D88E9}"/>
+              </a:ext>
+            </a:extLst>
+          </p:cNvPr>
+          <p:cNvSpPr/>
+          <p:nvPr/>
+        </p:nvSpPr>
+        <p:spPr>
+          <a:xfrm>
+            <a:off x="0" y="0"/>
+            <a:ext cx="12192000" cy="6858000"/>
+          </a:xfrm>
+          <a:prstGeom prst="rect">
+            <a:avLst/>
+          </a:prstGeom>
+          <a:solidFill>
+            <a:srgbClr val="38393D"/>
+          </a:solidFill>
+          <a:ln>
+            <a:noFill/>
+          </a:ln>
+        </p:spPr>
+        <p:style>
+          <a:lnRef idx="2">
+            <a:schemeClr val="accent1">
+              <a:shade val="50000"/>
+            </a:schemeClr>
+          </a:lnRef>
+          <a:fillRef idx="1">
+            <a:schemeClr val="accent1"/>
+          </a:fillRef>
+          <a:effectRef idx="0">
+            <a:schemeClr val="accent1"/>
+          </a:effectRef>
+          <a:fontRef idx="minor">
+            <a:schemeClr val="lt1"/>
+          </a:fontRef>
+        </p:style>
+        <p:txBody>
+          <a:bodyPr rtlCol="0" anchor="ctr"/>
+          <a:lstStyle/>
+          <a:p>
+            <a:pPr algn="ctr"/>
+            <a:endParaRPr lang="en-GB"/>
+          </a:p>
+        </p:txBody>
+      </p:sp>
+      <p:grpSp>
+        <p:nvGrpSpPr>
+          <p:cNvPr id="49" name="Group 48">
+            <a:extLst>
+              <a:ext uri="{FF2B5EF4-FFF2-40B4-BE49-F238E27FC236}">
+                <a16:creationId xmlns:a16="http://schemas.microsoft.com/office/drawing/2014/main" id="{7BAB7830-75BA-7B4C-B1C9-C1FD9E66EDAF}"/>
+              </a:ext>
+            </a:extLst>
+          </p:cNvPr>
+          <p:cNvGrpSpPr>
+            <a:grpSpLocks noChangeAspect="1"/>
+          </p:cNvGrpSpPr>
+          <p:nvPr/>
+        </p:nvGrpSpPr>
+        <p:grpSpPr>
+          <a:xfrm>
+            <a:off x="4694215" y="2027169"/>
+            <a:ext cx="2803569" cy="2803662"/>
+            <a:chOff x="4441182" y="1768338"/>
+            <a:chExt cx="2803569" cy="2803662"/>
+          </a:xfrm>
+        </p:grpSpPr>
+        <p:sp>
+          <p:nvSpPr>
+            <p:cNvPr id="50" name="Oval 49">
+              <a:extLst>
+                <a:ext uri="{FF2B5EF4-FFF2-40B4-BE49-F238E27FC236}">
+                  <a16:creationId xmlns:a16="http://schemas.microsoft.com/office/drawing/2014/main" id="{AA2C78F5-24E4-6844-8199-88BB23EC698F}"/>
+                </a:ext>
+              </a:extLst>
+            </p:cNvPr>
+            <p:cNvSpPr>
+              <a:spLocks noChangeAspect="1"/>
+            </p:cNvSpPr>
+            <p:nvPr/>
+          </p:nvSpPr>
+          <p:spPr>
+            <a:xfrm>
+              <a:off x="4441182" y="1768338"/>
+              <a:ext cx="2803569" cy="2803662"/>
+            </a:xfrm>
+            <a:prstGeom prst="ellipse">
+              <a:avLst/>
+            </a:prstGeom>
+            <a:solidFill>
+              <a:srgbClr val="7792B0"/>
+            </a:solidFill>
+            <a:ln>
+              <a:noFill/>
+            </a:ln>
+          </p:spPr>
+          <p:style>
+            <a:lnRef idx="2">
+              <a:schemeClr val="accent1">
+                <a:shade val="50000"/>
+              </a:schemeClr>
+            </a:lnRef>
+            <a:fillRef idx="1">
+              <a:schemeClr val="accent1"/>
+            </a:fillRef>
+            <a:effectRef idx="0">
+              <a:schemeClr val="accent1"/>
+            </a:effectRef>
+            <a:fontRef idx="minor">
+              <a:schemeClr val="lt1"/>
+            </a:fontRef>
+          </p:style>
+          <p:txBody>
+            <a:bodyPr rtlCol="0" anchor="ctr"/>
+            <a:lstStyle/>
+            <a:p>
+              <a:pPr algn="ctr"/>
+              <a:endParaRPr lang="en-GB">
+                <a:solidFill>
+                  <a:srgbClr val="8C9EBF"/>
+                </a:solidFill>
+              </a:endParaRPr>
+            </a:p>
+          </p:txBody>
+        </p:sp>
+        <p:grpSp>
+          <p:nvGrpSpPr>
+            <p:cNvPr id="51" name="Group 50">
+              <a:extLst>
+                <a:ext uri="{FF2B5EF4-FFF2-40B4-BE49-F238E27FC236}">
+                  <a16:creationId xmlns:a16="http://schemas.microsoft.com/office/drawing/2014/main" id="{E1AB4518-DBFD-5147-8B7C-7038066EEFA4}"/>
+                </a:ext>
+              </a:extLst>
+            </p:cNvPr>
+            <p:cNvGrpSpPr/>
+            <p:nvPr/>
+          </p:nvGrpSpPr>
+          <p:grpSpPr>
+            <a:xfrm>
+              <a:off x="4727041" y="1839130"/>
+              <a:ext cx="2279791" cy="2420611"/>
+              <a:chOff x="321532" y="1366602"/>
+              <a:chExt cx="2279791" cy="2420611"/>
+            </a:xfrm>
+          </p:grpSpPr>
+          <p:sp>
+            <p:nvSpPr>
+              <p:cNvPr id="52" name="TextBox 51">
+                <a:extLst>
+                  <a:ext uri="{FF2B5EF4-FFF2-40B4-BE49-F238E27FC236}">
+                    <a16:creationId xmlns:a16="http://schemas.microsoft.com/office/drawing/2014/main" id="{562D20B7-025E-994B-896B-C62B9C994EBD}"/>
+                  </a:ext>
+                </a:extLst>
+              </p:cNvPr>
+              <p:cNvSpPr txBox="1"/>
+              <p:nvPr/>
+            </p:nvSpPr>
+            <p:spPr>
+              <a:xfrm>
+                <a:off x="321532" y="1366602"/>
+                <a:ext cx="2202847" cy="1200329"/>
+              </a:xfrm>
+              <a:prstGeom prst="rect">
+                <a:avLst/>
+              </a:prstGeom>
+              <a:noFill/>
+            </p:spPr>
+            <p:txBody>
+              <a:bodyPr wrap="none" rtlCol="0">
+                <a:spAutoFit/>
+              </a:bodyPr>
+              <a:lstStyle/>
+              <a:p>
+                <a:r>
+                  <a:rPr lang="en-US" sz="7200" b="1" dirty="0" err="1">
+                    <a:solidFill>
+                      <a:schemeClr val="bg1"/>
+                    </a:solidFill>
+                    <a:latin typeface="Georgia" charset="0"/>
+                    <a:ea typeface="Georgia" charset="0"/>
+                    <a:cs typeface="Georgia" charset="0"/>
+                  </a:rPr>
+                  <a:t>asth</a:t>
+                </a:r>
+                <a:endParaRPr lang="en-US" sz="7200" b="1" dirty="0">
+                  <a:solidFill>
+                    <a:schemeClr val="bg1"/>
+                  </a:solidFill>
+                  <a:latin typeface="Georgia" charset="0"/>
+                  <a:ea typeface="Georgia" charset="0"/>
+                  <a:cs typeface="Georgia" charset="0"/>
+                </a:endParaRPr>
+              </a:p>
+            </p:txBody>
+          </p:sp>
+          <p:sp>
+            <p:nvSpPr>
+              <p:cNvPr id="53" name="TextBox 52">
+                <a:extLst>
+                  <a:ext uri="{FF2B5EF4-FFF2-40B4-BE49-F238E27FC236}">
+                    <a16:creationId xmlns:a16="http://schemas.microsoft.com/office/drawing/2014/main" id="{A2683911-3A68-694F-A3F2-45A25D40FD61}"/>
+                  </a:ext>
+                </a:extLst>
+              </p:cNvPr>
+              <p:cNvSpPr txBox="1"/>
+              <p:nvPr/>
+            </p:nvSpPr>
+            <p:spPr>
+              <a:xfrm>
+                <a:off x="321532" y="1976743"/>
+                <a:ext cx="1672253" cy="1200329"/>
+              </a:xfrm>
+              <a:prstGeom prst="rect">
+                <a:avLst/>
+              </a:prstGeom>
+              <a:noFill/>
+            </p:spPr>
+            <p:txBody>
+              <a:bodyPr wrap="none" rtlCol="0">
+                <a:spAutoFit/>
+              </a:bodyPr>
+              <a:lstStyle/>
+              <a:p>
+                <a:r>
+                  <a:rPr lang="en-US" sz="7200" b="1" dirty="0">
+                    <a:solidFill>
+                      <a:schemeClr val="bg1"/>
+                    </a:solidFill>
+                    <a:latin typeface="Georgia" charset="0"/>
+                    <a:ea typeface="Georgia" charset="0"/>
+                    <a:cs typeface="Georgia" charset="0"/>
+                  </a:rPr>
+                  <a:t>ma</a:t>
+                </a:r>
+              </a:p>
+            </p:txBody>
+          </p:sp>
+          <p:sp>
+            <p:nvSpPr>
+              <p:cNvPr id="54" name="TextBox 53">
+                <a:extLst>
+                  <a:ext uri="{FF2B5EF4-FFF2-40B4-BE49-F238E27FC236}">
+                    <a16:creationId xmlns:a16="http://schemas.microsoft.com/office/drawing/2014/main" id="{CE959A93-6139-1B4E-B514-08BB230180F4}"/>
+                  </a:ext>
+                </a:extLst>
+              </p:cNvPr>
+              <p:cNvSpPr txBox="1"/>
+              <p:nvPr/>
+            </p:nvSpPr>
+            <p:spPr>
+              <a:xfrm>
+                <a:off x="321532" y="2586884"/>
+                <a:ext cx="2279791" cy="1200329"/>
+              </a:xfrm>
+              <a:prstGeom prst="rect">
+                <a:avLst/>
+              </a:prstGeom>
+              <a:noFill/>
+            </p:spPr>
+            <p:txBody>
+              <a:bodyPr wrap="none" rtlCol="0">
+                <a:spAutoFit/>
+              </a:bodyPr>
+              <a:lstStyle/>
+              <a:p>
+                <a:r>
+                  <a:rPr lang="en-US" sz="7200" b="1" dirty="0">
+                    <a:solidFill>
+                      <a:srgbClr val="C7D2E0"/>
+                    </a:solidFill>
+                    <a:latin typeface="Georgia" charset="0"/>
+                    <a:ea typeface="Georgia" charset="0"/>
+                    <a:cs typeface="Georgia" charset="0"/>
+                  </a:rPr>
+                  <a:t>map</a:t>
+                </a:r>
+              </a:p>
+            </p:txBody>
+          </p:sp>
+        </p:grpSp>
+      </p:grpSp>
+    </p:spTree>
+    <p:extLst>
+      <p:ext uri="{BB962C8B-B14F-4D97-AF65-F5344CB8AC3E}">
+        <p14:creationId xmlns:p14="http://schemas.microsoft.com/office/powerpoint/2010/main" val="2435594744"/>
+      </p:ext>
+    </p:extLst>
+  </p:cSld>
+  <p:clrMapOvr>
+    <a:masterClrMapping/>
+  </p:clrMapOvr>
+</p:sld>
+</file>
+
 <file path=ppt/theme/theme1.xml><?xml version="1.0" encoding="utf-8"?>
 <a:theme xmlns:a="http://schemas.openxmlformats.org/drawingml/2006/main" name="Office Theme">
   <a:themeElements>
@@ -8617,4 +12852,299 @@
     </a:ext>
   </a:extLst>
 </a:theme>
+</file>
+
+<file path=ppt/theme/theme2.xml><?xml version="1.0" encoding="utf-8"?>
+<a:theme xmlns:a="http://schemas.openxmlformats.org/drawingml/2006/main" name="Office Theme">
+  <a:themeElements>
+    <a:clrScheme name="Office">
+      <a:dk1>
+        <a:sysClr val="windowText" lastClr="000000"/>
+      </a:dk1>
+      <a:lt1>
+        <a:sysClr val="window" lastClr="FFFFFF"/>
+      </a:lt1>
+      <a:dk2>
+        <a:srgbClr val="44546A"/>
+      </a:dk2>
+      <a:lt2>
+        <a:srgbClr val="E7E6E6"/>
+      </a:lt2>
+      <a:accent1>
+        <a:srgbClr val="4472C4"/>
+      </a:accent1>
+      <a:accent2>
+        <a:srgbClr val="ED7D31"/>
+      </a:accent2>
+      <a:accent3>
+        <a:srgbClr val="A5A5A5"/>
+      </a:accent3>
+      <a:accent4>
+        <a:srgbClr val="FFC000"/>
+      </a:accent4>
+      <a:accent5>
+        <a:srgbClr val="5B9BD5"/>
+      </a:accent5>
+      <a:accent6>
+        <a:srgbClr val="70AD47"/>
+      </a:accent6>
+      <a:hlink>
+        <a:srgbClr val="0563C1"/>
+      </a:hlink>
+      <a:folHlink>
+        <a:srgbClr val="954F72"/>
+      </a:folHlink>
+    </a:clrScheme>
+    <a:fontScheme name="Office">
+      <a:majorFont>
+        <a:latin typeface="Calibri Light" panose="020F0302020204030204"/>
+        <a:ea typeface=""/>
+        <a:cs typeface=""/>
+        <a:font script="Jpan" typeface="游ゴシック Light"/>
+        <a:font script="Hang" typeface="맑은 고딕"/>
+        <a:font script="Hans" typeface="等线 Light"/>
+        <a:font script="Hant" typeface="新細明體"/>
+        <a:font script="Arab" typeface="Times New Roman"/>
+        <a:font script="Hebr" typeface="Times New Roman"/>
+        <a:font script="Thai" typeface="Angsana New"/>
+        <a:font script="Ethi" typeface="Nyala"/>
+        <a:font script="Beng" typeface="Vrinda"/>
+        <a:font script="Gujr" typeface="Shruti"/>
+        <a:font script="Khmr" typeface="MoolBoran"/>
+        <a:font script="Knda" typeface="Tunga"/>
+        <a:font script="Guru" typeface="Raavi"/>
+        <a:font script="Cans" typeface="Euphemia"/>
+        <a:font script="Cher" typeface="Plantagenet Cherokee"/>
+        <a:font script="Yiii" typeface="Microsoft Yi Baiti"/>
+        <a:font script="Tibt" typeface="Microsoft Himalaya"/>
+        <a:font script="Thaa" typeface="MV Boli"/>
+        <a:font script="Deva" typeface="Mangal"/>
+        <a:font script="Telu" typeface="Gautami"/>
+        <a:font script="Taml" typeface="Latha"/>
+        <a:font script="Syrc" typeface="Estrangelo Edessa"/>
+        <a:font script="Orya" typeface="Kalinga"/>
+        <a:font script="Mlym" typeface="Kartika"/>
+        <a:font script="Laoo" typeface="DokChampa"/>
+        <a:font script="Sinh" typeface="Iskoola Pota"/>
+        <a:font script="Mong" typeface="Mongolian Baiti"/>
+        <a:font script="Viet" typeface="Times New Roman"/>
+        <a:font script="Uigh" typeface="Microsoft Uighur"/>
+        <a:font script="Geor" typeface="Sylfaen"/>
+        <a:font script="Armn" typeface="Arial"/>
+        <a:font script="Bugi" typeface="Leelawadee UI"/>
+        <a:font script="Bopo" typeface="Microsoft JhengHei"/>
+        <a:font script="Java" typeface="Javanese Text"/>
+        <a:font script="Lisu" typeface="Segoe UI"/>
+        <a:font script="Mymr" typeface="Myanmar Text"/>
+        <a:font script="Nkoo" typeface="Ebrima"/>
+        <a:font script="Olck" typeface="Nirmala UI"/>
+        <a:font script="Osma" typeface="Ebrima"/>
+        <a:font script="Phag" typeface="Phagspa"/>
+        <a:font script="Syrn" typeface="Estrangelo Edessa"/>
+        <a:font script="Syrj" typeface="Estrangelo Edessa"/>
+        <a:font script="Syre" typeface="Estrangelo Edessa"/>
+        <a:font script="Sora" typeface="Nirmala UI"/>
+        <a:font script="Tale" typeface="Microsoft Tai Le"/>
+        <a:font script="Talu" typeface="Microsoft New Tai Lue"/>
+        <a:font script="Tfng" typeface="Ebrima"/>
+      </a:majorFont>
+      <a:minorFont>
+        <a:latin typeface="Calibri" panose="020F0502020204030204"/>
+        <a:ea typeface=""/>
+        <a:cs typeface=""/>
+        <a:font script="Jpan" typeface="游ゴシック"/>
+        <a:font script="Hang" typeface="맑은 고딕"/>
+        <a:font script="Hans" typeface="等线"/>
+        <a:font script="Hant" typeface="新細明體"/>
+        <a:font script="Arab" typeface="Arial"/>
+        <a:font script="Hebr" typeface="Arial"/>
+        <a:font script="Thai" typeface="Cordia New"/>
+        <a:font script="Ethi" typeface="Nyala"/>
+        <a:font script="Beng" typeface="Vrinda"/>
+        <a:font script="Gujr" typeface="Shruti"/>
+        <a:font script="Khmr" typeface="DaunPenh"/>
+        <a:font script="Knda" typeface="Tunga"/>
+        <a:font script="Guru" typeface="Raavi"/>
+        <a:font script="Cans" typeface="Euphemia"/>
+        <a:font script="Cher" typeface="Plantagenet Cherokee"/>
+        <a:font script="Yiii" typeface="Microsoft Yi Baiti"/>
+        <a:font script="Tibt" typeface="Microsoft Himalaya"/>
+        <a:font script="Thaa" typeface="MV Boli"/>
+        <a:font script="Deva" typeface="Mangal"/>
+        <a:font script="Telu" typeface="Gautami"/>
+        <a:font script="Taml" typeface="Latha"/>
+        <a:font script="Syrc" typeface="Estrangelo Edessa"/>
+        <a:font script="Orya" typeface="Kalinga"/>
+        <a:font script="Mlym" typeface="Kartika"/>
+        <a:font script="Laoo" typeface="DokChampa"/>
+        <a:font script="Sinh" typeface="Iskoola Pota"/>
+        <a:font script="Mong" typeface="Mongolian Baiti"/>
+        <a:font script="Viet" typeface="Arial"/>
+        <a:font script="Uigh" typeface="Microsoft Uighur"/>
+        <a:font script="Geor" typeface="Sylfaen"/>
+        <a:font script="Armn" typeface="Arial"/>
+        <a:font script="Bugi" typeface="Leelawadee UI"/>
+        <a:font script="Bopo" typeface="Microsoft JhengHei"/>
+        <a:font script="Java" typeface="Javanese Text"/>
+        <a:font script="Lisu" typeface="Segoe UI"/>
+        <a:font script="Mymr" typeface="Myanmar Text"/>
+        <a:font script="Nkoo" typeface="Ebrima"/>
+        <a:font script="Olck" typeface="Nirmala UI"/>
+        <a:font script="Osma" typeface="Ebrima"/>
+        <a:font script="Phag" typeface="Phagspa"/>
+        <a:font script="Syrn" typeface="Estrangelo Edessa"/>
+        <a:font script="Syrj" typeface="Estrangelo Edessa"/>
+        <a:font script="Syre" typeface="Estrangelo Edessa"/>
+        <a:font script="Sora" typeface="Nirmala UI"/>
+        <a:font script="Tale" typeface="Microsoft Tai Le"/>
+        <a:font script="Talu" typeface="Microsoft New Tai Lue"/>
+        <a:font script="Tfng" typeface="Ebrima"/>
+      </a:minorFont>
+    </a:fontScheme>
+    <a:fmtScheme name="Office">
+      <a:fillStyleLst>
+        <a:solidFill>
+          <a:schemeClr val="phClr"/>
+        </a:solidFill>
+        <a:gradFill rotWithShape="1">
+          <a:gsLst>
+            <a:gs pos="0">
+              <a:schemeClr val="phClr">
+                <a:lumMod val="110000"/>
+                <a:satMod val="105000"/>
+                <a:tint val="67000"/>
+              </a:schemeClr>
+            </a:gs>
+            <a:gs pos="50000">
+              <a:schemeClr val="phClr">
+                <a:lumMod val="105000"/>
+                <a:satMod val="103000"/>
+                <a:tint val="73000"/>
+              </a:schemeClr>
+            </a:gs>
+            <a:gs pos="100000">
+              <a:schemeClr val="phClr">
+                <a:lumMod val="105000"/>
+                <a:satMod val="109000"/>
+                <a:tint val="81000"/>
+              </a:schemeClr>
+            </a:gs>
+          </a:gsLst>
+          <a:lin ang="5400000" scaled="0"/>
+        </a:gradFill>
+        <a:gradFill rotWithShape="1">
+          <a:gsLst>
+            <a:gs pos="0">
+              <a:schemeClr val="phClr">
+                <a:satMod val="103000"/>
+                <a:lumMod val="102000"/>
+                <a:tint val="94000"/>
+              </a:schemeClr>
+            </a:gs>
+            <a:gs pos="50000">
+              <a:schemeClr val="phClr">
+                <a:satMod val="110000"/>
+                <a:lumMod val="100000"/>
+                <a:shade val="100000"/>
+              </a:schemeClr>
+            </a:gs>
+            <a:gs pos="100000">
+              <a:schemeClr val="phClr">
+                <a:lumMod val="99000"/>
+                <a:satMod val="120000"/>
+                <a:shade val="78000"/>
+              </a:schemeClr>
+            </a:gs>
+          </a:gsLst>
+          <a:lin ang="5400000" scaled="0"/>
+        </a:gradFill>
+      </a:fillStyleLst>
+      <a:lnStyleLst>
+        <a:ln w="6350" cap="flat" cmpd="sng" algn="ctr">
+          <a:solidFill>
+            <a:schemeClr val="phClr"/>
+          </a:solidFill>
+          <a:prstDash val="solid"/>
+          <a:miter lim="800000"/>
+        </a:ln>
+        <a:ln w="12700" cap="flat" cmpd="sng" algn="ctr">
+          <a:solidFill>
+            <a:schemeClr val="phClr"/>
+          </a:solidFill>
+          <a:prstDash val="solid"/>
+          <a:miter lim="800000"/>
+        </a:ln>
+        <a:ln w="19050" cap="flat" cmpd="sng" algn="ctr">
+          <a:solidFill>
+            <a:schemeClr val="phClr"/>
+          </a:solidFill>
+          <a:prstDash val="solid"/>
+          <a:miter lim="800000"/>
+        </a:ln>
+      </a:lnStyleLst>
+      <a:effectStyleLst>
+        <a:effectStyle>
+          <a:effectLst/>
+        </a:effectStyle>
+        <a:effectStyle>
+          <a:effectLst/>
+        </a:effectStyle>
+        <a:effectStyle>
+          <a:effectLst>
+            <a:outerShdw blurRad="57150" dist="19050" dir="5400000" algn="ctr" rotWithShape="0">
+              <a:srgbClr val="000000">
+                <a:alpha val="63000"/>
+              </a:srgbClr>
+            </a:outerShdw>
+          </a:effectLst>
+        </a:effectStyle>
+      </a:effectStyleLst>
+      <a:bgFillStyleLst>
+        <a:solidFill>
+          <a:schemeClr val="phClr"/>
+        </a:solidFill>
+        <a:solidFill>
+          <a:schemeClr val="phClr">
+            <a:tint val="95000"/>
+            <a:satMod val="170000"/>
+          </a:schemeClr>
+        </a:solidFill>
+        <a:gradFill rotWithShape="1">
+          <a:gsLst>
+            <a:gs pos="0">
+              <a:schemeClr val="phClr">
+                <a:tint val="93000"/>
+                <a:satMod val="150000"/>
+                <a:shade val="98000"/>
+                <a:lumMod val="102000"/>
+              </a:schemeClr>
+            </a:gs>
+            <a:gs pos="50000">
+              <a:schemeClr val="phClr">
+                <a:tint val="98000"/>
+                <a:satMod val="130000"/>
+                <a:shade val="90000"/>
+                <a:lumMod val="103000"/>
+              </a:schemeClr>
+            </a:gs>
+            <a:gs pos="100000">
+              <a:schemeClr val="phClr">
+                <a:shade val="63000"/>
+                <a:satMod val="120000"/>
+              </a:schemeClr>
+            </a:gs>
+          </a:gsLst>
+          <a:lin ang="5400000" scaled="0"/>
+        </a:gradFill>
+      </a:bgFillStyleLst>
+    </a:fmtScheme>
+  </a:themeElements>
+  <a:objectDefaults/>
+  <a:extraClrSchemeLst/>
+  <a:extLst>
+    <a:ext uri="{05A4C25C-085E-4340-85A3-A5531E510DB2}">
+      <thm15:themeFamily xmlns:thm15="http://schemas.microsoft.com/office/thememl/2012/main" name="Office Theme" id="{62F939B6-93AF-4DB8-9C6B-D6C7DFDC589F}" vid="{4A3C46E8-61CC-4603-A589-7422A47A8E4A}"/>
+    </a:ext>
+  </a:extLst>
+</a:theme>
 </file>
--- a/images/asthma-map-logo-videos.pptx
+++ b/images/asthma-map-logo-videos.pptx
@@ -5,26 +5,18 @@
     <p:sldMasterId id="2147483648" r:id="rId1"/>
   </p:sldMasterIdLst>
   <p:notesMasterIdLst>
-    <p:notesMasterId r:id="rId19"/>
+    <p:notesMasterId r:id="rId11"/>
   </p:notesMasterIdLst>
   <p:sldIdLst>
     <p:sldId id="324" r:id="rId2"/>
-    <p:sldId id="321" r:id="rId3"/>
-    <p:sldId id="318" r:id="rId4"/>
-    <p:sldId id="320" r:id="rId5"/>
-    <p:sldId id="319" r:id="rId6"/>
-    <p:sldId id="327" r:id="rId7"/>
-    <p:sldId id="328" r:id="rId8"/>
-    <p:sldId id="314" r:id="rId9"/>
-    <p:sldId id="330" r:id="rId10"/>
-    <p:sldId id="329" r:id="rId11"/>
-    <p:sldId id="331" r:id="rId12"/>
-    <p:sldId id="325" r:id="rId13"/>
-    <p:sldId id="315" r:id="rId14"/>
-    <p:sldId id="326" r:id="rId15"/>
-    <p:sldId id="316" r:id="rId16"/>
-    <p:sldId id="317" r:id="rId17"/>
-    <p:sldId id="310" r:id="rId18"/>
+    <p:sldId id="319" r:id="rId3"/>
+    <p:sldId id="314" r:id="rId4"/>
+    <p:sldId id="330" r:id="rId5"/>
+    <p:sldId id="329" r:id="rId6"/>
+    <p:sldId id="315" r:id="rId7"/>
+    <p:sldId id="325" r:id="rId8"/>
+    <p:sldId id="326" r:id="rId9"/>
+    <p:sldId id="310" r:id="rId10"/>
   </p:sldIdLst>
   <p:sldSz cx="12192000" cy="6858000"/>
   <p:notesSz cx="6858000" cy="9144000"/>
@@ -213,7 +205,7 @@
           <a:p>
             <a:fld id="{C64C3431-50F1-5F46-8250-57B010CD8BAA}" type="datetimeFigureOut">
               <a:rPr lang="en-GB" smtClean="0"/>
-              <a:t>11/06/2020</a:t>
+              <a:t>12/06/2020</a:t>
             </a:fld>
             <a:endParaRPr lang="en-GB"/>
           </a:p>
@@ -1059,7 +1051,7 @@
           <a:p>
             <a:fld id="{0B327BA4-C493-0C44-809B-2083BA57E60C}" type="datetimeFigureOut">
               <a:rPr lang="ru-RU" smtClean="0"/>
-              <a:t>11.06.2020</a:t>
+              <a:t>12.06.2020</a:t>
             </a:fld>
             <a:endParaRPr lang="ru-RU"/>
           </a:p>
@@ -1228,7 +1220,7 @@
             <a:fld id="{0B327BA4-C493-0C44-809B-2083BA57E60C}" type="datetimeFigureOut">
               <a:rPr lang="ru-RU" smtClean="0"/>
               <a:pPr/>
-              <a:t>11.06.2020</a:t>
+              <a:t>12.06.2020</a:t>
             </a:fld>
             <a:endParaRPr lang="ru-RU"/>
           </a:p>
@@ -1414,7 +1406,7 @@
             <a:fld id="{0B327BA4-C493-0C44-809B-2083BA57E60C}" type="datetimeFigureOut">
               <a:rPr lang="ru-RU" smtClean="0"/>
               <a:pPr/>
-              <a:t>11.06.2020</a:t>
+              <a:t>12.06.2020</a:t>
             </a:fld>
             <a:endParaRPr lang="ru-RU"/>
           </a:p>
@@ -2775,7 +2767,7 @@
           <a:p>
             <a:fld id="{0B327BA4-C493-0C44-809B-2083BA57E60C}" type="datetimeFigureOut">
               <a:rPr lang="ru-RU" smtClean="0"/>
-              <a:t>11.06.2020</a:t>
+              <a:t>12.06.2020</a:t>
             </a:fld>
             <a:endParaRPr lang="ru-RU"/>
           </a:p>
@@ -3043,7 +3035,7 @@
           <a:p>
             <a:fld id="{0B327BA4-C493-0C44-809B-2083BA57E60C}" type="datetimeFigureOut">
               <a:rPr lang="ru-RU" smtClean="0"/>
-              <a:t>11.06.2020</a:t>
+              <a:t>12.06.2020</a:t>
             </a:fld>
             <a:endParaRPr lang="ru-RU"/>
           </a:p>
@@ -3458,7 +3450,7 @@
           <a:p>
             <a:fld id="{0B327BA4-C493-0C44-809B-2083BA57E60C}" type="datetimeFigureOut">
               <a:rPr lang="ru-RU" smtClean="0"/>
-              <a:t>11.06.2020</a:t>
+              <a:t>12.06.2020</a:t>
             </a:fld>
             <a:endParaRPr lang="ru-RU"/>
           </a:p>
@@ -3600,7 +3592,7 @@
           <a:p>
             <a:fld id="{0B327BA4-C493-0C44-809B-2083BA57E60C}" type="datetimeFigureOut">
               <a:rPr lang="ru-RU" smtClean="0"/>
-              <a:t>11.06.2020</a:t>
+              <a:t>12.06.2020</a:t>
             </a:fld>
             <a:endParaRPr lang="ru-RU"/>
           </a:p>
@@ -3917,7 +3909,7 @@
           <a:p>
             <a:fld id="{0B327BA4-C493-0C44-809B-2083BA57E60C}" type="datetimeFigureOut">
               <a:rPr lang="ru-RU" smtClean="0"/>
-              <a:t>11.06.2020</a:t>
+              <a:t>12.06.2020</a:t>
             </a:fld>
             <a:endParaRPr lang="ru-RU"/>
           </a:p>
@@ -4326,7 +4318,7 @@
             <a:fld id="{0B327BA4-C493-0C44-809B-2083BA57E60C}" type="datetimeFigureOut">
               <a:rPr lang="ru-RU" smtClean="0"/>
               <a:pPr/>
-              <a:t>11.06.2020</a:t>
+              <a:t>12.06.2020</a:t>
             </a:fld>
             <a:endParaRPr lang="ru-RU"/>
           </a:p>
@@ -4924,7 +4916,718 @@
 </p:sld>
 </file>
 
-<file path=ppt/slides/slide10.xml><?xml version="1.0" encoding="utf-8"?>
+<file path=ppt/slides/slide2.xml><?xml version="1.0" encoding="utf-8"?>
+<p:sld xmlns:a="http://schemas.openxmlformats.org/drawingml/2006/main" xmlns:r="http://schemas.openxmlformats.org/officeDocument/2006/relationships" xmlns:p="http://schemas.openxmlformats.org/presentationml/2006/main">
+  <p:cSld>
+    <p:spTree>
+      <p:nvGrpSpPr>
+        <p:cNvPr id="1" name=""/>
+        <p:cNvGrpSpPr/>
+        <p:nvPr/>
+      </p:nvGrpSpPr>
+      <p:grpSpPr>
+        <a:xfrm>
+          <a:off x="0" y="0"/>
+          <a:ext cx="0" cy="0"/>
+          <a:chOff x="0" y="0"/>
+          <a:chExt cx="0" cy="0"/>
+        </a:xfrm>
+      </p:grpSpPr>
+      <p:sp>
+        <p:nvSpPr>
+          <p:cNvPr id="2" name="Rectangle 1">
+            <a:extLst>
+              <a:ext uri="{FF2B5EF4-FFF2-40B4-BE49-F238E27FC236}">
+                <a16:creationId xmlns:a16="http://schemas.microsoft.com/office/drawing/2014/main" id="{7F5D3B9B-FCB9-974F-9972-DD237E4D88E9}"/>
+              </a:ext>
+            </a:extLst>
+          </p:cNvPr>
+          <p:cNvSpPr/>
+          <p:nvPr/>
+        </p:nvSpPr>
+        <p:spPr>
+          <a:xfrm>
+            <a:off x="0" y="0"/>
+            <a:ext cx="12192000" cy="6858000"/>
+          </a:xfrm>
+          <a:prstGeom prst="rect">
+            <a:avLst/>
+          </a:prstGeom>
+          <a:solidFill>
+            <a:srgbClr val="7792B0"/>
+          </a:solidFill>
+          <a:ln>
+            <a:noFill/>
+          </a:ln>
+        </p:spPr>
+        <p:style>
+          <a:lnRef idx="2">
+            <a:schemeClr val="accent1">
+              <a:shade val="50000"/>
+            </a:schemeClr>
+          </a:lnRef>
+          <a:fillRef idx="1">
+            <a:schemeClr val="accent1"/>
+          </a:fillRef>
+          <a:effectRef idx="0">
+            <a:schemeClr val="accent1"/>
+          </a:effectRef>
+          <a:fontRef idx="minor">
+            <a:schemeClr val="lt1"/>
+          </a:fontRef>
+        </p:style>
+        <p:txBody>
+          <a:bodyPr rtlCol="0" anchor="ctr"/>
+          <a:lstStyle/>
+          <a:p>
+            <a:pPr algn="ctr"/>
+            <a:endParaRPr lang="en-GB"/>
+          </a:p>
+        </p:txBody>
+      </p:sp>
+      <p:sp>
+        <p:nvSpPr>
+          <p:cNvPr id="23" name="TextBox 22">
+            <a:extLst>
+              <a:ext uri="{FF2B5EF4-FFF2-40B4-BE49-F238E27FC236}">
+                <a16:creationId xmlns:a16="http://schemas.microsoft.com/office/drawing/2014/main" id="{A36453A2-7193-784D-8062-CF2650A8C149}"/>
+              </a:ext>
+            </a:extLst>
+          </p:cNvPr>
+          <p:cNvSpPr txBox="1"/>
+          <p:nvPr/>
+        </p:nvSpPr>
+        <p:spPr>
+          <a:xfrm>
+            <a:off x="1698001" y="2828835"/>
+            <a:ext cx="8795998" cy="1200329"/>
+          </a:xfrm>
+          <a:prstGeom prst="rect">
+            <a:avLst/>
+          </a:prstGeom>
+          <a:noFill/>
+        </p:spPr>
+        <p:txBody>
+          <a:bodyPr wrap="none" rtlCol="0">
+            <a:spAutoFit/>
+          </a:bodyPr>
+          <a:lstStyle/>
+          <a:p>
+            <a:pPr algn="ctr"/>
+            <a:r>
+              <a:rPr lang="en-US" sz="7200" b="1" dirty="0">
+                <a:solidFill>
+                  <a:schemeClr val="bg1"/>
+                </a:solidFill>
+                <a:latin typeface="Georgia" charset="0"/>
+                <a:ea typeface="Georgia" charset="0"/>
+                <a:cs typeface="Georgia" charset="0"/>
+              </a:rPr>
+              <a:t>Adding comments</a:t>
+            </a:r>
+          </a:p>
+        </p:txBody>
+      </p:sp>
+    </p:spTree>
+    <p:extLst>
+      <p:ext uri="{BB962C8B-B14F-4D97-AF65-F5344CB8AC3E}">
+        <p14:creationId xmlns:p14="http://schemas.microsoft.com/office/powerpoint/2010/main" val="1197186908"/>
+      </p:ext>
+    </p:extLst>
+  </p:cSld>
+  <p:clrMapOvr>
+    <a:masterClrMapping/>
+  </p:clrMapOvr>
+</p:sld>
+</file>
+
+<file path=ppt/slides/slide3.xml><?xml version="1.0" encoding="utf-8"?>
+<p:sld xmlns:a="http://schemas.openxmlformats.org/drawingml/2006/main" xmlns:r="http://schemas.openxmlformats.org/officeDocument/2006/relationships" xmlns:p="http://schemas.openxmlformats.org/presentationml/2006/main">
+  <p:cSld>
+    <p:spTree>
+      <p:nvGrpSpPr>
+        <p:cNvPr id="1" name=""/>
+        <p:cNvGrpSpPr/>
+        <p:nvPr/>
+      </p:nvGrpSpPr>
+      <p:grpSpPr>
+        <a:xfrm>
+          <a:off x="0" y="0"/>
+          <a:ext cx="0" cy="0"/>
+          <a:chOff x="0" y="0"/>
+          <a:chExt cx="0" cy="0"/>
+        </a:xfrm>
+      </p:grpSpPr>
+      <p:grpSp>
+        <p:nvGrpSpPr>
+          <p:cNvPr id="24" name="Group 23">
+            <a:extLst>
+              <a:ext uri="{FF2B5EF4-FFF2-40B4-BE49-F238E27FC236}">
+                <a16:creationId xmlns:a16="http://schemas.microsoft.com/office/drawing/2014/main" id="{C653B9FF-ED75-C749-AF92-FDFA99EE0D95}"/>
+              </a:ext>
+            </a:extLst>
+          </p:cNvPr>
+          <p:cNvGrpSpPr>
+            <a:grpSpLocks noChangeAspect="1"/>
+          </p:cNvGrpSpPr>
+          <p:nvPr/>
+        </p:nvGrpSpPr>
+        <p:grpSpPr>
+          <a:xfrm>
+            <a:off x="4694215" y="2027169"/>
+            <a:ext cx="2803569" cy="2803662"/>
+            <a:chOff x="4441182" y="1768338"/>
+            <a:chExt cx="2803569" cy="2803662"/>
+          </a:xfrm>
+        </p:grpSpPr>
+        <p:sp>
+          <p:nvSpPr>
+            <p:cNvPr id="25" name="Oval 24">
+              <a:extLst>
+                <a:ext uri="{FF2B5EF4-FFF2-40B4-BE49-F238E27FC236}">
+                  <a16:creationId xmlns:a16="http://schemas.microsoft.com/office/drawing/2014/main" id="{AE068E1E-CFD5-054E-A9AF-F92AF924963A}"/>
+                </a:ext>
+              </a:extLst>
+            </p:cNvPr>
+            <p:cNvSpPr>
+              <a:spLocks noChangeAspect="1"/>
+            </p:cNvSpPr>
+            <p:nvPr/>
+          </p:nvSpPr>
+          <p:spPr>
+            <a:xfrm>
+              <a:off x="4441182" y="1768338"/>
+              <a:ext cx="2803569" cy="2803662"/>
+            </a:xfrm>
+            <a:prstGeom prst="ellipse">
+              <a:avLst/>
+            </a:prstGeom>
+            <a:solidFill>
+              <a:srgbClr val="7792B0"/>
+            </a:solidFill>
+            <a:ln>
+              <a:solidFill>
+                <a:srgbClr val="8C9EBF"/>
+              </a:solidFill>
+            </a:ln>
+          </p:spPr>
+          <p:style>
+            <a:lnRef idx="2">
+              <a:schemeClr val="accent1">
+                <a:shade val="50000"/>
+              </a:schemeClr>
+            </a:lnRef>
+            <a:fillRef idx="1">
+              <a:schemeClr val="accent1"/>
+            </a:fillRef>
+            <a:effectRef idx="0">
+              <a:schemeClr val="accent1"/>
+            </a:effectRef>
+            <a:fontRef idx="minor">
+              <a:schemeClr val="lt1"/>
+            </a:fontRef>
+          </p:style>
+          <p:txBody>
+            <a:bodyPr rtlCol="0" anchor="ctr"/>
+            <a:lstStyle/>
+            <a:p>
+              <a:pPr algn="ctr"/>
+              <a:endParaRPr lang="en-GB">
+                <a:solidFill>
+                  <a:srgbClr val="8C9EBF"/>
+                </a:solidFill>
+              </a:endParaRPr>
+            </a:p>
+          </p:txBody>
+        </p:sp>
+        <p:grpSp>
+          <p:nvGrpSpPr>
+            <p:cNvPr id="26" name="Group 25">
+              <a:extLst>
+                <a:ext uri="{FF2B5EF4-FFF2-40B4-BE49-F238E27FC236}">
+                  <a16:creationId xmlns:a16="http://schemas.microsoft.com/office/drawing/2014/main" id="{A853B6F5-8E78-1A4D-9114-FE06B398B963}"/>
+                </a:ext>
+              </a:extLst>
+            </p:cNvPr>
+            <p:cNvGrpSpPr/>
+            <p:nvPr/>
+          </p:nvGrpSpPr>
+          <p:grpSpPr>
+            <a:xfrm>
+              <a:off x="4727041" y="1839130"/>
+              <a:ext cx="2279791" cy="2420611"/>
+              <a:chOff x="321532" y="1366602"/>
+              <a:chExt cx="2279791" cy="2420611"/>
+            </a:xfrm>
+          </p:grpSpPr>
+          <p:sp>
+            <p:nvSpPr>
+              <p:cNvPr id="27" name="TextBox 26">
+                <a:extLst>
+                  <a:ext uri="{FF2B5EF4-FFF2-40B4-BE49-F238E27FC236}">
+                    <a16:creationId xmlns:a16="http://schemas.microsoft.com/office/drawing/2014/main" id="{348D90F7-2F4B-014A-96C9-9D7B58B849F1}"/>
+                  </a:ext>
+                </a:extLst>
+              </p:cNvPr>
+              <p:cNvSpPr txBox="1"/>
+              <p:nvPr/>
+            </p:nvSpPr>
+            <p:spPr>
+              <a:xfrm>
+                <a:off x="321532" y="1366602"/>
+                <a:ext cx="2202847" cy="1200329"/>
+              </a:xfrm>
+              <a:prstGeom prst="rect">
+                <a:avLst/>
+              </a:prstGeom>
+              <a:noFill/>
+            </p:spPr>
+            <p:txBody>
+              <a:bodyPr wrap="none" rtlCol="0">
+                <a:spAutoFit/>
+              </a:bodyPr>
+              <a:lstStyle/>
+              <a:p>
+                <a:r>
+                  <a:rPr lang="en-US" sz="7200" b="1" dirty="0" err="1">
+                    <a:solidFill>
+                      <a:schemeClr val="bg1"/>
+                    </a:solidFill>
+                    <a:latin typeface="Georgia" charset="0"/>
+                    <a:ea typeface="Georgia" charset="0"/>
+                    <a:cs typeface="Georgia" charset="0"/>
+                  </a:rPr>
+                  <a:t>asth</a:t>
+                </a:r>
+                <a:endParaRPr lang="en-US" sz="7200" b="1" dirty="0">
+                  <a:solidFill>
+                    <a:schemeClr val="bg1"/>
+                  </a:solidFill>
+                  <a:latin typeface="Georgia" charset="0"/>
+                  <a:ea typeface="Georgia" charset="0"/>
+                  <a:cs typeface="Georgia" charset="0"/>
+                </a:endParaRPr>
+              </a:p>
+            </p:txBody>
+          </p:sp>
+          <p:sp>
+            <p:nvSpPr>
+              <p:cNvPr id="28" name="TextBox 27">
+                <a:extLst>
+                  <a:ext uri="{FF2B5EF4-FFF2-40B4-BE49-F238E27FC236}">
+                    <a16:creationId xmlns:a16="http://schemas.microsoft.com/office/drawing/2014/main" id="{FBABAA33-8C85-B44A-AFB7-52A055ECBB18}"/>
+                  </a:ext>
+                </a:extLst>
+              </p:cNvPr>
+              <p:cNvSpPr txBox="1"/>
+              <p:nvPr/>
+            </p:nvSpPr>
+            <p:spPr>
+              <a:xfrm>
+                <a:off x="321532" y="1976743"/>
+                <a:ext cx="1672253" cy="1200329"/>
+              </a:xfrm>
+              <a:prstGeom prst="rect">
+                <a:avLst/>
+              </a:prstGeom>
+              <a:noFill/>
+            </p:spPr>
+            <p:txBody>
+              <a:bodyPr wrap="none" rtlCol="0">
+                <a:spAutoFit/>
+              </a:bodyPr>
+              <a:lstStyle/>
+              <a:p>
+                <a:r>
+                  <a:rPr lang="en-US" sz="7200" b="1" dirty="0">
+                    <a:solidFill>
+                      <a:schemeClr val="bg1"/>
+                    </a:solidFill>
+                    <a:latin typeface="Georgia" charset="0"/>
+                    <a:ea typeface="Georgia" charset="0"/>
+                    <a:cs typeface="Georgia" charset="0"/>
+                  </a:rPr>
+                  <a:t>ma</a:t>
+                </a:r>
+              </a:p>
+            </p:txBody>
+          </p:sp>
+          <p:sp>
+            <p:nvSpPr>
+              <p:cNvPr id="29" name="TextBox 28">
+                <a:extLst>
+                  <a:ext uri="{FF2B5EF4-FFF2-40B4-BE49-F238E27FC236}">
+                    <a16:creationId xmlns:a16="http://schemas.microsoft.com/office/drawing/2014/main" id="{9DD38060-B64F-5645-9020-C5DA28F392A4}"/>
+                  </a:ext>
+                </a:extLst>
+              </p:cNvPr>
+              <p:cNvSpPr txBox="1"/>
+              <p:nvPr/>
+            </p:nvSpPr>
+            <p:spPr>
+              <a:xfrm>
+                <a:off x="321532" y="2586884"/>
+                <a:ext cx="2279791" cy="1200329"/>
+              </a:xfrm>
+              <a:prstGeom prst="rect">
+                <a:avLst/>
+              </a:prstGeom>
+              <a:noFill/>
+            </p:spPr>
+            <p:txBody>
+              <a:bodyPr wrap="none" rtlCol="0">
+                <a:spAutoFit/>
+              </a:bodyPr>
+              <a:lstStyle/>
+              <a:p>
+                <a:r>
+                  <a:rPr lang="en-US" sz="7200" b="1" dirty="0">
+                    <a:solidFill>
+                      <a:srgbClr val="C7D2E0"/>
+                    </a:solidFill>
+                    <a:latin typeface="Georgia" charset="0"/>
+                    <a:ea typeface="Georgia" charset="0"/>
+                    <a:cs typeface="Georgia" charset="0"/>
+                  </a:rPr>
+                  <a:t>map</a:t>
+                </a:r>
+              </a:p>
+            </p:txBody>
+          </p:sp>
+        </p:grpSp>
+      </p:grpSp>
+    </p:spTree>
+    <p:extLst>
+      <p:ext uri="{BB962C8B-B14F-4D97-AF65-F5344CB8AC3E}">
+        <p14:creationId xmlns:p14="http://schemas.microsoft.com/office/powerpoint/2010/main" val="1748658339"/>
+      </p:ext>
+    </p:extLst>
+  </p:cSld>
+  <p:clrMapOvr>
+    <a:masterClrMapping/>
+  </p:clrMapOvr>
+</p:sld>
+</file>
+
+<file path=ppt/slides/slide4.xml><?xml version="1.0" encoding="utf-8"?>
+<p:sld xmlns:a="http://schemas.openxmlformats.org/drawingml/2006/main" xmlns:r="http://schemas.openxmlformats.org/officeDocument/2006/relationships" xmlns:p="http://schemas.openxmlformats.org/presentationml/2006/main">
+  <p:cSld>
+    <p:spTree>
+      <p:nvGrpSpPr>
+        <p:cNvPr id="1" name=""/>
+        <p:cNvGrpSpPr/>
+        <p:nvPr/>
+      </p:nvGrpSpPr>
+      <p:grpSpPr>
+        <a:xfrm>
+          <a:off x="0" y="0"/>
+          <a:ext cx="0" cy="0"/>
+          <a:chOff x="0" y="0"/>
+          <a:chExt cx="0" cy="0"/>
+        </a:xfrm>
+      </p:grpSpPr>
+      <p:sp>
+        <p:nvSpPr>
+          <p:cNvPr id="2" name="Rectangle 1">
+            <a:extLst>
+              <a:ext uri="{FF2B5EF4-FFF2-40B4-BE49-F238E27FC236}">
+                <a16:creationId xmlns:a16="http://schemas.microsoft.com/office/drawing/2014/main" id="{7F5D3B9B-FCB9-974F-9972-DD237E4D88E9}"/>
+              </a:ext>
+            </a:extLst>
+          </p:cNvPr>
+          <p:cNvSpPr/>
+          <p:nvPr/>
+        </p:nvSpPr>
+        <p:spPr>
+          <a:xfrm>
+            <a:off x="0" y="0"/>
+            <a:ext cx="12192000" cy="6858000"/>
+          </a:xfrm>
+          <a:prstGeom prst="rect">
+            <a:avLst/>
+          </a:prstGeom>
+          <a:solidFill>
+            <a:srgbClr val="38393D"/>
+          </a:solidFill>
+          <a:ln>
+            <a:noFill/>
+          </a:ln>
+        </p:spPr>
+        <p:style>
+          <a:lnRef idx="2">
+            <a:schemeClr val="accent1">
+              <a:shade val="50000"/>
+            </a:schemeClr>
+          </a:lnRef>
+          <a:fillRef idx="1">
+            <a:schemeClr val="accent1"/>
+          </a:fillRef>
+          <a:effectRef idx="0">
+            <a:schemeClr val="accent1"/>
+          </a:effectRef>
+          <a:fontRef idx="minor">
+            <a:schemeClr val="lt1"/>
+          </a:fontRef>
+        </p:style>
+        <p:txBody>
+          <a:bodyPr rtlCol="0" anchor="ctr"/>
+          <a:lstStyle/>
+          <a:p>
+            <a:pPr algn="ctr"/>
+            <a:endParaRPr lang="en-GB"/>
+          </a:p>
+        </p:txBody>
+      </p:sp>
+      <p:grpSp>
+        <p:nvGrpSpPr>
+          <p:cNvPr id="49" name="Group 48">
+            <a:extLst>
+              <a:ext uri="{FF2B5EF4-FFF2-40B4-BE49-F238E27FC236}">
+                <a16:creationId xmlns:a16="http://schemas.microsoft.com/office/drawing/2014/main" id="{7BAB7830-75BA-7B4C-B1C9-C1FD9E66EDAF}"/>
+              </a:ext>
+            </a:extLst>
+          </p:cNvPr>
+          <p:cNvGrpSpPr>
+            <a:grpSpLocks noChangeAspect="1"/>
+          </p:cNvGrpSpPr>
+          <p:nvPr/>
+        </p:nvGrpSpPr>
+        <p:grpSpPr>
+          <a:xfrm>
+            <a:off x="4694215" y="2027169"/>
+            <a:ext cx="2803569" cy="2803662"/>
+            <a:chOff x="4441182" y="1768338"/>
+            <a:chExt cx="2803569" cy="2803662"/>
+          </a:xfrm>
+        </p:grpSpPr>
+        <p:sp>
+          <p:nvSpPr>
+            <p:cNvPr id="50" name="Oval 49">
+              <a:extLst>
+                <a:ext uri="{FF2B5EF4-FFF2-40B4-BE49-F238E27FC236}">
+                  <a16:creationId xmlns:a16="http://schemas.microsoft.com/office/drawing/2014/main" id="{AA2C78F5-24E4-6844-8199-88BB23EC698F}"/>
+                </a:ext>
+              </a:extLst>
+            </p:cNvPr>
+            <p:cNvSpPr>
+              <a:spLocks noChangeAspect="1"/>
+            </p:cNvSpPr>
+            <p:nvPr/>
+          </p:nvSpPr>
+          <p:spPr>
+            <a:xfrm>
+              <a:off x="4441182" y="1768338"/>
+              <a:ext cx="2803569" cy="2803662"/>
+            </a:xfrm>
+            <a:prstGeom prst="ellipse">
+              <a:avLst/>
+            </a:prstGeom>
+            <a:solidFill>
+              <a:srgbClr val="7792B0"/>
+            </a:solidFill>
+            <a:ln>
+              <a:noFill/>
+            </a:ln>
+          </p:spPr>
+          <p:style>
+            <a:lnRef idx="2">
+              <a:schemeClr val="accent1">
+                <a:shade val="50000"/>
+              </a:schemeClr>
+            </a:lnRef>
+            <a:fillRef idx="1">
+              <a:schemeClr val="accent1"/>
+            </a:fillRef>
+            <a:effectRef idx="0">
+              <a:schemeClr val="accent1"/>
+            </a:effectRef>
+            <a:fontRef idx="minor">
+              <a:schemeClr val="lt1"/>
+            </a:fontRef>
+          </p:style>
+          <p:txBody>
+            <a:bodyPr rtlCol="0" anchor="ctr"/>
+            <a:lstStyle/>
+            <a:p>
+              <a:pPr algn="ctr"/>
+              <a:endParaRPr lang="en-GB">
+                <a:solidFill>
+                  <a:srgbClr val="8C9EBF"/>
+                </a:solidFill>
+              </a:endParaRPr>
+            </a:p>
+          </p:txBody>
+        </p:sp>
+        <p:grpSp>
+          <p:nvGrpSpPr>
+            <p:cNvPr id="51" name="Group 50">
+              <a:extLst>
+                <a:ext uri="{FF2B5EF4-FFF2-40B4-BE49-F238E27FC236}">
+                  <a16:creationId xmlns:a16="http://schemas.microsoft.com/office/drawing/2014/main" id="{E1AB4518-DBFD-5147-8B7C-7038066EEFA4}"/>
+                </a:ext>
+              </a:extLst>
+            </p:cNvPr>
+            <p:cNvGrpSpPr/>
+            <p:nvPr/>
+          </p:nvGrpSpPr>
+          <p:grpSpPr>
+            <a:xfrm>
+              <a:off x="4727041" y="1839130"/>
+              <a:ext cx="2279791" cy="2420611"/>
+              <a:chOff x="321532" y="1366602"/>
+              <a:chExt cx="2279791" cy="2420611"/>
+            </a:xfrm>
+          </p:grpSpPr>
+          <p:sp>
+            <p:nvSpPr>
+              <p:cNvPr id="52" name="TextBox 51">
+                <a:extLst>
+                  <a:ext uri="{FF2B5EF4-FFF2-40B4-BE49-F238E27FC236}">
+                    <a16:creationId xmlns:a16="http://schemas.microsoft.com/office/drawing/2014/main" id="{562D20B7-025E-994B-896B-C62B9C994EBD}"/>
+                  </a:ext>
+                </a:extLst>
+              </p:cNvPr>
+              <p:cNvSpPr txBox="1"/>
+              <p:nvPr/>
+            </p:nvSpPr>
+            <p:spPr>
+              <a:xfrm>
+                <a:off x="321532" y="1366602"/>
+                <a:ext cx="2202847" cy="1200329"/>
+              </a:xfrm>
+              <a:prstGeom prst="rect">
+                <a:avLst/>
+              </a:prstGeom>
+              <a:noFill/>
+            </p:spPr>
+            <p:txBody>
+              <a:bodyPr wrap="none" rtlCol="0">
+                <a:spAutoFit/>
+              </a:bodyPr>
+              <a:lstStyle/>
+              <a:p>
+                <a:r>
+                  <a:rPr lang="en-US" sz="7200" b="1" dirty="0" err="1">
+                    <a:solidFill>
+                      <a:schemeClr val="bg1"/>
+                    </a:solidFill>
+                    <a:latin typeface="Georgia" charset="0"/>
+                    <a:ea typeface="Georgia" charset="0"/>
+                    <a:cs typeface="Georgia" charset="0"/>
+                  </a:rPr>
+                  <a:t>asth</a:t>
+                </a:r>
+                <a:endParaRPr lang="en-US" sz="7200" b="1" dirty="0">
+                  <a:solidFill>
+                    <a:schemeClr val="bg1"/>
+                  </a:solidFill>
+                  <a:latin typeface="Georgia" charset="0"/>
+                  <a:ea typeface="Georgia" charset="0"/>
+                  <a:cs typeface="Georgia" charset="0"/>
+                </a:endParaRPr>
+              </a:p>
+            </p:txBody>
+          </p:sp>
+          <p:sp>
+            <p:nvSpPr>
+              <p:cNvPr id="53" name="TextBox 52">
+                <a:extLst>
+                  <a:ext uri="{FF2B5EF4-FFF2-40B4-BE49-F238E27FC236}">
+                    <a16:creationId xmlns:a16="http://schemas.microsoft.com/office/drawing/2014/main" id="{A2683911-3A68-694F-A3F2-45A25D40FD61}"/>
+                  </a:ext>
+                </a:extLst>
+              </p:cNvPr>
+              <p:cNvSpPr txBox="1"/>
+              <p:nvPr/>
+            </p:nvSpPr>
+            <p:spPr>
+              <a:xfrm>
+                <a:off x="321532" y="1976743"/>
+                <a:ext cx="1672253" cy="1200329"/>
+              </a:xfrm>
+              <a:prstGeom prst="rect">
+                <a:avLst/>
+              </a:prstGeom>
+              <a:noFill/>
+            </p:spPr>
+            <p:txBody>
+              <a:bodyPr wrap="none" rtlCol="0">
+                <a:spAutoFit/>
+              </a:bodyPr>
+              <a:lstStyle/>
+              <a:p>
+                <a:r>
+                  <a:rPr lang="en-US" sz="7200" b="1" dirty="0">
+                    <a:solidFill>
+                      <a:schemeClr val="bg1"/>
+                    </a:solidFill>
+                    <a:latin typeface="Georgia" charset="0"/>
+                    <a:ea typeface="Georgia" charset="0"/>
+                    <a:cs typeface="Georgia" charset="0"/>
+                  </a:rPr>
+                  <a:t>ma</a:t>
+                </a:r>
+              </a:p>
+            </p:txBody>
+          </p:sp>
+          <p:sp>
+            <p:nvSpPr>
+              <p:cNvPr id="54" name="TextBox 53">
+                <a:extLst>
+                  <a:ext uri="{FF2B5EF4-FFF2-40B4-BE49-F238E27FC236}">
+                    <a16:creationId xmlns:a16="http://schemas.microsoft.com/office/drawing/2014/main" id="{CE959A93-6139-1B4E-B514-08BB230180F4}"/>
+                  </a:ext>
+                </a:extLst>
+              </p:cNvPr>
+              <p:cNvSpPr txBox="1"/>
+              <p:nvPr/>
+            </p:nvSpPr>
+            <p:spPr>
+              <a:xfrm>
+                <a:off x="321532" y="2586884"/>
+                <a:ext cx="2279791" cy="1200329"/>
+              </a:xfrm>
+              <a:prstGeom prst="rect">
+                <a:avLst/>
+              </a:prstGeom>
+              <a:noFill/>
+            </p:spPr>
+            <p:txBody>
+              <a:bodyPr wrap="none" rtlCol="0">
+                <a:spAutoFit/>
+              </a:bodyPr>
+              <a:lstStyle/>
+              <a:p>
+                <a:r>
+                  <a:rPr lang="en-US" sz="7200" b="1" dirty="0">
+                    <a:solidFill>
+                      <a:srgbClr val="C7D2E0"/>
+                    </a:solidFill>
+                    <a:latin typeface="Georgia" charset="0"/>
+                    <a:ea typeface="Georgia" charset="0"/>
+                    <a:cs typeface="Georgia" charset="0"/>
+                  </a:rPr>
+                  <a:t>map</a:t>
+                </a:r>
+              </a:p>
+            </p:txBody>
+          </p:sp>
+        </p:grpSp>
+      </p:grpSp>
+    </p:spTree>
+    <p:extLst>
+      <p:ext uri="{BB962C8B-B14F-4D97-AF65-F5344CB8AC3E}">
+        <p14:creationId xmlns:p14="http://schemas.microsoft.com/office/powerpoint/2010/main" val="2435594744"/>
+      </p:ext>
+    </p:extLst>
+  </p:cSld>
+  <p:clrMapOvr>
+    <a:masterClrMapping/>
+  </p:clrMapOvr>
+</p:sld>
+</file>
+
+<file path=ppt/slides/slide5.xml><?xml version="1.0" encoding="utf-8"?>
 <p:sld xmlns:a="http://schemas.openxmlformats.org/drawingml/2006/main" xmlns:r="http://schemas.openxmlformats.org/officeDocument/2006/relationships" xmlns:p="http://schemas.openxmlformats.org/presentationml/2006/main">
   <p:cSld>
     <p:spTree>
@@ -5741,7 +6444,7 @@
 </p:sld>
 </file>
 
-<file path=ppt/slides/slide11.xml><?xml version="1.0" encoding="utf-8"?>
+<file path=ppt/slides/slide6.xml><?xml version="1.0" encoding="utf-8"?>
 <p:sld xmlns:a="http://schemas.openxmlformats.org/drawingml/2006/main" xmlns:r="http://schemas.openxmlformats.org/officeDocument/2006/relationships" xmlns:p="http://schemas.openxmlformats.org/presentationml/2006/main">
   <p:cSld>
     <p:spTree>
@@ -5758,12 +6461,64 @@
           <a:chExt cx="0" cy="0"/>
         </a:xfrm>
       </p:grpSpPr>
+      <p:sp>
+        <p:nvSpPr>
+          <p:cNvPr id="2" name="Rectangle 1">
+            <a:extLst>
+              <a:ext uri="{FF2B5EF4-FFF2-40B4-BE49-F238E27FC236}">
+                <a16:creationId xmlns:a16="http://schemas.microsoft.com/office/drawing/2014/main" id="{7F5D3B9B-FCB9-974F-9972-DD237E4D88E9}"/>
+              </a:ext>
+            </a:extLst>
+          </p:cNvPr>
+          <p:cNvSpPr/>
+          <p:nvPr/>
+        </p:nvSpPr>
+        <p:spPr>
+          <a:xfrm>
+            <a:off x="0" y="0"/>
+            <a:ext cx="12192000" cy="6858000"/>
+          </a:xfrm>
+          <a:prstGeom prst="rect">
+            <a:avLst/>
+          </a:prstGeom>
+          <a:solidFill>
+            <a:srgbClr val="38393D"/>
+          </a:solidFill>
+          <a:ln>
+            <a:noFill/>
+          </a:ln>
+        </p:spPr>
+        <p:style>
+          <a:lnRef idx="2">
+            <a:schemeClr val="accent1">
+              <a:shade val="50000"/>
+            </a:schemeClr>
+          </a:lnRef>
+          <a:fillRef idx="1">
+            <a:schemeClr val="accent1"/>
+          </a:fillRef>
+          <a:effectRef idx="0">
+            <a:schemeClr val="accent1"/>
+          </a:effectRef>
+          <a:fontRef idx="minor">
+            <a:schemeClr val="lt1"/>
+          </a:fontRef>
+        </p:style>
+        <p:txBody>
+          <a:bodyPr rtlCol="0" anchor="ctr"/>
+          <a:lstStyle/>
+          <a:p>
+            <a:pPr algn="ctr"/>
+            <a:endParaRPr lang="en-GB"/>
+          </a:p>
+        </p:txBody>
+      </p:sp>
       <p:grpSp>
         <p:nvGrpSpPr>
-          <p:cNvPr id="18" name="Group 17">
+          <p:cNvPr id="25" name="Group 24">
             <a:extLst>
               <a:ext uri="{FF2B5EF4-FFF2-40B4-BE49-F238E27FC236}">
-                <a16:creationId xmlns:a16="http://schemas.microsoft.com/office/drawing/2014/main" id="{40CAE8A6-E783-0B4C-A7D0-764F23765FE7}"/>
+                <a16:creationId xmlns:a16="http://schemas.microsoft.com/office/drawing/2014/main" id="{E0DA1A74-F1CB-3642-B228-070CD99C0DF2}"/>
               </a:ext>
             </a:extLst>
           </p:cNvPr>
@@ -5782,10 +6537,10 @@
         </p:grpSpPr>
         <p:sp>
           <p:nvSpPr>
-            <p:cNvPr id="19" name="Oval 18">
+            <p:cNvPr id="26" name="Oval 25">
               <a:extLst>
                 <a:ext uri="{FF2B5EF4-FFF2-40B4-BE49-F238E27FC236}">
-                  <a16:creationId xmlns:a16="http://schemas.microsoft.com/office/drawing/2014/main" id="{04D0373E-9A38-504E-9703-8928BE4B4A12}"/>
+                  <a16:creationId xmlns:a16="http://schemas.microsoft.com/office/drawing/2014/main" id="{2AE1956E-5296-3643-9878-9A28BB9FC028}"/>
                 </a:ext>
               </a:extLst>
             </p:cNvPr>
@@ -5805,7 +6560,7 @@
             <a:solidFill>
               <a:schemeClr val="bg1"/>
             </a:solidFill>
-            <a:ln w="38100">
+            <a:ln>
               <a:solidFill>
                 <a:srgbClr val="8C9EBF"/>
               </a:solidFill>
@@ -5842,10 +6597,10 @@
         </p:sp>
         <p:grpSp>
           <p:nvGrpSpPr>
-            <p:cNvPr id="20" name="Group 19">
+            <p:cNvPr id="27" name="Group 26">
               <a:extLst>
                 <a:ext uri="{FF2B5EF4-FFF2-40B4-BE49-F238E27FC236}">
-                  <a16:creationId xmlns:a16="http://schemas.microsoft.com/office/drawing/2014/main" id="{532D35FC-C13F-4040-9D3A-4ACDD922CADF}"/>
+                  <a16:creationId xmlns:a16="http://schemas.microsoft.com/office/drawing/2014/main" id="{2396F9B6-DFD4-1F48-B356-E869FC65DE05}"/>
                 </a:ext>
               </a:extLst>
             </p:cNvPr>
@@ -5862,10 +6617,10 @@
           </p:grpSpPr>
           <p:sp>
             <p:nvSpPr>
-              <p:cNvPr id="21" name="TextBox 20">
+              <p:cNvPr id="28" name="TextBox 27">
                 <a:extLst>
                   <a:ext uri="{FF2B5EF4-FFF2-40B4-BE49-F238E27FC236}">
-                    <a16:creationId xmlns:a16="http://schemas.microsoft.com/office/drawing/2014/main" id="{6E67064F-3FBD-1945-8CEA-746ED06B0827}"/>
+                    <a16:creationId xmlns:a16="http://schemas.microsoft.com/office/drawing/2014/main" id="{B5755A7A-ADF7-2543-8319-BC7305043BFA}"/>
                   </a:ext>
                 </a:extLst>
               </p:cNvPr>
@@ -5912,10 +6667,10 @@
           </p:sp>
           <p:sp>
             <p:nvSpPr>
-              <p:cNvPr id="22" name="TextBox 21">
+              <p:cNvPr id="29" name="TextBox 28">
                 <a:extLst>
                   <a:ext uri="{FF2B5EF4-FFF2-40B4-BE49-F238E27FC236}">
-                    <a16:creationId xmlns:a16="http://schemas.microsoft.com/office/drawing/2014/main" id="{5698AC2B-169B-3248-A3D3-FA82C6D3EF3D}"/>
+                    <a16:creationId xmlns:a16="http://schemas.microsoft.com/office/drawing/2014/main" id="{D9CDF9A9-F8E8-EF42-A83A-78A36A797E1D}"/>
                   </a:ext>
                 </a:extLst>
               </p:cNvPr>
@@ -5954,10 +6709,10 @@
           </p:sp>
           <p:sp>
             <p:nvSpPr>
-              <p:cNvPr id="23" name="TextBox 22">
+              <p:cNvPr id="30" name="TextBox 29">
                 <a:extLst>
                   <a:ext uri="{FF2B5EF4-FFF2-40B4-BE49-F238E27FC236}">
-                    <a16:creationId xmlns:a16="http://schemas.microsoft.com/office/drawing/2014/main" id="{B470AD9B-FA81-264D-A5F1-223DC8265A22}"/>
+                    <a16:creationId xmlns:a16="http://schemas.microsoft.com/office/drawing/2014/main" id="{09DB97B0-407E-9B4A-B2AB-B276B1533A01}"/>
                   </a:ext>
                 </a:extLst>
               </p:cNvPr>
@@ -5998,10 +6753,10 @@
       </p:grpSp>
       <p:grpSp>
         <p:nvGrpSpPr>
-          <p:cNvPr id="24" name="Group 23">
+          <p:cNvPr id="49" name="Group 48">
             <a:extLst>
               <a:ext uri="{FF2B5EF4-FFF2-40B4-BE49-F238E27FC236}">
-                <a16:creationId xmlns:a16="http://schemas.microsoft.com/office/drawing/2014/main" id="{C653B9FF-ED75-C749-AF92-FDFA99EE0D95}"/>
+                <a16:creationId xmlns:a16="http://schemas.microsoft.com/office/drawing/2014/main" id="{7BAB7830-75BA-7B4C-B1C9-C1FD9E66EDAF}"/>
               </a:ext>
             </a:extLst>
           </p:cNvPr>
@@ -6014,16 +6769,16 @@
           <a:xfrm>
             <a:off x="4694215" y="2027169"/>
             <a:ext cx="2803569" cy="2803662"/>
-            <a:chOff x="4441182" y="1729701"/>
+            <a:chOff x="4441182" y="1768338"/>
             <a:chExt cx="2803569" cy="2803662"/>
           </a:xfrm>
         </p:grpSpPr>
         <p:sp>
           <p:nvSpPr>
-            <p:cNvPr id="25" name="Oval 24">
+            <p:cNvPr id="50" name="Oval 49">
               <a:extLst>
                 <a:ext uri="{FF2B5EF4-FFF2-40B4-BE49-F238E27FC236}">
-                  <a16:creationId xmlns:a16="http://schemas.microsoft.com/office/drawing/2014/main" id="{AE068E1E-CFD5-054E-A9AF-F92AF924963A}"/>
+                  <a16:creationId xmlns:a16="http://schemas.microsoft.com/office/drawing/2014/main" id="{AA2C78F5-24E4-6844-8199-88BB23EC698F}"/>
                 </a:ext>
               </a:extLst>
             </p:cNvPr>
@@ -6034,7 +6789,7 @@
           </p:nvSpPr>
           <p:spPr>
             <a:xfrm>
-              <a:off x="4441182" y="1729701"/>
+              <a:off x="4441182" y="1768338"/>
               <a:ext cx="2803569" cy="2803662"/>
             </a:xfrm>
             <a:prstGeom prst="ellipse">
@@ -6044,9 +6799,7 @@
               <a:srgbClr val="7792B0"/>
             </a:solidFill>
             <a:ln>
-              <a:solidFill>
-                <a:srgbClr val="8C9EBF"/>
-              </a:solidFill>
+              <a:noFill/>
             </a:ln>
           </p:spPr>
           <p:style>
@@ -6080,10 +6833,10 @@
         </p:sp>
         <p:grpSp>
           <p:nvGrpSpPr>
-            <p:cNvPr id="26" name="Group 25">
+            <p:cNvPr id="51" name="Group 50">
               <a:extLst>
                 <a:ext uri="{FF2B5EF4-FFF2-40B4-BE49-F238E27FC236}">
-                  <a16:creationId xmlns:a16="http://schemas.microsoft.com/office/drawing/2014/main" id="{A853B6F5-8E78-1A4D-9114-FE06B398B963}"/>
+                  <a16:creationId xmlns:a16="http://schemas.microsoft.com/office/drawing/2014/main" id="{E1AB4518-DBFD-5147-8B7C-7038066EEFA4}"/>
                 </a:ext>
               </a:extLst>
             </p:cNvPr>
@@ -6100,10 +6853,10 @@
           </p:grpSpPr>
           <p:sp>
             <p:nvSpPr>
-              <p:cNvPr id="27" name="TextBox 26">
+              <p:cNvPr id="52" name="TextBox 51">
                 <a:extLst>
                   <a:ext uri="{FF2B5EF4-FFF2-40B4-BE49-F238E27FC236}">
-                    <a16:creationId xmlns:a16="http://schemas.microsoft.com/office/drawing/2014/main" id="{348D90F7-2F4B-014A-96C9-9D7B58B849F1}"/>
+                    <a16:creationId xmlns:a16="http://schemas.microsoft.com/office/drawing/2014/main" id="{562D20B7-025E-994B-896B-C62B9C994EBD}"/>
                   </a:ext>
                 </a:extLst>
               </p:cNvPr>
@@ -6150,10 +6903,10 @@
           </p:sp>
           <p:sp>
             <p:nvSpPr>
-              <p:cNvPr id="28" name="TextBox 27">
+              <p:cNvPr id="53" name="TextBox 52">
                 <a:extLst>
                   <a:ext uri="{FF2B5EF4-FFF2-40B4-BE49-F238E27FC236}">
-                    <a16:creationId xmlns:a16="http://schemas.microsoft.com/office/drawing/2014/main" id="{FBABAA33-8C85-B44A-AFB7-52A055ECBB18}"/>
+                    <a16:creationId xmlns:a16="http://schemas.microsoft.com/office/drawing/2014/main" id="{A2683911-3A68-694F-A3F2-45A25D40FD61}"/>
                   </a:ext>
                 </a:extLst>
               </p:cNvPr>
@@ -6192,10 +6945,10 @@
           </p:sp>
           <p:sp>
             <p:nvSpPr>
-              <p:cNvPr id="29" name="TextBox 28">
+              <p:cNvPr id="54" name="TextBox 53">
                 <a:extLst>
                   <a:ext uri="{FF2B5EF4-FFF2-40B4-BE49-F238E27FC236}">
-                    <a16:creationId xmlns:a16="http://schemas.microsoft.com/office/drawing/2014/main" id="{9DD38060-B64F-5645-9020-C5DA28F392A4}"/>
+                    <a16:creationId xmlns:a16="http://schemas.microsoft.com/office/drawing/2014/main" id="{CE959A93-6139-1B4E-B514-08BB230180F4}"/>
                   </a:ext>
                 </a:extLst>
               </p:cNvPr>
@@ -6236,10 +6989,10 @@
       </p:grpSp>
       <p:grpSp>
         <p:nvGrpSpPr>
-          <p:cNvPr id="30" name="Group 29">
+          <p:cNvPr id="55" name="Group 54">
             <a:extLst>
               <a:ext uri="{FF2B5EF4-FFF2-40B4-BE49-F238E27FC236}">
-                <a16:creationId xmlns:a16="http://schemas.microsoft.com/office/drawing/2014/main" id="{3CFCC824-7F2A-0F4D-B521-B69E0AEDFEE7}"/>
+                <a16:creationId xmlns:a16="http://schemas.microsoft.com/office/drawing/2014/main" id="{D1787F3E-96B8-0E4C-85C9-BBCE5DB8722F}"/>
               </a:ext>
             </a:extLst>
           </p:cNvPr>
@@ -6258,10 +7011,10 @@
         </p:grpSpPr>
         <p:sp>
           <p:nvSpPr>
-            <p:cNvPr id="31" name="Rectangle 30">
+            <p:cNvPr id="56" name="Rectangle 55">
               <a:extLst>
                 <a:ext uri="{FF2B5EF4-FFF2-40B4-BE49-F238E27FC236}">
-                  <a16:creationId xmlns:a16="http://schemas.microsoft.com/office/drawing/2014/main" id="{57314173-71C1-364F-A7D2-EEBCF78F7517}"/>
+                  <a16:creationId xmlns:a16="http://schemas.microsoft.com/office/drawing/2014/main" id="{BF34B208-39E2-AA4E-8474-8A1BB778FC79}"/>
                 </a:ext>
               </a:extLst>
             </p:cNvPr>
@@ -6310,10 +7063,10 @@
         </p:sp>
         <p:grpSp>
           <p:nvGrpSpPr>
-            <p:cNvPr id="32" name="Group 31">
+            <p:cNvPr id="57" name="Group 56">
               <a:extLst>
                 <a:ext uri="{FF2B5EF4-FFF2-40B4-BE49-F238E27FC236}">
-                  <a16:creationId xmlns:a16="http://schemas.microsoft.com/office/drawing/2014/main" id="{3AE07933-0CCF-604B-8554-2599A1162695}"/>
+                  <a16:creationId xmlns:a16="http://schemas.microsoft.com/office/drawing/2014/main" id="{6096D94D-5BC8-E14D-8F4A-38346B52F212}"/>
                 </a:ext>
               </a:extLst>
             </p:cNvPr>
@@ -6332,10 +7085,10 @@
           </p:grpSpPr>
           <p:sp>
             <p:nvSpPr>
-              <p:cNvPr id="33" name="Oval 32">
+              <p:cNvPr id="58" name="Oval 57">
                 <a:extLst>
                   <a:ext uri="{FF2B5EF4-FFF2-40B4-BE49-F238E27FC236}">
-                    <a16:creationId xmlns:a16="http://schemas.microsoft.com/office/drawing/2014/main" id="{375038AC-B43D-AA47-B39B-C31DC57F0964}"/>
+                    <a16:creationId xmlns:a16="http://schemas.microsoft.com/office/drawing/2014/main" id="{1083ADE7-24F9-9D4F-A47D-C60BCC9CE791}"/>
                   </a:ext>
                 </a:extLst>
               </p:cNvPr>
@@ -6390,10 +7143,10 @@
           </p:sp>
           <p:grpSp>
             <p:nvGrpSpPr>
-              <p:cNvPr id="34" name="Group 33">
+              <p:cNvPr id="59" name="Group 58">
                 <a:extLst>
                   <a:ext uri="{FF2B5EF4-FFF2-40B4-BE49-F238E27FC236}">
-                    <a16:creationId xmlns:a16="http://schemas.microsoft.com/office/drawing/2014/main" id="{485DF5FA-FDF3-CB42-A47F-2507DBEDB922}"/>
+                    <a16:creationId xmlns:a16="http://schemas.microsoft.com/office/drawing/2014/main" id="{C3F4383B-8324-1B46-9E45-8CEA11D15137}"/>
                   </a:ext>
                 </a:extLst>
               </p:cNvPr>
@@ -6410,10 +7163,10 @@
             </p:grpSpPr>
             <p:sp>
               <p:nvSpPr>
-                <p:cNvPr id="35" name="TextBox 34">
+                <p:cNvPr id="60" name="TextBox 59">
                   <a:extLst>
                     <a:ext uri="{FF2B5EF4-FFF2-40B4-BE49-F238E27FC236}">
-                      <a16:creationId xmlns:a16="http://schemas.microsoft.com/office/drawing/2014/main" id="{96E31222-9025-544C-838F-64C9661CA9B1}"/>
+                      <a16:creationId xmlns:a16="http://schemas.microsoft.com/office/drawing/2014/main" id="{A1FF4C47-C1B2-E84F-BE4F-583495C132FA}"/>
                     </a:ext>
                   </a:extLst>
                 </p:cNvPr>
@@ -6460,10 +7213,10 @@
             </p:sp>
             <p:sp>
               <p:nvSpPr>
-                <p:cNvPr id="36" name="TextBox 35">
+                <p:cNvPr id="61" name="TextBox 60">
                   <a:extLst>
                     <a:ext uri="{FF2B5EF4-FFF2-40B4-BE49-F238E27FC236}">
-                      <a16:creationId xmlns:a16="http://schemas.microsoft.com/office/drawing/2014/main" id="{1ED0BABF-3E22-264B-8860-68594822682F}"/>
+                      <a16:creationId xmlns:a16="http://schemas.microsoft.com/office/drawing/2014/main" id="{A07F714E-70B4-7A4B-AFC5-F8D4B44B71C7}"/>
                     </a:ext>
                   </a:extLst>
                 </p:cNvPr>
@@ -6502,10 +7255,10 @@
             </p:sp>
             <p:sp>
               <p:nvSpPr>
-                <p:cNvPr id="37" name="TextBox 36">
+                <p:cNvPr id="62" name="TextBox 61">
                   <a:extLst>
                     <a:ext uri="{FF2B5EF4-FFF2-40B4-BE49-F238E27FC236}">
-                      <a16:creationId xmlns:a16="http://schemas.microsoft.com/office/drawing/2014/main" id="{95F1923D-69EA-4C4F-B2EB-F5933FF2D968}"/>
+                      <a16:creationId xmlns:a16="http://schemas.microsoft.com/office/drawing/2014/main" id="{0A9EB7EB-DB1F-F942-A23F-DBD0EC189E49}"/>
                     </a:ext>
                   </a:extLst>
                 </p:cNvPr>
@@ -6548,7 +7301,7 @@
     </p:spTree>
     <p:extLst>
       <p:ext uri="{BB962C8B-B14F-4D97-AF65-F5344CB8AC3E}">
-        <p14:creationId xmlns:p14="http://schemas.microsoft.com/office/powerpoint/2010/main" val="3390291273"/>
+        <p14:creationId xmlns:p14="http://schemas.microsoft.com/office/powerpoint/2010/main" val="1960114701"/>
       </p:ext>
     </p:extLst>
   </p:cSld>
@@ -6558,7 +7311,7 @@
 </p:sld>
 </file>
 
-<file path=ppt/slides/slide12.xml><?xml version="1.0" encoding="utf-8"?>
+<file path=ppt/slides/slide7.xml><?xml version="1.0" encoding="utf-8"?>
 <p:sld xmlns:a="http://schemas.openxmlformats.org/drawingml/2006/main" xmlns:r="http://schemas.openxmlformats.org/officeDocument/2006/relationships" xmlns:p="http://schemas.openxmlformats.org/presentationml/2006/main">
   <p:cSld>
     <p:spTree>
@@ -7375,874 +8128,7 @@
 </p:sld>
 </file>
 
-<file path=ppt/slides/slide13.xml><?xml version="1.0" encoding="utf-8"?>
-<p:sld xmlns:a="http://schemas.openxmlformats.org/drawingml/2006/main" xmlns:r="http://schemas.openxmlformats.org/officeDocument/2006/relationships" xmlns:p="http://schemas.openxmlformats.org/presentationml/2006/main">
-  <p:cSld>
-    <p:spTree>
-      <p:nvGrpSpPr>
-        <p:cNvPr id="1" name=""/>
-        <p:cNvGrpSpPr/>
-        <p:nvPr/>
-      </p:nvGrpSpPr>
-      <p:grpSpPr>
-        <a:xfrm>
-          <a:off x="0" y="0"/>
-          <a:ext cx="0" cy="0"/>
-          <a:chOff x="0" y="0"/>
-          <a:chExt cx="0" cy="0"/>
-        </a:xfrm>
-      </p:grpSpPr>
-      <p:sp>
-        <p:nvSpPr>
-          <p:cNvPr id="2" name="Rectangle 1">
-            <a:extLst>
-              <a:ext uri="{FF2B5EF4-FFF2-40B4-BE49-F238E27FC236}">
-                <a16:creationId xmlns:a16="http://schemas.microsoft.com/office/drawing/2014/main" id="{7F5D3B9B-FCB9-974F-9972-DD237E4D88E9}"/>
-              </a:ext>
-            </a:extLst>
-          </p:cNvPr>
-          <p:cNvSpPr/>
-          <p:nvPr/>
-        </p:nvSpPr>
-        <p:spPr>
-          <a:xfrm>
-            <a:off x="0" y="0"/>
-            <a:ext cx="12192000" cy="6858000"/>
-          </a:xfrm>
-          <a:prstGeom prst="rect">
-            <a:avLst/>
-          </a:prstGeom>
-          <a:solidFill>
-            <a:srgbClr val="38393D"/>
-          </a:solidFill>
-          <a:ln>
-            <a:noFill/>
-          </a:ln>
-        </p:spPr>
-        <p:style>
-          <a:lnRef idx="2">
-            <a:schemeClr val="accent1">
-              <a:shade val="50000"/>
-            </a:schemeClr>
-          </a:lnRef>
-          <a:fillRef idx="1">
-            <a:schemeClr val="accent1"/>
-          </a:fillRef>
-          <a:effectRef idx="0">
-            <a:schemeClr val="accent1"/>
-          </a:effectRef>
-          <a:fontRef idx="minor">
-            <a:schemeClr val="lt1"/>
-          </a:fontRef>
-        </p:style>
-        <p:txBody>
-          <a:bodyPr rtlCol="0" anchor="ctr"/>
-          <a:lstStyle/>
-          <a:p>
-            <a:pPr algn="ctr"/>
-            <a:endParaRPr lang="en-GB"/>
-          </a:p>
-        </p:txBody>
-      </p:sp>
-      <p:grpSp>
-        <p:nvGrpSpPr>
-          <p:cNvPr id="25" name="Group 24">
-            <a:extLst>
-              <a:ext uri="{FF2B5EF4-FFF2-40B4-BE49-F238E27FC236}">
-                <a16:creationId xmlns:a16="http://schemas.microsoft.com/office/drawing/2014/main" id="{E0DA1A74-F1CB-3642-B228-070CD99C0DF2}"/>
-              </a:ext>
-            </a:extLst>
-          </p:cNvPr>
-          <p:cNvGrpSpPr>
-            <a:grpSpLocks noChangeAspect="1"/>
-          </p:cNvGrpSpPr>
-          <p:nvPr/>
-        </p:nvGrpSpPr>
-        <p:grpSpPr>
-          <a:xfrm>
-            <a:off x="1197829" y="1916412"/>
-            <a:ext cx="2803569" cy="2803662"/>
-            <a:chOff x="8330814" y="407432"/>
-            <a:chExt cx="2803569" cy="2803662"/>
-          </a:xfrm>
-        </p:grpSpPr>
-        <p:sp>
-          <p:nvSpPr>
-            <p:cNvPr id="26" name="Oval 25">
-              <a:extLst>
-                <a:ext uri="{FF2B5EF4-FFF2-40B4-BE49-F238E27FC236}">
-                  <a16:creationId xmlns:a16="http://schemas.microsoft.com/office/drawing/2014/main" id="{2AE1956E-5296-3643-9878-9A28BB9FC028}"/>
-                </a:ext>
-              </a:extLst>
-            </p:cNvPr>
-            <p:cNvSpPr>
-              <a:spLocks noChangeAspect="1"/>
-            </p:cNvSpPr>
-            <p:nvPr/>
-          </p:nvSpPr>
-          <p:spPr>
-            <a:xfrm>
-              <a:off x="8330814" y="407432"/>
-              <a:ext cx="2803569" cy="2803662"/>
-            </a:xfrm>
-            <a:prstGeom prst="ellipse">
-              <a:avLst/>
-            </a:prstGeom>
-            <a:solidFill>
-              <a:schemeClr val="bg1"/>
-            </a:solidFill>
-            <a:ln>
-              <a:solidFill>
-                <a:srgbClr val="8C9EBF"/>
-              </a:solidFill>
-            </a:ln>
-          </p:spPr>
-          <p:style>
-            <a:lnRef idx="2">
-              <a:schemeClr val="accent1">
-                <a:shade val="50000"/>
-              </a:schemeClr>
-            </a:lnRef>
-            <a:fillRef idx="1">
-              <a:schemeClr val="accent1"/>
-            </a:fillRef>
-            <a:effectRef idx="0">
-              <a:schemeClr val="accent1"/>
-            </a:effectRef>
-            <a:fontRef idx="minor">
-              <a:schemeClr val="lt1"/>
-            </a:fontRef>
-          </p:style>
-          <p:txBody>
-            <a:bodyPr rtlCol="0" anchor="ctr"/>
-            <a:lstStyle/>
-            <a:p>
-              <a:pPr algn="ctr"/>
-              <a:endParaRPr lang="en-GB">
-                <a:solidFill>
-                  <a:srgbClr val="8C9EBF"/>
-                </a:solidFill>
-              </a:endParaRPr>
-            </a:p>
-          </p:txBody>
-        </p:sp>
-        <p:grpSp>
-          <p:nvGrpSpPr>
-            <p:cNvPr id="27" name="Group 26">
-              <a:extLst>
-                <a:ext uri="{FF2B5EF4-FFF2-40B4-BE49-F238E27FC236}">
-                  <a16:creationId xmlns:a16="http://schemas.microsoft.com/office/drawing/2014/main" id="{2396F9B6-DFD4-1F48-B356-E869FC65DE05}"/>
-                </a:ext>
-              </a:extLst>
-            </p:cNvPr>
-            <p:cNvGrpSpPr/>
-            <p:nvPr/>
-          </p:nvGrpSpPr>
-          <p:grpSpPr>
-            <a:xfrm>
-              <a:off x="8616673" y="478224"/>
-              <a:ext cx="2279791" cy="2420611"/>
-              <a:chOff x="321532" y="1366602"/>
-              <a:chExt cx="2279791" cy="2420611"/>
-            </a:xfrm>
-          </p:grpSpPr>
-          <p:sp>
-            <p:nvSpPr>
-              <p:cNvPr id="28" name="TextBox 27">
-                <a:extLst>
-                  <a:ext uri="{FF2B5EF4-FFF2-40B4-BE49-F238E27FC236}">
-                    <a16:creationId xmlns:a16="http://schemas.microsoft.com/office/drawing/2014/main" id="{B5755A7A-ADF7-2543-8319-BC7305043BFA}"/>
-                  </a:ext>
-                </a:extLst>
-              </p:cNvPr>
-              <p:cNvSpPr txBox="1"/>
-              <p:nvPr/>
-            </p:nvSpPr>
-            <p:spPr>
-              <a:xfrm>
-                <a:off x="321532" y="1366602"/>
-                <a:ext cx="2202847" cy="1200329"/>
-              </a:xfrm>
-              <a:prstGeom prst="rect">
-                <a:avLst/>
-              </a:prstGeom>
-              <a:noFill/>
-            </p:spPr>
-            <p:txBody>
-              <a:bodyPr wrap="none" rtlCol="0">
-                <a:spAutoFit/>
-              </a:bodyPr>
-              <a:lstStyle/>
-              <a:p>
-                <a:r>
-                  <a:rPr lang="en-US" sz="7200" b="1" dirty="0" err="1">
-                    <a:solidFill>
-                      <a:srgbClr val="8C9EBF"/>
-                    </a:solidFill>
-                    <a:latin typeface="Georgia" charset="0"/>
-                    <a:ea typeface="Georgia" charset="0"/>
-                    <a:cs typeface="Georgia" charset="0"/>
-                  </a:rPr>
-                  <a:t>asth</a:t>
-                </a:r>
-                <a:endParaRPr lang="en-US" sz="7200" b="1" dirty="0">
-                  <a:solidFill>
-                    <a:srgbClr val="8C9EBF"/>
-                  </a:solidFill>
-                  <a:latin typeface="Georgia" charset="0"/>
-                  <a:ea typeface="Georgia" charset="0"/>
-                  <a:cs typeface="Georgia" charset="0"/>
-                </a:endParaRPr>
-              </a:p>
-            </p:txBody>
-          </p:sp>
-          <p:sp>
-            <p:nvSpPr>
-              <p:cNvPr id="29" name="TextBox 28">
-                <a:extLst>
-                  <a:ext uri="{FF2B5EF4-FFF2-40B4-BE49-F238E27FC236}">
-                    <a16:creationId xmlns:a16="http://schemas.microsoft.com/office/drawing/2014/main" id="{D9CDF9A9-F8E8-EF42-A83A-78A36A797E1D}"/>
-                  </a:ext>
-                </a:extLst>
-              </p:cNvPr>
-              <p:cNvSpPr txBox="1"/>
-              <p:nvPr/>
-            </p:nvSpPr>
-            <p:spPr>
-              <a:xfrm>
-                <a:off x="321532" y="1976743"/>
-                <a:ext cx="1672253" cy="1200329"/>
-              </a:xfrm>
-              <a:prstGeom prst="rect">
-                <a:avLst/>
-              </a:prstGeom>
-              <a:noFill/>
-            </p:spPr>
-            <p:txBody>
-              <a:bodyPr wrap="none" rtlCol="0">
-                <a:spAutoFit/>
-              </a:bodyPr>
-              <a:lstStyle/>
-              <a:p>
-                <a:r>
-                  <a:rPr lang="en-US" sz="7200" b="1" dirty="0">
-                    <a:solidFill>
-                      <a:srgbClr val="8C9EBF"/>
-                    </a:solidFill>
-                    <a:latin typeface="Georgia" charset="0"/>
-                    <a:ea typeface="Georgia" charset="0"/>
-                    <a:cs typeface="Georgia" charset="0"/>
-                  </a:rPr>
-                  <a:t>ma</a:t>
-                </a:r>
-              </a:p>
-            </p:txBody>
-          </p:sp>
-          <p:sp>
-            <p:nvSpPr>
-              <p:cNvPr id="30" name="TextBox 29">
-                <a:extLst>
-                  <a:ext uri="{FF2B5EF4-FFF2-40B4-BE49-F238E27FC236}">
-                    <a16:creationId xmlns:a16="http://schemas.microsoft.com/office/drawing/2014/main" id="{09DB97B0-407E-9B4A-B2AB-B276B1533A01}"/>
-                  </a:ext>
-                </a:extLst>
-              </p:cNvPr>
-              <p:cNvSpPr txBox="1"/>
-              <p:nvPr/>
-            </p:nvSpPr>
-            <p:spPr>
-              <a:xfrm>
-                <a:off x="321532" y="2586884"/>
-                <a:ext cx="2279791" cy="1200329"/>
-              </a:xfrm>
-              <a:prstGeom prst="rect">
-                <a:avLst/>
-              </a:prstGeom>
-              <a:noFill/>
-            </p:spPr>
-            <p:txBody>
-              <a:bodyPr wrap="none" rtlCol="0">
-                <a:spAutoFit/>
-              </a:bodyPr>
-              <a:lstStyle/>
-              <a:p>
-                <a:r>
-                  <a:rPr lang="en-US" sz="7200" b="1" dirty="0">
-                    <a:solidFill>
-                      <a:srgbClr val="2E5287"/>
-                    </a:solidFill>
-                    <a:latin typeface="Georgia" charset="0"/>
-                    <a:ea typeface="Georgia" charset="0"/>
-                    <a:cs typeface="Georgia" charset="0"/>
-                  </a:rPr>
-                  <a:t>map</a:t>
-                </a:r>
-              </a:p>
-            </p:txBody>
-          </p:sp>
-        </p:grpSp>
-      </p:grpSp>
-      <p:grpSp>
-        <p:nvGrpSpPr>
-          <p:cNvPr id="49" name="Group 48">
-            <a:extLst>
-              <a:ext uri="{FF2B5EF4-FFF2-40B4-BE49-F238E27FC236}">
-                <a16:creationId xmlns:a16="http://schemas.microsoft.com/office/drawing/2014/main" id="{7BAB7830-75BA-7B4C-B1C9-C1FD9E66EDAF}"/>
-              </a:ext>
-            </a:extLst>
-          </p:cNvPr>
-          <p:cNvGrpSpPr>
-            <a:grpSpLocks noChangeAspect="1"/>
-          </p:cNvGrpSpPr>
-          <p:nvPr/>
-        </p:nvGrpSpPr>
-        <p:grpSpPr>
-          <a:xfrm>
-            <a:off x="4694215" y="2027169"/>
-            <a:ext cx="2803569" cy="2803662"/>
-            <a:chOff x="4441182" y="1768338"/>
-            <a:chExt cx="2803569" cy="2803662"/>
-          </a:xfrm>
-        </p:grpSpPr>
-        <p:sp>
-          <p:nvSpPr>
-            <p:cNvPr id="50" name="Oval 49">
-              <a:extLst>
-                <a:ext uri="{FF2B5EF4-FFF2-40B4-BE49-F238E27FC236}">
-                  <a16:creationId xmlns:a16="http://schemas.microsoft.com/office/drawing/2014/main" id="{AA2C78F5-24E4-6844-8199-88BB23EC698F}"/>
-                </a:ext>
-              </a:extLst>
-            </p:cNvPr>
-            <p:cNvSpPr>
-              <a:spLocks noChangeAspect="1"/>
-            </p:cNvSpPr>
-            <p:nvPr/>
-          </p:nvSpPr>
-          <p:spPr>
-            <a:xfrm>
-              <a:off x="4441182" y="1768338"/>
-              <a:ext cx="2803569" cy="2803662"/>
-            </a:xfrm>
-            <a:prstGeom prst="ellipse">
-              <a:avLst/>
-            </a:prstGeom>
-            <a:solidFill>
-              <a:srgbClr val="7792B0"/>
-            </a:solidFill>
-            <a:ln>
-              <a:noFill/>
-            </a:ln>
-          </p:spPr>
-          <p:style>
-            <a:lnRef idx="2">
-              <a:schemeClr val="accent1">
-                <a:shade val="50000"/>
-              </a:schemeClr>
-            </a:lnRef>
-            <a:fillRef idx="1">
-              <a:schemeClr val="accent1"/>
-            </a:fillRef>
-            <a:effectRef idx="0">
-              <a:schemeClr val="accent1"/>
-            </a:effectRef>
-            <a:fontRef idx="minor">
-              <a:schemeClr val="lt1"/>
-            </a:fontRef>
-          </p:style>
-          <p:txBody>
-            <a:bodyPr rtlCol="0" anchor="ctr"/>
-            <a:lstStyle/>
-            <a:p>
-              <a:pPr algn="ctr"/>
-              <a:endParaRPr lang="en-GB">
-                <a:solidFill>
-                  <a:srgbClr val="8C9EBF"/>
-                </a:solidFill>
-              </a:endParaRPr>
-            </a:p>
-          </p:txBody>
-        </p:sp>
-        <p:grpSp>
-          <p:nvGrpSpPr>
-            <p:cNvPr id="51" name="Group 50">
-              <a:extLst>
-                <a:ext uri="{FF2B5EF4-FFF2-40B4-BE49-F238E27FC236}">
-                  <a16:creationId xmlns:a16="http://schemas.microsoft.com/office/drawing/2014/main" id="{E1AB4518-DBFD-5147-8B7C-7038066EEFA4}"/>
-                </a:ext>
-              </a:extLst>
-            </p:cNvPr>
-            <p:cNvGrpSpPr/>
-            <p:nvPr/>
-          </p:nvGrpSpPr>
-          <p:grpSpPr>
-            <a:xfrm>
-              <a:off x="4727041" y="1839130"/>
-              <a:ext cx="2279791" cy="2420611"/>
-              <a:chOff x="321532" y="1366602"/>
-              <a:chExt cx="2279791" cy="2420611"/>
-            </a:xfrm>
-          </p:grpSpPr>
-          <p:sp>
-            <p:nvSpPr>
-              <p:cNvPr id="52" name="TextBox 51">
-                <a:extLst>
-                  <a:ext uri="{FF2B5EF4-FFF2-40B4-BE49-F238E27FC236}">
-                    <a16:creationId xmlns:a16="http://schemas.microsoft.com/office/drawing/2014/main" id="{562D20B7-025E-994B-896B-C62B9C994EBD}"/>
-                  </a:ext>
-                </a:extLst>
-              </p:cNvPr>
-              <p:cNvSpPr txBox="1"/>
-              <p:nvPr/>
-            </p:nvSpPr>
-            <p:spPr>
-              <a:xfrm>
-                <a:off x="321532" y="1366602"/>
-                <a:ext cx="2202847" cy="1200329"/>
-              </a:xfrm>
-              <a:prstGeom prst="rect">
-                <a:avLst/>
-              </a:prstGeom>
-              <a:noFill/>
-            </p:spPr>
-            <p:txBody>
-              <a:bodyPr wrap="none" rtlCol="0">
-                <a:spAutoFit/>
-              </a:bodyPr>
-              <a:lstStyle/>
-              <a:p>
-                <a:r>
-                  <a:rPr lang="en-US" sz="7200" b="1" dirty="0" err="1">
-                    <a:solidFill>
-                      <a:schemeClr val="bg1"/>
-                    </a:solidFill>
-                    <a:latin typeface="Georgia" charset="0"/>
-                    <a:ea typeface="Georgia" charset="0"/>
-                    <a:cs typeface="Georgia" charset="0"/>
-                  </a:rPr>
-                  <a:t>asth</a:t>
-                </a:r>
-                <a:endParaRPr lang="en-US" sz="7200" b="1" dirty="0">
-                  <a:solidFill>
-                    <a:schemeClr val="bg1"/>
-                  </a:solidFill>
-                  <a:latin typeface="Georgia" charset="0"/>
-                  <a:ea typeface="Georgia" charset="0"/>
-                  <a:cs typeface="Georgia" charset="0"/>
-                </a:endParaRPr>
-              </a:p>
-            </p:txBody>
-          </p:sp>
-          <p:sp>
-            <p:nvSpPr>
-              <p:cNvPr id="53" name="TextBox 52">
-                <a:extLst>
-                  <a:ext uri="{FF2B5EF4-FFF2-40B4-BE49-F238E27FC236}">
-                    <a16:creationId xmlns:a16="http://schemas.microsoft.com/office/drawing/2014/main" id="{A2683911-3A68-694F-A3F2-45A25D40FD61}"/>
-                  </a:ext>
-                </a:extLst>
-              </p:cNvPr>
-              <p:cNvSpPr txBox="1"/>
-              <p:nvPr/>
-            </p:nvSpPr>
-            <p:spPr>
-              <a:xfrm>
-                <a:off x="321532" y="1976743"/>
-                <a:ext cx="1672253" cy="1200329"/>
-              </a:xfrm>
-              <a:prstGeom prst="rect">
-                <a:avLst/>
-              </a:prstGeom>
-              <a:noFill/>
-            </p:spPr>
-            <p:txBody>
-              <a:bodyPr wrap="none" rtlCol="0">
-                <a:spAutoFit/>
-              </a:bodyPr>
-              <a:lstStyle/>
-              <a:p>
-                <a:r>
-                  <a:rPr lang="en-US" sz="7200" b="1" dirty="0">
-                    <a:solidFill>
-                      <a:schemeClr val="bg1"/>
-                    </a:solidFill>
-                    <a:latin typeface="Georgia" charset="0"/>
-                    <a:ea typeface="Georgia" charset="0"/>
-                    <a:cs typeface="Georgia" charset="0"/>
-                  </a:rPr>
-                  <a:t>ma</a:t>
-                </a:r>
-              </a:p>
-            </p:txBody>
-          </p:sp>
-          <p:sp>
-            <p:nvSpPr>
-              <p:cNvPr id="54" name="TextBox 53">
-                <a:extLst>
-                  <a:ext uri="{FF2B5EF4-FFF2-40B4-BE49-F238E27FC236}">
-                    <a16:creationId xmlns:a16="http://schemas.microsoft.com/office/drawing/2014/main" id="{CE959A93-6139-1B4E-B514-08BB230180F4}"/>
-                  </a:ext>
-                </a:extLst>
-              </p:cNvPr>
-              <p:cNvSpPr txBox="1"/>
-              <p:nvPr/>
-            </p:nvSpPr>
-            <p:spPr>
-              <a:xfrm>
-                <a:off x="321532" y="2586884"/>
-                <a:ext cx="2279791" cy="1200329"/>
-              </a:xfrm>
-              <a:prstGeom prst="rect">
-                <a:avLst/>
-              </a:prstGeom>
-              <a:noFill/>
-            </p:spPr>
-            <p:txBody>
-              <a:bodyPr wrap="none" rtlCol="0">
-                <a:spAutoFit/>
-              </a:bodyPr>
-              <a:lstStyle/>
-              <a:p>
-                <a:r>
-                  <a:rPr lang="en-US" sz="7200" b="1" dirty="0">
-                    <a:solidFill>
-                      <a:srgbClr val="C7D2E0"/>
-                    </a:solidFill>
-                    <a:latin typeface="Georgia" charset="0"/>
-                    <a:ea typeface="Georgia" charset="0"/>
-                    <a:cs typeface="Georgia" charset="0"/>
-                  </a:rPr>
-                  <a:t>map</a:t>
-                </a:r>
-              </a:p>
-            </p:txBody>
-          </p:sp>
-        </p:grpSp>
-      </p:grpSp>
-      <p:grpSp>
-        <p:nvGrpSpPr>
-          <p:cNvPr id="55" name="Group 54">
-            <a:extLst>
-              <a:ext uri="{FF2B5EF4-FFF2-40B4-BE49-F238E27FC236}">
-                <a16:creationId xmlns:a16="http://schemas.microsoft.com/office/drawing/2014/main" id="{D1787F3E-96B8-0E4C-85C9-BBCE5DB8722F}"/>
-              </a:ext>
-            </a:extLst>
-          </p:cNvPr>
-          <p:cNvGrpSpPr>
-            <a:grpSpLocks noChangeAspect="1"/>
-          </p:cNvGrpSpPr>
-          <p:nvPr/>
-        </p:nvGrpSpPr>
-        <p:grpSpPr>
-          <a:xfrm>
-            <a:off x="8190601" y="2027169"/>
-            <a:ext cx="2803570" cy="2803662"/>
-            <a:chOff x="6328386" y="2360548"/>
-            <a:chExt cx="2803570" cy="2803662"/>
-          </a:xfrm>
-        </p:grpSpPr>
-        <p:sp>
-          <p:nvSpPr>
-            <p:cNvPr id="56" name="Rectangle 55">
-              <a:extLst>
-                <a:ext uri="{FF2B5EF4-FFF2-40B4-BE49-F238E27FC236}">
-                  <a16:creationId xmlns:a16="http://schemas.microsoft.com/office/drawing/2014/main" id="{BF34B208-39E2-AA4E-8474-8A1BB778FC79}"/>
-                </a:ext>
-              </a:extLst>
-            </p:cNvPr>
-            <p:cNvSpPr/>
-            <p:nvPr/>
-          </p:nvSpPr>
-          <p:spPr>
-            <a:xfrm>
-              <a:off x="6328386" y="2360548"/>
-              <a:ext cx="2803569" cy="2803662"/>
-            </a:xfrm>
-            <a:prstGeom prst="rect">
-              <a:avLst/>
-            </a:prstGeom>
-            <a:solidFill>
-              <a:srgbClr val="7792B0"/>
-            </a:solidFill>
-            <a:ln>
-              <a:noFill/>
-            </a:ln>
-          </p:spPr>
-          <p:style>
-            <a:lnRef idx="2">
-              <a:schemeClr val="accent1">
-                <a:shade val="50000"/>
-              </a:schemeClr>
-            </a:lnRef>
-            <a:fillRef idx="1">
-              <a:schemeClr val="accent1"/>
-            </a:fillRef>
-            <a:effectRef idx="0">
-              <a:schemeClr val="accent1"/>
-            </a:effectRef>
-            <a:fontRef idx="minor">
-              <a:schemeClr val="lt1"/>
-            </a:fontRef>
-          </p:style>
-          <p:txBody>
-            <a:bodyPr rtlCol="0" anchor="ctr"/>
-            <a:lstStyle/>
-            <a:p>
-              <a:pPr algn="ctr"/>
-              <a:endParaRPr lang="en-GB"/>
-            </a:p>
-          </p:txBody>
-        </p:sp>
-        <p:grpSp>
-          <p:nvGrpSpPr>
-            <p:cNvPr id="57" name="Group 56">
-              <a:extLst>
-                <a:ext uri="{FF2B5EF4-FFF2-40B4-BE49-F238E27FC236}">
-                  <a16:creationId xmlns:a16="http://schemas.microsoft.com/office/drawing/2014/main" id="{6096D94D-5BC8-E14D-8F4A-38346B52F212}"/>
-                </a:ext>
-              </a:extLst>
-            </p:cNvPr>
-            <p:cNvGrpSpPr>
-              <a:grpSpLocks noChangeAspect="1"/>
-            </p:cNvGrpSpPr>
-            <p:nvPr/>
-          </p:nvGrpSpPr>
-          <p:grpSpPr>
-            <a:xfrm>
-              <a:off x="6328387" y="2360548"/>
-              <a:ext cx="2803569" cy="2803662"/>
-              <a:chOff x="4441182" y="1768338"/>
-              <a:chExt cx="2803569" cy="2803662"/>
-            </a:xfrm>
-          </p:grpSpPr>
-          <p:sp>
-            <p:nvSpPr>
-              <p:cNvPr id="58" name="Oval 57">
-                <a:extLst>
-                  <a:ext uri="{FF2B5EF4-FFF2-40B4-BE49-F238E27FC236}">
-                    <a16:creationId xmlns:a16="http://schemas.microsoft.com/office/drawing/2014/main" id="{1083ADE7-24F9-9D4F-A47D-C60BCC9CE791}"/>
-                  </a:ext>
-                </a:extLst>
-              </p:cNvPr>
-              <p:cNvSpPr>
-                <a:spLocks noChangeAspect="1"/>
-              </p:cNvSpPr>
-              <p:nvPr/>
-            </p:nvSpPr>
-            <p:spPr>
-              <a:xfrm>
-                <a:off x="4441182" y="1768338"/>
-                <a:ext cx="2803569" cy="2803662"/>
-              </a:xfrm>
-              <a:prstGeom prst="ellipse">
-                <a:avLst/>
-              </a:prstGeom>
-              <a:solidFill>
-                <a:srgbClr val="7792B0"/>
-              </a:solidFill>
-              <a:ln>
-                <a:noFill/>
-              </a:ln>
-            </p:spPr>
-            <p:style>
-              <a:lnRef idx="2">
-                <a:schemeClr val="accent1">
-                  <a:shade val="50000"/>
-                </a:schemeClr>
-              </a:lnRef>
-              <a:fillRef idx="1">
-                <a:schemeClr val="accent1"/>
-              </a:fillRef>
-              <a:effectRef idx="0">
-                <a:schemeClr val="accent1"/>
-              </a:effectRef>
-              <a:fontRef idx="minor">
-                <a:schemeClr val="lt1"/>
-              </a:fontRef>
-            </p:style>
-            <p:txBody>
-              <a:bodyPr rtlCol="0" anchor="ctr"/>
-              <a:lstStyle/>
-              <a:p>
-                <a:pPr algn="ctr"/>
-                <a:endParaRPr lang="en-GB">
-                  <a:solidFill>
-                    <a:srgbClr val="8C9EBF"/>
-                  </a:solidFill>
-                </a:endParaRPr>
-              </a:p>
-            </p:txBody>
-          </p:sp>
-          <p:grpSp>
-            <p:nvGrpSpPr>
-              <p:cNvPr id="59" name="Group 58">
-                <a:extLst>
-                  <a:ext uri="{FF2B5EF4-FFF2-40B4-BE49-F238E27FC236}">
-                    <a16:creationId xmlns:a16="http://schemas.microsoft.com/office/drawing/2014/main" id="{C3F4383B-8324-1B46-9E45-8CEA11D15137}"/>
-                  </a:ext>
-                </a:extLst>
-              </p:cNvPr>
-              <p:cNvGrpSpPr/>
-              <p:nvPr/>
-            </p:nvGrpSpPr>
-            <p:grpSpPr>
-              <a:xfrm>
-                <a:off x="4727041" y="1839130"/>
-                <a:ext cx="2279791" cy="2420611"/>
-                <a:chOff x="321532" y="1366602"/>
-                <a:chExt cx="2279791" cy="2420611"/>
-              </a:xfrm>
-            </p:grpSpPr>
-            <p:sp>
-              <p:nvSpPr>
-                <p:cNvPr id="60" name="TextBox 59">
-                  <a:extLst>
-                    <a:ext uri="{FF2B5EF4-FFF2-40B4-BE49-F238E27FC236}">
-                      <a16:creationId xmlns:a16="http://schemas.microsoft.com/office/drawing/2014/main" id="{A1FF4C47-C1B2-E84F-BE4F-583495C132FA}"/>
-                    </a:ext>
-                  </a:extLst>
-                </p:cNvPr>
-                <p:cNvSpPr txBox="1"/>
-                <p:nvPr/>
-              </p:nvSpPr>
-              <p:spPr>
-                <a:xfrm>
-                  <a:off x="321532" y="1366602"/>
-                  <a:ext cx="2202847" cy="1200329"/>
-                </a:xfrm>
-                <a:prstGeom prst="rect">
-                  <a:avLst/>
-                </a:prstGeom>
-                <a:noFill/>
-              </p:spPr>
-              <p:txBody>
-                <a:bodyPr wrap="none" rtlCol="0">
-                  <a:spAutoFit/>
-                </a:bodyPr>
-                <a:lstStyle/>
-                <a:p>
-                  <a:r>
-                    <a:rPr lang="en-US" sz="7200" b="1" dirty="0" err="1">
-                      <a:solidFill>
-                        <a:schemeClr val="bg1"/>
-                      </a:solidFill>
-                      <a:latin typeface="Georgia" charset="0"/>
-                      <a:ea typeface="Georgia" charset="0"/>
-                      <a:cs typeface="Georgia" charset="0"/>
-                    </a:rPr>
-                    <a:t>asth</a:t>
-                  </a:r>
-                  <a:endParaRPr lang="en-US" sz="7200" b="1" dirty="0">
-                    <a:solidFill>
-                      <a:schemeClr val="bg1"/>
-                    </a:solidFill>
-                    <a:latin typeface="Georgia" charset="0"/>
-                    <a:ea typeface="Georgia" charset="0"/>
-                    <a:cs typeface="Georgia" charset="0"/>
-                  </a:endParaRPr>
-                </a:p>
-              </p:txBody>
-            </p:sp>
-            <p:sp>
-              <p:nvSpPr>
-                <p:cNvPr id="61" name="TextBox 60">
-                  <a:extLst>
-                    <a:ext uri="{FF2B5EF4-FFF2-40B4-BE49-F238E27FC236}">
-                      <a16:creationId xmlns:a16="http://schemas.microsoft.com/office/drawing/2014/main" id="{A07F714E-70B4-7A4B-AFC5-F8D4B44B71C7}"/>
-                    </a:ext>
-                  </a:extLst>
-                </p:cNvPr>
-                <p:cNvSpPr txBox="1"/>
-                <p:nvPr/>
-              </p:nvSpPr>
-              <p:spPr>
-                <a:xfrm>
-                  <a:off x="321532" y="1976743"/>
-                  <a:ext cx="1672253" cy="1200329"/>
-                </a:xfrm>
-                <a:prstGeom prst="rect">
-                  <a:avLst/>
-                </a:prstGeom>
-                <a:noFill/>
-              </p:spPr>
-              <p:txBody>
-                <a:bodyPr wrap="none" rtlCol="0">
-                  <a:spAutoFit/>
-                </a:bodyPr>
-                <a:lstStyle/>
-                <a:p>
-                  <a:r>
-                    <a:rPr lang="en-US" sz="7200" b="1" dirty="0">
-                      <a:solidFill>
-                        <a:schemeClr val="bg1"/>
-                      </a:solidFill>
-                      <a:latin typeface="Georgia" charset="0"/>
-                      <a:ea typeface="Georgia" charset="0"/>
-                      <a:cs typeface="Georgia" charset="0"/>
-                    </a:rPr>
-                    <a:t>ma</a:t>
-                  </a:r>
-                </a:p>
-              </p:txBody>
-            </p:sp>
-            <p:sp>
-              <p:nvSpPr>
-                <p:cNvPr id="62" name="TextBox 61">
-                  <a:extLst>
-                    <a:ext uri="{FF2B5EF4-FFF2-40B4-BE49-F238E27FC236}">
-                      <a16:creationId xmlns:a16="http://schemas.microsoft.com/office/drawing/2014/main" id="{0A9EB7EB-DB1F-F942-A23F-DBD0EC189E49}"/>
-                    </a:ext>
-                  </a:extLst>
-                </p:cNvPr>
-                <p:cNvSpPr txBox="1"/>
-                <p:nvPr/>
-              </p:nvSpPr>
-              <p:spPr>
-                <a:xfrm>
-                  <a:off x="321532" y="2586884"/>
-                  <a:ext cx="2279791" cy="1200329"/>
-                </a:xfrm>
-                <a:prstGeom prst="rect">
-                  <a:avLst/>
-                </a:prstGeom>
-                <a:noFill/>
-              </p:spPr>
-              <p:txBody>
-                <a:bodyPr wrap="none" rtlCol="0">
-                  <a:spAutoFit/>
-                </a:bodyPr>
-                <a:lstStyle/>
-                <a:p>
-                  <a:r>
-                    <a:rPr lang="en-US" sz="7200" b="1" dirty="0">
-                      <a:solidFill>
-                        <a:srgbClr val="C7D2E0"/>
-                      </a:solidFill>
-                      <a:latin typeface="Georgia" charset="0"/>
-                      <a:ea typeface="Georgia" charset="0"/>
-                      <a:cs typeface="Georgia" charset="0"/>
-                    </a:rPr>
-                    <a:t>map</a:t>
-                  </a:r>
-                </a:p>
-              </p:txBody>
-            </p:sp>
-          </p:grpSp>
-        </p:grpSp>
-      </p:grpSp>
-    </p:spTree>
-    <p:extLst>
-      <p:ext uri="{BB962C8B-B14F-4D97-AF65-F5344CB8AC3E}">
-        <p14:creationId xmlns:p14="http://schemas.microsoft.com/office/powerpoint/2010/main" val="1960114701"/>
-      </p:ext>
-    </p:extLst>
-  </p:cSld>
-  <p:clrMapOvr>
-    <a:masterClrMapping/>
-  </p:clrMapOvr>
-</p:sld>
-</file>
-
-<file path=ppt/slides/slide14.xml><?xml version="1.0" encoding="utf-8"?>
+<file path=ppt/slides/slide8.xml><?xml version="1.0" encoding="utf-8"?>
 <p:sld xmlns:a="http://schemas.openxmlformats.org/drawingml/2006/main" xmlns:r="http://schemas.openxmlformats.org/officeDocument/2006/relationships" xmlns:p="http://schemas.openxmlformats.org/presentationml/2006/main">
   <p:cSld>
     <p:spTree>
@@ -9116,1745 +9002,7 @@
 </p:sld>
 </file>
 
-<file path=ppt/slides/slide15.xml><?xml version="1.0" encoding="utf-8"?>
-<p:sld xmlns:a="http://schemas.openxmlformats.org/drawingml/2006/main" xmlns:r="http://schemas.openxmlformats.org/officeDocument/2006/relationships" xmlns:p="http://schemas.openxmlformats.org/presentationml/2006/main">
-  <p:cSld>
-    <p:spTree>
-      <p:nvGrpSpPr>
-        <p:cNvPr id="1" name=""/>
-        <p:cNvGrpSpPr/>
-        <p:nvPr/>
-      </p:nvGrpSpPr>
-      <p:grpSpPr>
-        <a:xfrm>
-          <a:off x="0" y="0"/>
-          <a:ext cx="0" cy="0"/>
-          <a:chOff x="0" y="0"/>
-          <a:chExt cx="0" cy="0"/>
-        </a:xfrm>
-      </p:grpSpPr>
-      <p:sp>
-        <p:nvSpPr>
-          <p:cNvPr id="2" name="Rectangle 1">
-            <a:extLst>
-              <a:ext uri="{FF2B5EF4-FFF2-40B4-BE49-F238E27FC236}">
-                <a16:creationId xmlns:a16="http://schemas.microsoft.com/office/drawing/2014/main" id="{7F5D3B9B-FCB9-974F-9972-DD237E4D88E9}"/>
-              </a:ext>
-            </a:extLst>
-          </p:cNvPr>
-          <p:cNvSpPr/>
-          <p:nvPr/>
-        </p:nvSpPr>
-        <p:spPr>
-          <a:xfrm>
-            <a:off x="0" y="0"/>
-            <a:ext cx="12192000" cy="6858000"/>
-          </a:xfrm>
-          <a:prstGeom prst="rect">
-            <a:avLst/>
-          </a:prstGeom>
-          <a:solidFill>
-            <a:srgbClr val="7792B0"/>
-          </a:solidFill>
-          <a:ln>
-            <a:noFill/>
-          </a:ln>
-        </p:spPr>
-        <p:style>
-          <a:lnRef idx="2">
-            <a:schemeClr val="accent1">
-              <a:shade val="50000"/>
-            </a:schemeClr>
-          </a:lnRef>
-          <a:fillRef idx="1">
-            <a:schemeClr val="accent1"/>
-          </a:fillRef>
-          <a:effectRef idx="0">
-            <a:schemeClr val="accent1"/>
-          </a:effectRef>
-          <a:fontRef idx="minor">
-            <a:schemeClr val="lt1"/>
-          </a:fontRef>
-        </p:style>
-        <p:txBody>
-          <a:bodyPr rtlCol="0" anchor="ctr"/>
-          <a:lstStyle/>
-          <a:p>
-            <a:pPr algn="ctr"/>
-            <a:endParaRPr lang="en-GB"/>
-          </a:p>
-        </p:txBody>
-      </p:sp>
-      <p:grpSp>
-        <p:nvGrpSpPr>
-          <p:cNvPr id="25" name="Group 24">
-            <a:extLst>
-              <a:ext uri="{FF2B5EF4-FFF2-40B4-BE49-F238E27FC236}">
-                <a16:creationId xmlns:a16="http://schemas.microsoft.com/office/drawing/2014/main" id="{E0DA1A74-F1CB-3642-B228-070CD99C0DF2}"/>
-              </a:ext>
-            </a:extLst>
-          </p:cNvPr>
-          <p:cNvGrpSpPr>
-            <a:grpSpLocks noChangeAspect="1"/>
-          </p:cNvGrpSpPr>
-          <p:nvPr/>
-        </p:nvGrpSpPr>
-        <p:grpSpPr>
-          <a:xfrm>
-            <a:off x="1197829" y="1916412"/>
-            <a:ext cx="2803569" cy="2803662"/>
-            <a:chOff x="8330814" y="407432"/>
-            <a:chExt cx="2803569" cy="2803662"/>
-          </a:xfrm>
-        </p:grpSpPr>
-        <p:sp>
-          <p:nvSpPr>
-            <p:cNvPr id="26" name="Oval 25">
-              <a:extLst>
-                <a:ext uri="{FF2B5EF4-FFF2-40B4-BE49-F238E27FC236}">
-                  <a16:creationId xmlns:a16="http://schemas.microsoft.com/office/drawing/2014/main" id="{2AE1956E-5296-3643-9878-9A28BB9FC028}"/>
-                </a:ext>
-              </a:extLst>
-            </p:cNvPr>
-            <p:cNvSpPr>
-              <a:spLocks noChangeAspect="1"/>
-            </p:cNvSpPr>
-            <p:nvPr/>
-          </p:nvSpPr>
-          <p:spPr>
-            <a:xfrm>
-              <a:off x="8330814" y="407432"/>
-              <a:ext cx="2803569" cy="2803662"/>
-            </a:xfrm>
-            <a:prstGeom prst="ellipse">
-              <a:avLst/>
-            </a:prstGeom>
-            <a:solidFill>
-              <a:schemeClr val="bg1"/>
-            </a:solidFill>
-            <a:ln>
-              <a:solidFill>
-                <a:srgbClr val="8C9EBF"/>
-              </a:solidFill>
-            </a:ln>
-          </p:spPr>
-          <p:style>
-            <a:lnRef idx="2">
-              <a:schemeClr val="accent1">
-                <a:shade val="50000"/>
-              </a:schemeClr>
-            </a:lnRef>
-            <a:fillRef idx="1">
-              <a:schemeClr val="accent1"/>
-            </a:fillRef>
-            <a:effectRef idx="0">
-              <a:schemeClr val="accent1"/>
-            </a:effectRef>
-            <a:fontRef idx="minor">
-              <a:schemeClr val="lt1"/>
-            </a:fontRef>
-          </p:style>
-          <p:txBody>
-            <a:bodyPr rtlCol="0" anchor="ctr"/>
-            <a:lstStyle/>
-            <a:p>
-              <a:pPr algn="ctr"/>
-              <a:endParaRPr lang="en-GB">
-                <a:solidFill>
-                  <a:srgbClr val="8C9EBF"/>
-                </a:solidFill>
-              </a:endParaRPr>
-            </a:p>
-          </p:txBody>
-        </p:sp>
-        <p:grpSp>
-          <p:nvGrpSpPr>
-            <p:cNvPr id="27" name="Group 26">
-              <a:extLst>
-                <a:ext uri="{FF2B5EF4-FFF2-40B4-BE49-F238E27FC236}">
-                  <a16:creationId xmlns:a16="http://schemas.microsoft.com/office/drawing/2014/main" id="{2396F9B6-DFD4-1F48-B356-E869FC65DE05}"/>
-                </a:ext>
-              </a:extLst>
-            </p:cNvPr>
-            <p:cNvGrpSpPr/>
-            <p:nvPr/>
-          </p:nvGrpSpPr>
-          <p:grpSpPr>
-            <a:xfrm>
-              <a:off x="8616673" y="478224"/>
-              <a:ext cx="2279791" cy="2420611"/>
-              <a:chOff x="321532" y="1366602"/>
-              <a:chExt cx="2279791" cy="2420611"/>
-            </a:xfrm>
-          </p:grpSpPr>
-          <p:sp>
-            <p:nvSpPr>
-              <p:cNvPr id="28" name="TextBox 27">
-                <a:extLst>
-                  <a:ext uri="{FF2B5EF4-FFF2-40B4-BE49-F238E27FC236}">
-                    <a16:creationId xmlns:a16="http://schemas.microsoft.com/office/drawing/2014/main" id="{B5755A7A-ADF7-2543-8319-BC7305043BFA}"/>
-                  </a:ext>
-                </a:extLst>
-              </p:cNvPr>
-              <p:cNvSpPr txBox="1"/>
-              <p:nvPr/>
-            </p:nvSpPr>
-            <p:spPr>
-              <a:xfrm>
-                <a:off x="321532" y="1366602"/>
-                <a:ext cx="2202847" cy="1200329"/>
-              </a:xfrm>
-              <a:prstGeom prst="rect">
-                <a:avLst/>
-              </a:prstGeom>
-              <a:noFill/>
-            </p:spPr>
-            <p:txBody>
-              <a:bodyPr wrap="none" rtlCol="0">
-                <a:spAutoFit/>
-              </a:bodyPr>
-              <a:lstStyle/>
-              <a:p>
-                <a:r>
-                  <a:rPr lang="en-US" sz="7200" b="1" dirty="0" err="1">
-                    <a:solidFill>
-                      <a:srgbClr val="8C9EBF"/>
-                    </a:solidFill>
-                    <a:latin typeface="Georgia" charset="0"/>
-                    <a:ea typeface="Georgia" charset="0"/>
-                    <a:cs typeface="Georgia" charset="0"/>
-                  </a:rPr>
-                  <a:t>asth</a:t>
-                </a:r>
-                <a:endParaRPr lang="en-US" sz="7200" b="1" dirty="0">
-                  <a:solidFill>
-                    <a:srgbClr val="8C9EBF"/>
-                  </a:solidFill>
-                  <a:latin typeface="Georgia" charset="0"/>
-                  <a:ea typeface="Georgia" charset="0"/>
-                  <a:cs typeface="Georgia" charset="0"/>
-                </a:endParaRPr>
-              </a:p>
-            </p:txBody>
-          </p:sp>
-          <p:sp>
-            <p:nvSpPr>
-              <p:cNvPr id="29" name="TextBox 28">
-                <a:extLst>
-                  <a:ext uri="{FF2B5EF4-FFF2-40B4-BE49-F238E27FC236}">
-                    <a16:creationId xmlns:a16="http://schemas.microsoft.com/office/drawing/2014/main" id="{D9CDF9A9-F8E8-EF42-A83A-78A36A797E1D}"/>
-                  </a:ext>
-                </a:extLst>
-              </p:cNvPr>
-              <p:cNvSpPr txBox="1"/>
-              <p:nvPr/>
-            </p:nvSpPr>
-            <p:spPr>
-              <a:xfrm>
-                <a:off x="321532" y="1976743"/>
-                <a:ext cx="1672253" cy="1200329"/>
-              </a:xfrm>
-              <a:prstGeom prst="rect">
-                <a:avLst/>
-              </a:prstGeom>
-              <a:noFill/>
-            </p:spPr>
-            <p:txBody>
-              <a:bodyPr wrap="none" rtlCol="0">
-                <a:spAutoFit/>
-              </a:bodyPr>
-              <a:lstStyle/>
-              <a:p>
-                <a:r>
-                  <a:rPr lang="en-US" sz="7200" b="1" dirty="0">
-                    <a:solidFill>
-                      <a:srgbClr val="8C9EBF"/>
-                    </a:solidFill>
-                    <a:latin typeface="Georgia" charset="0"/>
-                    <a:ea typeface="Georgia" charset="0"/>
-                    <a:cs typeface="Georgia" charset="0"/>
-                  </a:rPr>
-                  <a:t>ma</a:t>
-                </a:r>
-              </a:p>
-            </p:txBody>
-          </p:sp>
-          <p:sp>
-            <p:nvSpPr>
-              <p:cNvPr id="30" name="TextBox 29">
-                <a:extLst>
-                  <a:ext uri="{FF2B5EF4-FFF2-40B4-BE49-F238E27FC236}">
-                    <a16:creationId xmlns:a16="http://schemas.microsoft.com/office/drawing/2014/main" id="{09DB97B0-407E-9B4A-B2AB-B276B1533A01}"/>
-                  </a:ext>
-                </a:extLst>
-              </p:cNvPr>
-              <p:cNvSpPr txBox="1"/>
-              <p:nvPr/>
-            </p:nvSpPr>
-            <p:spPr>
-              <a:xfrm>
-                <a:off x="321532" y="2586884"/>
-                <a:ext cx="2279791" cy="1200329"/>
-              </a:xfrm>
-              <a:prstGeom prst="rect">
-                <a:avLst/>
-              </a:prstGeom>
-              <a:noFill/>
-            </p:spPr>
-            <p:txBody>
-              <a:bodyPr wrap="none" rtlCol="0">
-                <a:spAutoFit/>
-              </a:bodyPr>
-              <a:lstStyle/>
-              <a:p>
-                <a:r>
-                  <a:rPr lang="en-US" sz="7200" b="1" dirty="0">
-                    <a:solidFill>
-                      <a:srgbClr val="2E5287"/>
-                    </a:solidFill>
-                    <a:latin typeface="Georgia" charset="0"/>
-                    <a:ea typeface="Georgia" charset="0"/>
-                    <a:cs typeface="Georgia" charset="0"/>
-                  </a:rPr>
-                  <a:t>map</a:t>
-                </a:r>
-              </a:p>
-            </p:txBody>
-          </p:sp>
-        </p:grpSp>
-      </p:grpSp>
-      <p:grpSp>
-        <p:nvGrpSpPr>
-          <p:cNvPr id="49" name="Group 48">
-            <a:extLst>
-              <a:ext uri="{FF2B5EF4-FFF2-40B4-BE49-F238E27FC236}">
-                <a16:creationId xmlns:a16="http://schemas.microsoft.com/office/drawing/2014/main" id="{7BAB7830-75BA-7B4C-B1C9-C1FD9E66EDAF}"/>
-              </a:ext>
-            </a:extLst>
-          </p:cNvPr>
-          <p:cNvGrpSpPr>
-            <a:grpSpLocks noChangeAspect="1"/>
-          </p:cNvGrpSpPr>
-          <p:nvPr/>
-        </p:nvGrpSpPr>
-        <p:grpSpPr>
-          <a:xfrm>
-            <a:off x="4694215" y="2027169"/>
-            <a:ext cx="2803569" cy="2803662"/>
-            <a:chOff x="4441182" y="1768338"/>
-            <a:chExt cx="2803569" cy="2803662"/>
-          </a:xfrm>
-        </p:grpSpPr>
-        <p:sp>
-          <p:nvSpPr>
-            <p:cNvPr id="50" name="Oval 49">
-              <a:extLst>
-                <a:ext uri="{FF2B5EF4-FFF2-40B4-BE49-F238E27FC236}">
-                  <a16:creationId xmlns:a16="http://schemas.microsoft.com/office/drawing/2014/main" id="{AA2C78F5-24E4-6844-8199-88BB23EC698F}"/>
-                </a:ext>
-              </a:extLst>
-            </p:cNvPr>
-            <p:cNvSpPr>
-              <a:spLocks noChangeAspect="1"/>
-            </p:cNvSpPr>
-            <p:nvPr/>
-          </p:nvSpPr>
-          <p:spPr>
-            <a:xfrm>
-              <a:off x="4441182" y="1768338"/>
-              <a:ext cx="2803569" cy="2803662"/>
-            </a:xfrm>
-            <a:prstGeom prst="ellipse">
-              <a:avLst/>
-            </a:prstGeom>
-            <a:solidFill>
-              <a:srgbClr val="7792B0"/>
-            </a:solidFill>
-            <a:ln w="57150">
-              <a:solidFill>
-                <a:srgbClr val="C7D2E0"/>
-              </a:solidFill>
-            </a:ln>
-          </p:spPr>
-          <p:style>
-            <a:lnRef idx="2">
-              <a:schemeClr val="accent1">
-                <a:shade val="50000"/>
-              </a:schemeClr>
-            </a:lnRef>
-            <a:fillRef idx="1">
-              <a:schemeClr val="accent1"/>
-            </a:fillRef>
-            <a:effectRef idx="0">
-              <a:schemeClr val="accent1"/>
-            </a:effectRef>
-            <a:fontRef idx="minor">
-              <a:schemeClr val="lt1"/>
-            </a:fontRef>
-          </p:style>
-          <p:txBody>
-            <a:bodyPr rtlCol="0" anchor="ctr"/>
-            <a:lstStyle/>
-            <a:p>
-              <a:pPr algn="ctr"/>
-              <a:endParaRPr lang="en-GB" dirty="0">
-                <a:solidFill>
-                  <a:srgbClr val="8C9EBF"/>
-                </a:solidFill>
-              </a:endParaRPr>
-            </a:p>
-          </p:txBody>
-        </p:sp>
-        <p:grpSp>
-          <p:nvGrpSpPr>
-            <p:cNvPr id="51" name="Group 50">
-              <a:extLst>
-                <a:ext uri="{FF2B5EF4-FFF2-40B4-BE49-F238E27FC236}">
-                  <a16:creationId xmlns:a16="http://schemas.microsoft.com/office/drawing/2014/main" id="{E1AB4518-DBFD-5147-8B7C-7038066EEFA4}"/>
-                </a:ext>
-              </a:extLst>
-            </p:cNvPr>
-            <p:cNvGrpSpPr/>
-            <p:nvPr/>
-          </p:nvGrpSpPr>
-          <p:grpSpPr>
-            <a:xfrm>
-              <a:off x="4727041" y="1839130"/>
-              <a:ext cx="2279791" cy="2420611"/>
-              <a:chOff x="321532" y="1366602"/>
-              <a:chExt cx="2279791" cy="2420611"/>
-            </a:xfrm>
-          </p:grpSpPr>
-          <p:sp>
-            <p:nvSpPr>
-              <p:cNvPr id="52" name="TextBox 51">
-                <a:extLst>
-                  <a:ext uri="{FF2B5EF4-FFF2-40B4-BE49-F238E27FC236}">
-                    <a16:creationId xmlns:a16="http://schemas.microsoft.com/office/drawing/2014/main" id="{562D20B7-025E-994B-896B-C62B9C994EBD}"/>
-                  </a:ext>
-                </a:extLst>
-              </p:cNvPr>
-              <p:cNvSpPr txBox="1"/>
-              <p:nvPr/>
-            </p:nvSpPr>
-            <p:spPr>
-              <a:xfrm>
-                <a:off x="321532" y="1366602"/>
-                <a:ext cx="2202847" cy="1200329"/>
-              </a:xfrm>
-              <a:prstGeom prst="rect">
-                <a:avLst/>
-              </a:prstGeom>
-              <a:noFill/>
-            </p:spPr>
-            <p:txBody>
-              <a:bodyPr wrap="none" rtlCol="0">
-                <a:spAutoFit/>
-              </a:bodyPr>
-              <a:lstStyle/>
-              <a:p>
-                <a:r>
-                  <a:rPr lang="en-US" sz="7200" b="1" dirty="0" err="1">
-                    <a:solidFill>
-                      <a:schemeClr val="bg1"/>
-                    </a:solidFill>
-                    <a:latin typeface="Georgia" charset="0"/>
-                    <a:ea typeface="Georgia" charset="0"/>
-                    <a:cs typeface="Georgia" charset="0"/>
-                  </a:rPr>
-                  <a:t>asth</a:t>
-                </a:r>
-                <a:endParaRPr lang="en-US" sz="7200" b="1" dirty="0">
-                  <a:solidFill>
-                    <a:schemeClr val="bg1"/>
-                  </a:solidFill>
-                  <a:latin typeface="Georgia" charset="0"/>
-                  <a:ea typeface="Georgia" charset="0"/>
-                  <a:cs typeface="Georgia" charset="0"/>
-                </a:endParaRPr>
-              </a:p>
-            </p:txBody>
-          </p:sp>
-          <p:sp>
-            <p:nvSpPr>
-              <p:cNvPr id="53" name="TextBox 52">
-                <a:extLst>
-                  <a:ext uri="{FF2B5EF4-FFF2-40B4-BE49-F238E27FC236}">
-                    <a16:creationId xmlns:a16="http://schemas.microsoft.com/office/drawing/2014/main" id="{A2683911-3A68-694F-A3F2-45A25D40FD61}"/>
-                  </a:ext>
-                </a:extLst>
-              </p:cNvPr>
-              <p:cNvSpPr txBox="1"/>
-              <p:nvPr/>
-            </p:nvSpPr>
-            <p:spPr>
-              <a:xfrm>
-                <a:off x="321532" y="1976743"/>
-                <a:ext cx="1672253" cy="1200329"/>
-              </a:xfrm>
-              <a:prstGeom prst="rect">
-                <a:avLst/>
-              </a:prstGeom>
-              <a:noFill/>
-            </p:spPr>
-            <p:txBody>
-              <a:bodyPr wrap="none" rtlCol="0">
-                <a:spAutoFit/>
-              </a:bodyPr>
-              <a:lstStyle/>
-              <a:p>
-                <a:r>
-                  <a:rPr lang="en-US" sz="7200" b="1" dirty="0">
-                    <a:solidFill>
-                      <a:schemeClr val="bg1"/>
-                    </a:solidFill>
-                    <a:latin typeface="Georgia" charset="0"/>
-                    <a:ea typeface="Georgia" charset="0"/>
-                    <a:cs typeface="Georgia" charset="0"/>
-                  </a:rPr>
-                  <a:t>ma</a:t>
-                </a:r>
-              </a:p>
-            </p:txBody>
-          </p:sp>
-          <p:sp>
-            <p:nvSpPr>
-              <p:cNvPr id="54" name="TextBox 53">
-                <a:extLst>
-                  <a:ext uri="{FF2B5EF4-FFF2-40B4-BE49-F238E27FC236}">
-                    <a16:creationId xmlns:a16="http://schemas.microsoft.com/office/drawing/2014/main" id="{CE959A93-6139-1B4E-B514-08BB230180F4}"/>
-                  </a:ext>
-                </a:extLst>
-              </p:cNvPr>
-              <p:cNvSpPr txBox="1"/>
-              <p:nvPr/>
-            </p:nvSpPr>
-            <p:spPr>
-              <a:xfrm>
-                <a:off x="321532" y="2586884"/>
-                <a:ext cx="2279791" cy="1200329"/>
-              </a:xfrm>
-              <a:prstGeom prst="rect">
-                <a:avLst/>
-              </a:prstGeom>
-              <a:noFill/>
-            </p:spPr>
-            <p:txBody>
-              <a:bodyPr wrap="none" rtlCol="0">
-                <a:spAutoFit/>
-              </a:bodyPr>
-              <a:lstStyle/>
-              <a:p>
-                <a:r>
-                  <a:rPr lang="en-US" sz="7200" b="1" dirty="0">
-                    <a:solidFill>
-                      <a:srgbClr val="C7D2E0"/>
-                    </a:solidFill>
-                    <a:latin typeface="Georgia" charset="0"/>
-                    <a:ea typeface="Georgia" charset="0"/>
-                    <a:cs typeface="Georgia" charset="0"/>
-                  </a:rPr>
-                  <a:t>map</a:t>
-                </a:r>
-              </a:p>
-            </p:txBody>
-          </p:sp>
-        </p:grpSp>
-      </p:grpSp>
-      <p:grpSp>
-        <p:nvGrpSpPr>
-          <p:cNvPr id="55" name="Group 54">
-            <a:extLst>
-              <a:ext uri="{FF2B5EF4-FFF2-40B4-BE49-F238E27FC236}">
-                <a16:creationId xmlns:a16="http://schemas.microsoft.com/office/drawing/2014/main" id="{D1787F3E-96B8-0E4C-85C9-BBCE5DB8722F}"/>
-              </a:ext>
-            </a:extLst>
-          </p:cNvPr>
-          <p:cNvGrpSpPr>
-            <a:grpSpLocks noChangeAspect="1"/>
-          </p:cNvGrpSpPr>
-          <p:nvPr/>
-        </p:nvGrpSpPr>
-        <p:grpSpPr>
-          <a:xfrm>
-            <a:off x="8190601" y="2027169"/>
-            <a:ext cx="2803570" cy="2803662"/>
-            <a:chOff x="6328386" y="2360548"/>
-            <a:chExt cx="2803570" cy="2803662"/>
-          </a:xfrm>
-        </p:grpSpPr>
-        <p:sp>
-          <p:nvSpPr>
-            <p:cNvPr id="56" name="Rectangle 55">
-              <a:extLst>
-                <a:ext uri="{FF2B5EF4-FFF2-40B4-BE49-F238E27FC236}">
-                  <a16:creationId xmlns:a16="http://schemas.microsoft.com/office/drawing/2014/main" id="{BF34B208-39E2-AA4E-8474-8A1BB778FC79}"/>
-                </a:ext>
-              </a:extLst>
-            </p:cNvPr>
-            <p:cNvSpPr/>
-            <p:nvPr/>
-          </p:nvSpPr>
-          <p:spPr>
-            <a:xfrm>
-              <a:off x="6328386" y="2360548"/>
-              <a:ext cx="2803569" cy="2803662"/>
-            </a:xfrm>
-            <a:prstGeom prst="rect">
-              <a:avLst/>
-            </a:prstGeom>
-            <a:solidFill>
-              <a:srgbClr val="7792B0"/>
-            </a:solidFill>
-            <a:ln>
-              <a:noFill/>
-            </a:ln>
-          </p:spPr>
-          <p:style>
-            <a:lnRef idx="2">
-              <a:schemeClr val="accent1">
-                <a:shade val="50000"/>
-              </a:schemeClr>
-            </a:lnRef>
-            <a:fillRef idx="1">
-              <a:schemeClr val="accent1"/>
-            </a:fillRef>
-            <a:effectRef idx="0">
-              <a:schemeClr val="accent1"/>
-            </a:effectRef>
-            <a:fontRef idx="minor">
-              <a:schemeClr val="lt1"/>
-            </a:fontRef>
-          </p:style>
-          <p:txBody>
-            <a:bodyPr rtlCol="0" anchor="ctr"/>
-            <a:lstStyle/>
-            <a:p>
-              <a:pPr algn="ctr"/>
-              <a:endParaRPr lang="en-GB"/>
-            </a:p>
-          </p:txBody>
-        </p:sp>
-        <p:grpSp>
-          <p:nvGrpSpPr>
-            <p:cNvPr id="57" name="Group 56">
-              <a:extLst>
-                <a:ext uri="{FF2B5EF4-FFF2-40B4-BE49-F238E27FC236}">
-                  <a16:creationId xmlns:a16="http://schemas.microsoft.com/office/drawing/2014/main" id="{6096D94D-5BC8-E14D-8F4A-38346B52F212}"/>
-                </a:ext>
-              </a:extLst>
-            </p:cNvPr>
-            <p:cNvGrpSpPr>
-              <a:grpSpLocks noChangeAspect="1"/>
-            </p:cNvGrpSpPr>
-            <p:nvPr/>
-          </p:nvGrpSpPr>
-          <p:grpSpPr>
-            <a:xfrm>
-              <a:off x="6328387" y="2360548"/>
-              <a:ext cx="2803569" cy="2803662"/>
-              <a:chOff x="4441182" y="1768338"/>
-              <a:chExt cx="2803569" cy="2803662"/>
-            </a:xfrm>
-          </p:grpSpPr>
-          <p:sp>
-            <p:nvSpPr>
-              <p:cNvPr id="58" name="Oval 57">
-                <a:extLst>
-                  <a:ext uri="{FF2B5EF4-FFF2-40B4-BE49-F238E27FC236}">
-                    <a16:creationId xmlns:a16="http://schemas.microsoft.com/office/drawing/2014/main" id="{1083ADE7-24F9-9D4F-A47D-C60BCC9CE791}"/>
-                  </a:ext>
-                </a:extLst>
-              </p:cNvPr>
-              <p:cNvSpPr>
-                <a:spLocks noChangeAspect="1"/>
-              </p:cNvSpPr>
-              <p:nvPr/>
-            </p:nvSpPr>
-            <p:spPr>
-              <a:xfrm>
-                <a:off x="4441182" y="1768338"/>
-                <a:ext cx="2803569" cy="2803662"/>
-              </a:xfrm>
-              <a:prstGeom prst="ellipse">
-                <a:avLst/>
-              </a:prstGeom>
-              <a:solidFill>
-                <a:srgbClr val="7792B0"/>
-              </a:solidFill>
-              <a:ln>
-                <a:noFill/>
-              </a:ln>
-            </p:spPr>
-            <p:style>
-              <a:lnRef idx="2">
-                <a:schemeClr val="accent1">
-                  <a:shade val="50000"/>
-                </a:schemeClr>
-              </a:lnRef>
-              <a:fillRef idx="1">
-                <a:schemeClr val="accent1"/>
-              </a:fillRef>
-              <a:effectRef idx="0">
-                <a:schemeClr val="accent1"/>
-              </a:effectRef>
-              <a:fontRef idx="minor">
-                <a:schemeClr val="lt1"/>
-              </a:fontRef>
-            </p:style>
-            <p:txBody>
-              <a:bodyPr rtlCol="0" anchor="ctr"/>
-              <a:lstStyle/>
-              <a:p>
-                <a:pPr algn="ctr"/>
-                <a:endParaRPr lang="en-GB">
-                  <a:solidFill>
-                    <a:srgbClr val="8C9EBF"/>
-                  </a:solidFill>
-                </a:endParaRPr>
-              </a:p>
-            </p:txBody>
-          </p:sp>
-          <p:grpSp>
-            <p:nvGrpSpPr>
-              <p:cNvPr id="59" name="Group 58">
-                <a:extLst>
-                  <a:ext uri="{FF2B5EF4-FFF2-40B4-BE49-F238E27FC236}">
-                    <a16:creationId xmlns:a16="http://schemas.microsoft.com/office/drawing/2014/main" id="{C3F4383B-8324-1B46-9E45-8CEA11D15137}"/>
-                  </a:ext>
-                </a:extLst>
-              </p:cNvPr>
-              <p:cNvGrpSpPr/>
-              <p:nvPr/>
-            </p:nvGrpSpPr>
-            <p:grpSpPr>
-              <a:xfrm>
-                <a:off x="4727041" y="1839130"/>
-                <a:ext cx="2279791" cy="2420611"/>
-                <a:chOff x="321532" y="1366602"/>
-                <a:chExt cx="2279791" cy="2420611"/>
-              </a:xfrm>
-            </p:grpSpPr>
-            <p:sp>
-              <p:nvSpPr>
-                <p:cNvPr id="60" name="TextBox 59">
-                  <a:extLst>
-                    <a:ext uri="{FF2B5EF4-FFF2-40B4-BE49-F238E27FC236}">
-                      <a16:creationId xmlns:a16="http://schemas.microsoft.com/office/drawing/2014/main" id="{A1FF4C47-C1B2-E84F-BE4F-583495C132FA}"/>
-                    </a:ext>
-                  </a:extLst>
-                </p:cNvPr>
-                <p:cNvSpPr txBox="1"/>
-                <p:nvPr/>
-              </p:nvSpPr>
-              <p:spPr>
-                <a:xfrm>
-                  <a:off x="321532" y="1366602"/>
-                  <a:ext cx="2202847" cy="1200329"/>
-                </a:xfrm>
-                <a:prstGeom prst="rect">
-                  <a:avLst/>
-                </a:prstGeom>
-                <a:noFill/>
-              </p:spPr>
-              <p:txBody>
-                <a:bodyPr wrap="none" rtlCol="0">
-                  <a:spAutoFit/>
-                </a:bodyPr>
-                <a:lstStyle/>
-                <a:p>
-                  <a:r>
-                    <a:rPr lang="en-US" sz="7200" b="1" dirty="0" err="1">
-                      <a:solidFill>
-                        <a:schemeClr val="bg1"/>
-                      </a:solidFill>
-                      <a:latin typeface="Georgia" charset="0"/>
-                      <a:ea typeface="Georgia" charset="0"/>
-                      <a:cs typeface="Georgia" charset="0"/>
-                    </a:rPr>
-                    <a:t>asth</a:t>
-                  </a:r>
-                  <a:endParaRPr lang="en-US" sz="7200" b="1" dirty="0">
-                    <a:solidFill>
-                      <a:schemeClr val="bg1"/>
-                    </a:solidFill>
-                    <a:latin typeface="Georgia" charset="0"/>
-                    <a:ea typeface="Georgia" charset="0"/>
-                    <a:cs typeface="Georgia" charset="0"/>
-                  </a:endParaRPr>
-                </a:p>
-              </p:txBody>
-            </p:sp>
-            <p:sp>
-              <p:nvSpPr>
-                <p:cNvPr id="61" name="TextBox 60">
-                  <a:extLst>
-                    <a:ext uri="{FF2B5EF4-FFF2-40B4-BE49-F238E27FC236}">
-                      <a16:creationId xmlns:a16="http://schemas.microsoft.com/office/drawing/2014/main" id="{A07F714E-70B4-7A4B-AFC5-F8D4B44B71C7}"/>
-                    </a:ext>
-                  </a:extLst>
-                </p:cNvPr>
-                <p:cNvSpPr txBox="1"/>
-                <p:nvPr/>
-              </p:nvSpPr>
-              <p:spPr>
-                <a:xfrm>
-                  <a:off x="321532" y="1976743"/>
-                  <a:ext cx="1672253" cy="1200329"/>
-                </a:xfrm>
-                <a:prstGeom prst="rect">
-                  <a:avLst/>
-                </a:prstGeom>
-                <a:noFill/>
-              </p:spPr>
-              <p:txBody>
-                <a:bodyPr wrap="none" rtlCol="0">
-                  <a:spAutoFit/>
-                </a:bodyPr>
-                <a:lstStyle/>
-                <a:p>
-                  <a:r>
-                    <a:rPr lang="en-US" sz="7200" b="1" dirty="0">
-                      <a:solidFill>
-                        <a:schemeClr val="bg1"/>
-                      </a:solidFill>
-                      <a:latin typeface="Georgia" charset="0"/>
-                      <a:ea typeface="Georgia" charset="0"/>
-                      <a:cs typeface="Georgia" charset="0"/>
-                    </a:rPr>
-                    <a:t>ma</a:t>
-                  </a:r>
-                </a:p>
-              </p:txBody>
-            </p:sp>
-            <p:sp>
-              <p:nvSpPr>
-                <p:cNvPr id="62" name="TextBox 61">
-                  <a:extLst>
-                    <a:ext uri="{FF2B5EF4-FFF2-40B4-BE49-F238E27FC236}">
-                      <a16:creationId xmlns:a16="http://schemas.microsoft.com/office/drawing/2014/main" id="{0A9EB7EB-DB1F-F942-A23F-DBD0EC189E49}"/>
-                    </a:ext>
-                  </a:extLst>
-                </p:cNvPr>
-                <p:cNvSpPr txBox="1"/>
-                <p:nvPr/>
-              </p:nvSpPr>
-              <p:spPr>
-                <a:xfrm>
-                  <a:off x="321532" y="2586884"/>
-                  <a:ext cx="2279791" cy="1200329"/>
-                </a:xfrm>
-                <a:prstGeom prst="rect">
-                  <a:avLst/>
-                </a:prstGeom>
-                <a:noFill/>
-              </p:spPr>
-              <p:txBody>
-                <a:bodyPr wrap="none" rtlCol="0">
-                  <a:spAutoFit/>
-                </a:bodyPr>
-                <a:lstStyle/>
-                <a:p>
-                  <a:r>
-                    <a:rPr lang="en-US" sz="7200" b="1" dirty="0">
-                      <a:solidFill>
-                        <a:srgbClr val="C7D2E0"/>
-                      </a:solidFill>
-                      <a:latin typeface="Georgia" charset="0"/>
-                      <a:ea typeface="Georgia" charset="0"/>
-                      <a:cs typeface="Georgia" charset="0"/>
-                    </a:rPr>
-                    <a:t>map</a:t>
-                  </a:r>
-                </a:p>
-              </p:txBody>
-            </p:sp>
-          </p:grpSp>
-        </p:grpSp>
-      </p:grpSp>
-    </p:spTree>
-    <p:extLst>
-      <p:ext uri="{BB962C8B-B14F-4D97-AF65-F5344CB8AC3E}">
-        <p14:creationId xmlns:p14="http://schemas.microsoft.com/office/powerpoint/2010/main" val="612144234"/>
-      </p:ext>
-    </p:extLst>
-  </p:cSld>
-  <p:clrMapOvr>
-    <a:masterClrMapping/>
-  </p:clrMapOvr>
-</p:sld>
-</file>
-
-<file path=ppt/slides/slide16.xml><?xml version="1.0" encoding="utf-8"?>
-<p:sld xmlns:a="http://schemas.openxmlformats.org/drawingml/2006/main" xmlns:r="http://schemas.openxmlformats.org/officeDocument/2006/relationships" xmlns:p="http://schemas.openxmlformats.org/presentationml/2006/main">
-  <p:cSld>
-    <p:spTree>
-      <p:nvGrpSpPr>
-        <p:cNvPr id="1" name=""/>
-        <p:cNvGrpSpPr/>
-        <p:nvPr/>
-      </p:nvGrpSpPr>
-      <p:grpSpPr>
-        <a:xfrm>
-          <a:off x="0" y="0"/>
-          <a:ext cx="0" cy="0"/>
-          <a:chOff x="0" y="0"/>
-          <a:chExt cx="0" cy="0"/>
-        </a:xfrm>
-      </p:grpSpPr>
-      <p:sp>
-        <p:nvSpPr>
-          <p:cNvPr id="2" name="Rectangle 1">
-            <a:extLst>
-              <a:ext uri="{FF2B5EF4-FFF2-40B4-BE49-F238E27FC236}">
-                <a16:creationId xmlns:a16="http://schemas.microsoft.com/office/drawing/2014/main" id="{7F5D3B9B-FCB9-974F-9972-DD237E4D88E9}"/>
-              </a:ext>
-            </a:extLst>
-          </p:cNvPr>
-          <p:cNvSpPr/>
-          <p:nvPr/>
-        </p:nvSpPr>
-        <p:spPr>
-          <a:xfrm>
-            <a:off x="0" y="0"/>
-            <a:ext cx="12192000" cy="6858000"/>
-          </a:xfrm>
-          <a:prstGeom prst="rect">
-            <a:avLst/>
-          </a:prstGeom>
-          <a:solidFill>
-            <a:srgbClr val="C7D2E0"/>
-          </a:solidFill>
-          <a:ln>
-            <a:noFill/>
-          </a:ln>
-        </p:spPr>
-        <p:style>
-          <a:lnRef idx="2">
-            <a:schemeClr val="accent1">
-              <a:shade val="50000"/>
-            </a:schemeClr>
-          </a:lnRef>
-          <a:fillRef idx="1">
-            <a:schemeClr val="accent1"/>
-          </a:fillRef>
-          <a:effectRef idx="0">
-            <a:schemeClr val="accent1"/>
-          </a:effectRef>
-          <a:fontRef idx="minor">
-            <a:schemeClr val="lt1"/>
-          </a:fontRef>
-        </p:style>
-        <p:txBody>
-          <a:bodyPr rtlCol="0" anchor="ctr"/>
-          <a:lstStyle/>
-          <a:p>
-            <a:pPr algn="ctr"/>
-            <a:endParaRPr lang="en-GB"/>
-          </a:p>
-        </p:txBody>
-      </p:sp>
-      <p:grpSp>
-        <p:nvGrpSpPr>
-          <p:cNvPr id="25" name="Group 24">
-            <a:extLst>
-              <a:ext uri="{FF2B5EF4-FFF2-40B4-BE49-F238E27FC236}">
-                <a16:creationId xmlns:a16="http://schemas.microsoft.com/office/drawing/2014/main" id="{E0DA1A74-F1CB-3642-B228-070CD99C0DF2}"/>
-              </a:ext>
-            </a:extLst>
-          </p:cNvPr>
-          <p:cNvGrpSpPr>
-            <a:grpSpLocks noChangeAspect="1"/>
-          </p:cNvGrpSpPr>
-          <p:nvPr/>
-        </p:nvGrpSpPr>
-        <p:grpSpPr>
-          <a:xfrm>
-            <a:off x="1197829" y="1916412"/>
-            <a:ext cx="2803569" cy="2803662"/>
-            <a:chOff x="8330814" y="407432"/>
-            <a:chExt cx="2803569" cy="2803662"/>
-          </a:xfrm>
-        </p:grpSpPr>
-        <p:sp>
-          <p:nvSpPr>
-            <p:cNvPr id="26" name="Oval 25">
-              <a:extLst>
-                <a:ext uri="{FF2B5EF4-FFF2-40B4-BE49-F238E27FC236}">
-                  <a16:creationId xmlns:a16="http://schemas.microsoft.com/office/drawing/2014/main" id="{2AE1956E-5296-3643-9878-9A28BB9FC028}"/>
-                </a:ext>
-              </a:extLst>
-            </p:cNvPr>
-            <p:cNvSpPr>
-              <a:spLocks noChangeAspect="1"/>
-            </p:cNvSpPr>
-            <p:nvPr/>
-          </p:nvSpPr>
-          <p:spPr>
-            <a:xfrm>
-              <a:off x="8330814" y="407432"/>
-              <a:ext cx="2803569" cy="2803662"/>
-            </a:xfrm>
-            <a:prstGeom prst="ellipse">
-              <a:avLst/>
-            </a:prstGeom>
-            <a:solidFill>
-              <a:schemeClr val="bg1"/>
-            </a:solidFill>
-            <a:ln>
-              <a:solidFill>
-                <a:srgbClr val="8C9EBF"/>
-              </a:solidFill>
-            </a:ln>
-          </p:spPr>
-          <p:style>
-            <a:lnRef idx="2">
-              <a:schemeClr val="accent1">
-                <a:shade val="50000"/>
-              </a:schemeClr>
-            </a:lnRef>
-            <a:fillRef idx="1">
-              <a:schemeClr val="accent1"/>
-            </a:fillRef>
-            <a:effectRef idx="0">
-              <a:schemeClr val="accent1"/>
-            </a:effectRef>
-            <a:fontRef idx="minor">
-              <a:schemeClr val="lt1"/>
-            </a:fontRef>
-          </p:style>
-          <p:txBody>
-            <a:bodyPr rtlCol="0" anchor="ctr"/>
-            <a:lstStyle/>
-            <a:p>
-              <a:pPr algn="ctr"/>
-              <a:endParaRPr lang="en-GB">
-                <a:solidFill>
-                  <a:srgbClr val="8C9EBF"/>
-                </a:solidFill>
-              </a:endParaRPr>
-            </a:p>
-          </p:txBody>
-        </p:sp>
-        <p:grpSp>
-          <p:nvGrpSpPr>
-            <p:cNvPr id="27" name="Group 26">
-              <a:extLst>
-                <a:ext uri="{FF2B5EF4-FFF2-40B4-BE49-F238E27FC236}">
-                  <a16:creationId xmlns:a16="http://schemas.microsoft.com/office/drawing/2014/main" id="{2396F9B6-DFD4-1F48-B356-E869FC65DE05}"/>
-                </a:ext>
-              </a:extLst>
-            </p:cNvPr>
-            <p:cNvGrpSpPr/>
-            <p:nvPr/>
-          </p:nvGrpSpPr>
-          <p:grpSpPr>
-            <a:xfrm>
-              <a:off x="8616673" y="478224"/>
-              <a:ext cx="2279791" cy="2420611"/>
-              <a:chOff x="321532" y="1366602"/>
-              <a:chExt cx="2279791" cy="2420611"/>
-            </a:xfrm>
-          </p:grpSpPr>
-          <p:sp>
-            <p:nvSpPr>
-              <p:cNvPr id="28" name="TextBox 27">
-                <a:extLst>
-                  <a:ext uri="{FF2B5EF4-FFF2-40B4-BE49-F238E27FC236}">
-                    <a16:creationId xmlns:a16="http://schemas.microsoft.com/office/drawing/2014/main" id="{B5755A7A-ADF7-2543-8319-BC7305043BFA}"/>
-                  </a:ext>
-                </a:extLst>
-              </p:cNvPr>
-              <p:cNvSpPr txBox="1"/>
-              <p:nvPr/>
-            </p:nvSpPr>
-            <p:spPr>
-              <a:xfrm>
-                <a:off x="321532" y="1366602"/>
-                <a:ext cx="2202847" cy="1200329"/>
-              </a:xfrm>
-              <a:prstGeom prst="rect">
-                <a:avLst/>
-              </a:prstGeom>
-              <a:noFill/>
-            </p:spPr>
-            <p:txBody>
-              <a:bodyPr wrap="none" rtlCol="0">
-                <a:spAutoFit/>
-              </a:bodyPr>
-              <a:lstStyle/>
-              <a:p>
-                <a:r>
-                  <a:rPr lang="en-US" sz="7200" b="1" dirty="0" err="1">
-                    <a:solidFill>
-                      <a:srgbClr val="8C9EBF"/>
-                    </a:solidFill>
-                    <a:latin typeface="Georgia" charset="0"/>
-                    <a:ea typeface="Georgia" charset="0"/>
-                    <a:cs typeface="Georgia" charset="0"/>
-                  </a:rPr>
-                  <a:t>asth</a:t>
-                </a:r>
-                <a:endParaRPr lang="en-US" sz="7200" b="1" dirty="0">
-                  <a:solidFill>
-                    <a:srgbClr val="8C9EBF"/>
-                  </a:solidFill>
-                  <a:latin typeface="Georgia" charset="0"/>
-                  <a:ea typeface="Georgia" charset="0"/>
-                  <a:cs typeface="Georgia" charset="0"/>
-                </a:endParaRPr>
-              </a:p>
-            </p:txBody>
-          </p:sp>
-          <p:sp>
-            <p:nvSpPr>
-              <p:cNvPr id="29" name="TextBox 28">
-                <a:extLst>
-                  <a:ext uri="{FF2B5EF4-FFF2-40B4-BE49-F238E27FC236}">
-                    <a16:creationId xmlns:a16="http://schemas.microsoft.com/office/drawing/2014/main" id="{D9CDF9A9-F8E8-EF42-A83A-78A36A797E1D}"/>
-                  </a:ext>
-                </a:extLst>
-              </p:cNvPr>
-              <p:cNvSpPr txBox="1"/>
-              <p:nvPr/>
-            </p:nvSpPr>
-            <p:spPr>
-              <a:xfrm>
-                <a:off x="321532" y="1976743"/>
-                <a:ext cx="1672253" cy="1200329"/>
-              </a:xfrm>
-              <a:prstGeom prst="rect">
-                <a:avLst/>
-              </a:prstGeom>
-              <a:noFill/>
-            </p:spPr>
-            <p:txBody>
-              <a:bodyPr wrap="none" rtlCol="0">
-                <a:spAutoFit/>
-              </a:bodyPr>
-              <a:lstStyle/>
-              <a:p>
-                <a:r>
-                  <a:rPr lang="en-US" sz="7200" b="1" dirty="0">
-                    <a:solidFill>
-                      <a:srgbClr val="8C9EBF"/>
-                    </a:solidFill>
-                    <a:latin typeface="Georgia" charset="0"/>
-                    <a:ea typeface="Georgia" charset="0"/>
-                    <a:cs typeface="Georgia" charset="0"/>
-                  </a:rPr>
-                  <a:t>ma</a:t>
-                </a:r>
-              </a:p>
-            </p:txBody>
-          </p:sp>
-          <p:sp>
-            <p:nvSpPr>
-              <p:cNvPr id="30" name="TextBox 29">
-                <a:extLst>
-                  <a:ext uri="{FF2B5EF4-FFF2-40B4-BE49-F238E27FC236}">
-                    <a16:creationId xmlns:a16="http://schemas.microsoft.com/office/drawing/2014/main" id="{09DB97B0-407E-9B4A-B2AB-B276B1533A01}"/>
-                  </a:ext>
-                </a:extLst>
-              </p:cNvPr>
-              <p:cNvSpPr txBox="1"/>
-              <p:nvPr/>
-            </p:nvSpPr>
-            <p:spPr>
-              <a:xfrm>
-                <a:off x="321532" y="2586884"/>
-                <a:ext cx="2279791" cy="1200329"/>
-              </a:xfrm>
-              <a:prstGeom prst="rect">
-                <a:avLst/>
-              </a:prstGeom>
-              <a:noFill/>
-            </p:spPr>
-            <p:txBody>
-              <a:bodyPr wrap="none" rtlCol="0">
-                <a:spAutoFit/>
-              </a:bodyPr>
-              <a:lstStyle/>
-              <a:p>
-                <a:r>
-                  <a:rPr lang="en-US" sz="7200" b="1" dirty="0">
-                    <a:solidFill>
-                      <a:srgbClr val="2E5287"/>
-                    </a:solidFill>
-                    <a:latin typeface="Georgia" charset="0"/>
-                    <a:ea typeface="Georgia" charset="0"/>
-                    <a:cs typeface="Georgia" charset="0"/>
-                  </a:rPr>
-                  <a:t>map</a:t>
-                </a:r>
-              </a:p>
-            </p:txBody>
-          </p:sp>
-        </p:grpSp>
-      </p:grpSp>
-      <p:grpSp>
-        <p:nvGrpSpPr>
-          <p:cNvPr id="49" name="Group 48">
-            <a:extLst>
-              <a:ext uri="{FF2B5EF4-FFF2-40B4-BE49-F238E27FC236}">
-                <a16:creationId xmlns:a16="http://schemas.microsoft.com/office/drawing/2014/main" id="{7BAB7830-75BA-7B4C-B1C9-C1FD9E66EDAF}"/>
-              </a:ext>
-            </a:extLst>
-          </p:cNvPr>
-          <p:cNvGrpSpPr>
-            <a:grpSpLocks noChangeAspect="1"/>
-          </p:cNvGrpSpPr>
-          <p:nvPr/>
-        </p:nvGrpSpPr>
-        <p:grpSpPr>
-          <a:xfrm>
-            <a:off x="4694215" y="2027169"/>
-            <a:ext cx="2803569" cy="2803662"/>
-            <a:chOff x="4441182" y="1768338"/>
-            <a:chExt cx="2803569" cy="2803662"/>
-          </a:xfrm>
-        </p:grpSpPr>
-        <p:sp>
-          <p:nvSpPr>
-            <p:cNvPr id="50" name="Oval 49">
-              <a:extLst>
-                <a:ext uri="{FF2B5EF4-FFF2-40B4-BE49-F238E27FC236}">
-                  <a16:creationId xmlns:a16="http://schemas.microsoft.com/office/drawing/2014/main" id="{AA2C78F5-24E4-6844-8199-88BB23EC698F}"/>
-                </a:ext>
-              </a:extLst>
-            </p:cNvPr>
-            <p:cNvSpPr>
-              <a:spLocks noChangeAspect="1"/>
-            </p:cNvSpPr>
-            <p:nvPr/>
-          </p:nvSpPr>
-          <p:spPr>
-            <a:xfrm>
-              <a:off x="4441182" y="1768338"/>
-              <a:ext cx="2803569" cy="2803662"/>
-            </a:xfrm>
-            <a:prstGeom prst="ellipse">
-              <a:avLst/>
-            </a:prstGeom>
-            <a:solidFill>
-              <a:srgbClr val="7792B0"/>
-            </a:solidFill>
-            <a:ln>
-              <a:solidFill>
-                <a:srgbClr val="8C9EBF"/>
-              </a:solidFill>
-            </a:ln>
-          </p:spPr>
-          <p:style>
-            <a:lnRef idx="2">
-              <a:schemeClr val="accent1">
-                <a:shade val="50000"/>
-              </a:schemeClr>
-            </a:lnRef>
-            <a:fillRef idx="1">
-              <a:schemeClr val="accent1"/>
-            </a:fillRef>
-            <a:effectRef idx="0">
-              <a:schemeClr val="accent1"/>
-            </a:effectRef>
-            <a:fontRef idx="minor">
-              <a:schemeClr val="lt1"/>
-            </a:fontRef>
-          </p:style>
-          <p:txBody>
-            <a:bodyPr rtlCol="0" anchor="ctr"/>
-            <a:lstStyle/>
-            <a:p>
-              <a:pPr algn="ctr"/>
-              <a:endParaRPr lang="en-GB">
-                <a:solidFill>
-                  <a:srgbClr val="8C9EBF"/>
-                </a:solidFill>
-              </a:endParaRPr>
-            </a:p>
-          </p:txBody>
-        </p:sp>
-        <p:grpSp>
-          <p:nvGrpSpPr>
-            <p:cNvPr id="51" name="Group 50">
-              <a:extLst>
-                <a:ext uri="{FF2B5EF4-FFF2-40B4-BE49-F238E27FC236}">
-                  <a16:creationId xmlns:a16="http://schemas.microsoft.com/office/drawing/2014/main" id="{E1AB4518-DBFD-5147-8B7C-7038066EEFA4}"/>
-                </a:ext>
-              </a:extLst>
-            </p:cNvPr>
-            <p:cNvGrpSpPr/>
-            <p:nvPr/>
-          </p:nvGrpSpPr>
-          <p:grpSpPr>
-            <a:xfrm>
-              <a:off x="4727041" y="1839130"/>
-              <a:ext cx="2279791" cy="2420611"/>
-              <a:chOff x="321532" y="1366602"/>
-              <a:chExt cx="2279791" cy="2420611"/>
-            </a:xfrm>
-          </p:grpSpPr>
-          <p:sp>
-            <p:nvSpPr>
-              <p:cNvPr id="52" name="TextBox 51">
-                <a:extLst>
-                  <a:ext uri="{FF2B5EF4-FFF2-40B4-BE49-F238E27FC236}">
-                    <a16:creationId xmlns:a16="http://schemas.microsoft.com/office/drawing/2014/main" id="{562D20B7-025E-994B-896B-C62B9C994EBD}"/>
-                  </a:ext>
-                </a:extLst>
-              </p:cNvPr>
-              <p:cNvSpPr txBox="1"/>
-              <p:nvPr/>
-            </p:nvSpPr>
-            <p:spPr>
-              <a:xfrm>
-                <a:off x="321532" y="1366602"/>
-                <a:ext cx="2202847" cy="1200329"/>
-              </a:xfrm>
-              <a:prstGeom prst="rect">
-                <a:avLst/>
-              </a:prstGeom>
-              <a:noFill/>
-            </p:spPr>
-            <p:txBody>
-              <a:bodyPr wrap="none" rtlCol="0">
-                <a:spAutoFit/>
-              </a:bodyPr>
-              <a:lstStyle/>
-              <a:p>
-                <a:r>
-                  <a:rPr lang="en-US" sz="7200" b="1" dirty="0" err="1">
-                    <a:solidFill>
-                      <a:schemeClr val="bg1"/>
-                    </a:solidFill>
-                    <a:latin typeface="Georgia" charset="0"/>
-                    <a:ea typeface="Georgia" charset="0"/>
-                    <a:cs typeface="Georgia" charset="0"/>
-                  </a:rPr>
-                  <a:t>asth</a:t>
-                </a:r>
-                <a:endParaRPr lang="en-US" sz="7200" b="1" dirty="0">
-                  <a:solidFill>
-                    <a:schemeClr val="bg1"/>
-                  </a:solidFill>
-                  <a:latin typeface="Georgia" charset="0"/>
-                  <a:ea typeface="Georgia" charset="0"/>
-                  <a:cs typeface="Georgia" charset="0"/>
-                </a:endParaRPr>
-              </a:p>
-            </p:txBody>
-          </p:sp>
-          <p:sp>
-            <p:nvSpPr>
-              <p:cNvPr id="53" name="TextBox 52">
-                <a:extLst>
-                  <a:ext uri="{FF2B5EF4-FFF2-40B4-BE49-F238E27FC236}">
-                    <a16:creationId xmlns:a16="http://schemas.microsoft.com/office/drawing/2014/main" id="{A2683911-3A68-694F-A3F2-45A25D40FD61}"/>
-                  </a:ext>
-                </a:extLst>
-              </p:cNvPr>
-              <p:cNvSpPr txBox="1"/>
-              <p:nvPr/>
-            </p:nvSpPr>
-            <p:spPr>
-              <a:xfrm>
-                <a:off x="321532" y="1976743"/>
-                <a:ext cx="1672253" cy="1200329"/>
-              </a:xfrm>
-              <a:prstGeom prst="rect">
-                <a:avLst/>
-              </a:prstGeom>
-              <a:noFill/>
-            </p:spPr>
-            <p:txBody>
-              <a:bodyPr wrap="none" rtlCol="0">
-                <a:spAutoFit/>
-              </a:bodyPr>
-              <a:lstStyle/>
-              <a:p>
-                <a:r>
-                  <a:rPr lang="en-US" sz="7200" b="1" dirty="0">
-                    <a:solidFill>
-                      <a:schemeClr val="bg1"/>
-                    </a:solidFill>
-                    <a:latin typeface="Georgia" charset="0"/>
-                    <a:ea typeface="Georgia" charset="0"/>
-                    <a:cs typeface="Georgia" charset="0"/>
-                  </a:rPr>
-                  <a:t>ma</a:t>
-                </a:r>
-              </a:p>
-            </p:txBody>
-          </p:sp>
-          <p:sp>
-            <p:nvSpPr>
-              <p:cNvPr id="54" name="TextBox 53">
-                <a:extLst>
-                  <a:ext uri="{FF2B5EF4-FFF2-40B4-BE49-F238E27FC236}">
-                    <a16:creationId xmlns:a16="http://schemas.microsoft.com/office/drawing/2014/main" id="{CE959A93-6139-1B4E-B514-08BB230180F4}"/>
-                  </a:ext>
-                </a:extLst>
-              </p:cNvPr>
-              <p:cNvSpPr txBox="1"/>
-              <p:nvPr/>
-            </p:nvSpPr>
-            <p:spPr>
-              <a:xfrm>
-                <a:off x="321532" y="2586884"/>
-                <a:ext cx="2279791" cy="1200329"/>
-              </a:xfrm>
-              <a:prstGeom prst="rect">
-                <a:avLst/>
-              </a:prstGeom>
-              <a:noFill/>
-            </p:spPr>
-            <p:txBody>
-              <a:bodyPr wrap="none" rtlCol="0">
-                <a:spAutoFit/>
-              </a:bodyPr>
-              <a:lstStyle/>
-              <a:p>
-                <a:r>
-                  <a:rPr lang="en-US" sz="7200" b="1" dirty="0">
-                    <a:solidFill>
-                      <a:srgbClr val="C7D2E0"/>
-                    </a:solidFill>
-                    <a:latin typeface="Georgia" charset="0"/>
-                    <a:ea typeface="Georgia" charset="0"/>
-                    <a:cs typeface="Georgia" charset="0"/>
-                  </a:rPr>
-                  <a:t>map</a:t>
-                </a:r>
-              </a:p>
-            </p:txBody>
-          </p:sp>
-        </p:grpSp>
-      </p:grpSp>
-      <p:grpSp>
-        <p:nvGrpSpPr>
-          <p:cNvPr id="55" name="Group 54">
-            <a:extLst>
-              <a:ext uri="{FF2B5EF4-FFF2-40B4-BE49-F238E27FC236}">
-                <a16:creationId xmlns:a16="http://schemas.microsoft.com/office/drawing/2014/main" id="{D1787F3E-96B8-0E4C-85C9-BBCE5DB8722F}"/>
-              </a:ext>
-            </a:extLst>
-          </p:cNvPr>
-          <p:cNvGrpSpPr>
-            <a:grpSpLocks noChangeAspect="1"/>
-          </p:cNvGrpSpPr>
-          <p:nvPr/>
-        </p:nvGrpSpPr>
-        <p:grpSpPr>
-          <a:xfrm>
-            <a:off x="8190601" y="2027169"/>
-            <a:ext cx="2803570" cy="2803662"/>
-            <a:chOff x="6328386" y="2360548"/>
-            <a:chExt cx="2803570" cy="2803662"/>
-          </a:xfrm>
-        </p:grpSpPr>
-        <p:sp>
-          <p:nvSpPr>
-            <p:cNvPr id="56" name="Rectangle 55">
-              <a:extLst>
-                <a:ext uri="{FF2B5EF4-FFF2-40B4-BE49-F238E27FC236}">
-                  <a16:creationId xmlns:a16="http://schemas.microsoft.com/office/drawing/2014/main" id="{BF34B208-39E2-AA4E-8474-8A1BB778FC79}"/>
-                </a:ext>
-              </a:extLst>
-            </p:cNvPr>
-            <p:cNvSpPr/>
-            <p:nvPr/>
-          </p:nvSpPr>
-          <p:spPr>
-            <a:xfrm>
-              <a:off x="6328386" y="2360548"/>
-              <a:ext cx="2803569" cy="2803662"/>
-            </a:xfrm>
-            <a:prstGeom prst="rect">
-              <a:avLst/>
-            </a:prstGeom>
-            <a:solidFill>
-              <a:srgbClr val="7792B0"/>
-            </a:solidFill>
-            <a:ln>
-              <a:noFill/>
-            </a:ln>
-          </p:spPr>
-          <p:style>
-            <a:lnRef idx="2">
-              <a:schemeClr val="accent1">
-                <a:shade val="50000"/>
-              </a:schemeClr>
-            </a:lnRef>
-            <a:fillRef idx="1">
-              <a:schemeClr val="accent1"/>
-            </a:fillRef>
-            <a:effectRef idx="0">
-              <a:schemeClr val="accent1"/>
-            </a:effectRef>
-            <a:fontRef idx="minor">
-              <a:schemeClr val="lt1"/>
-            </a:fontRef>
-          </p:style>
-          <p:txBody>
-            <a:bodyPr rtlCol="0" anchor="ctr"/>
-            <a:lstStyle/>
-            <a:p>
-              <a:pPr algn="ctr"/>
-              <a:endParaRPr lang="en-GB"/>
-            </a:p>
-          </p:txBody>
-        </p:sp>
-        <p:grpSp>
-          <p:nvGrpSpPr>
-            <p:cNvPr id="57" name="Group 56">
-              <a:extLst>
-                <a:ext uri="{FF2B5EF4-FFF2-40B4-BE49-F238E27FC236}">
-                  <a16:creationId xmlns:a16="http://schemas.microsoft.com/office/drawing/2014/main" id="{6096D94D-5BC8-E14D-8F4A-38346B52F212}"/>
-                </a:ext>
-              </a:extLst>
-            </p:cNvPr>
-            <p:cNvGrpSpPr>
-              <a:grpSpLocks noChangeAspect="1"/>
-            </p:cNvGrpSpPr>
-            <p:nvPr/>
-          </p:nvGrpSpPr>
-          <p:grpSpPr>
-            <a:xfrm>
-              <a:off x="6328387" y="2360548"/>
-              <a:ext cx="2803569" cy="2803662"/>
-              <a:chOff x="4441182" y="1768338"/>
-              <a:chExt cx="2803569" cy="2803662"/>
-            </a:xfrm>
-          </p:grpSpPr>
-          <p:sp>
-            <p:nvSpPr>
-              <p:cNvPr id="58" name="Oval 57">
-                <a:extLst>
-                  <a:ext uri="{FF2B5EF4-FFF2-40B4-BE49-F238E27FC236}">
-                    <a16:creationId xmlns:a16="http://schemas.microsoft.com/office/drawing/2014/main" id="{1083ADE7-24F9-9D4F-A47D-C60BCC9CE791}"/>
-                  </a:ext>
-                </a:extLst>
-              </p:cNvPr>
-              <p:cNvSpPr>
-                <a:spLocks noChangeAspect="1"/>
-              </p:cNvSpPr>
-              <p:nvPr/>
-            </p:nvSpPr>
-            <p:spPr>
-              <a:xfrm>
-                <a:off x="4441182" y="1768338"/>
-                <a:ext cx="2803569" cy="2803662"/>
-              </a:xfrm>
-              <a:prstGeom prst="ellipse">
-                <a:avLst/>
-              </a:prstGeom>
-              <a:solidFill>
-                <a:srgbClr val="7792B0"/>
-              </a:solidFill>
-              <a:ln>
-                <a:noFill/>
-              </a:ln>
-            </p:spPr>
-            <p:style>
-              <a:lnRef idx="2">
-                <a:schemeClr val="accent1">
-                  <a:shade val="50000"/>
-                </a:schemeClr>
-              </a:lnRef>
-              <a:fillRef idx="1">
-                <a:schemeClr val="accent1"/>
-              </a:fillRef>
-              <a:effectRef idx="0">
-                <a:schemeClr val="accent1"/>
-              </a:effectRef>
-              <a:fontRef idx="minor">
-                <a:schemeClr val="lt1"/>
-              </a:fontRef>
-            </p:style>
-            <p:txBody>
-              <a:bodyPr rtlCol="0" anchor="ctr"/>
-              <a:lstStyle/>
-              <a:p>
-                <a:pPr algn="ctr"/>
-                <a:endParaRPr lang="en-GB">
-                  <a:solidFill>
-                    <a:srgbClr val="8C9EBF"/>
-                  </a:solidFill>
-                </a:endParaRPr>
-              </a:p>
-            </p:txBody>
-          </p:sp>
-          <p:grpSp>
-            <p:nvGrpSpPr>
-              <p:cNvPr id="59" name="Group 58">
-                <a:extLst>
-                  <a:ext uri="{FF2B5EF4-FFF2-40B4-BE49-F238E27FC236}">
-                    <a16:creationId xmlns:a16="http://schemas.microsoft.com/office/drawing/2014/main" id="{C3F4383B-8324-1B46-9E45-8CEA11D15137}"/>
-                  </a:ext>
-                </a:extLst>
-              </p:cNvPr>
-              <p:cNvGrpSpPr/>
-              <p:nvPr/>
-            </p:nvGrpSpPr>
-            <p:grpSpPr>
-              <a:xfrm>
-                <a:off x="4727041" y="1839130"/>
-                <a:ext cx="2279791" cy="2420611"/>
-                <a:chOff x="321532" y="1366602"/>
-                <a:chExt cx="2279791" cy="2420611"/>
-              </a:xfrm>
-            </p:grpSpPr>
-            <p:sp>
-              <p:nvSpPr>
-                <p:cNvPr id="60" name="TextBox 59">
-                  <a:extLst>
-                    <a:ext uri="{FF2B5EF4-FFF2-40B4-BE49-F238E27FC236}">
-                      <a16:creationId xmlns:a16="http://schemas.microsoft.com/office/drawing/2014/main" id="{A1FF4C47-C1B2-E84F-BE4F-583495C132FA}"/>
-                    </a:ext>
-                  </a:extLst>
-                </p:cNvPr>
-                <p:cNvSpPr txBox="1"/>
-                <p:nvPr/>
-              </p:nvSpPr>
-              <p:spPr>
-                <a:xfrm>
-                  <a:off x="321532" y="1366602"/>
-                  <a:ext cx="2202847" cy="1200329"/>
-                </a:xfrm>
-                <a:prstGeom prst="rect">
-                  <a:avLst/>
-                </a:prstGeom>
-                <a:noFill/>
-              </p:spPr>
-              <p:txBody>
-                <a:bodyPr wrap="none" rtlCol="0">
-                  <a:spAutoFit/>
-                </a:bodyPr>
-                <a:lstStyle/>
-                <a:p>
-                  <a:r>
-                    <a:rPr lang="en-US" sz="7200" b="1" dirty="0" err="1">
-                      <a:solidFill>
-                        <a:schemeClr val="bg1"/>
-                      </a:solidFill>
-                      <a:latin typeface="Georgia" charset="0"/>
-                      <a:ea typeface="Georgia" charset="0"/>
-                      <a:cs typeface="Georgia" charset="0"/>
-                    </a:rPr>
-                    <a:t>asth</a:t>
-                  </a:r>
-                  <a:endParaRPr lang="en-US" sz="7200" b="1" dirty="0">
-                    <a:solidFill>
-                      <a:schemeClr val="bg1"/>
-                    </a:solidFill>
-                    <a:latin typeface="Georgia" charset="0"/>
-                    <a:ea typeface="Georgia" charset="0"/>
-                    <a:cs typeface="Georgia" charset="0"/>
-                  </a:endParaRPr>
-                </a:p>
-              </p:txBody>
-            </p:sp>
-            <p:sp>
-              <p:nvSpPr>
-                <p:cNvPr id="61" name="TextBox 60">
-                  <a:extLst>
-                    <a:ext uri="{FF2B5EF4-FFF2-40B4-BE49-F238E27FC236}">
-                      <a16:creationId xmlns:a16="http://schemas.microsoft.com/office/drawing/2014/main" id="{A07F714E-70B4-7A4B-AFC5-F8D4B44B71C7}"/>
-                    </a:ext>
-                  </a:extLst>
-                </p:cNvPr>
-                <p:cNvSpPr txBox="1"/>
-                <p:nvPr/>
-              </p:nvSpPr>
-              <p:spPr>
-                <a:xfrm>
-                  <a:off x="321532" y="1976743"/>
-                  <a:ext cx="1672253" cy="1200329"/>
-                </a:xfrm>
-                <a:prstGeom prst="rect">
-                  <a:avLst/>
-                </a:prstGeom>
-                <a:noFill/>
-              </p:spPr>
-              <p:txBody>
-                <a:bodyPr wrap="none" rtlCol="0">
-                  <a:spAutoFit/>
-                </a:bodyPr>
-                <a:lstStyle/>
-                <a:p>
-                  <a:r>
-                    <a:rPr lang="en-US" sz="7200" b="1" dirty="0">
-                      <a:solidFill>
-                        <a:schemeClr val="bg1"/>
-                      </a:solidFill>
-                      <a:latin typeface="Georgia" charset="0"/>
-                      <a:ea typeface="Georgia" charset="0"/>
-                      <a:cs typeface="Georgia" charset="0"/>
-                    </a:rPr>
-                    <a:t>ma</a:t>
-                  </a:r>
-                </a:p>
-              </p:txBody>
-            </p:sp>
-            <p:sp>
-              <p:nvSpPr>
-                <p:cNvPr id="62" name="TextBox 61">
-                  <a:extLst>
-                    <a:ext uri="{FF2B5EF4-FFF2-40B4-BE49-F238E27FC236}">
-                      <a16:creationId xmlns:a16="http://schemas.microsoft.com/office/drawing/2014/main" id="{0A9EB7EB-DB1F-F942-A23F-DBD0EC189E49}"/>
-                    </a:ext>
-                  </a:extLst>
-                </p:cNvPr>
-                <p:cNvSpPr txBox="1"/>
-                <p:nvPr/>
-              </p:nvSpPr>
-              <p:spPr>
-                <a:xfrm>
-                  <a:off x="321532" y="2586884"/>
-                  <a:ext cx="2279791" cy="1200329"/>
-                </a:xfrm>
-                <a:prstGeom prst="rect">
-                  <a:avLst/>
-                </a:prstGeom>
-                <a:noFill/>
-              </p:spPr>
-              <p:txBody>
-                <a:bodyPr wrap="none" rtlCol="0">
-                  <a:spAutoFit/>
-                </a:bodyPr>
-                <a:lstStyle/>
-                <a:p>
-                  <a:r>
-                    <a:rPr lang="en-US" sz="7200" b="1" dirty="0">
-                      <a:solidFill>
-                        <a:srgbClr val="C7D2E0"/>
-                      </a:solidFill>
-                      <a:latin typeface="Georgia" charset="0"/>
-                      <a:ea typeface="Georgia" charset="0"/>
-                      <a:cs typeface="Georgia" charset="0"/>
-                    </a:rPr>
-                    <a:t>map</a:t>
-                  </a:r>
-                </a:p>
-              </p:txBody>
-            </p:sp>
-          </p:grpSp>
-        </p:grpSp>
-      </p:grpSp>
-    </p:spTree>
-    <p:extLst>
-      <p:ext uri="{BB962C8B-B14F-4D97-AF65-F5344CB8AC3E}">
-        <p14:creationId xmlns:p14="http://schemas.microsoft.com/office/powerpoint/2010/main" val="3264922165"/>
-      </p:ext>
-    </p:extLst>
-  </p:cSld>
-  <p:clrMapOvr>
-    <a:masterClrMapping/>
-  </p:clrMapOvr>
-</p:sld>
-</file>
-
-<file path=ppt/slides/slide17.xml><?xml version="1.0" encoding="utf-8"?>
+<file path=ppt/slides/slide9.xml><?xml version="1.0" encoding="utf-8"?>
 <p:sld xmlns:a="http://schemas.openxmlformats.org/drawingml/2006/main" xmlns:r="http://schemas.openxmlformats.org/officeDocument/2006/relationships" xmlns:p="http://schemas.openxmlformats.org/presentationml/2006/main">
   <p:cSld>
     <p:spTree>
@@ -10873,23 +9021,21 @@
       </p:grpSpPr>
       <p:grpSp>
         <p:nvGrpSpPr>
-          <p:cNvPr id="4" name="Group 3">
+          <p:cNvPr id="3" name="Group 2">
             <a:extLst>
               <a:ext uri="{FF2B5EF4-FFF2-40B4-BE49-F238E27FC236}">
-                <a16:creationId xmlns:a16="http://schemas.microsoft.com/office/drawing/2014/main" id="{82093E05-2D6D-234C-9421-71AA009EAA13}"/>
+                <a16:creationId xmlns:a16="http://schemas.microsoft.com/office/drawing/2014/main" id="{689A750C-46E6-3844-B155-4F5164528330}"/>
               </a:ext>
             </a:extLst>
           </p:cNvPr>
-          <p:cNvGrpSpPr>
-            <a:grpSpLocks noChangeAspect="1"/>
-          </p:cNvGrpSpPr>
+          <p:cNvGrpSpPr/>
           <p:nvPr/>
         </p:nvGrpSpPr>
         <p:grpSpPr>
           <a:xfrm>
             <a:off x="1811524" y="2450797"/>
             <a:ext cx="8568952" cy="1956405"/>
-            <a:chOff x="179512" y="2450797"/>
+            <a:chOff x="1811524" y="2450797"/>
             <a:chExt cx="8568952" cy="1956405"/>
           </a:xfrm>
         </p:grpSpPr>
@@ -10907,7 +9053,7 @@
           </p:nvGrpSpPr>
           <p:grpSpPr>
             <a:xfrm>
-              <a:off x="179512" y="2450797"/>
+              <a:off x="1811524" y="2450797"/>
               <a:ext cx="8568952" cy="1956405"/>
               <a:chOff x="51487" y="1220667"/>
               <a:chExt cx="8568952" cy="1956405"/>
@@ -11094,10 +9240,10 @@
         </p:grpSp>
         <p:sp>
           <p:nvSpPr>
-            <p:cNvPr id="6" name="Rounded Rectangle 5">
+            <p:cNvPr id="11" name="Rectangle 10">
               <a:extLst>
                 <a:ext uri="{FF2B5EF4-FFF2-40B4-BE49-F238E27FC236}">
-                  <a16:creationId xmlns:a16="http://schemas.microsoft.com/office/drawing/2014/main" id="{9FA594EF-EFF4-294D-AD26-A6844BDEE6EF}"/>
+                  <a16:creationId xmlns:a16="http://schemas.microsoft.com/office/drawing/2014/main" id="{F8AC5208-F2DD-4944-AD7D-963C867D2BC8}"/>
                 </a:ext>
               </a:extLst>
             </p:cNvPr>
@@ -11106,1256 +9252,14 @@
           </p:nvSpPr>
           <p:spPr>
             <a:xfrm>
-              <a:off x="4885016" y="2708920"/>
+              <a:off x="6517028" y="2708920"/>
               <a:ext cx="72008" cy="1584176"/>
             </a:xfrm>
-            <a:prstGeom prst="roundRect">
-              <a:avLst>
-                <a:gd name="adj" fmla="val 47427"/>
-              </a:avLst>
+            <a:prstGeom prst="rect">
+              <a:avLst/>
             </a:prstGeom>
             <a:solidFill>
               <a:srgbClr val="9CB1C7"/>
-            </a:solidFill>
-            <a:ln>
-              <a:solidFill>
-                <a:srgbClr val="9CB1C7"/>
-              </a:solidFill>
-            </a:ln>
-            <a:effectLst/>
-          </p:spPr>
-          <p:style>
-            <a:lnRef idx="1">
-              <a:schemeClr val="accent1"/>
-            </a:lnRef>
-            <a:fillRef idx="3">
-              <a:schemeClr val="accent1"/>
-            </a:fillRef>
-            <a:effectRef idx="2">
-              <a:schemeClr val="accent1"/>
-            </a:effectRef>
-            <a:fontRef idx="minor">
-              <a:schemeClr val="lt1"/>
-            </a:fontRef>
-          </p:style>
-          <p:txBody>
-            <a:bodyPr rtlCol="0" anchor="ctr"/>
-            <a:lstStyle/>
-            <a:p>
-              <a:pPr algn="ctr"/>
-              <a:endParaRPr lang="ru-RU" dirty="0"/>
-            </a:p>
-          </p:txBody>
-        </p:sp>
-      </p:grpSp>
-    </p:spTree>
-    <p:extLst>
-      <p:ext uri="{BB962C8B-B14F-4D97-AF65-F5344CB8AC3E}">
-        <p14:creationId xmlns:p14="http://schemas.microsoft.com/office/powerpoint/2010/main" val="620716924"/>
-      </p:ext>
-    </p:extLst>
-  </p:cSld>
-  <p:clrMapOvr>
-    <a:masterClrMapping/>
-  </p:clrMapOvr>
-</p:sld>
-</file>
-
-<file path=ppt/slides/slide2.xml><?xml version="1.0" encoding="utf-8"?>
-<p:sld xmlns:a="http://schemas.openxmlformats.org/drawingml/2006/main" xmlns:r="http://schemas.openxmlformats.org/officeDocument/2006/relationships" xmlns:p="http://schemas.openxmlformats.org/presentationml/2006/main">
-  <p:cSld>
-    <p:spTree>
-      <p:nvGrpSpPr>
-        <p:cNvPr id="1" name=""/>
-        <p:cNvGrpSpPr/>
-        <p:nvPr/>
-      </p:nvGrpSpPr>
-      <p:grpSpPr>
-        <a:xfrm>
-          <a:off x="0" y="0"/>
-          <a:ext cx="0" cy="0"/>
-          <a:chOff x="0" y="0"/>
-          <a:chExt cx="0" cy="0"/>
-        </a:xfrm>
-      </p:grpSpPr>
-      <p:pic>
-        <p:nvPicPr>
-          <p:cNvPr id="4" name="Picture 3">
-            <a:extLst>
-              <a:ext uri="{FF2B5EF4-FFF2-40B4-BE49-F238E27FC236}">
-                <a16:creationId xmlns:a16="http://schemas.microsoft.com/office/drawing/2014/main" id="{5ECEFF7C-DDA4-3940-945A-D2F875F97B2E}"/>
-              </a:ext>
-            </a:extLst>
-          </p:cNvPr>
-          <p:cNvPicPr>
-            <a:picLocks noChangeAspect="1"/>
-          </p:cNvPicPr>
-          <p:nvPr/>
-        </p:nvPicPr>
-        <p:blipFill>
-          <a:blip r:embed="rId2"/>
-          <a:stretch>
-            <a:fillRect/>
-          </a:stretch>
-        </p:blipFill>
-        <p:spPr>
-          <a:xfrm>
-            <a:off x="0" y="0"/>
-            <a:ext cx="12192000" cy="6858000"/>
-          </a:xfrm>
-          <a:prstGeom prst="rect">
-            <a:avLst/>
-          </a:prstGeom>
-        </p:spPr>
-      </p:pic>
-      <p:sp>
-        <p:nvSpPr>
-          <p:cNvPr id="6" name="Rectangle 5">
-            <a:extLst>
-              <a:ext uri="{FF2B5EF4-FFF2-40B4-BE49-F238E27FC236}">
-                <a16:creationId xmlns:a16="http://schemas.microsoft.com/office/drawing/2014/main" id="{26134405-6251-7644-8C36-E47E24DA7038}"/>
-              </a:ext>
-            </a:extLst>
-          </p:cNvPr>
-          <p:cNvSpPr/>
-          <p:nvPr/>
-        </p:nvSpPr>
-        <p:spPr>
-          <a:xfrm>
-            <a:off x="0" y="-1"/>
-            <a:ext cx="12192000" cy="6858000"/>
-          </a:xfrm>
-          <a:prstGeom prst="rect">
-            <a:avLst/>
-          </a:prstGeom>
-          <a:solidFill>
-            <a:srgbClr val="7792B0">
-              <a:alpha val="50196"/>
-            </a:srgbClr>
-          </a:solidFill>
-          <a:ln>
-            <a:noFill/>
-          </a:ln>
-        </p:spPr>
-        <p:style>
-          <a:lnRef idx="2">
-            <a:schemeClr val="accent1">
-              <a:shade val="50000"/>
-            </a:schemeClr>
-          </a:lnRef>
-          <a:fillRef idx="1">
-            <a:schemeClr val="accent1"/>
-          </a:fillRef>
-          <a:effectRef idx="0">
-            <a:schemeClr val="accent1"/>
-          </a:effectRef>
-          <a:fontRef idx="minor">
-            <a:schemeClr val="lt1"/>
-          </a:fontRef>
-        </p:style>
-        <p:txBody>
-          <a:bodyPr rtlCol="0" anchor="ctr"/>
-          <a:lstStyle/>
-          <a:p>
-            <a:pPr algn="ctr"/>
-            <a:endParaRPr lang="en-GB"/>
-          </a:p>
-        </p:txBody>
-      </p:sp>
-      <p:sp>
-        <p:nvSpPr>
-          <p:cNvPr id="23" name="TextBox 22">
-            <a:extLst>
-              <a:ext uri="{FF2B5EF4-FFF2-40B4-BE49-F238E27FC236}">
-                <a16:creationId xmlns:a16="http://schemas.microsoft.com/office/drawing/2014/main" id="{A36453A2-7193-784D-8062-CF2650A8C149}"/>
-              </a:ext>
-            </a:extLst>
-          </p:cNvPr>
-          <p:cNvSpPr txBox="1"/>
-          <p:nvPr/>
-        </p:nvSpPr>
-        <p:spPr>
-          <a:xfrm>
-            <a:off x="1698001" y="2828835"/>
-            <a:ext cx="8795998" cy="1200329"/>
-          </a:xfrm>
-          <a:prstGeom prst="rect">
-            <a:avLst/>
-          </a:prstGeom>
-          <a:noFill/>
-        </p:spPr>
-        <p:txBody>
-          <a:bodyPr wrap="none" rtlCol="0">
-            <a:spAutoFit/>
-          </a:bodyPr>
-          <a:lstStyle/>
-          <a:p>
-            <a:pPr algn="ctr"/>
-            <a:r>
-              <a:rPr lang="en-US" sz="7200" b="1" dirty="0">
-                <a:solidFill>
-                  <a:schemeClr val="bg1"/>
-                </a:solidFill>
-                <a:latin typeface="Georgia" charset="0"/>
-                <a:ea typeface="Georgia" charset="0"/>
-                <a:cs typeface="Georgia" charset="0"/>
-              </a:rPr>
-              <a:t>Adding comments</a:t>
-            </a:r>
-          </a:p>
-        </p:txBody>
-      </p:sp>
-    </p:spTree>
-    <p:extLst>
-      <p:ext uri="{BB962C8B-B14F-4D97-AF65-F5344CB8AC3E}">
-        <p14:creationId xmlns:p14="http://schemas.microsoft.com/office/powerpoint/2010/main" val="1890602793"/>
-      </p:ext>
-    </p:extLst>
-  </p:cSld>
-  <p:clrMapOvr>
-    <a:masterClrMapping/>
-  </p:clrMapOvr>
-</p:sld>
-</file>
-
-<file path=ppt/slides/slide3.xml><?xml version="1.0" encoding="utf-8"?>
-<p:sld xmlns:a="http://schemas.openxmlformats.org/drawingml/2006/main" xmlns:r="http://schemas.openxmlformats.org/officeDocument/2006/relationships" xmlns:p="http://schemas.openxmlformats.org/presentationml/2006/main">
-  <p:cSld>
-    <p:spTree>
-      <p:nvGrpSpPr>
-        <p:cNvPr id="1" name=""/>
-        <p:cNvGrpSpPr/>
-        <p:nvPr/>
-      </p:nvGrpSpPr>
-      <p:grpSpPr>
-        <a:xfrm>
-          <a:off x="0" y="0"/>
-          <a:ext cx="0" cy="0"/>
-          <a:chOff x="0" y="0"/>
-          <a:chExt cx="0" cy="0"/>
-        </a:xfrm>
-      </p:grpSpPr>
-      <p:sp>
-        <p:nvSpPr>
-          <p:cNvPr id="2" name="Rectangle 1">
-            <a:extLst>
-              <a:ext uri="{FF2B5EF4-FFF2-40B4-BE49-F238E27FC236}">
-                <a16:creationId xmlns:a16="http://schemas.microsoft.com/office/drawing/2014/main" id="{7F5D3B9B-FCB9-974F-9972-DD237E4D88E9}"/>
-              </a:ext>
-            </a:extLst>
-          </p:cNvPr>
-          <p:cNvSpPr/>
-          <p:nvPr/>
-        </p:nvSpPr>
-        <p:spPr>
-          <a:xfrm>
-            <a:off x="0" y="0"/>
-            <a:ext cx="12192000" cy="6858000"/>
-          </a:xfrm>
-          <a:prstGeom prst="rect">
-            <a:avLst/>
-          </a:prstGeom>
-          <a:solidFill>
-            <a:srgbClr val="7792B0"/>
-          </a:solidFill>
-          <a:ln>
-            <a:noFill/>
-          </a:ln>
-        </p:spPr>
-        <p:style>
-          <a:lnRef idx="2">
-            <a:schemeClr val="accent1">
-              <a:shade val="50000"/>
-            </a:schemeClr>
-          </a:lnRef>
-          <a:fillRef idx="1">
-            <a:schemeClr val="accent1"/>
-          </a:fillRef>
-          <a:effectRef idx="0">
-            <a:schemeClr val="accent1"/>
-          </a:effectRef>
-          <a:fontRef idx="minor">
-            <a:schemeClr val="lt1"/>
-          </a:fontRef>
-        </p:style>
-        <p:txBody>
-          <a:bodyPr rtlCol="0" anchor="ctr"/>
-          <a:lstStyle/>
-          <a:p>
-            <a:pPr algn="ctr"/>
-            <a:endParaRPr lang="en-GB"/>
-          </a:p>
-        </p:txBody>
-      </p:sp>
-      <p:sp>
-        <p:nvSpPr>
-          <p:cNvPr id="23" name="TextBox 22">
-            <a:extLst>
-              <a:ext uri="{FF2B5EF4-FFF2-40B4-BE49-F238E27FC236}">
-                <a16:creationId xmlns:a16="http://schemas.microsoft.com/office/drawing/2014/main" id="{A36453A2-7193-784D-8062-CF2650A8C149}"/>
-              </a:ext>
-            </a:extLst>
-          </p:cNvPr>
-          <p:cNvSpPr txBox="1"/>
-          <p:nvPr/>
-        </p:nvSpPr>
-        <p:spPr>
-          <a:xfrm>
-            <a:off x="1698001" y="2828835"/>
-            <a:ext cx="8795998" cy="1200329"/>
-          </a:xfrm>
-          <a:prstGeom prst="rect">
-            <a:avLst/>
-          </a:prstGeom>
-          <a:noFill/>
-        </p:spPr>
-        <p:txBody>
-          <a:bodyPr wrap="none" rtlCol="0">
-            <a:spAutoFit/>
-          </a:bodyPr>
-          <a:lstStyle/>
-          <a:p>
-            <a:pPr algn="ctr"/>
-            <a:r>
-              <a:rPr lang="en-US" sz="7200" b="1" dirty="0">
-                <a:solidFill>
-                  <a:srgbClr val="C7D2E0"/>
-                </a:solidFill>
-                <a:latin typeface="Georgia" charset="0"/>
-                <a:ea typeface="Georgia" charset="0"/>
-                <a:cs typeface="Georgia" charset="0"/>
-              </a:rPr>
-              <a:t>Adding </a:t>
-            </a:r>
-            <a:r>
-              <a:rPr lang="en-US" sz="7200" b="1" dirty="0">
-                <a:solidFill>
-                  <a:schemeClr val="bg1"/>
-                </a:solidFill>
-                <a:latin typeface="Georgia" charset="0"/>
-                <a:ea typeface="Georgia" charset="0"/>
-                <a:cs typeface="Georgia" charset="0"/>
-              </a:rPr>
-              <a:t>comments</a:t>
-            </a:r>
-          </a:p>
-        </p:txBody>
-      </p:sp>
-    </p:spTree>
-    <p:extLst>
-      <p:ext uri="{BB962C8B-B14F-4D97-AF65-F5344CB8AC3E}">
-        <p14:creationId xmlns:p14="http://schemas.microsoft.com/office/powerpoint/2010/main" val="860297010"/>
-      </p:ext>
-    </p:extLst>
-  </p:cSld>
-  <p:clrMapOvr>
-    <a:masterClrMapping/>
-  </p:clrMapOvr>
-</p:sld>
-</file>
-
-<file path=ppt/slides/slide4.xml><?xml version="1.0" encoding="utf-8"?>
-<p:sld xmlns:a="http://schemas.openxmlformats.org/drawingml/2006/main" xmlns:r="http://schemas.openxmlformats.org/officeDocument/2006/relationships" xmlns:p="http://schemas.openxmlformats.org/presentationml/2006/main">
-  <p:cSld>
-    <p:spTree>
-      <p:nvGrpSpPr>
-        <p:cNvPr id="1" name=""/>
-        <p:cNvGrpSpPr/>
-        <p:nvPr/>
-      </p:nvGrpSpPr>
-      <p:grpSpPr>
-        <a:xfrm>
-          <a:off x="0" y="0"/>
-          <a:ext cx="0" cy="0"/>
-          <a:chOff x="0" y="0"/>
-          <a:chExt cx="0" cy="0"/>
-        </a:xfrm>
-      </p:grpSpPr>
-      <p:sp>
-        <p:nvSpPr>
-          <p:cNvPr id="2" name="Rectangle 1">
-            <a:extLst>
-              <a:ext uri="{FF2B5EF4-FFF2-40B4-BE49-F238E27FC236}">
-                <a16:creationId xmlns:a16="http://schemas.microsoft.com/office/drawing/2014/main" id="{7F5D3B9B-FCB9-974F-9972-DD237E4D88E9}"/>
-              </a:ext>
-            </a:extLst>
-          </p:cNvPr>
-          <p:cNvSpPr/>
-          <p:nvPr/>
-        </p:nvSpPr>
-        <p:spPr>
-          <a:xfrm>
-            <a:off x="0" y="0"/>
-            <a:ext cx="12192000" cy="6858000"/>
-          </a:xfrm>
-          <a:prstGeom prst="rect">
-            <a:avLst/>
-          </a:prstGeom>
-          <a:solidFill>
-            <a:srgbClr val="7792B0"/>
-          </a:solidFill>
-          <a:ln>
-            <a:noFill/>
-          </a:ln>
-        </p:spPr>
-        <p:style>
-          <a:lnRef idx="2">
-            <a:schemeClr val="accent1">
-              <a:shade val="50000"/>
-            </a:schemeClr>
-          </a:lnRef>
-          <a:fillRef idx="1">
-            <a:schemeClr val="accent1"/>
-          </a:fillRef>
-          <a:effectRef idx="0">
-            <a:schemeClr val="accent1"/>
-          </a:effectRef>
-          <a:fontRef idx="minor">
-            <a:schemeClr val="lt1"/>
-          </a:fontRef>
-        </p:style>
-        <p:txBody>
-          <a:bodyPr rtlCol="0" anchor="ctr"/>
-          <a:lstStyle/>
-          <a:p>
-            <a:pPr algn="ctr"/>
-            <a:endParaRPr lang="en-GB"/>
-          </a:p>
-        </p:txBody>
-      </p:sp>
-      <p:sp>
-        <p:nvSpPr>
-          <p:cNvPr id="23" name="TextBox 22">
-            <a:extLst>
-              <a:ext uri="{FF2B5EF4-FFF2-40B4-BE49-F238E27FC236}">
-                <a16:creationId xmlns:a16="http://schemas.microsoft.com/office/drawing/2014/main" id="{A36453A2-7193-784D-8062-CF2650A8C149}"/>
-              </a:ext>
-            </a:extLst>
-          </p:cNvPr>
-          <p:cNvSpPr txBox="1"/>
-          <p:nvPr/>
-        </p:nvSpPr>
-        <p:spPr>
-          <a:xfrm>
-            <a:off x="2929110" y="2828835"/>
-            <a:ext cx="6333785" cy="1200329"/>
-          </a:xfrm>
-          <a:prstGeom prst="rect">
-            <a:avLst/>
-          </a:prstGeom>
-          <a:noFill/>
-        </p:spPr>
-        <p:txBody>
-          <a:bodyPr wrap="none" rtlCol="0">
-            <a:spAutoFit/>
-          </a:bodyPr>
-          <a:lstStyle/>
-          <a:p>
-            <a:pPr algn="ctr"/>
-            <a:r>
-              <a:rPr lang="en-US" sz="7200" b="1" dirty="0">
-                <a:solidFill>
-                  <a:schemeClr val="bg1"/>
-                </a:solidFill>
-                <a:latin typeface="Georgia" charset="0"/>
-                <a:ea typeface="Georgia" charset="0"/>
-                <a:cs typeface="Georgia" charset="0"/>
-              </a:rPr>
-              <a:t>Commenting</a:t>
-            </a:r>
-            <a:endParaRPr lang="en-US" sz="7200" b="1" dirty="0">
-              <a:solidFill>
-                <a:srgbClr val="C7D2E0"/>
-              </a:solidFill>
-              <a:latin typeface="Georgia" charset="0"/>
-              <a:ea typeface="Georgia" charset="0"/>
-              <a:cs typeface="Georgia" charset="0"/>
-            </a:endParaRPr>
-          </a:p>
-        </p:txBody>
-      </p:sp>
-    </p:spTree>
-    <p:extLst>
-      <p:ext uri="{BB962C8B-B14F-4D97-AF65-F5344CB8AC3E}">
-        <p14:creationId xmlns:p14="http://schemas.microsoft.com/office/powerpoint/2010/main" val="250217037"/>
-      </p:ext>
-    </p:extLst>
-  </p:cSld>
-  <p:clrMapOvr>
-    <a:masterClrMapping/>
-  </p:clrMapOvr>
-</p:sld>
-</file>
-
-<file path=ppt/slides/slide5.xml><?xml version="1.0" encoding="utf-8"?>
-<p:sld xmlns:a="http://schemas.openxmlformats.org/drawingml/2006/main" xmlns:r="http://schemas.openxmlformats.org/officeDocument/2006/relationships" xmlns:p="http://schemas.openxmlformats.org/presentationml/2006/main">
-  <p:cSld>
-    <p:spTree>
-      <p:nvGrpSpPr>
-        <p:cNvPr id="1" name=""/>
-        <p:cNvGrpSpPr/>
-        <p:nvPr/>
-      </p:nvGrpSpPr>
-      <p:grpSpPr>
-        <a:xfrm>
-          <a:off x="0" y="0"/>
-          <a:ext cx="0" cy="0"/>
-          <a:chOff x="0" y="0"/>
-          <a:chExt cx="0" cy="0"/>
-        </a:xfrm>
-      </p:grpSpPr>
-      <p:sp>
-        <p:nvSpPr>
-          <p:cNvPr id="2" name="Rectangle 1">
-            <a:extLst>
-              <a:ext uri="{FF2B5EF4-FFF2-40B4-BE49-F238E27FC236}">
-                <a16:creationId xmlns:a16="http://schemas.microsoft.com/office/drawing/2014/main" id="{7F5D3B9B-FCB9-974F-9972-DD237E4D88E9}"/>
-              </a:ext>
-            </a:extLst>
-          </p:cNvPr>
-          <p:cNvSpPr/>
-          <p:nvPr/>
-        </p:nvSpPr>
-        <p:spPr>
-          <a:xfrm>
-            <a:off x="0" y="0"/>
-            <a:ext cx="12192000" cy="6858000"/>
-          </a:xfrm>
-          <a:prstGeom prst="rect">
-            <a:avLst/>
-          </a:prstGeom>
-          <a:solidFill>
-            <a:srgbClr val="7792B0"/>
-          </a:solidFill>
-          <a:ln>
-            <a:noFill/>
-          </a:ln>
-        </p:spPr>
-        <p:style>
-          <a:lnRef idx="2">
-            <a:schemeClr val="accent1">
-              <a:shade val="50000"/>
-            </a:schemeClr>
-          </a:lnRef>
-          <a:fillRef idx="1">
-            <a:schemeClr val="accent1"/>
-          </a:fillRef>
-          <a:effectRef idx="0">
-            <a:schemeClr val="accent1"/>
-          </a:effectRef>
-          <a:fontRef idx="minor">
-            <a:schemeClr val="lt1"/>
-          </a:fontRef>
-        </p:style>
-        <p:txBody>
-          <a:bodyPr rtlCol="0" anchor="ctr"/>
-          <a:lstStyle/>
-          <a:p>
-            <a:pPr algn="ctr"/>
-            <a:endParaRPr lang="en-GB"/>
-          </a:p>
-        </p:txBody>
-      </p:sp>
-      <p:sp>
-        <p:nvSpPr>
-          <p:cNvPr id="23" name="TextBox 22">
-            <a:extLst>
-              <a:ext uri="{FF2B5EF4-FFF2-40B4-BE49-F238E27FC236}">
-                <a16:creationId xmlns:a16="http://schemas.microsoft.com/office/drawing/2014/main" id="{A36453A2-7193-784D-8062-CF2650A8C149}"/>
-              </a:ext>
-            </a:extLst>
-          </p:cNvPr>
-          <p:cNvSpPr txBox="1"/>
-          <p:nvPr/>
-        </p:nvSpPr>
-        <p:spPr>
-          <a:xfrm>
-            <a:off x="1698001" y="2828835"/>
-            <a:ext cx="8795998" cy="1200329"/>
-          </a:xfrm>
-          <a:prstGeom prst="rect">
-            <a:avLst/>
-          </a:prstGeom>
-          <a:noFill/>
-        </p:spPr>
-        <p:txBody>
-          <a:bodyPr wrap="none" rtlCol="0">
-            <a:spAutoFit/>
-          </a:bodyPr>
-          <a:lstStyle/>
-          <a:p>
-            <a:pPr algn="ctr"/>
-            <a:r>
-              <a:rPr lang="en-US" sz="7200" b="1" dirty="0">
-                <a:solidFill>
-                  <a:schemeClr val="bg1"/>
-                </a:solidFill>
-                <a:latin typeface="Georgia" charset="0"/>
-                <a:ea typeface="Georgia" charset="0"/>
-                <a:cs typeface="Georgia" charset="0"/>
-              </a:rPr>
-              <a:t>Adding comments</a:t>
-            </a:r>
-          </a:p>
-        </p:txBody>
-      </p:sp>
-    </p:spTree>
-    <p:extLst>
-      <p:ext uri="{BB962C8B-B14F-4D97-AF65-F5344CB8AC3E}">
-        <p14:creationId xmlns:p14="http://schemas.microsoft.com/office/powerpoint/2010/main" val="1197186908"/>
-      </p:ext>
-    </p:extLst>
-  </p:cSld>
-  <p:clrMapOvr>
-    <a:masterClrMapping/>
-  </p:clrMapOvr>
-</p:sld>
-</file>
-
-<file path=ppt/slides/slide6.xml><?xml version="1.0" encoding="utf-8"?>
-<p:sld xmlns:a="http://schemas.openxmlformats.org/drawingml/2006/main" xmlns:r="http://schemas.openxmlformats.org/officeDocument/2006/relationships" xmlns:p="http://schemas.openxmlformats.org/presentationml/2006/main">
-  <p:cSld>
-    <p:spTree>
-      <p:nvGrpSpPr>
-        <p:cNvPr id="1" name=""/>
-        <p:cNvGrpSpPr/>
-        <p:nvPr/>
-      </p:nvGrpSpPr>
-      <p:grpSpPr>
-        <a:xfrm>
-          <a:off x="0" y="0"/>
-          <a:ext cx="0" cy="0"/>
-          <a:chOff x="0" y="0"/>
-          <a:chExt cx="0" cy="0"/>
-        </a:xfrm>
-      </p:grpSpPr>
-      <p:sp>
-        <p:nvSpPr>
-          <p:cNvPr id="2" name="Rectangle 1">
-            <a:extLst>
-              <a:ext uri="{FF2B5EF4-FFF2-40B4-BE49-F238E27FC236}">
-                <a16:creationId xmlns:a16="http://schemas.microsoft.com/office/drawing/2014/main" id="{7F5D3B9B-FCB9-974F-9972-DD237E4D88E9}"/>
-              </a:ext>
-            </a:extLst>
-          </p:cNvPr>
-          <p:cNvSpPr/>
-          <p:nvPr/>
-        </p:nvSpPr>
-        <p:spPr>
-          <a:xfrm>
-            <a:off x="0" y="0"/>
-            <a:ext cx="12192000" cy="6858000"/>
-          </a:xfrm>
-          <a:prstGeom prst="rect">
-            <a:avLst/>
-          </a:prstGeom>
-          <a:solidFill>
-            <a:srgbClr val="2F5389"/>
-          </a:solidFill>
-          <a:ln>
-            <a:noFill/>
-          </a:ln>
-        </p:spPr>
-        <p:style>
-          <a:lnRef idx="2">
-            <a:schemeClr val="accent1">
-              <a:shade val="50000"/>
-            </a:schemeClr>
-          </a:lnRef>
-          <a:fillRef idx="1">
-            <a:schemeClr val="accent1"/>
-          </a:fillRef>
-          <a:effectRef idx="0">
-            <a:schemeClr val="accent1"/>
-          </a:effectRef>
-          <a:fontRef idx="minor">
-            <a:schemeClr val="lt1"/>
-          </a:fontRef>
-        </p:style>
-        <p:txBody>
-          <a:bodyPr rtlCol="0" anchor="ctr"/>
-          <a:lstStyle/>
-          <a:p>
-            <a:pPr algn="ctr"/>
-            <a:endParaRPr lang="en-GB"/>
-          </a:p>
-        </p:txBody>
-      </p:sp>
-      <p:sp>
-        <p:nvSpPr>
-          <p:cNvPr id="23" name="TextBox 22">
-            <a:extLst>
-              <a:ext uri="{FF2B5EF4-FFF2-40B4-BE49-F238E27FC236}">
-                <a16:creationId xmlns:a16="http://schemas.microsoft.com/office/drawing/2014/main" id="{A36453A2-7193-784D-8062-CF2650A8C149}"/>
-              </a:ext>
-            </a:extLst>
-          </p:cNvPr>
-          <p:cNvSpPr txBox="1"/>
-          <p:nvPr/>
-        </p:nvSpPr>
-        <p:spPr>
-          <a:xfrm>
-            <a:off x="1698001" y="2828835"/>
-            <a:ext cx="8795998" cy="1200329"/>
-          </a:xfrm>
-          <a:prstGeom prst="rect">
-            <a:avLst/>
-          </a:prstGeom>
-          <a:noFill/>
-        </p:spPr>
-        <p:txBody>
-          <a:bodyPr wrap="none" rtlCol="0">
-            <a:spAutoFit/>
-          </a:bodyPr>
-          <a:lstStyle/>
-          <a:p>
-            <a:pPr algn="ctr"/>
-            <a:r>
-              <a:rPr lang="en-US" sz="7200" b="1" dirty="0">
-                <a:solidFill>
-                  <a:srgbClr val="A7BED2"/>
-                </a:solidFill>
-                <a:latin typeface="Georgia" charset="0"/>
-                <a:ea typeface="Georgia" charset="0"/>
-                <a:cs typeface="Georgia" charset="0"/>
-              </a:rPr>
-              <a:t>Adding</a:t>
-            </a:r>
-            <a:r>
-              <a:rPr lang="en-US" sz="7200" b="1" dirty="0">
-                <a:solidFill>
-                  <a:schemeClr val="bg1"/>
-                </a:solidFill>
-                <a:latin typeface="Georgia" charset="0"/>
-                <a:ea typeface="Georgia" charset="0"/>
-                <a:cs typeface="Georgia" charset="0"/>
-              </a:rPr>
-              <a:t> comments</a:t>
-            </a:r>
-          </a:p>
-        </p:txBody>
-      </p:sp>
-    </p:spTree>
-    <p:extLst>
-      <p:ext uri="{BB962C8B-B14F-4D97-AF65-F5344CB8AC3E}">
-        <p14:creationId xmlns:p14="http://schemas.microsoft.com/office/powerpoint/2010/main" val="3427087899"/>
-      </p:ext>
-    </p:extLst>
-  </p:cSld>
-  <p:clrMapOvr>
-    <a:masterClrMapping/>
-  </p:clrMapOvr>
-</p:sld>
-</file>
-
-<file path=ppt/slides/slide7.xml><?xml version="1.0" encoding="utf-8"?>
-<p:sld xmlns:a="http://schemas.openxmlformats.org/drawingml/2006/main" xmlns:r="http://schemas.openxmlformats.org/officeDocument/2006/relationships" xmlns:p="http://schemas.openxmlformats.org/presentationml/2006/main">
-  <p:cSld>
-    <p:spTree>
-      <p:nvGrpSpPr>
-        <p:cNvPr id="1" name=""/>
-        <p:cNvGrpSpPr/>
-        <p:nvPr/>
-      </p:nvGrpSpPr>
-      <p:grpSpPr>
-        <a:xfrm>
-          <a:off x="0" y="0"/>
-          <a:ext cx="0" cy="0"/>
-          <a:chOff x="0" y="0"/>
-          <a:chExt cx="0" cy="0"/>
-        </a:xfrm>
-      </p:grpSpPr>
-      <p:sp>
-        <p:nvSpPr>
-          <p:cNvPr id="2" name="Rectangle 1">
-            <a:extLst>
-              <a:ext uri="{FF2B5EF4-FFF2-40B4-BE49-F238E27FC236}">
-                <a16:creationId xmlns:a16="http://schemas.microsoft.com/office/drawing/2014/main" id="{7F5D3B9B-FCB9-974F-9972-DD237E4D88E9}"/>
-              </a:ext>
-            </a:extLst>
-          </p:cNvPr>
-          <p:cNvSpPr/>
-          <p:nvPr/>
-        </p:nvSpPr>
-        <p:spPr>
-          <a:xfrm>
-            <a:off x="0" y="0"/>
-            <a:ext cx="12192000" cy="6858000"/>
-          </a:xfrm>
-          <a:prstGeom prst="rect">
-            <a:avLst/>
-          </a:prstGeom>
-          <a:solidFill>
-            <a:srgbClr val="2F5389"/>
-          </a:solidFill>
-          <a:ln>
-            <a:noFill/>
-          </a:ln>
-        </p:spPr>
-        <p:style>
-          <a:lnRef idx="2">
-            <a:schemeClr val="accent1">
-              <a:shade val="50000"/>
-            </a:schemeClr>
-          </a:lnRef>
-          <a:fillRef idx="1">
-            <a:schemeClr val="accent1"/>
-          </a:fillRef>
-          <a:effectRef idx="0">
-            <a:schemeClr val="accent1"/>
-          </a:effectRef>
-          <a:fontRef idx="minor">
-            <a:schemeClr val="lt1"/>
-          </a:fontRef>
-        </p:style>
-        <p:txBody>
-          <a:bodyPr rtlCol="0" anchor="ctr"/>
-          <a:lstStyle/>
-          <a:p>
-            <a:pPr algn="ctr"/>
-            <a:endParaRPr lang="en-GB"/>
-          </a:p>
-        </p:txBody>
-      </p:sp>
-      <p:sp>
-        <p:nvSpPr>
-          <p:cNvPr id="23" name="TextBox 22">
-            <a:extLst>
-              <a:ext uri="{FF2B5EF4-FFF2-40B4-BE49-F238E27FC236}">
-                <a16:creationId xmlns:a16="http://schemas.microsoft.com/office/drawing/2014/main" id="{A36453A2-7193-784D-8062-CF2650A8C149}"/>
-              </a:ext>
-            </a:extLst>
-          </p:cNvPr>
-          <p:cNvSpPr txBox="1"/>
-          <p:nvPr/>
-        </p:nvSpPr>
-        <p:spPr>
-          <a:xfrm>
-            <a:off x="1698001" y="2828835"/>
-            <a:ext cx="8795998" cy="1200329"/>
-          </a:xfrm>
-          <a:prstGeom prst="rect">
-            <a:avLst/>
-          </a:prstGeom>
-          <a:noFill/>
-        </p:spPr>
-        <p:txBody>
-          <a:bodyPr wrap="none" rtlCol="0">
-            <a:spAutoFit/>
-          </a:bodyPr>
-          <a:lstStyle/>
-          <a:p>
-            <a:pPr algn="ctr"/>
-            <a:r>
-              <a:rPr lang="en-US" sz="7200" b="1" dirty="0">
-                <a:solidFill>
-                  <a:srgbClr val="A7BED2"/>
-                </a:solidFill>
-                <a:latin typeface="Georgia" charset="0"/>
-                <a:ea typeface="Georgia" charset="0"/>
-                <a:cs typeface="Georgia" charset="0"/>
-              </a:rPr>
-              <a:t>Adding comments</a:t>
-            </a:r>
-          </a:p>
-        </p:txBody>
-      </p:sp>
-    </p:spTree>
-    <p:extLst>
-      <p:ext uri="{BB962C8B-B14F-4D97-AF65-F5344CB8AC3E}">
-        <p14:creationId xmlns:p14="http://schemas.microsoft.com/office/powerpoint/2010/main" val="2026358648"/>
-      </p:ext>
-    </p:extLst>
-  </p:cSld>
-  <p:clrMapOvr>
-    <a:masterClrMapping/>
-  </p:clrMapOvr>
-</p:sld>
-</file>
-
-<file path=ppt/slides/slide8.xml><?xml version="1.0" encoding="utf-8"?>
-<p:sld xmlns:a="http://schemas.openxmlformats.org/drawingml/2006/main" xmlns:r="http://schemas.openxmlformats.org/officeDocument/2006/relationships" xmlns:p="http://schemas.openxmlformats.org/presentationml/2006/main">
-  <p:cSld>
-    <p:spTree>
-      <p:nvGrpSpPr>
-        <p:cNvPr id="1" name=""/>
-        <p:cNvGrpSpPr/>
-        <p:nvPr/>
-      </p:nvGrpSpPr>
-      <p:grpSpPr>
-        <a:xfrm>
-          <a:off x="0" y="0"/>
-          <a:ext cx="0" cy="0"/>
-          <a:chOff x="0" y="0"/>
-          <a:chExt cx="0" cy="0"/>
-        </a:xfrm>
-      </p:grpSpPr>
-      <p:grpSp>
-        <p:nvGrpSpPr>
-          <p:cNvPr id="24" name="Group 23">
-            <a:extLst>
-              <a:ext uri="{FF2B5EF4-FFF2-40B4-BE49-F238E27FC236}">
-                <a16:creationId xmlns:a16="http://schemas.microsoft.com/office/drawing/2014/main" id="{C653B9FF-ED75-C749-AF92-FDFA99EE0D95}"/>
-              </a:ext>
-            </a:extLst>
-          </p:cNvPr>
-          <p:cNvGrpSpPr>
-            <a:grpSpLocks noChangeAspect="1"/>
-          </p:cNvGrpSpPr>
-          <p:nvPr/>
-        </p:nvGrpSpPr>
-        <p:grpSpPr>
-          <a:xfrm>
-            <a:off x="4694215" y="2027169"/>
-            <a:ext cx="2803569" cy="2803662"/>
-            <a:chOff x="4441182" y="1768338"/>
-            <a:chExt cx="2803569" cy="2803662"/>
-          </a:xfrm>
-        </p:grpSpPr>
-        <p:sp>
-          <p:nvSpPr>
-            <p:cNvPr id="25" name="Oval 24">
-              <a:extLst>
-                <a:ext uri="{FF2B5EF4-FFF2-40B4-BE49-F238E27FC236}">
-                  <a16:creationId xmlns:a16="http://schemas.microsoft.com/office/drawing/2014/main" id="{AE068E1E-CFD5-054E-A9AF-F92AF924963A}"/>
-                </a:ext>
-              </a:extLst>
-            </p:cNvPr>
-            <p:cNvSpPr>
-              <a:spLocks noChangeAspect="1"/>
-            </p:cNvSpPr>
-            <p:nvPr/>
-          </p:nvSpPr>
-          <p:spPr>
-            <a:xfrm>
-              <a:off x="4441182" y="1768338"/>
-              <a:ext cx="2803569" cy="2803662"/>
-            </a:xfrm>
-            <a:prstGeom prst="ellipse">
-              <a:avLst/>
-            </a:prstGeom>
-            <a:solidFill>
-              <a:srgbClr val="7792B0"/>
-            </a:solidFill>
-            <a:ln>
-              <a:solidFill>
-                <a:srgbClr val="8C9EBF"/>
-              </a:solidFill>
-            </a:ln>
-          </p:spPr>
-          <p:style>
-            <a:lnRef idx="2">
-              <a:schemeClr val="accent1">
-                <a:shade val="50000"/>
-              </a:schemeClr>
-            </a:lnRef>
-            <a:fillRef idx="1">
-              <a:schemeClr val="accent1"/>
-            </a:fillRef>
-            <a:effectRef idx="0">
-              <a:schemeClr val="accent1"/>
-            </a:effectRef>
-            <a:fontRef idx="minor">
-              <a:schemeClr val="lt1"/>
-            </a:fontRef>
-          </p:style>
-          <p:txBody>
-            <a:bodyPr rtlCol="0" anchor="ctr"/>
-            <a:lstStyle/>
-            <a:p>
-              <a:pPr algn="ctr"/>
-              <a:endParaRPr lang="en-GB">
-                <a:solidFill>
-                  <a:srgbClr val="8C9EBF"/>
-                </a:solidFill>
-              </a:endParaRPr>
-            </a:p>
-          </p:txBody>
-        </p:sp>
-        <p:grpSp>
-          <p:nvGrpSpPr>
-            <p:cNvPr id="26" name="Group 25">
-              <a:extLst>
-                <a:ext uri="{FF2B5EF4-FFF2-40B4-BE49-F238E27FC236}">
-                  <a16:creationId xmlns:a16="http://schemas.microsoft.com/office/drawing/2014/main" id="{A853B6F5-8E78-1A4D-9114-FE06B398B963}"/>
-                </a:ext>
-              </a:extLst>
-            </p:cNvPr>
-            <p:cNvGrpSpPr/>
-            <p:nvPr/>
-          </p:nvGrpSpPr>
-          <p:grpSpPr>
-            <a:xfrm>
-              <a:off x="4727041" y="1839130"/>
-              <a:ext cx="2279791" cy="2420611"/>
-              <a:chOff x="321532" y="1366602"/>
-              <a:chExt cx="2279791" cy="2420611"/>
-            </a:xfrm>
-          </p:grpSpPr>
-          <p:sp>
-            <p:nvSpPr>
-              <p:cNvPr id="27" name="TextBox 26">
-                <a:extLst>
-                  <a:ext uri="{FF2B5EF4-FFF2-40B4-BE49-F238E27FC236}">
-                    <a16:creationId xmlns:a16="http://schemas.microsoft.com/office/drawing/2014/main" id="{348D90F7-2F4B-014A-96C9-9D7B58B849F1}"/>
-                  </a:ext>
-                </a:extLst>
-              </p:cNvPr>
-              <p:cNvSpPr txBox="1"/>
-              <p:nvPr/>
-            </p:nvSpPr>
-            <p:spPr>
-              <a:xfrm>
-                <a:off x="321532" y="1366602"/>
-                <a:ext cx="2202847" cy="1200329"/>
-              </a:xfrm>
-              <a:prstGeom prst="rect">
-                <a:avLst/>
-              </a:prstGeom>
-              <a:noFill/>
-            </p:spPr>
-            <p:txBody>
-              <a:bodyPr wrap="none" rtlCol="0">
-                <a:spAutoFit/>
-              </a:bodyPr>
-              <a:lstStyle/>
-              <a:p>
-                <a:r>
-                  <a:rPr lang="en-US" sz="7200" b="1" dirty="0" err="1">
-                    <a:solidFill>
-                      <a:schemeClr val="bg1"/>
-                    </a:solidFill>
-                    <a:latin typeface="Georgia" charset="0"/>
-                    <a:ea typeface="Georgia" charset="0"/>
-                    <a:cs typeface="Georgia" charset="0"/>
-                  </a:rPr>
-                  <a:t>asth</a:t>
-                </a:r>
-                <a:endParaRPr lang="en-US" sz="7200" b="1" dirty="0">
-                  <a:solidFill>
-                    <a:schemeClr val="bg1"/>
-                  </a:solidFill>
-                  <a:latin typeface="Georgia" charset="0"/>
-                  <a:ea typeface="Georgia" charset="0"/>
-                  <a:cs typeface="Georgia" charset="0"/>
-                </a:endParaRPr>
-              </a:p>
-            </p:txBody>
-          </p:sp>
-          <p:sp>
-            <p:nvSpPr>
-              <p:cNvPr id="28" name="TextBox 27">
-                <a:extLst>
-                  <a:ext uri="{FF2B5EF4-FFF2-40B4-BE49-F238E27FC236}">
-                    <a16:creationId xmlns:a16="http://schemas.microsoft.com/office/drawing/2014/main" id="{FBABAA33-8C85-B44A-AFB7-52A055ECBB18}"/>
-                  </a:ext>
-                </a:extLst>
-              </p:cNvPr>
-              <p:cNvSpPr txBox="1"/>
-              <p:nvPr/>
-            </p:nvSpPr>
-            <p:spPr>
-              <a:xfrm>
-                <a:off x="321532" y="1976743"/>
-                <a:ext cx="1672253" cy="1200329"/>
-              </a:xfrm>
-              <a:prstGeom prst="rect">
-                <a:avLst/>
-              </a:prstGeom>
-              <a:noFill/>
-            </p:spPr>
-            <p:txBody>
-              <a:bodyPr wrap="none" rtlCol="0">
-                <a:spAutoFit/>
-              </a:bodyPr>
-              <a:lstStyle/>
-              <a:p>
-                <a:r>
-                  <a:rPr lang="en-US" sz="7200" b="1" dirty="0">
-                    <a:solidFill>
-                      <a:schemeClr val="bg1"/>
-                    </a:solidFill>
-                    <a:latin typeface="Georgia" charset="0"/>
-                    <a:ea typeface="Georgia" charset="0"/>
-                    <a:cs typeface="Georgia" charset="0"/>
-                  </a:rPr>
-                  <a:t>ma</a:t>
-                </a:r>
-              </a:p>
-            </p:txBody>
-          </p:sp>
-          <p:sp>
-            <p:nvSpPr>
-              <p:cNvPr id="29" name="TextBox 28">
-                <a:extLst>
-                  <a:ext uri="{FF2B5EF4-FFF2-40B4-BE49-F238E27FC236}">
-                    <a16:creationId xmlns:a16="http://schemas.microsoft.com/office/drawing/2014/main" id="{9DD38060-B64F-5645-9020-C5DA28F392A4}"/>
-                  </a:ext>
-                </a:extLst>
-              </p:cNvPr>
-              <p:cNvSpPr txBox="1"/>
-              <p:nvPr/>
-            </p:nvSpPr>
-            <p:spPr>
-              <a:xfrm>
-                <a:off x="321532" y="2586884"/>
-                <a:ext cx="2279791" cy="1200329"/>
-              </a:xfrm>
-              <a:prstGeom prst="rect">
-                <a:avLst/>
-              </a:prstGeom>
-              <a:noFill/>
-            </p:spPr>
-            <p:txBody>
-              <a:bodyPr wrap="none" rtlCol="0">
-                <a:spAutoFit/>
-              </a:bodyPr>
-              <a:lstStyle/>
-              <a:p>
-                <a:r>
-                  <a:rPr lang="en-US" sz="7200" b="1" dirty="0">
-                    <a:solidFill>
-                      <a:srgbClr val="C7D2E0"/>
-                    </a:solidFill>
-                    <a:latin typeface="Georgia" charset="0"/>
-                    <a:ea typeface="Georgia" charset="0"/>
-                    <a:cs typeface="Georgia" charset="0"/>
-                  </a:rPr>
-                  <a:t>map</a:t>
-                </a:r>
-              </a:p>
-            </p:txBody>
-          </p:sp>
-        </p:grpSp>
-      </p:grpSp>
-    </p:spTree>
-    <p:extLst>
-      <p:ext uri="{BB962C8B-B14F-4D97-AF65-F5344CB8AC3E}">
-        <p14:creationId xmlns:p14="http://schemas.microsoft.com/office/powerpoint/2010/main" val="1748658339"/>
-      </p:ext>
-    </p:extLst>
-  </p:cSld>
-  <p:clrMapOvr>
-    <a:masterClrMapping/>
-  </p:clrMapOvr>
-</p:sld>
-</file>
-
-<file path=ppt/slides/slide9.xml><?xml version="1.0" encoding="utf-8"?>
-<p:sld xmlns:a="http://schemas.openxmlformats.org/drawingml/2006/main" xmlns:r="http://schemas.openxmlformats.org/officeDocument/2006/relationships" xmlns:p="http://schemas.openxmlformats.org/presentationml/2006/main">
-  <p:cSld>
-    <p:spTree>
-      <p:nvGrpSpPr>
-        <p:cNvPr id="1" name=""/>
-        <p:cNvGrpSpPr/>
-        <p:nvPr/>
-      </p:nvGrpSpPr>
-      <p:grpSpPr>
-        <a:xfrm>
-          <a:off x="0" y="0"/>
-          <a:ext cx="0" cy="0"/>
-          <a:chOff x="0" y="0"/>
-          <a:chExt cx="0" cy="0"/>
-        </a:xfrm>
-      </p:grpSpPr>
-      <p:sp>
-        <p:nvSpPr>
-          <p:cNvPr id="2" name="Rectangle 1">
-            <a:extLst>
-              <a:ext uri="{FF2B5EF4-FFF2-40B4-BE49-F238E27FC236}">
-                <a16:creationId xmlns:a16="http://schemas.microsoft.com/office/drawing/2014/main" id="{7F5D3B9B-FCB9-974F-9972-DD237E4D88E9}"/>
-              </a:ext>
-            </a:extLst>
-          </p:cNvPr>
-          <p:cNvSpPr/>
-          <p:nvPr/>
-        </p:nvSpPr>
-        <p:spPr>
-          <a:xfrm>
-            <a:off x="0" y="0"/>
-            <a:ext cx="12192000" cy="6858000"/>
-          </a:xfrm>
-          <a:prstGeom prst="rect">
-            <a:avLst/>
-          </a:prstGeom>
-          <a:solidFill>
-            <a:srgbClr val="38393D"/>
-          </a:solidFill>
-          <a:ln>
-            <a:noFill/>
-          </a:ln>
-        </p:spPr>
-        <p:style>
-          <a:lnRef idx="2">
-            <a:schemeClr val="accent1">
-              <a:shade val="50000"/>
-            </a:schemeClr>
-          </a:lnRef>
-          <a:fillRef idx="1">
-            <a:schemeClr val="accent1"/>
-          </a:fillRef>
-          <a:effectRef idx="0">
-            <a:schemeClr val="accent1"/>
-          </a:effectRef>
-          <a:fontRef idx="minor">
-            <a:schemeClr val="lt1"/>
-          </a:fontRef>
-        </p:style>
-        <p:txBody>
-          <a:bodyPr rtlCol="0" anchor="ctr"/>
-          <a:lstStyle/>
-          <a:p>
-            <a:pPr algn="ctr"/>
-            <a:endParaRPr lang="en-GB"/>
-          </a:p>
-        </p:txBody>
-      </p:sp>
-      <p:grpSp>
-        <p:nvGrpSpPr>
-          <p:cNvPr id="49" name="Group 48">
-            <a:extLst>
-              <a:ext uri="{FF2B5EF4-FFF2-40B4-BE49-F238E27FC236}">
-                <a16:creationId xmlns:a16="http://schemas.microsoft.com/office/drawing/2014/main" id="{7BAB7830-75BA-7B4C-B1C9-C1FD9E66EDAF}"/>
-              </a:ext>
-            </a:extLst>
-          </p:cNvPr>
-          <p:cNvGrpSpPr>
-            <a:grpSpLocks noChangeAspect="1"/>
-          </p:cNvGrpSpPr>
-          <p:nvPr/>
-        </p:nvGrpSpPr>
-        <p:grpSpPr>
-          <a:xfrm>
-            <a:off x="4694215" y="2027169"/>
-            <a:ext cx="2803569" cy="2803662"/>
-            <a:chOff x="4441182" y="1768338"/>
-            <a:chExt cx="2803569" cy="2803662"/>
-          </a:xfrm>
-        </p:grpSpPr>
-        <p:sp>
-          <p:nvSpPr>
-            <p:cNvPr id="50" name="Oval 49">
-              <a:extLst>
-                <a:ext uri="{FF2B5EF4-FFF2-40B4-BE49-F238E27FC236}">
-                  <a16:creationId xmlns:a16="http://schemas.microsoft.com/office/drawing/2014/main" id="{AA2C78F5-24E4-6844-8199-88BB23EC698F}"/>
-                </a:ext>
-              </a:extLst>
-            </p:cNvPr>
-            <p:cNvSpPr>
-              <a:spLocks noChangeAspect="1"/>
-            </p:cNvSpPr>
-            <p:nvPr/>
-          </p:nvSpPr>
-          <p:spPr>
-            <a:xfrm>
-              <a:off x="4441182" y="1768338"/>
-              <a:ext cx="2803569" cy="2803662"/>
-            </a:xfrm>
-            <a:prstGeom prst="ellipse">
-              <a:avLst/>
-            </a:prstGeom>
-            <a:solidFill>
-              <a:srgbClr val="7792B0"/>
             </a:solidFill>
             <a:ln>
               <a:noFill/>
@@ -12382,174 +9286,15 @@
             <a:lstStyle/>
             <a:p>
               <a:pPr algn="ctr"/>
-              <a:endParaRPr lang="en-GB">
-                <a:solidFill>
-                  <a:srgbClr val="8C9EBF"/>
-                </a:solidFill>
-              </a:endParaRPr>
+              <a:endParaRPr lang="en-GB"/>
             </a:p>
           </p:txBody>
         </p:sp>
-        <p:grpSp>
-          <p:nvGrpSpPr>
-            <p:cNvPr id="51" name="Group 50">
-              <a:extLst>
-                <a:ext uri="{FF2B5EF4-FFF2-40B4-BE49-F238E27FC236}">
-                  <a16:creationId xmlns:a16="http://schemas.microsoft.com/office/drawing/2014/main" id="{E1AB4518-DBFD-5147-8B7C-7038066EEFA4}"/>
-                </a:ext>
-              </a:extLst>
-            </p:cNvPr>
-            <p:cNvGrpSpPr/>
-            <p:nvPr/>
-          </p:nvGrpSpPr>
-          <p:grpSpPr>
-            <a:xfrm>
-              <a:off x="4727041" y="1839130"/>
-              <a:ext cx="2279791" cy="2420611"/>
-              <a:chOff x="321532" y="1366602"/>
-              <a:chExt cx="2279791" cy="2420611"/>
-            </a:xfrm>
-          </p:grpSpPr>
-          <p:sp>
-            <p:nvSpPr>
-              <p:cNvPr id="52" name="TextBox 51">
-                <a:extLst>
-                  <a:ext uri="{FF2B5EF4-FFF2-40B4-BE49-F238E27FC236}">
-                    <a16:creationId xmlns:a16="http://schemas.microsoft.com/office/drawing/2014/main" id="{562D20B7-025E-994B-896B-C62B9C994EBD}"/>
-                  </a:ext>
-                </a:extLst>
-              </p:cNvPr>
-              <p:cNvSpPr txBox="1"/>
-              <p:nvPr/>
-            </p:nvSpPr>
-            <p:spPr>
-              <a:xfrm>
-                <a:off x="321532" y="1366602"/>
-                <a:ext cx="2202847" cy="1200329"/>
-              </a:xfrm>
-              <a:prstGeom prst="rect">
-                <a:avLst/>
-              </a:prstGeom>
-              <a:noFill/>
-            </p:spPr>
-            <p:txBody>
-              <a:bodyPr wrap="none" rtlCol="0">
-                <a:spAutoFit/>
-              </a:bodyPr>
-              <a:lstStyle/>
-              <a:p>
-                <a:r>
-                  <a:rPr lang="en-US" sz="7200" b="1" dirty="0" err="1">
-                    <a:solidFill>
-                      <a:schemeClr val="bg1"/>
-                    </a:solidFill>
-                    <a:latin typeface="Georgia" charset="0"/>
-                    <a:ea typeface="Georgia" charset="0"/>
-                    <a:cs typeface="Georgia" charset="0"/>
-                  </a:rPr>
-                  <a:t>asth</a:t>
-                </a:r>
-                <a:endParaRPr lang="en-US" sz="7200" b="1" dirty="0">
-                  <a:solidFill>
-                    <a:schemeClr val="bg1"/>
-                  </a:solidFill>
-                  <a:latin typeface="Georgia" charset="0"/>
-                  <a:ea typeface="Georgia" charset="0"/>
-                  <a:cs typeface="Georgia" charset="0"/>
-                </a:endParaRPr>
-              </a:p>
-            </p:txBody>
-          </p:sp>
-          <p:sp>
-            <p:nvSpPr>
-              <p:cNvPr id="53" name="TextBox 52">
-                <a:extLst>
-                  <a:ext uri="{FF2B5EF4-FFF2-40B4-BE49-F238E27FC236}">
-                    <a16:creationId xmlns:a16="http://schemas.microsoft.com/office/drawing/2014/main" id="{A2683911-3A68-694F-A3F2-45A25D40FD61}"/>
-                  </a:ext>
-                </a:extLst>
-              </p:cNvPr>
-              <p:cNvSpPr txBox="1"/>
-              <p:nvPr/>
-            </p:nvSpPr>
-            <p:spPr>
-              <a:xfrm>
-                <a:off x="321532" y="1976743"/>
-                <a:ext cx="1672253" cy="1200329"/>
-              </a:xfrm>
-              <a:prstGeom prst="rect">
-                <a:avLst/>
-              </a:prstGeom>
-              <a:noFill/>
-            </p:spPr>
-            <p:txBody>
-              <a:bodyPr wrap="none" rtlCol="0">
-                <a:spAutoFit/>
-              </a:bodyPr>
-              <a:lstStyle/>
-              <a:p>
-                <a:r>
-                  <a:rPr lang="en-US" sz="7200" b="1" dirty="0">
-                    <a:solidFill>
-                      <a:schemeClr val="bg1"/>
-                    </a:solidFill>
-                    <a:latin typeface="Georgia" charset="0"/>
-                    <a:ea typeface="Georgia" charset="0"/>
-                    <a:cs typeface="Georgia" charset="0"/>
-                  </a:rPr>
-                  <a:t>ma</a:t>
-                </a:r>
-              </a:p>
-            </p:txBody>
-          </p:sp>
-          <p:sp>
-            <p:nvSpPr>
-              <p:cNvPr id="54" name="TextBox 53">
-                <a:extLst>
-                  <a:ext uri="{FF2B5EF4-FFF2-40B4-BE49-F238E27FC236}">
-                    <a16:creationId xmlns:a16="http://schemas.microsoft.com/office/drawing/2014/main" id="{CE959A93-6139-1B4E-B514-08BB230180F4}"/>
-                  </a:ext>
-                </a:extLst>
-              </p:cNvPr>
-              <p:cNvSpPr txBox="1"/>
-              <p:nvPr/>
-            </p:nvSpPr>
-            <p:spPr>
-              <a:xfrm>
-                <a:off x="321532" y="2586884"/>
-                <a:ext cx="2279791" cy="1200329"/>
-              </a:xfrm>
-              <a:prstGeom prst="rect">
-                <a:avLst/>
-              </a:prstGeom>
-              <a:noFill/>
-            </p:spPr>
-            <p:txBody>
-              <a:bodyPr wrap="none" rtlCol="0">
-                <a:spAutoFit/>
-              </a:bodyPr>
-              <a:lstStyle/>
-              <a:p>
-                <a:r>
-                  <a:rPr lang="en-US" sz="7200" b="1" dirty="0">
-                    <a:solidFill>
-                      <a:srgbClr val="C7D2E0"/>
-                    </a:solidFill>
-                    <a:latin typeface="Georgia" charset="0"/>
-                    <a:ea typeface="Georgia" charset="0"/>
-                    <a:cs typeface="Georgia" charset="0"/>
-                  </a:rPr>
-                  <a:t>map</a:t>
-                </a:r>
-              </a:p>
-            </p:txBody>
-          </p:sp>
-        </p:grpSp>
       </p:grpSp>
     </p:spTree>
     <p:extLst>
       <p:ext uri="{BB962C8B-B14F-4D97-AF65-F5344CB8AC3E}">
-        <p14:creationId xmlns:p14="http://schemas.microsoft.com/office/powerpoint/2010/main" val="2435594744"/>
+        <p14:creationId xmlns:p14="http://schemas.microsoft.com/office/powerpoint/2010/main" val="620716924"/>
       </p:ext>
     </p:extLst>
   </p:cSld>
